--- a/ResourceFiles/Mystic Spice Premium Chai Market Analysis Presentation.pptx
+++ b/ResourceFiles/Mystic Spice Premium Chai Market Analysis Presentation.pptx
@@ -736,7 +736,7 @@
                 <a:ea typeface="Aptos"/>
                 <a:cs typeface="Aptos"/>
               </a:rPr>
-              <a:t>Conteúdo Original:</a:t>
+              <a:t>Conteúdo original:</a:t>
             </a:r>
             <a:r>
               <a:rPr sz="1200"/>
@@ -753,7 +753,7 @@
                 <a:ea typeface="Aptos"/>
                 <a:cs typeface="Aptos"/>
               </a:rPr>
-              <a:t>Distribuidores são as empresas que representam e distribuem produtos de chá Chai em nome dos fabricantes ou atacadistas.</a:t>
+              <a:t>Distribuidores são empresas que representam e distribuem os produtos de chá Chai em nome dos fabricantes ou atacadistas.</a:t>
             </a:r>
             <a:r>
               <a:rPr lang="pt-BR" sz="1200" b="0" i="0" strike="noStrike" cap="none" baseline="0">
@@ -825,7 +825,12 @@
                 <a:ea typeface="Aptos"/>
                 <a:cs typeface="Aptos"/>
               </a:rPr>
-              <a:t>ラテン アメリカにおけるチャイ ティー製品の主要な流通業者には、Unilever、Nestle、Coca-Cola、PepsiCo などがあります。</a:t>
+              <a:t>Alguns dos principais distribuidores de produtos de chá Chai na América Latina são: Unilever, Nestlé, Coca-Cola e PepsiCo.</a:t>
+            </a:r>
+            <a:r>
+              <a:rPr sz="1200"/>
+              <a:t>
+</a:t>
             </a:r>
           </a:p>
         </p:txBody>
@@ -966,7 +971,7 @@
                 <a:ea typeface="Aptos"/>
                 <a:cs typeface="Aptos"/>
               </a:rPr>
-              <a:t>O plano será implementado ao longo de 12 meses com um orçamento de US$ 100.000 e avaliado usando indicadores-chave de desempenho.</a:t>
+              <a:t>O plano será implementado ao longo de 12 meses com um orçamento de US$ 100.000 e avaliado usando indicadores chave de desempenho.</a:t>
             </a:r>
             <a:r>
               <a:rPr sz="1200"/>
@@ -993,7 +998,7 @@
                 <a:ea typeface="Aptos"/>
                 <a:cs typeface="Aptos"/>
               </a:rPr>
-              <a:t>Conteúdo Original:</a:t>
+              <a:t>Conteúdo original:</a:t>
             </a:r>
             <a:r>
               <a:rPr sz="1200"/>
@@ -1010,7 +1015,7 @@
                 <a:ea typeface="Aptos"/>
                 <a:cs typeface="Aptos"/>
               </a:rPr>
-              <a:t>Plano e Estratégia</a:t>
+              <a:t>Plano promocional e estratégia</a:t>
             </a:r>
             <a:r>
               <a:rPr sz="1200"/>
@@ -1027,7 +1032,7 @@
                 <a:ea typeface="Aptos"/>
                 <a:cs typeface="Aptos"/>
               </a:rPr>
-              <a:t>de Promoção O plano e estratégia de promoção do chá Chai na América Latina visa atingir os seguintes objetivos:</a:t>
+              <a:t>O plano promocional e a estratégia do chá Chai na América Latina visam atingir os seguintes objetivos:</a:t>
             </a:r>
             <a:r>
               <a:rPr sz="1200"/>
@@ -1061,7 +1066,7 @@
                 <a:ea typeface="Aptos"/>
                 <a:cs typeface="Aptos"/>
               </a:rPr>
-              <a:t>·         Posicione o chá Chai como um produto premium, natural e saudável que oferece uma experiência</a:t>
+              <a:t>·         Posicionar o chá Chai como um produto premium, natural e saudável que oferece uma experiência única e satisfatória</a:t>
             </a:r>
             <a:r>
               <a:rPr sz="1200"/>
@@ -1078,7 +1083,7 @@
                 <a:ea typeface="Aptos"/>
                 <a:cs typeface="Aptos"/>
               </a:rPr>
-              <a:t> única e satisfatória·         Incentive a experimentação e compra do chá Chai através de vários canais e incentivos</a:t>
+              <a:t>·         Encorajar a experimentação e a compra do chá Chai por meio de vários canais e incentivos</a:t>
             </a:r>
             <a:r>
               <a:rPr sz="1200"/>
@@ -1095,7 +1100,7 @@
                 <a:ea typeface="Aptos"/>
                 <a:cs typeface="Aptos"/>
               </a:rPr>
-              <a:t>·         Construa lealdade e retenção entre os consumidores do chá Chai por meio de engajamento e feedback</a:t>
+              <a:t>·         Construir lealdade e retenção entre os consumidores de chá Chai por meio de engajamento e feedback</a:t>
             </a:r>
             <a:r>
               <a:rPr sz="1200"/>
@@ -1112,7 +1117,7 @@
                 <a:ea typeface="Aptos"/>
                 <a:cs typeface="Aptos"/>
               </a:rPr>
-              <a:t>O plano de promoção e a estratégia para o chá Chai na América Latina usarão uma combinação de táticas, tais como:</a:t>
+              <a:t>O plano promocional e a estratégia do chá Chai na América Latina usarão uma combinação de táticas, como:</a:t>
             </a:r>
             <a:r>
               <a:rPr sz="1200"/>
@@ -1129,7 +1134,7 @@
                 <a:ea typeface="Aptos"/>
                 <a:cs typeface="Aptos"/>
               </a:rPr>
-              <a:t>·         Criando um nome de marca e logotipo cativante e memorável para o chá</a:t>
+              <a:t>·         Criar uma marca e um logotipo cativantes e memoráveis para o chá Chai</a:t>
             </a:r>
             <a:r>
               <a:rPr sz="1200"/>
@@ -1146,7 +1151,7 @@
                 <a:ea typeface="Aptos"/>
                 <a:cs typeface="Aptos"/>
               </a:rPr>
-              <a:t> Chai·         Desenvolvendo um site e presença de mídia social para o chá Chai que mostre seus benefícios, recursos e histórias</a:t>
+              <a:t>·         Desenvolver um site e presença nas redes sociais para o chá Chai que mostre os seus benefícios, características e histórias</a:t>
             </a:r>
             <a:r>
               <a:rPr sz="1200"/>
@@ -1163,7 +1168,7 @@
                 <a:ea typeface="Aptos"/>
                 <a:cs typeface="Aptos"/>
               </a:rPr>
-              <a:t>·         Lançamento de uma campanha de marketing digital que usa SEO, SEM, e-mail marketing e marketing de influência para alcançar e atrair clientes</a:t>
+              <a:t>·         Lançar uma campanha de marketing digital que usa SEO, SEM, marketing por email e de influenciadores para alcançar e atrair clientes em potencial</a:t>
             </a:r>
             <a:r>
               <a:rPr sz="1200"/>
@@ -1180,7 +1185,7 @@
                 <a:ea typeface="Aptos"/>
                 <a:cs typeface="Aptos"/>
               </a:rPr>
-              <a:t> em potencial·         Distribuição de amostras e cupons gratuitos de chá Chai em locais estratégicos, como supermercados, cafés e lojas</a:t>
+              <a:t>·         Distribuir amostras grátis e cupons de chá Chai em locais estratégicos, como supermercados, cafés e lojas de produtos naturais</a:t>
             </a:r>
             <a:r>
               <a:rPr sz="1200"/>
@@ -1197,7 +1202,7 @@
                 <a:ea typeface="Aptos"/>
                 <a:cs typeface="Aptos"/>
               </a:rPr>
-              <a:t> de saúde·         Organizar eventos e concursos que convidam as pessoas a experimentar e compartilhar o chá Chai com seus amigos e familiares</a:t>
+              <a:t>·         Organizar eventos e concursos que convidam as pessoas a experimentar e compartilhar o chá Chai com amigos e familiares</a:t>
             </a:r>
             <a:r>
               <a:rPr sz="1200"/>
@@ -1214,7 +1219,7 @@
                 <a:ea typeface="Aptos"/>
                 <a:cs typeface="Aptos"/>
               </a:rPr>
-              <a:t>·         Parceria com empresas e organizações locais que compartilham os mesmos valores e visão do chá</a:t>
+              <a:t>·         Fazer parcerias com empresas e organizações locais que compartilham os mesmos valores e visão do chá Chai</a:t>
             </a:r>
             <a:r>
               <a:rPr sz="1200"/>
@@ -1231,7 +1236,7 @@
                 <a:ea typeface="Aptos"/>
                 <a:cs typeface="Aptos"/>
               </a:rPr>
-              <a:t>Chai O plano de promoção e a estratégia para o chá Chai na América Latina serão implementados durante um período de 12 meses, com um orçamento de US $ 100.000.</a:t>
+              <a:t>O plano promocional e a estratégia do chá Chai na América Latina serão implementados em um período de 12 meses, com um orçamento de US$ 100.000.</a:t>
             </a:r>
             <a:r>
               <a:rPr lang="pt-BR" sz="1200" b="0" i="0" strike="noStrike" cap="none" baseline="0">
@@ -1255,7 +1260,12 @@
                 <a:ea typeface="Aptos"/>
                 <a:cs typeface="Aptos"/>
               </a:rPr>
-              <a:t>この計画は、Web サイトのトラフィック、ソーシャル メディアのエンゲージメント、電子メール開封率、コンバージョン率、販売量、顧客満足度、維持率などの主要業績評価指標を使用して監視および評価されます。</a:t>
+              <a:t>O plano será monitorado e avaliado usando indicadores chave de desempenho, como tráfego do site, engajamento nas redes sociais, taxas de abertura de emails, taxas de conversão, volume de vendas, satisfação do cliente e taxas de retenção.</a:t>
+            </a:r>
+            <a:r>
+              <a:rPr sz="1200"/>
+              <a:t>
+</a:t>
             </a:r>
           </a:p>
         </p:txBody>
@@ -1348,7 +1358,7 @@
                 <a:ea typeface="Aptos"/>
                 <a:cs typeface="Aptos"/>
               </a:rPr>
-              <a:t>O plano e a estratégia de promoção do chá Chai na América Latina devem resultar em um aumento de 20% na conscientização e interesse, um aumento de 10% na participação de mercado, um aumento de 15% no volume de vendas e receita e um aumento de 25% nas taxas de satisfação e retenção do cliente.</a:t>
+              <a:t>Espera-se que o plano promocional e a estratégia do chá Chai na América Latina resultem em um aumento de 20% na conscientização e interesse, de 10% na participação de mercado, de 15% no volume de vendas e receita e de 25% na satisfação do cliente e nas taxas de retenção.</a:t>
             </a:r>
             <a:r>
               <a:rPr sz="1200"/>
@@ -1375,7 +1385,7 @@
                 <a:ea typeface="Aptos"/>
                 <a:cs typeface="Aptos"/>
               </a:rPr>
-              <a:t>Conteúdo Original:</a:t>
+              <a:t>Conteúdo original:</a:t>
             </a:r>
             <a:r>
               <a:rPr sz="1200"/>
@@ -1392,7 +1402,7 @@
                 <a:ea typeface="Aptos"/>
                 <a:cs typeface="Aptos"/>
               </a:rPr>
-              <a:t>Resultados Esperados e Desafios</a:t>
+              <a:t>Resultados e desafios esperados</a:t>
             </a:r>
             <a:r>
               <a:rPr sz="1200"/>
@@ -1409,7 +1419,7 @@
                 <a:ea typeface="Aptos"/>
                 <a:cs typeface="Aptos"/>
               </a:rPr>
-              <a:t>Os resultados esperados do plano e estratégia de promoção do chá Chai na América Latina são:</a:t>
+              <a:t>Os resultados esperados do plano promocional e da estratégia do chá Chai na América Latina são:</a:t>
             </a:r>
             <a:r>
               <a:rPr sz="1200"/>
@@ -1426,7 +1436,7 @@
                 <a:ea typeface="Aptos"/>
                 <a:cs typeface="Aptos"/>
               </a:rPr>
-              <a:t>·         Aumento de 20% na conscientização e interesse pelo chá Chai entre o público-alvo</a:t>
+              <a:t>·         Um aumento de 20% na conscientização e interesse pelo chá Chai entre o público-alvo</a:t>
             </a:r>
             <a:r>
               <a:rPr sz="1200"/>
@@ -1460,7 +1470,7 @@
                 <a:ea typeface="Aptos"/>
                 <a:cs typeface="Aptos"/>
               </a:rPr>
-              <a:t>·         Um aumento de 15% no volume de vendas e receita do chá Chai na região</a:t>
+              <a:t>·         Um aumento de 15% no volume de vendas e na receita do chá Chai na região</a:t>
             </a:r>
             <a:r>
               <a:rPr sz="1200"/>
@@ -1477,7 +1487,7 @@
                 <a:ea typeface="Aptos"/>
                 <a:cs typeface="Aptos"/>
               </a:rPr>
-              <a:t>·         Aumento de 25% nas taxas de satisfação e retenção do chá Chai na região</a:t>
+              <a:t>·         Um aumento de 25% nas taxas de satisfação e retenção de clientes do chá Chai na região</a:t>
             </a:r>
             <a:r>
               <a:rPr sz="1200"/>
@@ -1575,7 +1585,7 @@
                 <a:ea typeface="Aptos"/>
                 <a:cs typeface="Aptos"/>
               </a:rPr>
-              <a:t>O plano e a estratégia de promoção do chá Chai na América Latina enfrentam vários desafios, incluindo preço alto, falta de conscientização, concorrência de outros produtos de chá, barreiras regulatórias e culturais e questões ambientais e sociais que podem afetar o fornecimento e a qualidade dos ingredientes do chá Chai.</a:t>
+              <a:t>O plano promocional e a estratégia do chá Chai na América Latina enfrentam vários desafios, incluindo alto preço, falta de conscientização, concorrência de outros produtos de chá, barreiras regulatórias e culturais e questões ambientais e sociais que podem afetar o fornecimento e a qualidade dos ingredientes do chá Chai.</a:t>
             </a:r>
             <a:r>
               <a:rPr sz="1200"/>
@@ -1619,7 +1629,7 @@
                 <a:ea typeface="Aptos"/>
                 <a:cs typeface="Aptos"/>
               </a:rPr>
-              <a:t>Os desafios potenciais do plano de promoção e estratégia do chá Chai na América Latina são:</a:t>
+              <a:t>Os desafios potenciais do plano promocional e da estratégia do chá Chai na América Latina são:</a:t>
             </a:r>
             <a:r>
               <a:rPr sz="1200"/>
@@ -1636,7 +1646,7 @@
                 <a:ea typeface="Aptos"/>
                 <a:cs typeface="Aptos"/>
               </a:rPr>
-              <a:t>·         O alto preço e baixa acessibilidade dos produtos de chá Chai em comparação com outras bebidas</a:t>
+              <a:t>·         O alto preço e a baixa acessibilidade dos produtos de chá Chai em comparação com outras bebidas</a:t>
             </a:r>
             <a:r>
               <a:rPr sz="1200"/>
@@ -1653,7 +1663,7 @@
                 <a:ea typeface="Aptos"/>
                 <a:cs typeface="Aptos"/>
               </a:rPr>
-              <a:t>·         A falta de consciência e familiaridade com o chá Chai entre alguns segmentos da população</a:t>
+              <a:t>·         A falta de conscientização e familiaridade com o chá Chai entre alguns segmentos da população</a:t>
             </a:r>
             <a:r>
               <a:rPr sz="1200"/>
@@ -1670,7 +1680,7 @@
                 <a:ea typeface="Aptos"/>
                 <a:cs typeface="Aptos"/>
               </a:rPr>
-              <a:t>·         A concorrência de outros produtos de chá, como chás herbais, verdes e pretos</a:t>
+              <a:t>·         A concorrência de outros produtos de chá, como os chás de ervas, verde e preto</a:t>
             </a:r>
             <a:r>
               <a:rPr sz="1200"/>
@@ -1687,7 +1697,7 @@
                 <a:ea typeface="Aptos"/>
                 <a:cs typeface="Aptos"/>
               </a:rPr>
-              <a:t>·         As barreiras regulatórias e culturais que podem limitar a entrada e expansão dos produtos de chá Chai em alguns países</a:t>
+              <a:t>·         As barreiras regulatórias e culturais que podem limitar a entrada e a expansão de produtos de chá Chai em alguns países</a:t>
             </a:r>
             <a:r>
               <a:rPr sz="1200"/>
@@ -1850,7 +1860,7 @@
                 <a:ea typeface="Aptos"/>
                 <a:cs typeface="Aptos"/>
               </a:rPr>
-              <a:t>Uma mistura de táticas online e offline deve ser usada para atingir o público-alvo e superar desafios.</a:t>
+              <a:t>Uma combinação de táticas online e offline deve ser usada para atingir o público-alvo e superar desafios.</a:t>
             </a:r>
             <a:r>
               <a:rPr sz="1200"/>
@@ -1911,7 +1921,7 @@
                 <a:ea typeface="Aptos"/>
                 <a:cs typeface="Aptos"/>
               </a:rPr>
-              <a:t>Com base na análise de mercado, na análise competitiva, nos canais de distribuição e no plano e estratégia de promoção, as seguintes recomendações e conclusões podem ser tiradas para o futuro do chá Chai na América Latina:</a:t>
+              <a:t>Com base na análise de mercado, na análise competitiva, nos canais de distribuição e no plano promocional e estratégia, é possível obter as seguintes recomendações e conclusões para o futuro do chá Chai na América Latina:</a:t>
             </a:r>
             <a:r>
               <a:rPr sz="1200"/>
@@ -1928,7 +1938,7 @@
                 <a:ea typeface="Aptos"/>
                 <a:cs typeface="Aptos"/>
               </a:rPr>
-              <a:t>·         O chá chai é um produto promissor que tem potencial para crescer e ter sucesso no mercado latino-americano, pois oferece uma alternativa saudável, natural e exótica a outras bebidas</a:t>
+              <a:t>·         O chá Chai é um produto promissor com potencial para crescer e ter sucesso no mercado latino-americano, pois oferece uma alternativa saudável, natural e exótica a outras bebidas</a:t>
             </a:r>
             <a:r>
               <a:rPr sz="1200"/>
@@ -1962,7 +1972,7 @@
                 <a:ea typeface="Aptos"/>
                 <a:cs typeface="Aptos"/>
               </a:rPr>
-              <a:t>·         O chá Chai precisa aproveitar suas características e benefícios exclusivos, como seu aroma rico, sabor e benefícios para a saúde, para se diferenciar de outros produtos</a:t>
+              <a:t>·         O chá Chai precisa aproveitar suas características e benefícios exclusivos, como seu rico aroma, sabor e benefícios para a saúde, para se diferenciar de outros produtos de chá</a:t>
             </a:r>
             <a:r>
               <a:rPr sz="1200"/>
@@ -1979,7 +1989,7 @@
                 <a:ea typeface="Aptos"/>
                 <a:cs typeface="Aptos"/>
               </a:rPr>
-              <a:t> de chá·         O chá Chai precisa usar uma mistura de táticas on-line e off-line para alcançar e se envolver com o público-alvo e criar uma base</a:t>
+              <a:t>·         O chá Chai precisa usar uma combinação de táticas online e offline para alcançar e engajar o público-alvo, criando uma base de clientes leais e satisfeitos</a:t>
             </a:r>
             <a:r>
               <a:rPr sz="1200"/>
@@ -1996,7 +2006,7 @@
                 <a:ea typeface="Aptos"/>
                 <a:cs typeface="Aptos"/>
               </a:rPr>
-              <a:t> de clientes fiéis e satisfeitos·         O chá Chai precisa superar os desafios e ameaças que podem impedir seu crescimento e expansão na região, como preço, conscientização, concorrência, regulamentação e sustentabilidade</a:t>
+              <a:t>·         O chá Chai precisa superar os desafios e ameaças que podem impedir seu crescimento e expansão na região, como preço, conscientização, concorrência, regulamentação e sustentabilidade</a:t>
             </a:r>
             <a:r>
               <a:rPr sz="1200"/>
@@ -2013,7 +2023,7 @@
                 <a:ea typeface="Aptos"/>
                 <a:cs typeface="Aptos"/>
               </a:rPr>
-              <a:t>Em conclusão, o chá Chai é um produto que tem muito potencial e oportunidades no mercado latino-americano, mas também enfrenta alguns desafios e riscos.</a:t>
+              <a:t>Em conclusão, o chá Chai é um produto que tem grande potencial e oportunidades no mercado latino-americano, mas também enfrenta alguns desafios e riscos.</a:t>
             </a:r>
             <a:r>
               <a:rPr lang="pt-BR" sz="1200" b="0" i="0" strike="noStrike" cap="none" baseline="0">
@@ -2061,7 +2071,12 @@
                 <a:ea typeface="Aptos"/>
                 <a:cs typeface="Aptos"/>
               </a:rPr>
-              <a:t>ただし、プロモーション計画と戦略は、市場の状況の変化や顧客からのフィードバックに応じて常に監視、評価、調整する必要があります。</a:t>
+              <a:t>No entanto, o plano promocional e a estratégia precisam ser constantemente monitorados, avaliados e ajustados de acordo com as mudanças nas condições de mercado e com o feedback dos clientes.</a:t>
+            </a:r>
+            <a:r>
+              <a:rPr sz="1200"/>
+              <a:t>
+</a:t>
             </a:r>
           </a:p>
         </p:txBody>
@@ -2193,7 +2208,7 @@
                 <a:ea typeface="Aptos"/>
                 <a:cs typeface="Aptos"/>
               </a:rPr>
-              <a:t>* Descrição</a:t>
+              <a:t>* Descrição do produto</a:t>
             </a:r>
             <a:r>
               <a:rPr sz="1200"/>
@@ -2210,7 +2225,7 @@
                 <a:ea typeface="Aptos"/>
                 <a:cs typeface="Aptos"/>
               </a:rPr>
-              <a:t> do produto* Descrição do produto (1/2)</a:t>
+              <a:t>* Descrição do produto (1/2)</a:t>
             </a:r>
             <a:r>
               <a:rPr sz="1200"/>
@@ -2244,7 +2259,7 @@
                 <a:ea typeface="Aptos"/>
                 <a:cs typeface="Aptos"/>
               </a:rPr>
-              <a:t>* Tendência e demanda</a:t>
+              <a:t>* Tendências de mercado e demanda</a:t>
             </a:r>
             <a:r>
               <a:rPr sz="1200"/>
@@ -2261,7 +2276,7 @@
                 <a:ea typeface="Aptos"/>
                 <a:cs typeface="Aptos"/>
               </a:rPr>
-              <a:t> do mercado* Análise</a:t>
+              <a:t>* Análise competitiva</a:t>
             </a:r>
             <a:r>
               <a:rPr sz="1200"/>
@@ -2278,7 +2293,7 @@
                 <a:ea typeface="Aptos"/>
                 <a:cs typeface="Aptos"/>
               </a:rPr>
-              <a:t> competitiva * Tetley</a:t>
+              <a:t> * Tetley</a:t>
             </a:r>
             <a:r>
               <a:rPr sz="1200"/>
@@ -2312,7 +2327,7 @@
                 <a:ea typeface="Aptos"/>
                 <a:cs typeface="Aptos"/>
               </a:rPr>
-              <a:t> * Chá</a:t>
+              <a:t> * David's Tea</a:t>
             </a:r>
             <a:r>
               <a:rPr sz="1200"/>
@@ -2329,7 +2344,7 @@
                 <a:ea typeface="Aptos"/>
                 <a:cs typeface="Aptos"/>
               </a:rPr>
-              <a:t> de David * Marcas</a:t>
+              <a:t> * Marcas locais</a:t>
             </a:r>
             <a:r>
               <a:rPr sz="1200"/>
@@ -2346,7 +2361,7 @@
                 <a:ea typeface="Aptos"/>
                 <a:cs typeface="Aptos"/>
               </a:rPr>
-              <a:t> locais* Participação de mercado do chá Chai na América</a:t>
+              <a:t>* Participação de mercado do chá Chai na América Latina</a:t>
             </a:r>
             <a:r>
               <a:rPr sz="1200"/>
@@ -2363,7 +2378,7 @@
                 <a:ea typeface="Aptos"/>
                 <a:cs typeface="Aptos"/>
               </a:rPr>
-              <a:t> Latina* Canais</a:t>
+              <a:t>* Canais de distribuição</a:t>
             </a:r>
             <a:r>
               <a:rPr sz="1200"/>
@@ -2380,7 +2395,7 @@
                 <a:ea typeface="Aptos"/>
                 <a:cs typeface="Aptos"/>
               </a:rPr>
-              <a:t> de distribuição * Varejistas * Atacadistas</a:t>
+              <a:t> * Varejistas</a:t>
             </a:r>
             <a:r>
               <a:rPr sz="1200"/>
@@ -2397,7 +2412,7 @@
                 <a:ea typeface="Aptos"/>
                 <a:cs typeface="Aptos"/>
               </a:rPr>
-              <a:t> * Distribuidores</a:t>
+              <a:t> * Atacadistas</a:t>
             </a:r>
             <a:r>
               <a:rPr sz="1200"/>
@@ -2414,7 +2429,7 @@
                 <a:ea typeface="Aptos"/>
                 <a:cs typeface="Aptos"/>
               </a:rPr>
-              <a:t>* Plano e estratégia</a:t>
+              <a:t> * Distribuidores</a:t>
             </a:r>
             <a:r>
               <a:rPr sz="1200"/>
@@ -2431,7 +2446,7 @@
                 <a:ea typeface="Aptos"/>
                 <a:cs typeface="Aptos"/>
               </a:rPr>
-              <a:t> de promoção* Resultados e desafios</a:t>
+              <a:t>* Plano promocional e estratégia</a:t>
             </a:r>
             <a:r>
               <a:rPr sz="1200"/>
@@ -2448,12 +2463,24 @@
                 <a:ea typeface="Aptos"/>
                 <a:cs typeface="Aptos"/>
               </a:rPr>
-              <a:t> esperados * Resultados esperados</a:t>
+              <a:t>* Resultados e desafios esperados</a:t>
             </a:r>
             <a:r>
               <a:rPr sz="1200"/>
               <a:t>
 </a:t>
+            </a:r>
+            <a:r>
+              <a:rPr lang="pt-BR" sz="1200" b="0" i="0" strike="noStrike" cap="none" baseline="0">
+                <a:solidFill>
+                  <a:srgbClr val="000000"/>
+                </a:solidFill>
+                <a:effectLst/>
+                <a:latin typeface="Aptos"/>
+                <a:ea typeface="Aptos"/>
+                <a:cs typeface="Aptos"/>
+              </a:rPr>
+              <a:t> * Resultados esperados</a:t>
             </a:r>
             <a:r>
               <a:rPr sz="1200"/>
@@ -2609,7 +2636,7 @@
                 <a:ea typeface="Aptos"/>
                 <a:cs typeface="Aptos"/>
               </a:rPr>
-              <a:t>Ele cobre a descrição do produto, tendência de mercado, análise competitiva, canais de distribuição, plano de promoção, resultados esperados e recomendações para o futuro.</a:t>
+              <a:t>Abrange a descrição do produto, tendências de mercado, análise competitiva, canais de distribuição, plano promocional, resultados esperados e recomendações para o futuro.</a:t>
             </a:r>
             <a:r>
               <a:rPr sz="1200"/>
@@ -2636,7 +2663,7 @@
                 <a:ea typeface="Aptos"/>
                 <a:cs typeface="Aptos"/>
               </a:rPr>
-              <a:t>Conteúdo Original:</a:t>
+              <a:t>Conteúdo original:</a:t>
             </a:r>
             <a:r>
               <a:rPr sz="1200"/>
@@ -2670,7 +2697,7 @@
                 <a:ea typeface="Aptos"/>
                 <a:cs typeface="Aptos"/>
               </a:rPr>
-              <a:t>O Mystic Spice Premium Chai Tea é um novo produto lançado pela Contoso Beverage, uma empresa especializada na produção e distribuição de bebidas de alta qualidade em todo o mundo.</a:t>
+              <a:t>Mystic Spice Premium Chai Tea é um novo produto lançado pela Contoso Beverage, uma empresa especializada na produção e distribuição de bebidas de alta qualidade em todo o mundo.</a:t>
             </a:r>
             <a:r>
               <a:rPr lang="pt-BR" sz="1200" b="0" i="0" strike="noStrike" cap="none" baseline="0">
@@ -2766,43 +2793,7 @@
                 <a:ea typeface="Aptos"/>
                 <a:cs typeface="Aptos"/>
               </a:rPr>
-              <a:t>また、もてなし、友情、リラクゼーションと関連付けられることが多いため、文化的、歴史的にも豊かな重要性があります。</a:t>
-            </a:r>
-            <a:r>
-              <a:rPr lang="pt-BR" sz="1200" b="0" i="0" strike="noStrike" cap="none" baseline="0">
-                <a:solidFill>
-                  <a:srgbClr val="000000"/>
-                </a:solidFill>
-                <a:effectLst/>
-                <a:latin typeface="Aptos"/>
-                <a:ea typeface="Aptos"/>
-                <a:cs typeface="Aptos"/>
-              </a:rPr>
-              <a:t>このレポートの目的は、ラテン アメリカ地域に焦点を当てた、Mystic Spice Premium Chai Tea の市場分析を提供することです。</a:t>
-            </a:r>
-            <a:r>
-              <a:rPr lang="pt-BR" sz="1200" b="0" i="0" strike="noStrike" cap="none" baseline="0">
-                <a:solidFill>
-                  <a:srgbClr val="000000"/>
-                </a:solidFill>
-                <a:effectLst/>
-                <a:latin typeface="Aptos"/>
-                <a:ea typeface="Aptos"/>
-                <a:cs typeface="Aptos"/>
-              </a:rPr>
-              <a:t> </a:t>
-            </a:r>
-            <a:r>
-              <a:rPr lang="pt-BR" sz="1200" b="0" i="0" strike="noStrike" cap="none" baseline="0">
-                <a:solidFill>
-                  <a:srgbClr val="000000"/>
-                </a:solidFill>
-                <a:effectLst/>
-                <a:latin typeface="Aptos"/>
-                <a:ea typeface="Aptos"/>
-                <a:cs typeface="Aptos"/>
-              </a:rPr>
-              <a:t>O relatório abrangerá os seguintes aspectos:</a:t>
+              <a:t>Também possui um grande significado cultural e histórico, pois frequentemente é associado à hospitalidade, amizade e relaxamento.</a:t>
             </a:r>
             <a:r>
               <a:rPr sz="1200"/>
@@ -2819,7 +2810,31 @@
                 <a:ea typeface="Aptos"/>
                 <a:cs typeface="Aptos"/>
               </a:rPr>
-              <a:t>·         A descrição do produto, características e benefícios do Mystic Spice Premium Chai Tea</a:t>
+              <a:t>このレポートの目的は、ラテン アメリカ地域に焦点を当てた、Mystic Spice Premium Chai Tea の市場分析を提供することです。</a:t>
+            </a:r>
+            <a:r>
+              <a:rPr lang="pt-BR" sz="1200" b="0" i="0" strike="noStrike" cap="none" baseline="0">
+                <a:solidFill>
+                  <a:srgbClr val="000000"/>
+                </a:solidFill>
+                <a:effectLst/>
+                <a:latin typeface="Aptos"/>
+                <a:ea typeface="Aptos"/>
+                <a:cs typeface="Aptos"/>
+              </a:rPr>
+              <a:t> </a:t>
+            </a:r>
+            <a:r>
+              <a:rPr lang="pt-BR" sz="1200" b="0" i="0" strike="noStrike" cap="none" baseline="0">
+                <a:solidFill>
+                  <a:srgbClr val="000000"/>
+                </a:solidFill>
+                <a:effectLst/>
+                <a:latin typeface="Aptos"/>
+                <a:ea typeface="Aptos"/>
+                <a:cs typeface="Aptos"/>
+              </a:rPr>
+              <a:t>O relatório abrangerá os seguintes aspectos:</a:t>
             </a:r>
             <a:r>
               <a:rPr sz="1200"/>
@@ -2836,7 +2851,7 @@
                 <a:ea typeface="Aptos"/>
                 <a:cs typeface="Aptos"/>
               </a:rPr>
-              <a:t>·         A tendência de mercado e a demanda por chá Chai na América</a:t>
+              <a:t>·         A descrição do produto, características e benefícios do Mystic Spice Premium Chai Tea</a:t>
             </a:r>
             <a:r>
               <a:rPr sz="1200"/>
@@ -2853,7 +2868,7 @@
                 <a:ea typeface="Aptos"/>
                 <a:cs typeface="Aptos"/>
               </a:rPr>
-              <a:t> Latina·         A análise competitiva do chá Chai na América</a:t>
+              <a:t>·         A tendência de mercado e a demanda pelo chá Chai na América Latina</a:t>
             </a:r>
             <a:r>
               <a:rPr sz="1200"/>
@@ -2870,7 +2885,7 @@
                 <a:ea typeface="Aptos"/>
                 <a:cs typeface="Aptos"/>
               </a:rPr>
-              <a:t> Latina·         Os canais de distribuição do chá Chai na América</a:t>
+              <a:t>·         A análise competitiva do chá Chai na América Latina</a:t>
             </a:r>
             <a:r>
               <a:rPr sz="1200"/>
@@ -2887,7 +2902,7 @@
                 <a:ea typeface="Aptos"/>
                 <a:cs typeface="Aptos"/>
               </a:rPr>
-              <a:t> Latina·         O plano de promoção e a estratégia do chá Chai na América</a:t>
+              <a:t>·         Os canais de distribuição do chá Chai na América Latina</a:t>
             </a:r>
             <a:r>
               <a:rPr sz="1200"/>
@@ -2904,7 +2919,7 @@
                 <a:ea typeface="Aptos"/>
                 <a:cs typeface="Aptos"/>
               </a:rPr>
-              <a:t> Latina·         Os resultados esperados e os desafios do plano</a:t>
+              <a:t>·         O plano promocional e a estratégia para o chá Chai na América Latina</a:t>
             </a:r>
             <a:r>
               <a:rPr sz="1200"/>
@@ -2921,7 +2936,24 @@
                 <a:ea typeface="Aptos"/>
                 <a:cs typeface="Aptos"/>
               </a:rPr>
-              <a:t> de promoção·         As recomendações e conclusões para o futuro do chá Chai na América Latina</a:t>
+              <a:t>·         Os resultados e os desafios esperados com o plano promocional</a:t>
+            </a:r>
+            <a:r>
+              <a:rPr sz="1200"/>
+              <a:t>
+</a:t>
+            </a:r>
+            <a:r>
+              <a:rPr lang="pt-BR" sz="1200" b="0" i="0" strike="noStrike" cap="none" baseline="0">
+                <a:solidFill>
+                  <a:srgbClr val="000000"/>
+                </a:solidFill>
+                <a:effectLst/>
+                <a:latin typeface="Aptos"/>
+                <a:ea typeface="Aptos"/>
+                <a:cs typeface="Aptos"/>
+              </a:rPr>
+              <a:t>·         As recomendações e conclusões para o futuro do chá Chai na América Latina</a:t>
             </a:r>
             <a:r>
               <a:rPr sz="1200"/>
@@ -3043,7 +3075,7 @@
                 <a:ea typeface="Aptos"/>
                 <a:cs typeface="Aptos"/>
               </a:rPr>
-              <a:t>Cada xícara leva você a uma viagem pelas paisagens vibrantes da Índia, trazendo uma autêntica experiência chai para sua casa.</a:t>
+              <a:t>Cada xícara leva você em uma jornada pelas paisagens vibrantes da Índia, trazendo uma experiência chai autêntica à sua casa.</a:t>
             </a:r>
             <a:r>
               <a:rPr sz="1200"/>
@@ -3070,7 +3102,7 @@
                 <a:ea typeface="Aptos"/>
                 <a:cs typeface="Aptos"/>
               </a:rPr>
-              <a:t>Conteúdo Original:</a:t>
+              <a:t>Conteúdo original:</a:t>
             </a:r>
             <a:r>
               <a:rPr sz="1200"/>
@@ -3087,7 +3119,7 @@
                 <a:ea typeface="Aptos"/>
                 <a:cs typeface="Aptos"/>
               </a:rPr>
-              <a:t>Descrição</a:t>
+              <a:t>Descrição do produto</a:t>
             </a:r>
             <a:r>
               <a:rPr sz="1200"/>
@@ -3104,7 +3136,7 @@
                 <a:ea typeface="Aptos"/>
                 <a:cs typeface="Aptos"/>
               </a:rPr>
-              <a:t>do Produto Mystic Spice Premium Chai Tea é uma mistura meticulosamente trabalhada que presta homenagem às tradições atemporais do chai indiano.</a:t>
+              <a:t>Mystic Spice Premium Chai Tea é uma combinação cuidadosamente elaborada que homenageia as tradições clássicas do chai indiano.</a:t>
             </a:r>
             <a:r>
               <a:rPr lang="pt-BR" sz="1200" b="0" i="0" strike="noStrike" cap="none" baseline="0">
@@ -3152,7 +3184,12 @@
                 <a:ea typeface="Aptos"/>
                 <a:cs typeface="Aptos"/>
               </a:rPr>
-              <a:t>Mystic Spice Premium Chai Tea の製品説明、特徴、利点を以下の表にまとめます。</a:t>
+              <a:t>A descrição do produto, as características e os benefícios do Mystic Spice Premium Chai Tea estão resumidos na tabela abaixo:</a:t>
+            </a:r>
+            <a:r>
+              <a:rPr sz="1200"/>
+              <a:t>
+</a:t>
             </a:r>
           </a:p>
         </p:txBody>
@@ -3479,7 +3516,7 @@
                 <a:ea typeface="Aptos"/>
                 <a:cs typeface="Aptos"/>
               </a:rPr>
-              <a:t>Os principais motores para o crescimento incluem o aumento da conscientização, o aumento da renda disponível e a expansão da distribuição.</a:t>
+              <a:t>Os principais impulsionadores de crescimento incluem o aumento da conscientização, a ampliação da receita disponível  e a expansão da distribuição.</a:t>
             </a:r>
             <a:r>
               <a:rPr sz="1200"/>
@@ -3506,7 +3543,7 @@
                 <a:ea typeface="Aptos"/>
                 <a:cs typeface="Aptos"/>
               </a:rPr>
-              <a:t>Conteúdo Original:</a:t>
+              <a:t>Conteúdo original:</a:t>
             </a:r>
             <a:r>
               <a:rPr sz="1200"/>
@@ -3523,7 +3560,7 @@
                 <a:ea typeface="Aptos"/>
                 <a:cs typeface="Aptos"/>
               </a:rPr>
-              <a:t>Tendência de Mercado e Demanda</a:t>
+              <a:t>Tendências de mercado e demanda</a:t>
             </a:r>
             <a:r>
               <a:rPr sz="1200"/>
@@ -3540,7 +3577,7 @@
                 <a:ea typeface="Aptos"/>
                 <a:cs typeface="Aptos"/>
               </a:rPr>
-              <a:t>O mercado latino-americano oferece uma grande oportunidade para o chá Chai, já que a região tem uma demanda crescente por produtos saudáveis, naturais e exóticos.</a:t>
+              <a:t>O mercado latino-americano oferece uma excelente oportunidade para o chá Chai, uma vez que a região apresenta uma demanda crescente por produtos saudáveis, naturais e exóticos.</a:t>
             </a:r>
             <a:r>
               <a:rPr lang="pt-BR" sz="1200" b="0" i="0" strike="noStrike" cap="none" baseline="0">
@@ -3612,67 +3649,7 @@
                 <a:ea typeface="Aptos"/>
                 <a:cs typeface="Aptos"/>
               </a:rPr>
-              <a:t>チャイ ティーは、社交、分かち合い、甘いお菓子を満喫することを楽しむラテン アメリカの消費者のライフスタイルや好みにもフィットします。</a:t>
-            </a:r>
-            <a:r>
-              <a:rPr lang="pt-BR" sz="1200" b="0" i="0" strike="noStrike" cap="none" baseline="0">
-                <a:solidFill>
-                  <a:srgbClr val="000000"/>
-                </a:solidFill>
-                <a:effectLst/>
-                <a:latin typeface="Aptos"/>
-                <a:ea typeface="Aptos"/>
-                <a:cs typeface="Aptos"/>
-              </a:rPr>
-              <a:t>Grand View Research のレポートによると、世界のチャイ ティー市場規模は 2019 年に 19 億米ドルと評価され、2020 年から 2027 年まで年間平均成長率 (CAGR) 5.5% で成長すると予想されています。</a:t>
-            </a:r>
-            <a:r>
-              <a:rPr lang="pt-BR" sz="1200" b="0" i="0" strike="noStrike" cap="none" baseline="0">
-                <a:solidFill>
-                  <a:srgbClr val="000000"/>
-                </a:solidFill>
-                <a:effectLst/>
-                <a:latin typeface="Aptos"/>
-                <a:ea typeface="Aptos"/>
-                <a:cs typeface="Aptos"/>
-              </a:rPr>
-              <a:t> </a:t>
-            </a:r>
-            <a:r>
-              <a:rPr lang="pt-BR" sz="1200" b="0" i="0" strike="noStrike" cap="none" baseline="0">
-                <a:solidFill>
-                  <a:srgbClr val="000000"/>
-                </a:solidFill>
-                <a:effectLst/>
-                <a:latin typeface="Aptos"/>
-                <a:ea typeface="Aptos"/>
-                <a:cs typeface="Aptos"/>
-              </a:rPr>
-              <a:t>また、このレポートでは、ラテン アメリカはチャイ ティーの最も急成長している地域の一つであり、2020 年から 2027 年までの CAGR は 6.2% であると述べています。</a:t>
-            </a:r>
-            <a:r>
-              <a:rPr lang="pt-BR" sz="1200" b="0" i="0" strike="noStrike" cap="none" baseline="0">
-                <a:solidFill>
-                  <a:srgbClr val="000000"/>
-                </a:solidFill>
-                <a:effectLst/>
-                <a:latin typeface="Aptos"/>
-                <a:ea typeface="Aptos"/>
-                <a:cs typeface="Aptos"/>
-              </a:rPr>
-              <a:t> </a:t>
-            </a:r>
-            <a:r>
-              <a:rPr lang="pt-BR" sz="1200" b="0" i="0" strike="noStrike" cap="none" baseline="0">
-                <a:solidFill>
-                  <a:srgbClr val="000000"/>
-                </a:solidFill>
-                <a:effectLst/>
-                <a:latin typeface="Aptos"/>
-                <a:ea typeface="Aptos"/>
-                <a:cs typeface="Aptos"/>
-              </a:rPr>
-              <a:t>Os principais impulsionadores para o crescimento do chá Chai na América Latina são:</a:t>
+              <a:t>Além disso, pode se adequar ao estilo de vida e preferências dos consumidores latino-americanos, que gostam de socializar, compartilhar e se deliciar com doces.</a:t>
             </a:r>
             <a:r>
               <a:rPr sz="1200"/>
@@ -3689,7 +3666,55 @@
                 <a:ea typeface="Aptos"/>
                 <a:cs typeface="Aptos"/>
               </a:rPr>
-              <a:t>·         A crescente conscientização e interesse nos benefícios para a saúde e aspectos culturais do chá</a:t>
+              <a:t>Grand View Research のレポートによると、世界のチャイ ティー市場規模は 2019 年に 19 億米ドルと評価され、2020 年から 2027 年まで年間平均成長率 (CAGR) 5.5% で成長すると予想されています。</a:t>
+            </a:r>
+            <a:r>
+              <a:rPr lang="pt-BR" sz="1200" b="0" i="0" strike="noStrike" cap="none" baseline="0">
+                <a:solidFill>
+                  <a:srgbClr val="000000"/>
+                </a:solidFill>
+                <a:effectLst/>
+                <a:latin typeface="Aptos"/>
+                <a:ea typeface="Aptos"/>
+                <a:cs typeface="Aptos"/>
+              </a:rPr>
+              <a:t> </a:t>
+            </a:r>
+            <a:r>
+              <a:rPr lang="pt-BR" sz="1200" b="0" i="0" strike="noStrike" cap="none" baseline="0">
+                <a:solidFill>
+                  <a:srgbClr val="000000"/>
+                </a:solidFill>
+                <a:effectLst/>
+                <a:latin typeface="Aptos"/>
+                <a:ea typeface="Aptos"/>
+                <a:cs typeface="Aptos"/>
+              </a:rPr>
+              <a:t>また、このレポートでは、ラテン アメリカはチャイ ティーの最も急成長している地域の一つであり、2020 年から 2027 年までの CAGR は 6.2% であると述べています。</a:t>
+            </a:r>
+            <a:r>
+              <a:rPr lang="pt-BR" sz="1200" b="0" i="0" strike="noStrike" cap="none" baseline="0">
+                <a:solidFill>
+                  <a:srgbClr val="000000"/>
+                </a:solidFill>
+                <a:effectLst/>
+                <a:latin typeface="Aptos"/>
+                <a:ea typeface="Aptos"/>
+                <a:cs typeface="Aptos"/>
+              </a:rPr>
+              <a:t> </a:t>
+            </a:r>
+            <a:r>
+              <a:rPr lang="pt-BR" sz="1200" b="0" i="0" strike="noStrike" cap="none" baseline="0">
+                <a:solidFill>
+                  <a:srgbClr val="000000"/>
+                </a:solidFill>
+                <a:effectLst/>
+                <a:latin typeface="Aptos"/>
+                <a:ea typeface="Aptos"/>
+                <a:cs typeface="Aptos"/>
+              </a:rPr>
+              <a:t>Os principais impulsionadores do crescimento do chá Chai na América Latina são:</a:t>
             </a:r>
             <a:r>
               <a:rPr sz="1200"/>
@@ -3706,7 +3731,7 @@
                 <a:ea typeface="Aptos"/>
                 <a:cs typeface="Aptos"/>
               </a:rPr>
-              <a:t> Chai·         O aumento da renda disponível e do poder de compra dos consumidores</a:t>
+              <a:t>·         A  conscientização e interesse crescentes nos benefícios para a saúde e aspectos culturais do chá Chai</a:t>
             </a:r>
             <a:r>
               <a:rPr sz="1200"/>
@@ -3723,7 +3748,7 @@
                 <a:ea typeface="Aptos"/>
                 <a:cs typeface="Aptos"/>
               </a:rPr>
-              <a:t> de classe média·         A crescente popularidade dos chás especiais e premium entre os segmentos mais jovens e urbanos</a:t>
+              <a:t>·         O aumento da renda disponível e do poder de compra dos consumidores de classe média</a:t>
             </a:r>
             <a:r>
               <a:rPr sz="1200"/>
@@ -3740,7 +3765,7 @@
                 <a:ea typeface="Aptos"/>
                 <a:cs typeface="Aptos"/>
               </a:rPr>
-              <a:t>·         A expansão da distribuição e disponibilidade de produtos de chá Chai em vários canais, como supermercados, cafés e plataformas</a:t>
+              <a:t>·         A crescente popularidade dos chás especiais e premium entre os segmentos mais jovens e urbanos</a:t>
             </a:r>
             <a:r>
               <a:rPr sz="1200"/>
@@ -3757,7 +3782,24 @@
                 <a:ea typeface="Aptos"/>
                 <a:cs typeface="Aptos"/>
               </a:rPr>
-              <a:t> online·         O surgimento de novos e inovadores sabores e formatos do chá Chai, como variedades prontas para beber, instantâneas e orgânicas</a:t>
+              <a:t>·         A expansão da distribuição e da disponibilidade de produtos de chá Chai em vários canais, como supermercados, cafés e plataformas online</a:t>
+            </a:r>
+            <a:r>
+              <a:rPr sz="1200"/>
+              <a:t>
+</a:t>
+            </a:r>
+            <a:r>
+              <a:rPr lang="pt-BR" sz="1200" b="0" i="0" strike="noStrike" cap="none" baseline="0">
+                <a:solidFill>
+                  <a:srgbClr val="000000"/>
+                </a:solidFill>
+                <a:effectLst/>
+                <a:latin typeface="Aptos"/>
+                <a:ea typeface="Aptos"/>
+                <a:cs typeface="Aptos"/>
+              </a:rPr>
+              <a:t>·         O surgimento de novos e inovadores sabores e formatos de chá Chai, como variedades prontas para beber, instantâneas e orgânicas</a:t>
             </a:r>
             <a:r>
               <a:rPr sz="1200"/>
@@ -3927,7 +3969,7 @@
                 <a:ea typeface="Aptos"/>
                 <a:cs typeface="Aptos"/>
               </a:rPr>
-              <a:t>Os grossistas vendem a granel aos retalhistas, enquanto os distribuidores transportam os produtos dos fabricantes para os retalhistas.</a:t>
+              <a:t>Os atacadistas vendem a granel para os varejistas, enquanto os distribuidores transportam produtos dos fabricantes para os varejistas.</a:t>
             </a:r>
             <a:r>
               <a:rPr sz="1200"/>
@@ -3954,7 +3996,7 @@
                 <a:ea typeface="Aptos"/>
                 <a:cs typeface="Aptos"/>
               </a:rPr>
-              <a:t>Conteúdo Original:</a:t>
+              <a:t>Conteúdo original:</a:t>
             </a:r>
             <a:r>
               <a:rPr sz="1200"/>
@@ -3971,7 +4013,7 @@
                 <a:ea typeface="Aptos"/>
                 <a:cs typeface="Aptos"/>
               </a:rPr>
-              <a:t> Os canais de distribuição do chá Chai na América Latina são as formas e os meios pelos quais os produtos do chá Chai são entregues e vendidos aos consumidores finais.</a:t>
+              <a:t>Os canais de distribuição do chá Chai na América Latina são os caminhos e meios pelos quais os produtos são entregues e vendidos aos consumidores finais.</a:t>
             </a:r>
             <a:r>
               <a:rPr lang="pt-BR" sz="1200" b="0" i="0" strike="noStrike" cap="none" baseline="0">
@@ -3995,7 +4037,12 @@
                 <a:ea typeface="Aptos"/>
                 <a:cs typeface="Aptos"/>
               </a:rPr>
-              <a:t>ラテン アメリカにおけるチャイ ティーの流通チャネルは、小売業者、卸売業者、流通業者の 3 つに分類できます。</a:t>
+              <a:t>Podemos classificar esses canais em três tipos principais: varejistas, atacadistas e distribuidores.</a:t>
+            </a:r>
+            <a:r>
+              <a:rPr sz="1200"/>
+              <a:t>
+</a:t>
             </a:r>
             <a:r>
               <a:rPr lang="pt-BR" sz="1200" b="0" i="0" strike="noStrike" cap="none" baseline="0">
@@ -4079,7 +4126,12 @@
                 <a:ea typeface="Aptos"/>
                 <a:cs typeface="Aptos"/>
               </a:rPr>
-              <a:t>ラテン アメリカにおけるチャイ ティー製品の主な小売業者には、Walmart、Carrefour、Oxxo、Starbucks、Amazon などがあります。</a:t>
+              <a:t>Alguns dos principais varejistas de produtos de chá Chai na América Latina são: Walmart, Carrefour, Oxxo, Starbucks e Amazon.</a:t>
+            </a:r>
+            <a:r>
+              <a:rPr sz="1200"/>
+              <a:t>
+</a:t>
             </a:r>
           </a:p>
         </p:txBody>
@@ -4220,7 +4272,7 @@
                 <a:ea typeface="Aptos"/>
                 <a:cs typeface="Aptos"/>
               </a:rPr>
-              <a:t>Os principais atacadistas da América Latina incluem Cencosud, Grupo Pao de Acucar, La Anonima, e Makro.</a:t>
+              <a:t>Os principais atacadistas na América Latina incluem: Cencosud, Grupo Pão de Açúcar, La Anonima e Makro.</a:t>
             </a:r>
             <a:r>
               <a:rPr sz="1200"/>
@@ -4247,7 +4299,7 @@
                 <a:ea typeface="Aptos"/>
                 <a:cs typeface="Aptos"/>
               </a:rPr>
-              <a:t>Conteúdo Original:</a:t>
+              <a:t>Conteúdo original:</a:t>
             </a:r>
             <a:r>
               <a:rPr sz="1200"/>
@@ -4264,7 +4316,7 @@
                 <a:ea typeface="Aptos"/>
                 <a:cs typeface="Aptos"/>
               </a:rPr>
-              <a:t> Atacadistas são as empresas que compram produtos de chá Chai a granel dos fabricantes ou distribuidores e os vendem aos varejistas ou outros intermediários.</a:t>
+              <a:t>Atacadistas são comerciantes que compram os produtos de chá Chai em grandes quantidades dos fabricantes ou distribuidores e os revendem para varejistas ou outros intermediários.</a:t>
             </a:r>
             <a:r>
               <a:rPr lang="pt-BR" sz="1200" b="0" i="0" strike="noStrike" cap="none" baseline="0">
@@ -4336,7 +4388,12 @@
                 <a:ea typeface="Aptos"/>
                 <a:cs typeface="Aptos"/>
               </a:rPr>
-              <a:t>ラテン アメリカにおけるチャイ ティー製品の主要な卸売業者には、Cencosud、Grupo Pao de Acucar、La Anonima、Makro などがあります。</a:t>
+              <a:t>Alguns dos principais atacadistas de produtos de chá Chai na América Latina são: Cencosud, Grupo Pão de Açúcar, La Anonima e Makro.</a:t>
+            </a:r>
+            <a:r>
+              <a:rPr sz="1200"/>
+              <a:t>
+</a:t>
             </a:r>
           </a:p>
         </p:txBody>
@@ -8594,7 +8651,7 @@
                 <a:ea typeface="Bookman Old Style"/>
                 <a:cs typeface="Bookman Old Style"/>
               </a:rPr>
-              <a:t>Canais de Distribuição: Distribuidores</a:t>
+              <a:t>Canais de distribuição: distribuidores</a:t>
             </a:r>
           </a:p>
         </p:txBody>
@@ -9616,7 +9673,7 @@
                 <a:ea typeface="Bookman Old Style"/>
                 <a:cs typeface="Bookman Old Style"/>
               </a:rPr>
-              <a:t>Resultados Esperados e Desafios: Resultados Esperados</a:t>
+              <a:t>Resultados e desafios esperados: resultados esperados</a:t>
             </a:r>
           </a:p>
         </p:txBody>
@@ -9992,7 +10049,7 @@
                 <a:ea typeface="Bookman Old Style"/>
                 <a:cs typeface="Bookman Old Style"/>
               </a:rPr>
-              <a:t>Resultados e Desafios Esperados: Desafios Potenciais</a:t>
+              <a:t>Resultados e desafios esperados: desafios potenciais</a:t>
             </a:r>
           </a:p>
         </p:txBody>
@@ -12044,6 +12101,18 @@
                     <a:lstStyle/>
                     <a:p>
                       <a:r>
+                        <a:rPr lang="pt-BR" sz="3300" b="1" i="0" strike="noStrike" cap="none" baseline="0">
+                          <a:solidFill>
+                            <a:srgbClr val="FFFFFF"/>
+                          </a:solidFill>
+                          <a:effectLst/>
+                          <a:latin typeface="Franklin Gothic Book"/>
+                          <a:ea typeface="Franklin Gothic Book"/>
+                          <a:cs typeface="Franklin Gothic Book"/>
+                        </a:rPr>
+                        <a:t>Descrição do produto</a:t>
+                      </a:r>
+                      <a:r>
                         <a:rPr lang="pt-BR" sz="3300" b="0" i="0" strike="noStrike" cap="none" baseline="0">
                           <a:solidFill>
                             <a:srgbClr val="FFFFFF"/>
@@ -12053,7 +12122,7 @@
                           <a:ea typeface="Franklin Gothic Book"/>
                           <a:cs typeface="Franklin Gothic Book"/>
                         </a:rPr>
-                        <a:t>製品説明</a:t>
+                        <a:t>:</a:t>
                       </a:r>
                     </a:p>
                   </a:txBody>
@@ -12527,6 +12596,18 @@
                         </a:spcAft>
                       </a:pPr>
                       <a:r>
+                        <a:rPr lang="pt-BR" sz="1400" b="1" i="0" strike="noStrike" cap="none" baseline="0">
+                          <a:solidFill>
+                            <a:srgbClr val="FFFFFF"/>
+                          </a:solidFill>
+                          <a:effectLst/>
+                          <a:latin typeface="Franklin Gothic Book"/>
+                          <a:ea typeface="Franklin Gothic Book"/>
+                          <a:cs typeface="Franklin Gothic Book"/>
+                        </a:rPr>
+                        <a:t>Descrição do produto</a:t>
+                      </a:r>
+                      <a:r>
                         <a:rPr lang="pt-BR" sz="1400" b="0" i="0" strike="noStrike" cap="none" baseline="0">
                           <a:solidFill>
                             <a:srgbClr val="FFFFFF"/>
@@ -12536,7 +12617,7 @@
                           <a:ea typeface="Franklin Gothic Book"/>
                           <a:cs typeface="Franklin Gothic Book"/>
                         </a:rPr>
-                        <a:t>製品説明</a:t>
+                        <a:t>:</a:t>
                       </a:r>
                       <a:endParaRPr lang="en-US" sz="2300">
                         <a:effectLst/>
@@ -12726,7 +12807,7 @@
                           <a:ea typeface="Franklin Gothic Book"/>
                           <a:cs typeface="Franklin Gothic Book"/>
                         </a:rPr>
-                        <a:t>Mistura autêntica: Nosso chai é uma mistura harmoniosa de folhas de chá preto premium e uma seleção exclusiva de especiarias moídas, incluindo canela, cardamomo, cravo, gengibre e pimenta-do-reino.</a:t>
+                        <a:t>Combinação autêntica: nosso chai é um composto harmonioso de folhas de chá preto premium e uma seleção exclusiva de especiarias moídas, incluindo canela, cardamomo, cravo, gengibre e pimenta-do-reino.</a:t>
                       </a:r>
                       <a:r>
                         <a:rPr lang="pt-BR" sz="1400" b="0" i="0" strike="noStrike" cap="none" baseline="0">
@@ -12779,7 +12860,7 @@
                           <a:ea typeface="Franklin Gothic Book"/>
                           <a:cs typeface="Franklin Gothic Book"/>
                         </a:rPr>
-                        <a:t>Ingredientes que melhoram a saúde: Cada ingrediente do chá Mystic Spice Chai é escolhido por seus benefícios naturais para a saúde.</a:t>
+                        <a:t>Ingredientes que melhoram a saúde: cada ingrediente do Mystic Spice Chai Tea é escolhido por seus benefícios naturais à saúde.</a:t>
                       </a:r>
                       <a:r>
                         <a:rPr lang="pt-BR" sz="1400" b="0" i="0" strike="noStrike" cap="none" baseline="0">
@@ -13217,7 +13298,7 @@
         </p:nvGraphicFramePr>
         <p:xfrm>
           <a:off x="5282335" y="1994843"/>
-          <a:ext cx="6275668" cy="3677462"/>
+          <a:ext cx="6275668" cy="3512167"/>
         </p:xfrm>
         <a:graphic>
           <a:graphicData uri="http://schemas.openxmlformats.org/drawingml/2006/table">
@@ -13282,6 +13363,18 @@
                         </a:spcAft>
                       </a:pPr>
                       <a:r>
+                        <a:rPr lang="pt-BR" sz="1100" b="1" i="0" strike="noStrike" cap="none" baseline="0">
+                          <a:solidFill>
+                            <a:srgbClr val="FFFFFF"/>
+                          </a:solidFill>
+                          <a:effectLst/>
+                          <a:latin typeface="Franklin Gothic Book"/>
+                          <a:ea typeface="Franklin Gothic Book"/>
+                          <a:cs typeface="Franklin Gothic Book"/>
+                        </a:rPr>
+                        <a:t>Descrição do produto</a:t>
+                      </a:r>
+                      <a:r>
                         <a:rPr lang="pt-BR" sz="1100" b="0" i="0" strike="noStrike" cap="none" baseline="0">
                           <a:solidFill>
                             <a:srgbClr val="FFFFFF"/>
@@ -13291,7 +13384,7 @@
                           <a:ea typeface="Franklin Gothic Book"/>
                           <a:cs typeface="Franklin Gothic Book"/>
                         </a:rPr>
-                        <a:t>製品説明</a:t>
+                        <a:t>:</a:t>
                       </a:r>
                       <a:endParaRPr lang="en-US" sz="1700">
                         <a:effectLst/>
@@ -13327,7 +13420,7 @@
                           <a:ea typeface="Franklin Gothic Book"/>
                           <a:cs typeface="Franklin Gothic Book"/>
                         </a:rPr>
-                        <a:t>Aroma e sabor ricos: O aroma quente e picante e o sabor profundo e revigorante do nosso chai fazem dele a bebida perfeita para começar o dia ou relaxar à noite.</a:t>
+                        <a:t>Aroma e sabor ricos: o aroma quente e picante e o sabor profundo e revigorante do nosso chai o tornam a bebida perfeita para começar o dia ou relaxar à noite.</a:t>
                       </a:r>
                       <a:r>
                         <a:rPr lang="pt-BR" sz="1100" b="0" i="0" strike="noStrike" cap="none" baseline="0">
@@ -13380,7 +13473,7 @@
                           <a:ea typeface="Franklin Gothic Book"/>
                           <a:cs typeface="Franklin Gothic Book"/>
                         </a:rPr>
-                        <a:t>Opções versáteis de fabricação: Se você ama seu chai fumegante quente, como um chá gelado refrescante ou como um café com leite cremoso, nossa mistura é versátil o suficiente para atender a qualquer preferência.</a:t>
+                        <a:t>Opções versáteis de preparo: se você ama seu chai quente, como um chá gelado refrescante ou como um latte cremoso, nossa mistura é versátil o suficiente para atender a qualquer preferência.</a:t>
                       </a:r>
                       <a:r>
                         <a:rPr lang="pt-BR" sz="1100" b="0" i="0" strike="noStrike" cap="none" baseline="0">
@@ -13440,7 +13533,7 @@
                           <a:ea typeface="Franklin Gothic Book"/>
                           <a:cs typeface="Franklin Gothic Book"/>
                         </a:rPr>
-                        <a:t>De origem sustentável: Comprometidos com a sustentabilidade, obtemos nossos ingredientes de pequenas fazendas que praticam a agricultura orgânica, garantindo não apenas a melhor qualidade, mas também o bem-estar do nosso planeta.</a:t>
+                        <a:t>Origem sustentável: comprometidos com a sustentabilidade, obtemos nossos ingredientes de fazendas de pequena escala que praticam a agricultura orgânica, garantindo não apenas a melhor qualidade, mas também o bem-estar do nosso planeta.</a:t>
                       </a:r>
                       <a:endParaRPr lang="en-US" sz="1700">
                         <a:effectLst/>
@@ -13469,7 +13562,7 @@
                           <a:ea typeface="Franklin Gothic Book"/>
                           <a:cs typeface="Franklin Gothic Book"/>
                         </a:rPr>
-                        <a:t>Embalagem elegante: O Mystic Spice Chai Tea vem em embalagens ecológicas e com design lindo, tornando-o um presente ideal para os amantes do chá ou um deleite luxuoso para si mesmo.</a:t>
+                        <a:t>Embalagem elegante: o Mystic Spice Chai Tea vem em uma embalagem ecológica com um belo design, tornando-o o presente ideal para amantes de chá ou um agrado pessoal luxuoso.</a:t>
                       </a:r>
                       <a:endParaRPr lang="en-US" sz="1700">
                         <a:effectLst/>
@@ -13505,7 +13598,7 @@
                           <a:ea typeface="Franklin Gothic Book"/>
                           <a:cs typeface="Franklin Gothic Book"/>
                         </a:rPr>
-                        <a:t>Garantia de Satisfação do Cliente: Nós apoiamos nosso produto e oferecemos uma garantia de satisfação.</a:t>
+                        <a:t>Garantia de satisfação do cliente: nos responsabilizamos por nosso produto e oferecemos uma garantia de satisfação.</a:t>
                       </a:r>
                       <a:r>
                         <a:rPr lang="pt-BR" sz="1100" b="0" i="0" strike="noStrike" cap="none" baseline="0">
@@ -13558,7 +13651,7 @@
                           <a:ea typeface="Franklin Gothic Book"/>
                           <a:cs typeface="Franklin Gothic Book"/>
                         </a:rPr>
-                        <a:t>Ideal para: Entusiastas do chá, indivíduos preocupados com a saúde, amantes de bebidas quentes e picantes e qualquer pessoa que queira explorar os ricos sabores do tradicional chai indiano.</a:t>
+                        <a:t>Ideal para: entusiastas do chá, indivíduos preocupados com a saúde, amantes de bebidas quentes e picantes e qualquer pessoa que queira explorar os ricos sabores do chai indiano tradicional.</a:t>
                       </a:r>
                       <a:endParaRPr lang="en-US" sz="1700">
                         <a:effectLst/>
@@ -14175,7 +14268,7 @@
         </p:nvGraphicFramePr>
         <p:xfrm>
           <a:off x="643192" y="1541387"/>
-          <a:ext cx="5115348" cy="3455187"/>
+          <a:ext cx="5115348" cy="4032972"/>
         </p:xfrm>
         <a:graphic>
           <a:graphicData uri="http://schemas.openxmlformats.org/drawingml/2006/table">
@@ -14251,7 +14344,7 @@
                     <a:lstStyle/>
                     <a:p>
                       <a:r>
-                        <a:rPr lang="pt-BR" sz="2000" b="0" i="0" strike="noStrike" cap="all" baseline="0">
+                        <a:rPr lang="pt-BR" sz="2000" b="1" i="0" strike="noStrike" cap="all" baseline="0">
                           <a:solidFill>
                             <a:srgbClr val="000000"/>
                           </a:solidFill>
@@ -14260,7 +14353,7 @@
                           <a:ea typeface="Franklin Gothic Book"/>
                           <a:cs typeface="Franklin Gothic Book"/>
                         </a:rPr>
-                        <a:t>チャイ ティー市場規模 (10 億米ドル)</a:t>
+                        <a:t>Tamanho de mercado do chá Chai (USD bilhões)</a:t>
                       </a:r>
                     </a:p>
                   </a:txBody>
@@ -14286,7 +14379,7 @@
                     <a:lstStyle/>
                     <a:p>
                       <a:r>
-                        <a:rPr lang="pt-BR" sz="2000" b="0" i="0" strike="noStrike" cap="all" baseline="0">
+                        <a:rPr lang="pt-BR" sz="2000" b="1" i="0" strike="noStrike" cap="all" baseline="0">
                           <a:solidFill>
                             <a:srgbClr val="000000"/>
                           </a:solidFill>
@@ -14295,7 +14388,7 @@
                           <a:ea typeface="Franklin Gothic Book"/>
                           <a:cs typeface="Franklin Gothic Book"/>
                         </a:rPr>
-                        <a:t>CAGR (2020 から 2027 年)</a:t>
+                        <a:t>CAGR (2020-2027)</a:t>
                       </a:r>
                     </a:p>
                   </a:txBody>
@@ -14786,7 +14879,7 @@
                 <a:ea typeface="Bookman Old Style"/>
                 <a:cs typeface="Bookman Old Style"/>
               </a:rPr>
-              <a:t>Canais de Distribuição: Varejistas</a:t>
+              <a:t>Canais de distribuição: varejistas</a:t>
             </a:r>
           </a:p>
         </p:txBody>
@@ -14829,7 +14922,7 @@
                 <a:ea typeface="Franklin Gothic Book"/>
                 <a:cs typeface="Franklin Gothic Book"/>
               </a:rPr>
-              <a:t>Retalhistas: Venda produtos de chá Chai diretamente aos consumidores</a:t>
+              <a:t>Varejistas: venda de produtos de chá Chai diretamente a consumidores</a:t>
             </a:r>
           </a:p>
           <a:p>
@@ -14903,7 +14996,7 @@
                 <a:ea typeface="Franklin Gothic Book"/>
                 <a:cs typeface="Franklin Gothic Book"/>
               </a:rPr>
-              <a:t>Atacadistas: Vender produtos de chá Chai a granel para varejistas</a:t>
+              <a:t>Atacadistas: venda de produtos de chá Chai a granel para varejistas</a:t>
             </a:r>
           </a:p>
           <a:p>
@@ -14917,7 +15010,7 @@
                 <a:ea typeface="Franklin Gothic Book"/>
                 <a:cs typeface="Franklin Gothic Book"/>
               </a:rPr>
-              <a:t>Distribuidores: Transporte de produtos de chá Chai dos fabricantes para os varejistas</a:t>
+              <a:t>Distribuidores: transporte de produtos de chá Chai de fabricantes para varejistas</a:t>
             </a:r>
           </a:p>
         </p:txBody>
@@ -15120,7 +15213,7 @@
                 <a:ea typeface="Bookman Old Style"/>
                 <a:cs typeface="Bookman Old Style"/>
               </a:rPr>
-              <a:t>Canais de Distribuição: Atacadistas</a:t>
+              <a:t>Canais de distribuição: atacadistas</a:t>
             </a:r>
           </a:p>
         </p:txBody>

--- a/ResourceFiles/Mystic Spice Premium Chai Market Analysis Presentation.pptx
+++ b/ResourceFiles/Mystic Spice Premium Chai Market Analysis Presentation.pptx
@@ -1,6 +1,6 @@
 
 <file path=ppt/presentation.xml><?xml version="1.0" encoding="utf-8"?>
-<!--Generated by Aspose.Slides for Java 23.6.1-->
+<!--Generated by Aspose.Slides for Java 23.6-->
 <p:presentation xmlns:r="http://schemas.openxmlformats.org/officeDocument/2006/relationships" xmlns:a="http://schemas.openxmlformats.org/drawingml/2006/main" xmlns:p="http://schemas.openxmlformats.org/presentationml/2006/main" removePersonalInfoOnSave="1" saveSubsetFonts="1">
   <p:sldMasterIdLst>
     <p:sldMasterId id="2147483660" r:id="rId1"/>
@@ -661,7 +661,7 @@
                 <a:ea typeface="Aptos"/>
                 <a:cs typeface="Aptos"/>
               </a:rPr>
-              <a:t>流通業者は、チャイ ティー製品を代理して流通し、その移動と販売を促進し、マーケティング、販売、アフター サービスを提供します。</a:t>
+              <a:t>Os distribuidores representam e distribuem produtos de chai, facilitam o movimento e a venda desses produtos e oferecem serviços de marketing, venda e pós-venda.</a:t>
             </a:r>
             <a:r>
               <a:rPr lang="pt-BR" sz="1200" b="0" i="0" strike="noStrike" cap="none" baseline="0">
@@ -685,7 +685,7 @@
                 <a:ea typeface="Aptos"/>
                 <a:cs typeface="Aptos"/>
               </a:rPr>
-              <a:t>彼らは小売業者や消費者との関係を確立および維持し、技術的および物流的なサポートを提供します。</a:t>
+              <a:t>Eles estabelecem e mantêm relacionamentos com varejistas e consumidores, além de fornecer suporte técnico e logístico.</a:t>
             </a:r>
             <a:r>
               <a:rPr lang="pt-BR" sz="1200" b="0" i="0" strike="noStrike" cap="none" baseline="0">
@@ -777,7 +777,7 @@
                 <a:ea typeface="Aptos"/>
                 <a:cs typeface="Aptos"/>
               </a:rPr>
-              <a:t>流通業者は、さまざまな市場や地域でチャイ ティー製品の移動と販売を促進する代理店であり、チャイ ティー製品のマーケティング、販売、アフター サービスを提供できます。</a:t>
+              <a:t>Eles são os agentes que facilitam o movimento e a venda de produtos de chai em diferentes mercados e regiões e podem oferecer serviços de marketing, venda e pós-venda para esses produtos.</a:t>
             </a:r>
             <a:r>
               <a:rPr lang="pt-BR" sz="1200" b="0" i="0" strike="noStrike" cap="none" baseline="0">
@@ -801,7 +801,7 @@
                 <a:ea typeface="Aptos"/>
                 <a:cs typeface="Aptos"/>
               </a:rPr>
-              <a:t>流通業者は、小売業者や消費者との関係を確立および維持し、チャイ ティー製品の技術的および物流的なサポートを提供することもできます。</a:t>
+              <a:t>Os distribuidores também podem estabelecer e manter relacionamentos com os varejistas e consumidores, além de fornecer suporte técnico e logístico para os produtos de chai.</a:t>
             </a:r>
             <a:r>
               <a:rPr lang="pt-BR" sz="1200" b="0" i="0" strike="noStrike" cap="none" baseline="0">
@@ -923,7 +923,7 @@
                 <a:ea typeface="Aptos"/>
                 <a:cs typeface="Aptos"/>
               </a:rPr>
-              <a:t>ラテン アメリカにおけるチャイのプロモーション計画と戦略は、チャイ ティーの認知度を高め、プレミアム製品として位置付け、試用と購入を奨励し、ロイヤルティを確立することを目的としています。</a:t>
+              <a:t>O plano promocional e estratégia para o chai na América Latina tem como objetivos aumentar a conscientização, posicioná-lo como um produto premium, promover a experimentação e a compra, além de aumentar a fidelidade do cliente.</a:t>
             </a:r>
             <a:r>
               <a:rPr lang="pt-BR" sz="1200" b="0" i="0" strike="noStrike" cap="none" baseline="0">
@@ -947,7 +947,7 @@
                 <a:ea typeface="Aptos"/>
                 <a:cs typeface="Aptos"/>
               </a:rPr>
-              <a:t>戦術には、ブランド名とロゴの作成、Web サイトとソーシャル メディアでの存在感の確立、デジタル マーケティング キャンペーンの開始、無料サンプルの配布、イベントの開催、地元企業との提携などが含まれます。</a:t>
+              <a:t>As táticas incluem criar um nome de marca e logotipo, desenvolver um site da Web e presença nas redes sociais, lançar uma campanha de marketing digital, distribuir amostras grátis, organizar eventos e firmar parcerias com empresas locais.</a:t>
             </a:r>
             <a:r>
               <a:rPr lang="pt-BR" sz="1200" b="0" i="0" strike="noStrike" cap="none" baseline="0">
@@ -1812,7 +1812,7 @@
                 <a:ea typeface="Aptos"/>
                 <a:cs typeface="Aptos"/>
               </a:rPr>
-              <a:t>チャイ ティーはラテン アメリカ市場で有望な製品であり、健康的でエキゾチックな代替品を提供します。</a:t>
+              <a:t>O chai é um produto promissor na América Latina, oferecendo uma alternativa exótica e saudável.</a:t>
             </a:r>
             <a:r>
               <a:rPr lang="pt-BR" sz="1200" b="0" i="0" strike="noStrike" cap="none" baseline="0">
@@ -1836,7 +1836,7 @@
                 <a:ea typeface="Aptos"/>
                 <a:cs typeface="Aptos"/>
               </a:rPr>
-              <a:t>独自の機能と利点を活用して、プレミアムで多用途の製品として位置付ける必要があります。</a:t>
+              <a:t>Ele deve ser posicionado como um produto premium e versátil, aproveitando suas características e benefícios únicos.</a:t>
             </a:r>
             <a:r>
               <a:rPr lang="pt-BR" sz="1200" b="0" i="0" strike="noStrike" cap="none" baseline="0">
@@ -2047,7 +2047,7 @@
                 <a:ea typeface="Aptos"/>
                 <a:cs typeface="Aptos"/>
               </a:rPr>
-              <a:t>このレポートで概説されたプロモーション計画と戦略は、これらの問題に対処し、望ましい結果を達成することを目的としています。</a:t>
+              <a:t>O plano promocional e estratégia definidos neste relatório têm como objetivo abordar essas questões e alcançar os resultados desejados.</a:t>
             </a:r>
             <a:r>
               <a:rPr lang="pt-BR" sz="1200" b="0" i="0" strike="noStrike" cap="none" baseline="0">
@@ -2612,7 +2612,7 @@
                 <a:ea typeface="Aptos"/>
                 <a:cs typeface="Aptos"/>
               </a:rPr>
-              <a:t>このレポートは、ラテン アメリカ地域における Mystic Spice Premium Chai Tea の市場分析を提供します。</a:t>
+              <a:t>Este relatório fornece uma análise de mercado para o Mystic Spice Premium Chai Tea na região da América Latina.</a:t>
             </a:r>
             <a:r>
               <a:rPr lang="pt-BR" sz="1200" b="0" i="0" strike="noStrike" cap="none" baseline="0">
@@ -2721,7 +2721,7 @@
                 <a:ea typeface="Aptos"/>
                 <a:cs typeface="Aptos"/>
               </a:rPr>
-              <a:t>Mystic Spice Premium Chai Tea は、インド発祥で世界中で人気のスパイス入りティー ドリンクです。</a:t>
+              <a:t>O Mystic Spice Premium Chai Tea é um tipo de chá aromático que teve origem na Índia e se tornou popular em todo o mundo.</a:t>
             </a:r>
             <a:r>
               <a:rPr lang="pt-BR" sz="1200" b="0" i="0" strike="noStrike" cap="none" baseline="0">
@@ -2745,7 +2745,7 @@
                 <a:ea typeface="Aptos"/>
                 <a:cs typeface="Aptos"/>
               </a:rPr>
-              <a:t>温かくても冷たくても、ミルクの有無にかかわらず、さまざまなスパイスや甘味料と一緒に楽しめる多用途の飲み物です。</a:t>
+              <a:t>É uma bebida versátil que pode ser apreciada quente ou fria, com ou sem leite, e com diferentes especiarias e adoçantes.</a:t>
             </a:r>
             <a:r>
               <a:rPr lang="pt-BR" sz="1200" b="0" i="0" strike="noStrike" cap="none" baseline="0">
@@ -2769,7 +2769,7 @@
                 <a:ea typeface="Aptos"/>
                 <a:cs typeface="Aptos"/>
               </a:rPr>
-              <a:t>チャイ ティーには、免疫力の向上、炎症の軽減、消化の改善など、多くの健康上の利点があります。</a:t>
+              <a:t>O chai tem muitos benefícios para a saúde, como aumentar a imunidade, reduzir a inflamação e melhorar a digestão.</a:t>
             </a:r>
             <a:r>
               <a:rPr lang="pt-BR" sz="1200" b="0" i="0" strike="noStrike" cap="none" baseline="0">
@@ -2810,7 +2810,7 @@
                 <a:ea typeface="Aptos"/>
                 <a:cs typeface="Aptos"/>
               </a:rPr>
-              <a:t>このレポートの目的は、ラテン アメリカ地域に焦点を当てた、Mystic Spice Premium Chai Tea の市場分析を提供することです。</a:t>
+              <a:t>O objetivo deste relatório é fornecer uma análise de mercado para o Mystic Spice Premium Chai Tea, com foco na região da América Latina.</a:t>
             </a:r>
             <a:r>
               <a:rPr lang="pt-BR" sz="1200" b="0" i="0" strike="noStrike" cap="none" baseline="0">
@@ -3051,7 +3051,7 @@
                 <a:ea typeface="Aptos"/>
                 <a:cs typeface="Aptos"/>
               </a:rPr>
-              <a:t>Mystic Spice Premium Chai Tea は、インドのチャイの伝統を尊重して丁寧に作られたブレンドです。</a:t>
+              <a:t>O Mystic Spice Premium Chai Tea é uma mistura cuidadosamente elaborada que honra as tradições do chai indiano.</a:t>
             </a:r>
             <a:r>
               <a:rPr lang="pt-BR" sz="1200" b="0" i="0" strike="noStrike" cap="none" baseline="0">
@@ -3160,7 +3160,7 @@
                 <a:ea typeface="Aptos"/>
                 <a:cs typeface="Aptos"/>
               </a:rPr>
-              <a:t>各カップはインドの活気に満ちた風景を巡る魅惑的な旅を提供し、自宅で本格的なチャイ体験をお届けします。</a:t>
+              <a:t>Cada xícara oferece uma jornada encantadora pelos vibrantes cenários da Índia, trazendo uma experiência autêntica de chai diretamente para sua casa.</a:t>
             </a:r>
             <a:r>
               <a:rPr lang="pt-BR" sz="1200" b="0" i="0" strike="noStrike" cap="none" baseline="0">
@@ -3468,7 +3468,7 @@
                 <a:ea typeface="Aptos"/>
                 <a:cs typeface="Aptos"/>
               </a:rPr>
-              <a:t>ラテン アメリカ市場は、健康的、自然的、そしてエキゾチックな製品に対する需要が高まっており、チャイ ティーにとって大きなチャンスをもたらしています。</a:t>
+              <a:t>O mercado latino-americano oferece uma excelente oportunidade para o chai, com uma demanda crescente por produtos saudáveis, naturais e exóticos.</a:t>
             </a:r>
             <a:r>
               <a:rPr lang="pt-BR" sz="1200" b="0" i="0" strike="noStrike" cap="none" baseline="0">
@@ -3492,7 +3492,7 @@
                 <a:ea typeface="Aptos"/>
                 <a:cs typeface="Aptos"/>
               </a:rPr>
-              <a:t>世界のチャイ ティー市場規模は 2019 年に 19 億米ドルと評価され、2020 年から 2027 年にかけて 5.5% の CAGR で成長すると予想されており、ラテン アメリカは最も急速に成長している地域の 1 つです。</a:t>
+              <a:t>O tamanho do mercado global de chai foi avaliado em 1,9 bilhão de dólares em 2019 e espera-se que aumente a uma CAGR de 5,5% entre 2020 e 2027, sendo a América Latina uma das regiões com crescimento mais rápido.</a:t>
             </a:r>
             <a:r>
               <a:rPr lang="pt-BR" sz="1200" b="0" i="0" strike="noStrike" cap="none" baseline="0">
@@ -3601,7 +3601,7 @@
                 <a:ea typeface="Aptos"/>
                 <a:cs typeface="Aptos"/>
               </a:rPr>
-              <a:t>この地域には紅茶文化も根付いており、特にアルゼンチン、チリ、ウルグアイなどの国ではマテ茶が人気の飲み物です。</a:t>
+              <a:t>A região também possui uma forte cultura do chá, especialmente em países como Argentina, Chile e Uruguai, onde o mate é uma bebida popular.</a:t>
             </a:r>
             <a:r>
               <a:rPr lang="pt-BR" sz="1200" b="0" i="0" strike="noStrike" cap="none" baseline="0">
@@ -3625,7 +3625,7 @@
                 <a:ea typeface="Aptos"/>
                 <a:cs typeface="Aptos"/>
               </a:rPr>
-              <a:t>チャイ ティーは、カフェインが増加し、複雑な風味プロファイルを提供するため、紅茶愛好家とコーヒー愛好家の両方にアピールできます。</a:t>
+              <a:t>O chai pode atrair tanto os amantes do chá quanto os apreciadores do café, já que oferece uma dose de cafeína semelhante com um perfil de sabor mais complexo.</a:t>
             </a:r>
             <a:r>
               <a:rPr lang="pt-BR" sz="1200" b="0" i="0" strike="noStrike" cap="none" baseline="0">
@@ -3666,7 +3666,7 @@
                 <a:ea typeface="Aptos"/>
                 <a:cs typeface="Aptos"/>
               </a:rPr>
-              <a:t>Grand View Research のレポートによると、世界のチャイ ティー市場規模は 2019 年に 19 億米ドルと評価され、2020 年から 2027 年まで年間平均成長率 (CAGR) 5.5% で成長すると予想されています。</a:t>
+              <a:t>De acordo com um relatório da Grand View Research, o tamanho do mercado global de chai foi avaliado em 1,9 bilhão de dólares em 2019 e espera-se que aumente a uma taxa de crescimento anual composta (CAGR) de 5,5% entre 2020 e 2027.</a:t>
             </a:r>
             <a:r>
               <a:rPr lang="pt-BR" sz="1200" b="0" i="0" strike="noStrike" cap="none" baseline="0">
@@ -3690,7 +3690,7 @@
                 <a:ea typeface="Aptos"/>
                 <a:cs typeface="Aptos"/>
               </a:rPr>
-              <a:t>また、このレポートでは、ラテン アメリカはチャイ ティーの最も急成長している地域の一つであり、2020 年から 2027 年までの CAGR は 6.2% であると述べています。</a:t>
+              <a:t>O relatório também afirma que a América Latina é uma das regiões com crescimento mais rápido para o chai, com uma CAGR de 6,2% entre 2020 e 2027.</a:t>
             </a:r>
             <a:r>
               <a:rPr lang="pt-BR" sz="1200" b="0" i="0" strike="noStrike" cap="none" baseline="0">
@@ -3897,7 +3897,7 @@
                 <a:ea typeface="Aptos"/>
                 <a:cs typeface="Aptos"/>
               </a:rPr>
-              <a:t>ラテン アメリカのチャイ ティーは、小売業者、卸売業者、流通業者を通じて流通しています。</a:t>
+              <a:t>O chai na América Latina é distribuído por meio de varejistas, atacadistas e distribuidores.</a:t>
             </a:r>
             <a:r>
               <a:rPr lang="pt-BR" sz="1200" b="0" i="0" strike="noStrike" cap="none" baseline="0">
@@ -3921,7 +3921,7 @@
                 <a:ea typeface="Aptos"/>
                 <a:cs typeface="Aptos"/>
               </a:rPr>
-              <a:t>スーパーマーケットやカフェなどの小売業者は消費者に直接販売しており、消費者の認識や購入に影響を与えることができます。</a:t>
+              <a:t>Os varejistas, como supermercados e cafeterias, vendem diretamente aos consumidores e podem influenciar sua percepção e compra.</a:t>
             </a:r>
             <a:r>
               <a:rPr lang="pt-BR" sz="1200" b="0" i="0" strike="noStrike" cap="none" baseline="0">
@@ -3945,7 +3945,7 @@
                 <a:ea typeface="Aptos"/>
                 <a:cs typeface="Aptos"/>
               </a:rPr>
-              <a:t>大手小売業者には Walmart や Starbucks などがあります。</a:t>
+              <a:t>Os principais varejistas incluem Walmart e Starbucks.</a:t>
             </a:r>
             <a:r>
               <a:rPr lang="pt-BR" sz="1200" b="0" i="0" strike="noStrike" cap="none" baseline="0">
@@ -4054,7 +4054,7 @@
                 <a:ea typeface="Aptos"/>
                 <a:cs typeface="Aptos"/>
               </a:rPr>
-              <a:t>小売業者とは、スーパーマーケット、コンビニエンス ストア、専門店、カフェ、オンライン プラットフォームなど、チャイ ティー製品を消費者に直接販売する企業です。</a:t>
+              <a:t>Os varejistas são empresas que vendem os produtos de chai diretamente aos consumidores, como supermercados, lojas de conveniência, lojas especializadas, cafeterias e plataformas online.</a:t>
             </a:r>
             <a:r>
               <a:rPr lang="pt-BR" sz="1200" b="0" i="0" strike="noStrike" cap="none" baseline="0">
@@ -4078,7 +4078,7 @@
                 <a:ea typeface="Aptos"/>
                 <a:cs typeface="Aptos"/>
               </a:rPr>
-              <a:t>小売業者はチャイ ティー製品の最も目に付きやすくアクセスしやすいチャネルであり、消費者のチャイ ティー製品に対する認識、好み、購入に影響を与える可能性があります。</a:t>
+              <a:t>Eles desempenham um papel crucial na visibilidade e acessibilidade dos produtos de chai e podem influenciar a percepção e a preferência do consumidor.</a:t>
             </a:r>
             <a:r>
               <a:rPr lang="pt-BR" sz="1200" b="0" i="0" strike="noStrike" cap="none" baseline="0">
@@ -4102,7 +4102,7 @@
                 <a:ea typeface="Aptos"/>
                 <a:cs typeface="Aptos"/>
               </a:rPr>
-              <a:t>小売業者は、ディスプレイ、看板、棚スペースなど、チャイ ティー製品のプロモーションや商品化をサポートすることもできます。</a:t>
+              <a:t>Também podem oferecer suporte promocional e de merchandising para os produtos de chai, como displays, sinalização e espaço nas prateleiras.</a:t>
             </a:r>
             <a:r>
               <a:rPr lang="pt-BR" sz="1200" b="0" i="0" strike="noStrike" cap="none" baseline="0">
@@ -4224,7 +4224,7 @@
                 <a:ea typeface="Aptos"/>
                 <a:cs typeface="Aptos"/>
               </a:rPr>
-              <a:t>卸売業者はチャイ ティー製品を大量に購入し、小売業者やその他の仲介業者に販売します。</a:t>
+              <a:t>Os atacadistas compram produtos de chai em grandes quantidades e os vendem para varejistas ou outros intermediários.</a:t>
             </a:r>
             <a:r>
               <a:rPr lang="pt-BR" sz="1200" b="0" i="0" strike="noStrike" cap="none" baseline="0">
@@ -4248,7 +4248,7 @@
                 <a:ea typeface="Aptos"/>
                 <a:cs typeface="Aptos"/>
               </a:rPr>
-              <a:t>チャイ ティー製品の需要と供給を結び、さまざまなサービスを提供しています。</a:t>
+              <a:t>Ajudam a garantir um suprimento consistente e eficiente dos produtos e oferecem uma variedade de serviços.</a:t>
             </a:r>
             <a:r>
               <a:rPr lang="pt-BR" sz="1200" b="0" i="0" strike="noStrike" cap="none" baseline="0">
@@ -4340,7 +4340,7 @@
                 <a:ea typeface="Aptos"/>
                 <a:cs typeface="Aptos"/>
               </a:rPr>
-              <a:t>卸売業者は、チャイ ティー製品の需要と供給をつなぐ役割を担っており、チャイ ティー製品の規模の経済、保管、輸送サービスを提供できます。</a:t>
+              <a:t>Eles ajudam a garantir um suprimento consistente e eficiente dos produtos de chai nos pontos de venda, facilitando a logística e a distribuição dos produtos de chai em toda a região,</a:t>
             </a:r>
             <a:r>
               <a:rPr lang="pt-BR" sz="1200" b="0" i="0" strike="noStrike" cap="none" baseline="0">
@@ -4364,7 +4364,7 @@
                 <a:ea typeface="Aptos"/>
                 <a:cs typeface="Aptos"/>
               </a:rPr>
-              <a:t>卸売業者は、チャイ ティー製品の市場情報、フィードバック、信用制度を提供することもできます。</a:t>
+              <a:t>além de fornecer informações de mercado, feedback e facilidades de crédito.</a:t>
             </a:r>
             <a:r>
               <a:rPr lang="pt-BR" sz="1200" b="0" i="0" strike="noStrike" cap="none" baseline="0">
@@ -8214,7 +8214,7 @@
                 <a:ea typeface="Bookman Old Style"/>
                 <a:cs typeface="Bookman Old Style"/>
               </a:rPr>
-              <a:t>Mystic Spice Premium Chai Tea 市場分析レポート</a:t>
+              <a:t>Análise de mercado para o Mystic Spice Premium Chai Tea</a:t>
             </a:r>
           </a:p>
         </p:txBody>
@@ -8305,6 +8305,77 @@
           </a:prstGeom>
         </p:spPr>
       </p:pic>
+      <p:sp>
+        <p:nvSpPr>
+          <p:cNvPr id="20" name="TextBox"/>
+          <p:cNvSpPr txBox="1">
+            <a:spLocks noGrp="1" noSelect="1" noRot="1" noMove="1"/>
+          </p:cNvSpPr>
+          <p:nvPr/>
+        </p:nvSpPr>
+        <p:spPr>
+          <a:xfrm>
+            <a:off x="2890520" y="2644140"/>
+            <a:ext cx="6411372" cy="1569660"/>
+          </a:xfrm>
+          <a:prstGeom prst="rect">
+            <a:avLst/>
+          </a:prstGeom>
+          <a:noFill/>
+        </p:spPr>
+        <p:txBody>
+          <a:bodyPr wrap="none" rtlCol="0" anchor="ctr" anchorCtr="1">
+            <a:spAutoFit/>
+          </a:bodyPr>
+          <a:lstStyle>
+            <a:lvl1pPr algn="l">
+              <a:lnSpc>
+                <a:spcPct val="150000"/>
+              </a:lnSpc>
+              <a:spcBef>
+                <a:spcPct val="0"/>
+              </a:spcBef>
+              <a:spcAft>
+                <a:spcPct val="0"/>
+              </a:spcAft>
+              <a:defRPr lang="en-US" sz="3200" b="1" noProof="1" dirty="0">
+                <a:solidFill>
+                  <a:prstClr val="red">
+                    <a:lumOff val="30000"/>
+                    <a:alpha val="40000"/>
+                  </a:prstClr>
+                </a:solidFill>
+                <a:effectLst>
+                  <a:outerShdw blurRad="50800" dist="38100" algn="tr" rotWithShape="0">
+                    <a:prstClr val="black">
+                      <a:alpha val="80000"/>
+                    </a:prstClr>
+                  </a:outerShdw>
+                </a:effectLst>
+                <a:latin typeface="Calibri" pitchFamily="34" charset="0"/>
+              </a:defRPr>
+            </a:lvl1pPr>
+          </a:lstStyle>
+          <a:p>
+            <a:pPr algn="ctr"/>
+            <a:r>
+              <a:t>Evaluation only.</a:t>
+            </a:r>
+          </a:p>
+          <a:p>
+            <a:pPr algn="ctr"/>
+            <a:r>
+              <a:t>Created with Aspose.Slides for Java 23.6.</a:t>
+            </a:r>
+          </a:p>
+          <a:p>
+            <a:pPr algn="ctr"/>
+            <a:r>
+              <a:t>Copyright 2004-2023 Aspose Pty Ltd.</a:t>
+            </a:r>
+          </a:p>
+        </p:txBody>
+      </p:sp>
     </p:spTree>
     <p:extLst>
       <p:ext uri="{BB962C8B-B14F-4D97-AF65-F5344CB8AC3E}">
@@ -8751,7 +8822,7 @@
                 <a:ea typeface="Franklin Gothic Book"/>
                 <a:cs typeface="Franklin Gothic Book"/>
               </a:rPr>
-              <a:t>流通業者の役割</a:t>
+              <a:t>Função dos distribuidores</a:t>
             </a:r>
           </a:p>
           <a:p>
@@ -8770,7 +8841,7 @@
                 <a:ea typeface="Franklin Gothic Book"/>
                 <a:cs typeface="Franklin Gothic Book"/>
               </a:rPr>
-              <a:t>チャイティー製品の代理および流通</a:t>
+              <a:t>Representam e distribuem produtos de chai</a:t>
             </a:r>
           </a:p>
           <a:p>
@@ -8789,7 +8860,7 @@
                 <a:ea typeface="Franklin Gothic Book"/>
                 <a:cs typeface="Franklin Gothic Book"/>
               </a:rPr>
-              <a:t>さまざまな市場での移動と販売を促進する</a:t>
+              <a:t>Facilitam o movimento e a venda de produtos de chai em diferentes mercados</a:t>
             </a:r>
           </a:p>
           <a:p>
@@ -8808,7 +8879,7 @@
                 <a:ea typeface="Franklin Gothic Book"/>
                 <a:cs typeface="Franklin Gothic Book"/>
               </a:rPr>
-              <a:t>マーケティング、販売、アフター サービスの提供</a:t>
+              <a:t>Oferecem serviços de marketing, venda e pós-venda</a:t>
             </a:r>
           </a:p>
           <a:p>
@@ -8827,7 +8898,7 @@
                 <a:ea typeface="Franklin Gothic Book"/>
                 <a:cs typeface="Franklin Gothic Book"/>
               </a:rPr>
-              <a:t>Relações</a:t>
+              <a:t>Relacionamentos</a:t>
             </a:r>
           </a:p>
           <a:p>
@@ -8846,7 +8917,7 @@
                 <a:ea typeface="Franklin Gothic Book"/>
                 <a:cs typeface="Franklin Gothic Book"/>
               </a:rPr>
-              <a:t>小売業者および消費者との関係を確立および維持する</a:t>
+              <a:t>Estabelecem e mantêm relacionamentos com varejistas e consumidores</a:t>
             </a:r>
           </a:p>
           <a:p>
@@ -8865,7 +8936,7 @@
                 <a:ea typeface="Franklin Gothic Book"/>
                 <a:cs typeface="Franklin Gothic Book"/>
               </a:rPr>
-              <a:t>技術的および物流的なサポートを提供する</a:t>
+              <a:t>Fornecem suporte técnico e logístico</a:t>
             </a:r>
           </a:p>
           <a:p>
@@ -8884,7 +8955,7 @@
                 <a:ea typeface="Franklin Gothic Book"/>
                 <a:cs typeface="Franklin Gothic Book"/>
               </a:rPr>
-              <a:t>ラテン アメリカの主要流通業者</a:t>
+              <a:t>Principais distribuidores na América Latina</a:t>
             </a:r>
           </a:p>
           <a:p>
@@ -8960,6 +9031,77 @@
           </a:prstGeom>
         </p:spPr>
       </p:pic>
+      <p:sp>
+        <p:nvSpPr>
+          <p:cNvPr id="17" name="TextBox"/>
+          <p:cNvSpPr txBox="1">
+            <a:spLocks noGrp="1" noSelect="1" noRot="1" noMove="1"/>
+          </p:cNvSpPr>
+          <p:nvPr/>
+        </p:nvSpPr>
+        <p:spPr>
+          <a:xfrm>
+            <a:off x="2890520" y="2644140"/>
+            <a:ext cx="6411372" cy="1569660"/>
+          </a:xfrm>
+          <a:prstGeom prst="rect">
+            <a:avLst/>
+          </a:prstGeom>
+          <a:noFill/>
+        </p:spPr>
+        <p:txBody>
+          <a:bodyPr wrap="none" rtlCol="0" anchor="ctr" anchorCtr="1">
+            <a:spAutoFit/>
+          </a:bodyPr>
+          <a:lstStyle>
+            <a:lvl1pPr algn="l">
+              <a:lnSpc>
+                <a:spcPct val="150000"/>
+              </a:lnSpc>
+              <a:spcBef>
+                <a:spcPct val="0"/>
+              </a:spcBef>
+              <a:spcAft>
+                <a:spcPct val="0"/>
+              </a:spcAft>
+              <a:defRPr lang="en-US" sz="3200" b="1" noProof="1" dirty="0">
+                <a:solidFill>
+                  <a:prstClr val="red">
+                    <a:lumOff val="30000"/>
+                    <a:alpha val="40000"/>
+                  </a:prstClr>
+                </a:solidFill>
+                <a:effectLst>
+                  <a:outerShdw blurRad="50800" dist="38100" algn="tr" rotWithShape="0">
+                    <a:prstClr val="black">
+                      <a:alpha val="80000"/>
+                    </a:prstClr>
+                  </a:outerShdw>
+                </a:effectLst>
+                <a:latin typeface="Calibri" pitchFamily="34" charset="0"/>
+              </a:defRPr>
+            </a:lvl1pPr>
+          </a:lstStyle>
+          <a:p>
+            <a:pPr algn="ctr"/>
+            <a:r>
+              <a:t>Evaluation only.</a:t>
+            </a:r>
+          </a:p>
+          <a:p>
+            <a:pPr algn="ctr"/>
+            <a:r>
+              <a:t>Created with Aspose.Slides for Java 23.6.</a:t>
+            </a:r>
+          </a:p>
+          <a:p>
+            <a:pPr algn="ctr"/>
+            <a:r>
+              <a:t>Copyright 2004-2023 Aspose Pty Ltd.</a:t>
+            </a:r>
+          </a:p>
+        </p:txBody>
+      </p:sp>
     </p:spTree>
     <p:extLst>
       <p:ext uri="{BB962C8B-B14F-4D97-AF65-F5344CB8AC3E}">
@@ -9158,7 +9300,7 @@
                 <a:ea typeface="Bookman Old Style"/>
                 <a:cs typeface="Bookman Old Style"/>
               </a:rPr>
-              <a:t>プロモーション計画と戦略</a:t>
+              <a:t>Plano promocional e estratégia</a:t>
             </a:r>
           </a:p>
         </p:txBody>
@@ -9206,7 +9348,7 @@
                 <a:ea typeface="Franklin Gothic Book"/>
                 <a:cs typeface="Franklin Gothic Book"/>
               </a:rPr>
-              <a:t>プロモーション計画と戦略の目的</a:t>
+              <a:t>Objetivos do plano promocional e estratégia</a:t>
             </a:r>
           </a:p>
           <a:p>
@@ -9225,7 +9367,7 @@
                 <a:ea typeface="Franklin Gothic Book"/>
                 <a:cs typeface="Franklin Gothic Book"/>
               </a:rPr>
-              <a:t>ターゲット層のチャイ ティーへの認識度と関心を高める</a:t>
+              <a:t>Aumentar a conscientização e o interesse pelo produto entre o público-alvo</a:t>
             </a:r>
           </a:p>
           <a:p>
@@ -9244,7 +9386,7 @@
                 <a:ea typeface="Franklin Gothic Book"/>
                 <a:cs typeface="Franklin Gothic Book"/>
               </a:rPr>
-              <a:t>チャイ ティーをプレミアム、自然、そして健康的な製品として位置づける</a:t>
+              <a:t>Posicionar o chai como um produto premium, natural e saudável</a:t>
             </a:r>
           </a:p>
           <a:p>
@@ -9263,7 +9405,7 @@
                 <a:ea typeface="Franklin Gothic Book"/>
                 <a:cs typeface="Franklin Gothic Book"/>
               </a:rPr>
-              <a:t>さまざまなチャネルやインセンティブを通じてチャイ ティーの試用と購入を奨励する</a:t>
+              <a:t>Promover a experimentação e a compra através de diversos canais e incentivos</a:t>
             </a:r>
           </a:p>
           <a:p>
@@ -9282,7 +9424,7 @@
                 <a:ea typeface="Franklin Gothic Book"/>
                 <a:cs typeface="Franklin Gothic Book"/>
               </a:rPr>
-              <a:t>チャイ ティー消費者のロイヤルティを確立して維持する</a:t>
+              <a:t>Aumentar a fidelidade e a retenção entre os consumidores</a:t>
             </a:r>
           </a:p>
           <a:p>
@@ -9301,7 +9443,7 @@
                 <a:ea typeface="Franklin Gothic Book"/>
                 <a:cs typeface="Franklin Gothic Book"/>
               </a:rPr>
-              <a:t>プロモーション計画と戦略で使用される戦術</a:t>
+              <a:t>Táticas usadas no plano promocional e estratégia</a:t>
             </a:r>
           </a:p>
           <a:p>
@@ -9320,7 +9462,7 @@
                 <a:ea typeface="Franklin Gothic Book"/>
                 <a:cs typeface="Franklin Gothic Book"/>
               </a:rPr>
-              <a:t>キャッチーで記憶に残るチャイ ティーのブランド名とロゴを作成する</a:t>
+              <a:t>Criar um nome de marca e logotipo cativantes e memoráveis para o chai</a:t>
             </a:r>
           </a:p>
           <a:p>
@@ -9339,7 +9481,7 @@
                 <a:ea typeface="Franklin Gothic Book"/>
                 <a:cs typeface="Franklin Gothic Book"/>
               </a:rPr>
-              <a:t>Web サイトとソーシャル メディアでのチャイ ティーの存在感を確立する</a:t>
+              <a:t>Desenvolver um site da Web e presença nas redes sociais para o chai</a:t>
             </a:r>
           </a:p>
           <a:p>
@@ -9358,7 +9500,7 @@
                 <a:ea typeface="Franklin Gothic Book"/>
                 <a:cs typeface="Franklin Gothic Book"/>
               </a:rPr>
-              <a:t>デジタル マーケティング キャンペーンを開始する</a:t>
+              <a:t>Lançar uma campanha de marketing digital</a:t>
             </a:r>
           </a:p>
           <a:p>
@@ -9377,7 +9519,7 @@
                 <a:ea typeface="Franklin Gothic Book"/>
                 <a:cs typeface="Franklin Gothic Book"/>
               </a:rPr>
-              <a:t>チャイ ティーの無料サンプルとクーポンを配布する</a:t>
+              <a:t>Distribuir amostras grátis e cupons do chai</a:t>
             </a:r>
           </a:p>
           <a:p>
@@ -9396,7 +9538,7 @@
                 <a:ea typeface="Franklin Gothic Book"/>
                 <a:cs typeface="Franklin Gothic Book"/>
               </a:rPr>
-              <a:t>イベントやコンテストを企画する</a:t>
+              <a:t>Organizar eventos e concursos</a:t>
             </a:r>
           </a:p>
           <a:p>
@@ -9415,7 +9557,78 @@
                 <a:ea typeface="Franklin Gothic Book"/>
                 <a:cs typeface="Franklin Gothic Book"/>
               </a:rPr>
-              <a:t>プロモーション計画と戦略の実施と評価</a:t>
+              <a:t>Implementação e avaliação do plano promocional e estratégia</a:t>
+            </a:r>
+          </a:p>
+        </p:txBody>
+      </p:sp>
+      <p:sp>
+        <p:nvSpPr>
+          <p:cNvPr id="11" name="TextBox"/>
+          <p:cNvSpPr txBox="1">
+            <a:spLocks noGrp="1" noSelect="1" noRot="1" noMove="1"/>
+          </p:cNvSpPr>
+          <p:nvPr/>
+        </p:nvSpPr>
+        <p:spPr>
+          <a:xfrm>
+            <a:off x="2890520" y="2644140"/>
+            <a:ext cx="6411372" cy="1569660"/>
+          </a:xfrm>
+          <a:prstGeom prst="rect">
+            <a:avLst/>
+          </a:prstGeom>
+          <a:noFill/>
+        </p:spPr>
+        <p:txBody>
+          <a:bodyPr wrap="none" rtlCol="0" anchor="ctr" anchorCtr="1">
+            <a:spAutoFit/>
+          </a:bodyPr>
+          <a:lstStyle>
+            <a:lvl1pPr algn="l">
+              <a:lnSpc>
+                <a:spcPct val="150000"/>
+              </a:lnSpc>
+              <a:spcBef>
+                <a:spcPct val="0"/>
+              </a:spcBef>
+              <a:spcAft>
+                <a:spcPct val="0"/>
+              </a:spcAft>
+              <a:defRPr lang="en-US" sz="3200" b="1" noProof="1" dirty="0">
+                <a:solidFill>
+                  <a:prstClr val="red">
+                    <a:lumOff val="30000"/>
+                    <a:alpha val="40000"/>
+                  </a:prstClr>
+                </a:solidFill>
+                <a:effectLst>
+                  <a:outerShdw blurRad="50800" dist="38100" algn="tr" rotWithShape="0">
+                    <a:prstClr val="black">
+                      <a:alpha val="80000"/>
+                    </a:prstClr>
+                  </a:outerShdw>
+                </a:effectLst>
+                <a:latin typeface="Calibri" pitchFamily="34" charset="0"/>
+              </a:defRPr>
+            </a:lvl1pPr>
+          </a:lstStyle>
+          <a:p>
+            <a:pPr algn="ctr"/>
+            <a:r>
+              <a:t>Evaluation only.</a:t>
+            </a:r>
+          </a:p>
+          <a:p>
+            <a:pPr algn="ctr"/>
+            <a:r>
+              <a:t>Created with Aspose.Slides for Java 23.6.</a:t>
+            </a:r>
+          </a:p>
+          <a:p>
+            <a:pPr algn="ctr"/>
+            <a:r>
+              <a:t>Copyright 2004-2023 Aspose Pty Ltd.</a:t>
             </a:r>
           </a:p>
         </p:txBody>
@@ -9804,7 +10017,7 @@
                 <a:ea typeface="Franklin Gothic Book"/>
                 <a:cs typeface="Franklin Gothic Book"/>
               </a:rPr>
-              <a:t>ターゲット層のチャイ ティーに対する認知度および関心が 20% 増加</a:t>
+              <a:t>Aumento de 20% na conscientização e no interesse pelo produto entre o público-alvo</a:t>
             </a:r>
           </a:p>
           <a:p>
@@ -9818,7 +10031,7 @@
                 <a:ea typeface="Franklin Gothic Book"/>
                 <a:cs typeface="Franklin Gothic Book"/>
               </a:rPr>
-              <a:t>この地域におけるチャイ ティーの市場シェアが 10% 増加</a:t>
+              <a:t>Aumento de 10% na participação no mercado do chai na região</a:t>
             </a:r>
           </a:p>
           <a:p>
@@ -9832,7 +10045,7 @@
                 <a:ea typeface="Franklin Gothic Book"/>
                 <a:cs typeface="Franklin Gothic Book"/>
               </a:rPr>
-              <a:t>この地域におけるチャイ ティーの販売量と収益が 15% 増加</a:t>
+              <a:t>Aumento de 15% no volume de vendas e receita do chai na região</a:t>
             </a:r>
           </a:p>
           <a:p>
@@ -9846,7 +10059,78 @@
                 <a:ea typeface="Franklin Gothic Book"/>
                 <a:cs typeface="Franklin Gothic Book"/>
               </a:rPr>
-              <a:t>この地域におけるチャイ ティーの顧客満足度と維持率が 25% 向上</a:t>
+              <a:t>Aumento de 25% nas taxas de satisfação do cliente e retenção do chai na região</a:t>
+            </a:r>
+          </a:p>
+        </p:txBody>
+      </p:sp>
+      <p:sp>
+        <p:nvSpPr>
+          <p:cNvPr id="17" name="TextBox"/>
+          <p:cNvSpPr txBox="1">
+            <a:spLocks noGrp="1" noSelect="1" noRot="1" noMove="1"/>
+          </p:cNvSpPr>
+          <p:nvPr/>
+        </p:nvSpPr>
+        <p:spPr>
+          <a:xfrm>
+            <a:off x="2890520" y="2644140"/>
+            <a:ext cx="6411372" cy="1569660"/>
+          </a:xfrm>
+          <a:prstGeom prst="rect">
+            <a:avLst/>
+          </a:prstGeom>
+          <a:noFill/>
+        </p:spPr>
+        <p:txBody>
+          <a:bodyPr wrap="none" rtlCol="0" anchor="ctr" anchorCtr="1">
+            <a:spAutoFit/>
+          </a:bodyPr>
+          <a:lstStyle>
+            <a:lvl1pPr algn="l">
+              <a:lnSpc>
+                <a:spcPct val="150000"/>
+              </a:lnSpc>
+              <a:spcBef>
+                <a:spcPct val="0"/>
+              </a:spcBef>
+              <a:spcAft>
+                <a:spcPct val="0"/>
+              </a:spcAft>
+              <a:defRPr lang="en-US" sz="3200" b="1" noProof="1" dirty="0">
+                <a:solidFill>
+                  <a:prstClr val="red">
+                    <a:lumOff val="30000"/>
+                    <a:alpha val="40000"/>
+                  </a:prstClr>
+                </a:solidFill>
+                <a:effectLst>
+                  <a:outerShdw blurRad="50800" dist="38100" algn="tr" rotWithShape="0">
+                    <a:prstClr val="black">
+                      <a:alpha val="80000"/>
+                    </a:prstClr>
+                  </a:outerShdw>
+                </a:effectLst>
+                <a:latin typeface="Calibri" pitchFamily="34" charset="0"/>
+              </a:defRPr>
+            </a:lvl1pPr>
+          </a:lstStyle>
+          <a:p>
+            <a:pPr algn="ctr"/>
+            <a:r>
+              <a:t>Evaluation only.</a:t>
+            </a:r>
+          </a:p>
+          <a:p>
+            <a:pPr algn="ctr"/>
+            <a:r>
+              <a:t>Created with Aspose.Slides for Java 23.6.</a:t>
+            </a:r>
+          </a:p>
+          <a:p>
+            <a:pPr algn="ctr"/>
+            <a:r>
+              <a:t>Copyright 2004-2023 Aspose Pty Ltd.</a:t>
             </a:r>
           </a:p>
         </p:txBody>
@@ -10078,7 +10362,7 @@
         </p:spPr>
         <p:txBody>
           <a:bodyPr anchor="ctr">
-            <a:normAutofit/>
+            <a:normAutofit lnSpcReduction="20000"/>
           </a:bodyPr>
           <a:lstStyle/>
           <a:p>
@@ -10092,7 +10376,7 @@
                 <a:ea typeface="Franklin Gothic Book"/>
                 <a:cs typeface="Franklin Gothic Book"/>
               </a:rPr>
-              <a:t>チャイ ティー製品は他の飲料に比べて価格が高く、手頃な価格ではない</a:t>
+              <a:t>Alto preço e baixa acessibilidade dos produtos de chai em comparação com outras bebidas</a:t>
             </a:r>
           </a:p>
           <a:p>
@@ -10106,7 +10390,7 @@
                 <a:ea typeface="Franklin Gothic Book"/>
                 <a:cs typeface="Franklin Gothic Book"/>
               </a:rPr>
-              <a:t>人口の一部の層ではチャイ ティーに対する認知度と馴染みが不足している</a:t>
+              <a:t>Falta de conscientização e familiaridade com o chai entre alguns segmentos da população</a:t>
             </a:r>
           </a:p>
           <a:p>
@@ -10120,7 +10404,7 @@
                 <a:ea typeface="Franklin Gothic Book"/>
                 <a:cs typeface="Franklin Gothic Book"/>
               </a:rPr>
-              <a:t>ハーブ ティー、緑茶、紅茶などの他のお茶製品との競合</a:t>
+              <a:t>Concorrência de outros produtos de chá, como chás de ervas, chá verde e chá preto</a:t>
             </a:r>
           </a:p>
           <a:p>
@@ -10134,7 +10418,7 @@
                 <a:ea typeface="Franklin Gothic Book"/>
                 <a:cs typeface="Franklin Gothic Book"/>
               </a:rPr>
-              <a:t>一部の国におけるチャイ ティー製品の参入と拡大を制限する可能性がある規制および文化的障壁</a:t>
+              <a:t>Barreiras regulatórias e culturais que podem limitar a entrada e a expansão dos produtos de chai em alguns países</a:t>
             </a:r>
           </a:p>
           <a:p>
@@ -10148,7 +10432,78 @@
                 <a:ea typeface="Franklin Gothic Book"/>
                 <a:cs typeface="Franklin Gothic Book"/>
               </a:rPr>
-              <a:t>チャイ ティー原料の供給と品質に影響を与える可能性がある環境問題と社会問題</a:t>
+              <a:t>Questões ambientais e sociais que podem afetar o suprimento e a qualidade dos ingredientes do chai</a:t>
+            </a:r>
+          </a:p>
+        </p:txBody>
+      </p:sp>
+      <p:sp>
+        <p:nvSpPr>
+          <p:cNvPr id="11" name="TextBox"/>
+          <p:cNvSpPr txBox="1">
+            <a:spLocks noGrp="1" noSelect="1" noRot="1" noMove="1"/>
+          </p:cNvSpPr>
+          <p:nvPr/>
+        </p:nvSpPr>
+        <p:spPr>
+          <a:xfrm>
+            <a:off x="2890520" y="2644140"/>
+            <a:ext cx="6411372" cy="1569660"/>
+          </a:xfrm>
+          <a:prstGeom prst="rect">
+            <a:avLst/>
+          </a:prstGeom>
+          <a:noFill/>
+        </p:spPr>
+        <p:txBody>
+          <a:bodyPr wrap="none" rtlCol="0" anchor="ctr" anchorCtr="1">
+            <a:spAutoFit/>
+          </a:bodyPr>
+          <a:lstStyle>
+            <a:lvl1pPr algn="l">
+              <a:lnSpc>
+                <a:spcPct val="150000"/>
+              </a:lnSpc>
+              <a:spcBef>
+                <a:spcPct val="0"/>
+              </a:spcBef>
+              <a:spcAft>
+                <a:spcPct val="0"/>
+              </a:spcAft>
+              <a:defRPr lang="en-US" sz="3200" b="1" noProof="1" dirty="0">
+                <a:solidFill>
+                  <a:prstClr val="red">
+                    <a:lumOff val="30000"/>
+                    <a:alpha val="40000"/>
+                  </a:prstClr>
+                </a:solidFill>
+                <a:effectLst>
+                  <a:outerShdw blurRad="50800" dist="38100" algn="tr" rotWithShape="0">
+                    <a:prstClr val="black">
+                      <a:alpha val="80000"/>
+                    </a:prstClr>
+                  </a:outerShdw>
+                </a:effectLst>
+                <a:latin typeface="Calibri" pitchFamily="34" charset="0"/>
+              </a:defRPr>
+            </a:lvl1pPr>
+          </a:lstStyle>
+          <a:p>
+            <a:pPr algn="ctr"/>
+            <a:r>
+              <a:t>Evaluation only.</a:t>
+            </a:r>
+          </a:p>
+          <a:p>
+            <a:pPr algn="ctr"/>
+            <a:r>
+              <a:t>Created with Aspose.Slides for Java 23.6.</a:t>
+            </a:r>
+          </a:p>
+          <a:p>
+            <a:pPr algn="ctr"/>
+            <a:r>
+              <a:t>Copyright 2004-2023 Aspose Pty Ltd.</a:t>
             </a:r>
           </a:p>
         </p:txBody>
@@ -10351,7 +10706,7 @@
                 <a:ea typeface="Bookman Old Style"/>
                 <a:cs typeface="Bookman Old Style"/>
               </a:rPr>
-              <a:t>推奨事項と結論</a:t>
+              <a:t>Recomendações e conclusões</a:t>
             </a:r>
           </a:p>
         </p:txBody>
@@ -10380,7 +10735,7 @@
         </p:spPr>
         <p:txBody>
           <a:bodyPr anchor="ctr">
-            <a:normAutofit/>
+            <a:normAutofit lnSpcReduction="20000"/>
           </a:bodyPr>
           <a:lstStyle/>
           <a:p>
@@ -10399,7 +10754,7 @@
                 <a:ea typeface="Franklin Gothic Book"/>
                 <a:cs typeface="Franklin Gothic Book"/>
               </a:rPr>
-              <a:t>チャイ ティーはラテン アメリカ市場で成長の可能性を秘めた有望な製品である</a:t>
+              <a:t>O chai é um produto promissor que tem potencial para crescer no mercado latino-americano</a:t>
             </a:r>
           </a:p>
           <a:p>
@@ -10418,7 +10773,7 @@
                 <a:ea typeface="Franklin Gothic Book"/>
                 <a:cs typeface="Franklin Gothic Book"/>
               </a:rPr>
-              <a:t>他の飲み物に代わる、健康的で自然でエキゾチックな飲み物を提供する</a:t>
+              <a:t>Oferece uma alternativa saudável, natural e exótica a outras bebidas</a:t>
             </a:r>
           </a:p>
           <a:p>
@@ -10437,7 +10792,7 @@
                 <a:ea typeface="Franklin Gothic Book"/>
                 <a:cs typeface="Franklin Gothic Book"/>
               </a:rPr>
-              <a:t>チャイ ティーをプレミアムで本格的かつ多用途な製品として位置づけ、販売する</a:t>
+              <a:t>Precisa ser posicionado e comercializado como um produto premium, autêntico e versátil</a:t>
             </a:r>
           </a:p>
           <a:p>
@@ -10456,7 +10811,7 @@
                 <a:ea typeface="Franklin Gothic Book"/>
                 <a:cs typeface="Franklin Gothic Book"/>
               </a:rPr>
-              <a:t>さまざまなセグメントや機会にアピール</a:t>
+              <a:t>Atrai diferentes segmentos e ocasiões</a:t>
             </a:r>
           </a:p>
           <a:p>
@@ -10475,7 +10830,7 @@
                 <a:ea typeface="Franklin Gothic Book"/>
                 <a:cs typeface="Franklin Gothic Book"/>
               </a:rPr>
-              <a:t>豊かな香り、風味、健康上の利点などの独自の機能と利点を活用する</a:t>
+              <a:t>Precisa aproveitar suas características únicas e benefícios, como seu aroma e sabor intensos e benefícios para a saúde</a:t>
             </a:r>
           </a:p>
           <a:p>
@@ -10494,7 +10849,7 @@
                 <a:ea typeface="Franklin Gothic Book"/>
                 <a:cs typeface="Franklin Gothic Book"/>
               </a:rPr>
-              <a:t>他のお茶製品との差別化</a:t>
+              <a:t>Diferencia-se de outros produtos de chá</a:t>
             </a:r>
           </a:p>
           <a:p>
@@ -10513,7 +10868,7 @@
                 <a:ea typeface="Franklin Gothic Book"/>
                 <a:cs typeface="Franklin Gothic Book"/>
               </a:rPr>
-              <a:t>オンラインとオフラインの戦略を組み合わせてターゲット ユーザーにリーチし、エンゲージメントを図る</a:t>
+              <a:t>Precisa utilizar uma combinação de táticas online e offline para alcançar e engajar o público-alvo</a:t>
             </a:r>
           </a:p>
           <a:p>
@@ -10532,7 +10887,7 @@
                 <a:ea typeface="Franklin Gothic Book"/>
                 <a:cs typeface="Franklin Gothic Book"/>
               </a:rPr>
-              <a:t>忠実で満足度の高い顧客ベースを構築する</a:t>
+              <a:t>Precisa criar uma base de clientes fiéis e satisfeitos</a:t>
             </a:r>
           </a:p>
           <a:p>
@@ -10551,7 +10906,7 @@
                 <a:ea typeface="Franklin Gothic Book"/>
                 <a:cs typeface="Franklin Gothic Book"/>
               </a:rPr>
-              <a:t>価格、認知度、競争、規制、持続可能性などの課題と脅威を克服する</a:t>
+              <a:t>Precisa superar os desafios e ameaças, como preço, conscientização, concorrência, regulamentação e sustentabilidade</a:t>
             </a:r>
           </a:p>
           <a:p>
@@ -10570,7 +10925,78 @@
                 <a:ea typeface="Franklin Gothic Book"/>
                 <a:cs typeface="Franklin Gothic Book"/>
               </a:rPr>
-              <a:t>プロモーション計画と戦略を常に監視、評価、調整する</a:t>
+              <a:t>O plano promocional e a estratégia precisam ser constantemente monitorados, avaliados e ajustados</a:t>
+            </a:r>
+          </a:p>
+        </p:txBody>
+      </p:sp>
+      <p:sp>
+        <p:nvSpPr>
+          <p:cNvPr id="11" name="TextBox"/>
+          <p:cNvSpPr txBox="1">
+            <a:spLocks noGrp="1" noSelect="1" noRot="1" noMove="1"/>
+          </p:cNvSpPr>
+          <p:nvPr/>
+        </p:nvSpPr>
+        <p:spPr>
+          <a:xfrm>
+            <a:off x="2890520" y="2644140"/>
+            <a:ext cx="6411372" cy="1569660"/>
+          </a:xfrm>
+          <a:prstGeom prst="rect">
+            <a:avLst/>
+          </a:prstGeom>
+          <a:noFill/>
+        </p:spPr>
+        <p:txBody>
+          <a:bodyPr wrap="none" rtlCol="0" anchor="ctr" anchorCtr="1">
+            <a:spAutoFit/>
+          </a:bodyPr>
+          <a:lstStyle>
+            <a:lvl1pPr algn="l">
+              <a:lnSpc>
+                <a:spcPct val="150000"/>
+              </a:lnSpc>
+              <a:spcBef>
+                <a:spcPct val="0"/>
+              </a:spcBef>
+              <a:spcAft>
+                <a:spcPct val="0"/>
+              </a:spcAft>
+              <a:defRPr lang="en-US" sz="3200" b="1" noProof="1" dirty="0">
+                <a:solidFill>
+                  <a:prstClr val="red">
+                    <a:lumOff val="30000"/>
+                    <a:alpha val="40000"/>
+                  </a:prstClr>
+                </a:solidFill>
+                <a:effectLst>
+                  <a:outerShdw blurRad="50800" dist="38100" algn="tr" rotWithShape="0">
+                    <a:prstClr val="black">
+                      <a:alpha val="80000"/>
+                    </a:prstClr>
+                  </a:outerShdw>
+                </a:effectLst>
+                <a:latin typeface="Calibri" pitchFamily="34" charset="0"/>
+              </a:defRPr>
+            </a:lvl1pPr>
+          </a:lstStyle>
+          <a:p>
+            <a:pPr algn="ctr"/>
+            <a:r>
+              <a:t>Evaluation only.</a:t>
+            </a:r>
+          </a:p>
+          <a:p>
+            <a:pPr algn="ctr"/>
+            <a:r>
+              <a:t>Created with Aspose.Slides for Java 23.6.</a:t>
+            </a:r>
+          </a:p>
+          <a:p>
+            <a:pPr algn="ctr"/>
+            <a:r>
+              <a:t>Copyright 2004-2023 Aspose Pty Ltd.</a:t>
             </a:r>
           </a:p>
         </p:txBody>
@@ -10898,7 +11324,7 @@
                 <a:ea typeface="Franklin Gothic Book"/>
                 <a:cs typeface="Franklin Gothic Book"/>
               </a:rPr>
-              <a:t>Descrição do produto</a:t>
+              <a:t>Descrição do produto:</a:t>
             </a:r>
           </a:p>
           <a:p>
@@ -10917,7 +11343,7 @@
                 <a:ea typeface="Franklin Gothic Book"/>
                 <a:cs typeface="Franklin Gothic Book"/>
               </a:rPr>
-              <a:t>製品説明 (1/2)</a:t>
+              <a:t>Descrição do produto (1/2)</a:t>
             </a:r>
           </a:p>
           <a:p>
@@ -10936,7 +11362,7 @@
                 <a:ea typeface="Franklin Gothic Book"/>
                 <a:cs typeface="Franklin Gothic Book"/>
               </a:rPr>
-              <a:t>製品説明 (2/2)</a:t>
+              <a:t>Descrição do produto (2/2)</a:t>
             </a:r>
           </a:p>
           <a:p>
@@ -10955,7 +11381,7 @@
                 <a:ea typeface="Franklin Gothic Book"/>
                 <a:cs typeface="Franklin Gothic Book"/>
               </a:rPr>
-              <a:t>市場の動向と需要</a:t>
+              <a:t>Tendências de mercado e demanda</a:t>
             </a:r>
           </a:p>
           <a:p>
@@ -10974,7 +11400,7 @@
                 <a:ea typeface="Franklin Gothic Book"/>
                 <a:cs typeface="Franklin Gothic Book"/>
               </a:rPr>
-              <a:t>ラテン アメリカにおけるチャイ ティーの市場シェア</a:t>
+              <a:t>Participação no mercado do chai na América Latina</a:t>
             </a:r>
           </a:p>
           <a:p>
@@ -10993,7 +11419,7 @@
                 <a:ea typeface="Franklin Gothic Book"/>
                 <a:cs typeface="Franklin Gothic Book"/>
               </a:rPr>
-              <a:t>流通チャネル</a:t>
+              <a:t>Canais de distribuição</a:t>
             </a:r>
           </a:p>
           <a:p>
@@ -11012,7 +11438,7 @@
                 <a:ea typeface="Franklin Gothic Book"/>
                 <a:cs typeface="Franklin Gothic Book"/>
               </a:rPr>
-              <a:t>プロモーション計画と戦略</a:t>
+              <a:t>Plano promocional e estratégia</a:t>
             </a:r>
           </a:p>
           <a:p>
@@ -11031,7 +11457,7 @@
                 <a:ea typeface="Franklin Gothic Book"/>
                 <a:cs typeface="Franklin Gothic Book"/>
               </a:rPr>
-              <a:t>期待される成果と課題</a:t>
+              <a:t>Resultados esperados e desafios</a:t>
             </a:r>
           </a:p>
           <a:p>
@@ -11050,7 +11476,78 @@
                 <a:ea typeface="Franklin Gothic Book"/>
                 <a:cs typeface="Franklin Gothic Book"/>
               </a:rPr>
-              <a:t>推奨事項と結論</a:t>
+              <a:t>Recomendações e conclusões</a:t>
+            </a:r>
+          </a:p>
+        </p:txBody>
+      </p:sp>
+      <p:sp>
+        <p:nvSpPr>
+          <p:cNvPr id="20" name="TextBox"/>
+          <p:cNvSpPr txBox="1">
+            <a:spLocks noGrp="1" noSelect="1" noRot="1" noMove="1"/>
+          </p:cNvSpPr>
+          <p:nvPr/>
+        </p:nvSpPr>
+        <p:spPr>
+          <a:xfrm>
+            <a:off x="2890520" y="2644140"/>
+            <a:ext cx="6411372" cy="1569660"/>
+          </a:xfrm>
+          <a:prstGeom prst="rect">
+            <a:avLst/>
+          </a:prstGeom>
+          <a:noFill/>
+        </p:spPr>
+        <p:txBody>
+          <a:bodyPr wrap="none" rtlCol="0" anchor="ctr" anchorCtr="1">
+            <a:spAutoFit/>
+          </a:bodyPr>
+          <a:lstStyle>
+            <a:lvl1pPr algn="l">
+              <a:lnSpc>
+                <a:spcPct val="150000"/>
+              </a:lnSpc>
+              <a:spcBef>
+                <a:spcPct val="0"/>
+              </a:spcBef>
+              <a:spcAft>
+                <a:spcPct val="0"/>
+              </a:spcAft>
+              <a:defRPr lang="en-US" sz="3200" b="1" noProof="1" dirty="0">
+                <a:solidFill>
+                  <a:prstClr val="red">
+                    <a:lumOff val="30000"/>
+                    <a:alpha val="40000"/>
+                  </a:prstClr>
+                </a:solidFill>
+                <a:effectLst>
+                  <a:outerShdw blurRad="50800" dist="38100" algn="tr" rotWithShape="0">
+                    <a:prstClr val="black">
+                      <a:alpha val="80000"/>
+                    </a:prstClr>
+                  </a:outerShdw>
+                </a:effectLst>
+                <a:latin typeface="Calibri" pitchFamily="34" charset="0"/>
+              </a:defRPr>
+            </a:lvl1pPr>
+          </a:lstStyle>
+          <a:p>
+            <a:pPr algn="ctr"/>
+            <a:r>
+              <a:t>Evaluation only.</a:t>
+            </a:r>
+          </a:p>
+          <a:p>
+            <a:pPr algn="ctr"/>
+            <a:r>
+              <a:t>Created with Aspose.Slides for Java 23.6.</a:t>
+            </a:r>
+          </a:p>
+          <a:p>
+            <a:pPr algn="ctr"/>
+            <a:r>
+              <a:t>Copyright 2004-2023 Aspose Pty Ltd.</a:t>
             </a:r>
           </a:p>
         </p:txBody>
@@ -11410,7 +11907,7 @@
                 <a:ea typeface="Franklin Gothic Book"/>
                 <a:cs typeface="Franklin Gothic Book"/>
               </a:rPr>
-              <a:t>製品の説明、特徴、利点</a:t>
+              <a:t>Descrição do produto, características e benefícios</a:t>
             </a:r>
           </a:p>
           <a:p>
@@ -11429,7 +11926,7 @@
                 <a:ea typeface="Franklin Gothic Book"/>
                 <a:cs typeface="Franklin Gothic Book"/>
               </a:rPr>
-              <a:t>ラテン アメリカの市場の動向と需要</a:t>
+              <a:t>Tendências de mercado e demanda na América Latina</a:t>
             </a:r>
           </a:p>
           <a:p>
@@ -11448,7 +11945,7 @@
                 <a:ea typeface="Franklin Gothic Book"/>
                 <a:cs typeface="Franklin Gothic Book"/>
               </a:rPr>
-              <a:t>ラテン アメリカにおける競合分析</a:t>
+              <a:t>Análise competitiva na América Latina</a:t>
             </a:r>
           </a:p>
           <a:p>
@@ -11467,7 +11964,7 @@
                 <a:ea typeface="Franklin Gothic Book"/>
                 <a:cs typeface="Franklin Gothic Book"/>
               </a:rPr>
-              <a:t>ラテン アメリカにおける流通チャネル</a:t>
+              <a:t>Canais de distribuição na América Latina</a:t>
             </a:r>
           </a:p>
           <a:p>
@@ -11486,7 +11983,7 @@
                 <a:ea typeface="Franklin Gothic Book"/>
                 <a:cs typeface="Franklin Gothic Book"/>
               </a:rPr>
-              <a:t>ラテン アメリカにおけるプロモーション計画と戦略</a:t>
+              <a:t>Plano promocional e estratégia na América Latina</a:t>
             </a:r>
           </a:p>
           <a:p>
@@ -11505,7 +12002,7 @@
                 <a:ea typeface="Franklin Gothic Book"/>
                 <a:cs typeface="Franklin Gothic Book"/>
               </a:rPr>
-              <a:t>期待される成果と課題</a:t>
+              <a:t>Resultados esperados e desafios</a:t>
             </a:r>
           </a:p>
           <a:p>
@@ -11524,7 +12021,7 @@
                 <a:ea typeface="Franklin Gothic Book"/>
                 <a:cs typeface="Franklin Gothic Book"/>
               </a:rPr>
-              <a:t>推奨事項と結論</a:t>
+              <a:t>Recomendações e conclusões</a:t>
             </a:r>
           </a:p>
         </p:txBody>
@@ -11562,6 +12059,77 @@
           </a:prstGeom>
         </p:spPr>
       </p:pic>
+      <p:sp>
+        <p:nvSpPr>
+          <p:cNvPr id="30" name="TextBox"/>
+          <p:cNvSpPr txBox="1">
+            <a:spLocks noGrp="1" noSelect="1" noRot="1" noMove="1"/>
+          </p:cNvSpPr>
+          <p:nvPr/>
+        </p:nvSpPr>
+        <p:spPr>
+          <a:xfrm>
+            <a:off x="2890520" y="2644140"/>
+            <a:ext cx="6411372" cy="1569660"/>
+          </a:xfrm>
+          <a:prstGeom prst="rect">
+            <a:avLst/>
+          </a:prstGeom>
+          <a:noFill/>
+        </p:spPr>
+        <p:txBody>
+          <a:bodyPr wrap="none" rtlCol="0" anchor="ctr" anchorCtr="1">
+            <a:spAutoFit/>
+          </a:bodyPr>
+          <a:lstStyle>
+            <a:lvl1pPr algn="l">
+              <a:lnSpc>
+                <a:spcPct val="150000"/>
+              </a:lnSpc>
+              <a:spcBef>
+                <a:spcPct val="0"/>
+              </a:spcBef>
+              <a:spcAft>
+                <a:spcPct val="0"/>
+              </a:spcAft>
+              <a:defRPr lang="en-US" sz="3200" b="1" noProof="1" dirty="0">
+                <a:solidFill>
+                  <a:prstClr val="red">
+                    <a:lumOff val="30000"/>
+                    <a:alpha val="40000"/>
+                  </a:prstClr>
+                </a:solidFill>
+                <a:effectLst>
+                  <a:outerShdw blurRad="50800" dist="38100" algn="tr" rotWithShape="0">
+                    <a:prstClr val="black">
+                      <a:alpha val="80000"/>
+                    </a:prstClr>
+                  </a:outerShdw>
+                </a:effectLst>
+                <a:latin typeface="Calibri" pitchFamily="34" charset="0"/>
+              </a:defRPr>
+            </a:lvl1pPr>
+          </a:lstStyle>
+          <a:p>
+            <a:pPr algn="ctr"/>
+            <a:r>
+              <a:t>Evaluation only.</a:t>
+            </a:r>
+          </a:p>
+          <a:p>
+            <a:pPr algn="ctr"/>
+            <a:r>
+              <a:t>Created with Aspose.Slides for Java 23.6.</a:t>
+            </a:r>
+          </a:p>
+          <a:p>
+            <a:pPr algn="ctr"/>
+            <a:r>
+              <a:t>Copyright 2004-2023 Aspose Pty Ltd.</a:t>
+            </a:r>
+          </a:p>
+        </p:txBody>
+      </p:sp>
     </p:spTree>
     <p:extLst>
       <p:ext uri="{BB962C8B-B14F-4D97-AF65-F5344CB8AC3E}">
@@ -11878,7 +12446,7 @@
                 <a:ea typeface="Bookman Old Style"/>
                 <a:cs typeface="Bookman Old Style"/>
               </a:rPr>
-              <a:t>Descrição do produto</a:t>
+              <a:t>Descrição do produto:</a:t>
             </a:r>
           </a:p>
         </p:txBody>
@@ -11978,7 +12546,7 @@
                 <a:ea typeface="Franklin Gothic Book"/>
                 <a:cs typeface="Franklin Gothic Book"/>
               </a:rPr>
-              <a:t>丁寧に作られたブレンド</a:t>
+              <a:t>Mistura cuidadosamente elaborada</a:t>
             </a:r>
           </a:p>
           <a:p>
@@ -11997,7 +12565,7 @@
                 <a:ea typeface="Franklin Gothic Book"/>
                 <a:cs typeface="Franklin Gothic Book"/>
               </a:rPr>
-              <a:t>インドのチャイの時代を超えた伝統に敬意を表す</a:t>
+              <a:t>Homenageia as tradições clássicas do chai indiano</a:t>
             </a:r>
           </a:p>
           <a:p>
@@ -12016,7 +12584,7 @@
                 <a:ea typeface="Franklin Gothic Book"/>
                 <a:cs typeface="Franklin Gothic Book"/>
               </a:rPr>
-              <a:t>インドの活気に満ちた風景を巡る魅惑的な旅</a:t>
+              <a:t>Jornada encantadora pelos vibrantes cenários da Índia</a:t>
             </a:r>
           </a:p>
           <a:p>
@@ -12035,7 +12603,7 @@
                 <a:ea typeface="Franklin Gothic Book"/>
                 <a:cs typeface="Franklin Gothic Book"/>
               </a:rPr>
-              <a:t>本格的なチャイ体験をご自宅で</a:t>
+              <a:t>Traz uma experiência autêntica de chai diretamente para sua casa</a:t>
             </a:r>
           </a:p>
         </p:txBody>
@@ -12213,7 +12781,7 @@
                           <a:ea typeface="Franklin Gothic Book"/>
                           <a:cs typeface="Franklin Gothic Book"/>
                         </a:rPr>
-                        <a:t>丁寧に作られたブレンド</a:t>
+                        <a:t>Mistura cuidadosamente elaborada</a:t>
                       </a:r>
                     </a:p>
                   </a:txBody>
@@ -12234,7 +12802,7 @@
                           <a:ea typeface="Franklin Gothic Book"/>
                           <a:cs typeface="Franklin Gothic Book"/>
                         </a:rPr>
-                        <a:t>本格的なチャイ体験</a:t>
+                        <a:t>Experiência autêntica de chai</a:t>
                       </a:r>
                     </a:p>
                   </a:txBody>
@@ -12250,6 +12818,77 @@
           </a:graphicData>
         </a:graphic>
       </p:graphicFrame>
+      <p:sp>
+        <p:nvSpPr>
+          <p:cNvPr id="20" name="TextBox"/>
+          <p:cNvSpPr txBox="1">
+            <a:spLocks noGrp="1" noSelect="1" noRot="1" noMove="1"/>
+          </p:cNvSpPr>
+          <p:nvPr/>
+        </p:nvSpPr>
+        <p:spPr>
+          <a:xfrm>
+            <a:off x="2890520" y="2644140"/>
+            <a:ext cx="6411372" cy="1569660"/>
+          </a:xfrm>
+          <a:prstGeom prst="rect">
+            <a:avLst/>
+          </a:prstGeom>
+          <a:noFill/>
+        </p:spPr>
+        <p:txBody>
+          <a:bodyPr wrap="none" rtlCol="0" anchor="ctr" anchorCtr="1">
+            <a:spAutoFit/>
+          </a:bodyPr>
+          <a:lstStyle>
+            <a:lvl1pPr algn="l">
+              <a:lnSpc>
+                <a:spcPct val="150000"/>
+              </a:lnSpc>
+              <a:spcBef>
+                <a:spcPct val="0"/>
+              </a:spcBef>
+              <a:spcAft>
+                <a:spcPct val="0"/>
+              </a:spcAft>
+              <a:defRPr lang="en-US" sz="3200" b="1" noProof="1" dirty="0">
+                <a:solidFill>
+                  <a:prstClr val="red">
+                    <a:lumOff val="30000"/>
+                    <a:alpha val="40000"/>
+                  </a:prstClr>
+                </a:solidFill>
+                <a:effectLst>
+                  <a:outerShdw blurRad="50800" dist="38100" algn="tr" rotWithShape="0">
+                    <a:prstClr val="black">
+                      <a:alpha val="80000"/>
+                    </a:prstClr>
+                  </a:outerShdw>
+                </a:effectLst>
+                <a:latin typeface="Calibri" pitchFamily="34" charset="0"/>
+              </a:defRPr>
+            </a:lvl1pPr>
+          </a:lstStyle>
+          <a:p>
+            <a:pPr algn="ctr"/>
+            <a:r>
+              <a:t>Evaluation only.</a:t>
+            </a:r>
+          </a:p>
+          <a:p>
+            <a:pPr algn="ctr"/>
+            <a:r>
+              <a:t>Created with Aspose.Slides for Java 23.6.</a:t>
+            </a:r>
+          </a:p>
+          <a:p>
+            <a:pPr algn="ctr"/>
+            <a:r>
+              <a:t>Copyright 2004-2023 Aspose Pty Ltd.</a:t>
+            </a:r>
+          </a:p>
+        </p:txBody>
+      </p:sp>
     </p:spTree>
     <p:extLst>
       <p:ext uri="{BB962C8B-B14F-4D97-AF65-F5344CB8AC3E}">
@@ -12386,7 +13025,7 @@
                 <a:ea typeface="Bookman Old Style"/>
                 <a:cs typeface="Bookman Old Style"/>
               </a:rPr>
-              <a:t>製品説明 (1/2)</a:t>
+              <a:t>Descrição do produto (1/2)</a:t>
             </a:r>
           </a:p>
         </p:txBody>
@@ -12682,7 +13321,7 @@
                           <a:ea typeface="Franklin Gothic Book"/>
                           <a:cs typeface="Franklin Gothic Book"/>
                         </a:rPr>
-                        <a:t>インドのチャイの時代を超越した伝統に敬意を表し、細心の注意を払って作られたブレンドである Mystic Spice Premium Chai Tea の豊かで香り高い抱擁をお楽しみください。</a:t>
+                        <a:t>Desfrute da rica e aromática experiência do Mystic Spice Premium Chai Tea, uma mistura cuidadosamente elaborada que homenageia as tradições clássicas do chai indiano.</a:t>
                       </a:r>
                       <a:r>
                         <a:rPr lang="pt-BR" sz="1400" b="0" i="0" strike="noStrike" cap="none" baseline="0">
@@ -12706,7 +13345,7 @@
                           <a:ea typeface="Franklin Gothic Book"/>
                           <a:cs typeface="Franklin Gothic Book"/>
                         </a:rPr>
-                        <a:t>各カップはインドの活気に満ちた風景を巡る魅惑的な旅を提供し、自宅で本格的なチャイ体験をお届けします。</a:t>
+                        <a:t>Cada xícara oferece uma jornada encantadora pelos vibrantes cenários da Índia, trazendo uma experiência autêntica de chai diretamente para sua casa.</a:t>
                       </a:r>
                       <a:endParaRPr lang="en-US" sz="2300">
                         <a:effectLst/>
@@ -12831,7 +13470,7 @@
                           <a:ea typeface="Franklin Gothic Book"/>
                           <a:cs typeface="Franklin Gothic Book"/>
                         </a:rPr>
-                        <a:t>この古くから伝わるレシピは、一口飲むごとに本格的でしっかりとした味わいを約束します。</a:t>
+                        <a:t>Esta receita centenária promete um sabor autêntico e robusto em cada gole.</a:t>
                       </a:r>
                       <a:endParaRPr lang="en-US" sz="2300">
                         <a:effectLst/>
@@ -12884,7 +13523,7 @@
                           <a:ea typeface="Franklin Gothic Book"/>
                           <a:cs typeface="Franklin Gothic Book"/>
                         </a:rPr>
-                        <a:t>ジンジャーとカルダモンは消化を助け、シナモンは血糖値の調節を助け、クローブは抗酸化物質を高めます。</a:t>
+                        <a:t>O gengibre e o cardamomo auxiliam na digestão, a canela ajuda a regular o açúcar no sangue e o cravo oferece antioxidantes adicionais.</a:t>
                       </a:r>
                       <a:endParaRPr lang="en-US" sz="2300">
                         <a:effectLst/>
@@ -12903,6 +13542,77 @@
           </a:graphicData>
         </a:graphic>
       </p:graphicFrame>
+      <p:sp>
+        <p:nvSpPr>
+          <p:cNvPr id="15" name="TextBox"/>
+          <p:cNvSpPr txBox="1">
+            <a:spLocks noGrp="1" noSelect="1" noRot="1" noMove="1"/>
+          </p:cNvSpPr>
+          <p:nvPr/>
+        </p:nvSpPr>
+        <p:spPr>
+          <a:xfrm>
+            <a:off x="2890520" y="2644140"/>
+            <a:ext cx="6411372" cy="1569660"/>
+          </a:xfrm>
+          <a:prstGeom prst="rect">
+            <a:avLst/>
+          </a:prstGeom>
+          <a:noFill/>
+        </p:spPr>
+        <p:txBody>
+          <a:bodyPr wrap="none" rtlCol="0" anchor="ctr" anchorCtr="1">
+            <a:spAutoFit/>
+          </a:bodyPr>
+          <a:lstStyle>
+            <a:lvl1pPr algn="l">
+              <a:lnSpc>
+                <a:spcPct val="150000"/>
+              </a:lnSpc>
+              <a:spcBef>
+                <a:spcPct val="0"/>
+              </a:spcBef>
+              <a:spcAft>
+                <a:spcPct val="0"/>
+              </a:spcAft>
+              <a:defRPr lang="en-US" sz="3200" b="1" noProof="1" dirty="0">
+                <a:solidFill>
+                  <a:prstClr val="red">
+                    <a:lumOff val="30000"/>
+                    <a:alpha val="40000"/>
+                  </a:prstClr>
+                </a:solidFill>
+                <a:effectLst>
+                  <a:outerShdw blurRad="50800" dist="38100" algn="tr" rotWithShape="0">
+                    <a:prstClr val="black">
+                      <a:alpha val="80000"/>
+                    </a:prstClr>
+                  </a:outerShdw>
+                </a:effectLst>
+                <a:latin typeface="Calibri" pitchFamily="34" charset="0"/>
+              </a:defRPr>
+            </a:lvl1pPr>
+          </a:lstStyle>
+          <a:p>
+            <a:pPr algn="ctr"/>
+            <a:r>
+              <a:t>Evaluation only.</a:t>
+            </a:r>
+          </a:p>
+          <a:p>
+            <a:pPr algn="ctr"/>
+            <a:r>
+              <a:t>Created with Aspose.Slides for Java 23.6.</a:t>
+            </a:r>
+          </a:p>
+          <a:p>
+            <a:pPr algn="ctr"/>
+            <a:r>
+              <a:t>Copyright 2004-2023 Aspose Pty Ltd.</a:t>
+            </a:r>
+          </a:p>
+        </p:txBody>
+      </p:sp>
     </p:spTree>
     <p:extLst>
       <p:ext uri="{BB962C8B-B14F-4D97-AF65-F5344CB8AC3E}">
@@ -13218,7 +13928,7 @@
                 <a:ea typeface="Bookman Old Style"/>
                 <a:cs typeface="Bookman Old Style"/>
               </a:rPr>
-              <a:t>製品説明 (2/2)</a:t>
+              <a:t>Descrição do produto (2/2)</a:t>
             </a:r>
           </a:p>
         </p:txBody>
@@ -13298,7 +14008,7 @@
         </p:nvGraphicFramePr>
         <p:xfrm>
           <a:off x="5282335" y="1994843"/>
-          <a:ext cx="6275668" cy="3512167"/>
+          <a:ext cx="6275668" cy="3509822"/>
         </p:xfrm>
         <a:graphic>
           <a:graphicData uri="http://schemas.openxmlformats.org/drawingml/2006/table">
@@ -13444,7 +14154,7 @@
                           <a:ea typeface="Franklin Gothic Book"/>
                           <a:cs typeface="Franklin Gothic Book"/>
                         </a:rPr>
-                        <a:t>風味は強烈でありながらバランスが取れており、快適で心地よい体験を生み出します。</a:t>
+                        <a:t>Os sabores são intensos, mas equilibrados, proporcionando uma experiência reconfortante e relaxante.</a:t>
                       </a:r>
                       <a:endParaRPr lang="en-US" sz="1700">
                         <a:effectLst/>
@@ -13473,7 +14183,7 @@
                           <a:ea typeface="Franklin Gothic Book"/>
                           <a:cs typeface="Franklin Gothic Book"/>
                         </a:rPr>
-                        <a:t>Opções versáteis de preparo: se você ama seu chai quente, como um chá gelado refrescante ou como um latte cremoso, nossa mistura é versátil o suficiente para atender a qualquer preferência.</a:t>
+                        <a:t>Opções versáteis de preparo: não importa se você gosta do seu chai fervendo, como um chá gelado refrescante ou como um café com leite cremoso, nossa mistura é versátil o suficiente para atender a todas as preferências.</a:t>
                       </a:r>
                       <a:r>
                         <a:rPr lang="pt-BR" sz="1100" b="0" i="0" strike="noStrike" cap="none" baseline="0">
@@ -13497,7 +14207,7 @@
                           <a:ea typeface="Franklin Gothic Book"/>
                           <a:cs typeface="Franklin Gothic Book"/>
                         </a:rPr>
-                        <a:t>お好みの方法でチャイをお楽しみいただけるよう、簡単な淹れ方の説明書が付属しています。</a:t>
+                        <a:t>Instruções simples de preparo estão incluídas para ajudá-lo a saborear seu chai exatamente do jeito que você gosta.</a:t>
                       </a:r>
                       <a:endParaRPr lang="en-US" sz="1700">
                         <a:effectLst/>
@@ -13533,7 +14243,7 @@
                           <a:ea typeface="Franklin Gothic Book"/>
                           <a:cs typeface="Franklin Gothic Book"/>
                         </a:rPr>
-                        <a:t>Origem sustentável: comprometidos com a sustentabilidade, obtemos nossos ingredientes de fazendas de pequena escala que praticam a agricultura orgânica, garantindo não apenas a melhor qualidade, mas também o bem-estar do nosso planeta.</a:t>
+                        <a:t>De origem sustentável: comprometidos com a sustentabilidade, adquirimos nossos ingredientes de fazendas pequenas que praticam a agricultura orgânica, garantindo não apenas a melhor qualidade, mas também o bem-estar do nosso planeta.</a:t>
                       </a:r>
                       <a:endParaRPr lang="en-US" sz="1700">
                         <a:effectLst/>
@@ -13562,7 +14272,7 @@
                           <a:ea typeface="Franklin Gothic Book"/>
                           <a:cs typeface="Franklin Gothic Book"/>
                         </a:rPr>
-                        <a:t>Embalagem elegante: o Mystic Spice Chai Tea vem em uma embalagem ecológica com um belo design, tornando-o o presente ideal para amantes de chá ou um agrado pessoal luxuoso.</a:t>
+                        <a:t>Embalagem elegante: O chá Mystic Spice Chai vem em uma embalagem ecológica criada com muita beleza, tornando-a o presente ideal para quem ama chá ou um mimo luxuoso para você.</a:t>
                       </a:r>
                       <a:endParaRPr lang="en-US" sz="1700">
                         <a:effectLst/>
@@ -13598,7 +14308,7 @@
                           <a:ea typeface="Franklin Gothic Book"/>
                           <a:cs typeface="Franklin Gothic Book"/>
                         </a:rPr>
-                        <a:t>Garantia de satisfação do cliente: nos responsabilizamos por nosso produto e oferecemos uma garantia de satisfação.</a:t>
+                        <a:t>Garantia de satisfação do cliente: defendemos nosso produto e oferecemos uma garantia de satisfação.</a:t>
                       </a:r>
                       <a:r>
                         <a:rPr lang="pt-BR" sz="1100" b="0" i="0" strike="noStrike" cap="none" baseline="0">
@@ -13622,7 +14332,7 @@
                           <a:ea typeface="Franklin Gothic Book"/>
                           <a:cs typeface="Franklin Gothic Book"/>
                         </a:rPr>
-                        <a:t>Mystic Spice Chai Tea がお客様のご期待に添えない場合は、当社が改善するよう努めます。</a:t>
+                        <a:t>Se o Mystic Spice Chai Tea não atender suas expectativas, estamos comprometidos em resolver da melhor maneira possível.</a:t>
                       </a:r>
                       <a:endParaRPr lang="en-US" sz="1700">
                         <a:effectLst/>
@@ -13670,6 +14380,77 @@
           </a:graphicData>
         </a:graphic>
       </p:graphicFrame>
+      <p:sp>
+        <p:nvSpPr>
+          <p:cNvPr id="19" name="TextBox"/>
+          <p:cNvSpPr txBox="1">
+            <a:spLocks noGrp="1" noSelect="1" noRot="1" noMove="1"/>
+          </p:cNvSpPr>
+          <p:nvPr/>
+        </p:nvSpPr>
+        <p:spPr>
+          <a:xfrm>
+            <a:off x="2890520" y="2644140"/>
+            <a:ext cx="6411372" cy="1569660"/>
+          </a:xfrm>
+          <a:prstGeom prst="rect">
+            <a:avLst/>
+          </a:prstGeom>
+          <a:noFill/>
+        </p:spPr>
+        <p:txBody>
+          <a:bodyPr wrap="none" rtlCol="0" anchor="ctr" anchorCtr="1">
+            <a:spAutoFit/>
+          </a:bodyPr>
+          <a:lstStyle>
+            <a:lvl1pPr algn="l">
+              <a:lnSpc>
+                <a:spcPct val="150000"/>
+              </a:lnSpc>
+              <a:spcBef>
+                <a:spcPct val="0"/>
+              </a:spcBef>
+              <a:spcAft>
+                <a:spcPct val="0"/>
+              </a:spcAft>
+              <a:defRPr lang="en-US" sz="3200" b="1" noProof="1" dirty="0">
+                <a:solidFill>
+                  <a:prstClr val="red">
+                    <a:lumOff val="30000"/>
+                    <a:alpha val="40000"/>
+                  </a:prstClr>
+                </a:solidFill>
+                <a:effectLst>
+                  <a:outerShdw blurRad="50800" dist="38100" algn="tr" rotWithShape="0">
+                    <a:prstClr val="black">
+                      <a:alpha val="80000"/>
+                    </a:prstClr>
+                  </a:outerShdw>
+                </a:effectLst>
+                <a:latin typeface="Calibri" pitchFamily="34" charset="0"/>
+              </a:defRPr>
+            </a:lvl1pPr>
+          </a:lstStyle>
+          <a:p>
+            <a:pPr algn="ctr"/>
+            <a:r>
+              <a:t>Evaluation only.</a:t>
+            </a:r>
+          </a:p>
+          <a:p>
+            <a:pPr algn="ctr"/>
+            <a:r>
+              <a:t>Created with Aspose.Slides for Java 23.6.</a:t>
+            </a:r>
+          </a:p>
+          <a:p>
+            <a:pPr algn="ctr"/>
+            <a:r>
+              <a:t>Copyright 2004-2023 Aspose Pty Ltd.</a:t>
+            </a:r>
+          </a:p>
+        </p:txBody>
+      </p:sp>
     </p:spTree>
     <p:extLst>
       <p:ext uri="{BB962C8B-B14F-4D97-AF65-F5344CB8AC3E}">
@@ -13909,7 +14690,7 @@
         </p:spPr>
         <p:txBody>
           <a:bodyPr vert="horz" lIns="91440" tIns="45720" rIns="91440" bIns="45720" rtlCol="0" anchor="b">
-            <a:normAutofit/>
+            <a:normAutofit fontScale="90000"/>
           </a:bodyPr>
           <a:lstStyle/>
           <a:p>
@@ -13923,7 +14704,7 @@
                 <a:ea typeface="Bookman Old Style"/>
                 <a:cs typeface="Bookman Old Style"/>
               </a:rPr>
-              <a:t>市場の動向と需要</a:t>
+              <a:t>Tendências de mercado e demanda</a:t>
             </a:r>
           </a:p>
         </p:txBody>
@@ -14007,7 +14788,7 @@
         </p:spPr>
         <p:txBody>
           <a:bodyPr vert="horz" lIns="0" tIns="45720" rIns="0" bIns="45720" rtlCol="0">
-            <a:normAutofit/>
+            <a:normAutofit fontScale="95000" lnSpcReduction="10000"/>
           </a:bodyPr>
           <a:lstStyle/>
           <a:p>
@@ -14026,7 +14807,7 @@
                 <a:ea typeface="Franklin Gothic Book"/>
                 <a:cs typeface="Franklin Gothic Book"/>
               </a:rPr>
-              <a:t>ラテン アメリカはチャイ ティーの素晴らしい機会を提供</a:t>
+              <a:t>A América Latina oferece uma excelente oportunidade para o chai</a:t>
             </a:r>
           </a:p>
           <a:p>
@@ -14045,7 +14826,7 @@
                 <a:ea typeface="Franklin Gothic Book"/>
                 <a:cs typeface="Franklin Gothic Book"/>
               </a:rPr>
-              <a:t>健康的、自然的、そしてエキゾチックな製品に対する需要の高まり</a:t>
+              <a:t>Demanda crescente por produtos saudáveis, naturais e exóticos</a:t>
             </a:r>
           </a:p>
           <a:p>
@@ -14064,7 +14845,7 @@
                 <a:ea typeface="Franklin Gothic Book"/>
                 <a:cs typeface="Franklin Gothic Book"/>
               </a:rPr>
-              <a:t>アルゼンチン、チリ、ウルグアイなどの国々で根強いお茶文化</a:t>
+              <a:t>Forte cultura do chá em países como Argentina, Chile e Uruguai</a:t>
             </a:r>
           </a:p>
           <a:p>
@@ -14083,7 +14864,7 @@
                 <a:ea typeface="Franklin Gothic Book"/>
                 <a:cs typeface="Franklin Gothic Book"/>
               </a:rPr>
-              <a:t>チャイ ティーは紅茶とコーヒーの両方の愛好家を魅了</a:t>
+              <a:t>O chai pode atrair tanto os amantes do chá quanto os apreciadores do café</a:t>
             </a:r>
           </a:p>
           <a:p>
@@ -14102,7 +14883,7 @@
                 <a:ea typeface="Franklin Gothic Book"/>
                 <a:cs typeface="Franklin Gothic Book"/>
               </a:rPr>
-              <a:t>チャイ ティーはラテン アメリカの消費者のライフスタイルと好みにフィット</a:t>
+              <a:t>O chai pode se adequar ao estilo de vida e preferências dos consumidores latino-americanos</a:t>
             </a:r>
           </a:p>
           <a:p>
@@ -14121,7 +14902,7 @@
                 <a:ea typeface="Franklin Gothic Book"/>
                 <a:cs typeface="Franklin Gothic Book"/>
               </a:rPr>
-              <a:t>世界のチャイ ティー市場規模は 2019 年に 19 億米ドルと評価された</a:t>
+              <a:t>O tamanho do mercado global de chai foi avaliado em 1,9 bilhão de dólares em 2019</a:t>
             </a:r>
           </a:p>
           <a:p>
@@ -14140,7 +14921,7 @@
                 <a:ea typeface="Franklin Gothic Book"/>
                 <a:cs typeface="Franklin Gothic Book"/>
               </a:rPr>
-              <a:t>2020 年から 2027 年にかけて 5.5% の CAGR で成長すると予想</a:t>
+              <a:t>Espera-se que aumente a uma CAGR de 5,5% entre 2020 e 2027</a:t>
             </a:r>
           </a:p>
           <a:p>
@@ -14159,7 +14940,7 @@
                 <a:ea typeface="Franklin Gothic Book"/>
                 <a:cs typeface="Franklin Gothic Book"/>
               </a:rPr>
-              <a:t>ラテン アメリカはチャイ ティーの最も急成長している地域の一つ</a:t>
+              <a:t>A América Latina é uma das regiões com crescimento mais rápido para o chai</a:t>
             </a:r>
           </a:p>
           <a:p>
@@ -14178,7 +14959,7 @@
                 <a:ea typeface="Franklin Gothic Book"/>
                 <a:cs typeface="Franklin Gothic Book"/>
               </a:rPr>
-              <a:t>成長の主な原動力には、認知度の向上、可処分所得の増加、流通の拡大が含まれる</a:t>
+              <a:t>Principais impulsionadores do crescimento incluem o aumento da conscientização, o aumento da renda disponível e a expansão da distribuição</a:t>
             </a:r>
           </a:p>
         </p:txBody>
@@ -14268,7 +15049,7 @@
         </p:nvGraphicFramePr>
         <p:xfrm>
           <a:off x="643192" y="1541387"/>
-          <a:ext cx="5115348" cy="4032972"/>
+          <a:ext cx="5115348" cy="3728172"/>
         </p:xfrm>
         <a:graphic>
           <a:graphicData uri="http://schemas.openxmlformats.org/drawingml/2006/table">
@@ -14470,7 +15251,7 @@
                           <a:ea typeface="Franklin Gothic Book"/>
                           <a:cs typeface="Franklin Gothic Book"/>
                         </a:rPr>
-                        <a:t>1.9</a:t>
+                        <a:t>1,9</a:t>
                       </a:r>
                     </a:p>
                   </a:txBody>
@@ -14600,7 +15381,7 @@
                           <a:ea typeface="Franklin Gothic Book"/>
                           <a:cs typeface="Franklin Gothic Book"/>
                         </a:rPr>
-                        <a:t>N/D</a:t>
+                        <a:t>N/A</a:t>
                       </a:r>
                     </a:p>
                   </a:txBody>
@@ -14681,6 +15462,77 @@
           </a:graphicData>
         </a:graphic>
       </p:graphicFrame>
+      <p:sp>
+        <p:nvSpPr>
+          <p:cNvPr id="20" name="TextBox"/>
+          <p:cNvSpPr txBox="1">
+            <a:spLocks noGrp="1" noSelect="1" noRot="1" noMove="1"/>
+          </p:cNvSpPr>
+          <p:nvPr/>
+        </p:nvSpPr>
+        <p:spPr>
+          <a:xfrm>
+            <a:off x="2890520" y="2644140"/>
+            <a:ext cx="6411372" cy="1569660"/>
+          </a:xfrm>
+          <a:prstGeom prst="rect">
+            <a:avLst/>
+          </a:prstGeom>
+          <a:noFill/>
+        </p:spPr>
+        <p:txBody>
+          <a:bodyPr wrap="none" rtlCol="0" anchor="ctr" anchorCtr="1">
+            <a:spAutoFit/>
+          </a:bodyPr>
+          <a:lstStyle>
+            <a:lvl1pPr algn="l">
+              <a:lnSpc>
+                <a:spcPct val="150000"/>
+              </a:lnSpc>
+              <a:spcBef>
+                <a:spcPct val="0"/>
+              </a:spcBef>
+              <a:spcAft>
+                <a:spcPct val="0"/>
+              </a:spcAft>
+              <a:defRPr lang="en-US" sz="3200" b="1" noProof="1" dirty="0">
+                <a:solidFill>
+                  <a:prstClr val="red">
+                    <a:lumOff val="30000"/>
+                    <a:alpha val="40000"/>
+                  </a:prstClr>
+                </a:solidFill>
+                <a:effectLst>
+                  <a:outerShdw blurRad="50800" dist="38100" algn="tr" rotWithShape="0">
+                    <a:prstClr val="black">
+                      <a:alpha val="80000"/>
+                    </a:prstClr>
+                  </a:outerShdw>
+                </a:effectLst>
+                <a:latin typeface="Calibri" pitchFamily="34" charset="0"/>
+              </a:defRPr>
+            </a:lvl1pPr>
+          </a:lstStyle>
+          <a:p>
+            <a:pPr algn="ctr"/>
+            <a:r>
+              <a:t>Evaluation only.</a:t>
+            </a:r>
+          </a:p>
+          <a:p>
+            <a:pPr algn="ctr"/>
+            <a:r>
+              <a:t>Created with Aspose.Slides for Java 23.6.</a:t>
+            </a:r>
+          </a:p>
+          <a:p>
+            <a:pPr algn="ctr"/>
+            <a:r>
+              <a:t>Copyright 2004-2023 Aspose Pty Ltd.</a:t>
+            </a:r>
+          </a:p>
+        </p:txBody>
+      </p:sp>
     </p:spTree>
     <p:extLst>
       <p:ext uri="{BB962C8B-B14F-4D97-AF65-F5344CB8AC3E}">
@@ -14937,7 +15789,7 @@
                 <a:ea typeface="Franklin Gothic Book"/>
                 <a:cs typeface="Franklin Gothic Book"/>
               </a:rPr>
-              <a:t>スーパーマーケット、コンビニエンス ストア、専門店、カフェ、オンライン プラットフォーム</a:t>
+              <a:t>Supermercados, lojas de conveniência, lojas especializadas, cafeterias e plataformas online</a:t>
             </a:r>
           </a:p>
           <a:p>
@@ -14952,7 +15804,7 @@
                 <a:ea typeface="Franklin Gothic Book"/>
                 <a:cs typeface="Franklin Gothic Book"/>
               </a:rPr>
-              <a:t>消費者の認識、好み、購入に影響を与える</a:t>
+              <a:t>Influenciam a percepção, a preferência e a compra do consumidor</a:t>
             </a:r>
           </a:p>
           <a:p>
@@ -14967,7 +15819,7 @@
                 <a:ea typeface="Franklin Gothic Book"/>
                 <a:cs typeface="Franklin Gothic Book"/>
               </a:rPr>
-              <a:t>プロモーションや商品化のサポートを提供する</a:t>
+              <a:t>Oferecem suporte promocional e de merchandising</a:t>
             </a:r>
           </a:p>
           <a:p>
@@ -14982,7 +15834,7 @@
                 <a:ea typeface="Franklin Gothic Book"/>
                 <a:cs typeface="Franklin Gothic Book"/>
               </a:rPr>
-              <a:t>大手小売業者</a:t>
+              <a:t>Principais varejistas</a:t>
             </a:r>
           </a:p>
           <a:p>
@@ -15011,6 +15863,77 @@
                 <a:cs typeface="Franklin Gothic Book"/>
               </a:rPr>
               <a:t>Distribuidores: transporte de produtos de chá Chai de fabricantes para varejistas</a:t>
+            </a:r>
+          </a:p>
+        </p:txBody>
+      </p:sp>
+      <p:sp>
+        <p:nvSpPr>
+          <p:cNvPr id="11" name="TextBox"/>
+          <p:cNvSpPr txBox="1">
+            <a:spLocks noGrp="1" noSelect="1" noRot="1" noMove="1"/>
+          </p:cNvSpPr>
+          <p:nvPr/>
+        </p:nvSpPr>
+        <p:spPr>
+          <a:xfrm>
+            <a:off x="2890520" y="2644140"/>
+            <a:ext cx="6411372" cy="1569660"/>
+          </a:xfrm>
+          <a:prstGeom prst="rect">
+            <a:avLst/>
+          </a:prstGeom>
+          <a:noFill/>
+        </p:spPr>
+        <p:txBody>
+          <a:bodyPr wrap="none" rtlCol="0" anchor="ctr" anchorCtr="1">
+            <a:spAutoFit/>
+          </a:bodyPr>
+          <a:lstStyle>
+            <a:lvl1pPr algn="l">
+              <a:lnSpc>
+                <a:spcPct val="150000"/>
+              </a:lnSpc>
+              <a:spcBef>
+                <a:spcPct val="0"/>
+              </a:spcBef>
+              <a:spcAft>
+                <a:spcPct val="0"/>
+              </a:spcAft>
+              <a:defRPr lang="en-US" sz="3200" b="1" noProof="1" dirty="0">
+                <a:solidFill>
+                  <a:prstClr val="red">
+                    <a:lumOff val="30000"/>
+                    <a:alpha val="40000"/>
+                  </a:prstClr>
+                </a:solidFill>
+                <a:effectLst>
+                  <a:outerShdw blurRad="50800" dist="38100" algn="tr" rotWithShape="0">
+                    <a:prstClr val="black">
+                      <a:alpha val="80000"/>
+                    </a:prstClr>
+                  </a:outerShdw>
+                </a:effectLst>
+                <a:latin typeface="Calibri" pitchFamily="34" charset="0"/>
+              </a:defRPr>
+            </a:lvl1pPr>
+          </a:lstStyle>
+          <a:p>
+            <a:pPr algn="ctr"/>
+            <a:r>
+              <a:t>Evaluation only.</a:t>
+            </a:r>
+          </a:p>
+          <a:p>
+            <a:pPr algn="ctr"/>
+            <a:r>
+              <a:t>Created with Aspose.Slides for Java 23.6.</a:t>
+            </a:r>
+          </a:p>
+          <a:p>
+            <a:pPr algn="ctr"/>
+            <a:r>
+              <a:t>Copyright 2004-2023 Aspose Pty Ltd.</a:t>
             </a:r>
           </a:p>
         </p:txBody>
@@ -15256,7 +16179,7 @@
                 <a:ea typeface="Franklin Gothic Book"/>
                 <a:cs typeface="Franklin Gothic Book"/>
               </a:rPr>
-              <a:t>卸売業者は製造元や流通業者からチャイ ティー製品を大量に購入します</a:t>
+              <a:t>Os atacadistas compram produtos de chai em grandes quantidades de fabricantes ou distribuidores</a:t>
             </a:r>
           </a:p>
           <a:p>
@@ -15271,7 +16194,7 @@
                 <a:ea typeface="Franklin Gothic Book"/>
                 <a:cs typeface="Franklin Gothic Book"/>
               </a:rPr>
-              <a:t>小売業者や他の仲介業者に販売します</a:t>
+              <a:t>Vendem para varejistas ou outros intermediários</a:t>
             </a:r>
           </a:p>
           <a:p>
@@ -15285,7 +16208,7 @@
                 <a:ea typeface="Franklin Gothic Book"/>
                 <a:cs typeface="Franklin Gothic Book"/>
               </a:rPr>
-              <a:t>卸売業者はチャイ ティー製品の需要と供給を結びつけます</a:t>
+              <a:t>Ajudam a garantir um suprimento consistente e eficiente dos produtos</a:t>
             </a:r>
           </a:p>
           <a:p>
@@ -15300,7 +16223,7 @@
                 <a:ea typeface="Franklin Gothic Book"/>
                 <a:cs typeface="Franklin Gothic Book"/>
               </a:rPr>
-              <a:t>規模の経済、保管、輸送サービスを提供します</a:t>
+              <a:t>Facilitam a logística e a distribuição dos produtos de chai</a:t>
             </a:r>
           </a:p>
           <a:p>
@@ -15314,7 +16237,78 @@
                 <a:ea typeface="Franklin Gothic Book"/>
                 <a:cs typeface="Franklin Gothic Book"/>
               </a:rPr>
-              <a:t>卸売業者は市場情報、フィードバック、信用制度を提供します</a:t>
+              <a:t>Fornecem informações de mercado, feedback e facilidades de crédito</a:t>
+            </a:r>
+          </a:p>
+        </p:txBody>
+      </p:sp>
+      <p:sp>
+        <p:nvSpPr>
+          <p:cNvPr id="11" name="TextBox"/>
+          <p:cNvSpPr txBox="1">
+            <a:spLocks noGrp="1" noSelect="1" noRot="1" noMove="1"/>
+          </p:cNvSpPr>
+          <p:nvPr/>
+        </p:nvSpPr>
+        <p:spPr>
+          <a:xfrm>
+            <a:off x="2890520" y="2644140"/>
+            <a:ext cx="6411372" cy="1569660"/>
+          </a:xfrm>
+          <a:prstGeom prst="rect">
+            <a:avLst/>
+          </a:prstGeom>
+          <a:noFill/>
+        </p:spPr>
+        <p:txBody>
+          <a:bodyPr wrap="none" rtlCol="0" anchor="ctr" anchorCtr="1">
+            <a:spAutoFit/>
+          </a:bodyPr>
+          <a:lstStyle>
+            <a:lvl1pPr algn="l">
+              <a:lnSpc>
+                <a:spcPct val="150000"/>
+              </a:lnSpc>
+              <a:spcBef>
+                <a:spcPct val="0"/>
+              </a:spcBef>
+              <a:spcAft>
+                <a:spcPct val="0"/>
+              </a:spcAft>
+              <a:defRPr lang="en-US" sz="3200" b="1" noProof="1" dirty="0">
+                <a:solidFill>
+                  <a:prstClr val="red">
+                    <a:lumOff val="30000"/>
+                    <a:alpha val="40000"/>
+                  </a:prstClr>
+                </a:solidFill>
+                <a:effectLst>
+                  <a:outerShdw blurRad="50800" dist="38100" algn="tr" rotWithShape="0">
+                    <a:prstClr val="black">
+                      <a:alpha val="80000"/>
+                    </a:prstClr>
+                  </a:outerShdw>
+                </a:effectLst>
+                <a:latin typeface="Calibri" pitchFamily="34" charset="0"/>
+              </a:defRPr>
+            </a:lvl1pPr>
+          </a:lstStyle>
+          <a:p>
+            <a:pPr algn="ctr"/>
+            <a:r>
+              <a:t>Evaluation only.</a:t>
+            </a:r>
+          </a:p>
+          <a:p>
+            <a:pPr algn="ctr"/>
+            <a:r>
+              <a:t>Created with Aspose.Slides for Java 23.6.</a:t>
+            </a:r>
+          </a:p>
+          <a:p>
+            <a:pPr algn="ctr"/>
+            <a:r>
+              <a:t>Copyright 2004-2023 Aspose Pty Ltd.</a:t>
             </a:r>
           </a:p>
         </p:txBody>
@@ -15336,10 +16330,10 @@
 
 <file path=ppt/tags/tag1.xml><?xml version="1.0" encoding="utf-8"?>
 <p:tagLst xmlns:p="http://schemas.openxmlformats.org/presentationml/2006/main">
-  <p:tag name="AS_OS" val="Unix 3.10.0.1160"/>
+  <p:tag name="AS_OS" val="Microsoft Windows NT 10.0"/>
   <p:tag name="AS_RELEASE_DATE" val="2023.06.30"/>
   <p:tag name="AS_TITLE" val="Aspose.Slides for Java"/>
-  <p:tag name="AS_VERSION" val="23.6.1"/>
+  <p:tag name="AS_VERSION" val="23.6"/>
 </p:tagLst>
 </file>
 

--- a/ResourceFiles/Mystic Spice Premium Chai Market Analysis Presentation.pptx
+++ b/ResourceFiles/Mystic Spice Premium Chai Market Analysis Presentation.pptx
@@ -1,34 +1,30 @@
 
 <file path=ppt/presentation.xml><?xml version="1.0" encoding="utf-8"?>
-<!--Generated by Aspose.Slides for Java 23.6-->
-<p:presentation xmlns:r="http://schemas.openxmlformats.org/officeDocument/2006/relationships" xmlns:a="http://schemas.openxmlformats.org/drawingml/2006/main" xmlns:p="http://schemas.openxmlformats.org/presentationml/2006/main" removePersonalInfoOnSave="1" saveSubsetFonts="1">
+<p:presentation xmlns:a="http://schemas.openxmlformats.org/drawingml/2006/main" xmlns:r="http://schemas.openxmlformats.org/officeDocument/2006/relationships" xmlns:p="http://schemas.openxmlformats.org/presentationml/2006/main" saveSubsetFonts="1">
   <p:sldMasterIdLst>
     <p:sldMasterId id="2147483660" r:id="rId1"/>
   </p:sldMasterIdLst>
   <p:notesMasterIdLst>
-    <p:notesMasterId r:id="rId2"/>
+    <p:notesMasterId r:id="rId16"/>
   </p:notesMasterIdLst>
   <p:sldIdLst>
-    <p:sldId id="256" r:id="rId3"/>
-    <p:sldId id="257" r:id="rId4"/>
-    <p:sldId id="258" r:id="rId5"/>
-    <p:sldId id="259" r:id="rId6"/>
-    <p:sldId id="260" r:id="rId7"/>
-    <p:sldId id="261" r:id="rId8"/>
-    <p:sldId id="262" r:id="rId9"/>
-    <p:sldId id="268" r:id="rId10"/>
-    <p:sldId id="269" r:id="rId11"/>
-    <p:sldId id="270" r:id="rId12"/>
-    <p:sldId id="271" r:id="rId13"/>
-    <p:sldId id="272" r:id="rId14"/>
-    <p:sldId id="273" r:id="rId15"/>
-    <p:sldId id="274" r:id="rId16"/>
+    <p:sldId id="256" r:id="rId2"/>
+    <p:sldId id="257" r:id="rId3"/>
+    <p:sldId id="258" r:id="rId4"/>
+    <p:sldId id="259" r:id="rId5"/>
+    <p:sldId id="260" r:id="rId6"/>
+    <p:sldId id="261" r:id="rId7"/>
+    <p:sldId id="262" r:id="rId8"/>
+    <p:sldId id="268" r:id="rId9"/>
+    <p:sldId id="269" r:id="rId10"/>
+    <p:sldId id="270" r:id="rId11"/>
+    <p:sldId id="271" r:id="rId12"/>
+    <p:sldId id="272" r:id="rId13"/>
+    <p:sldId id="273" r:id="rId14"/>
+    <p:sldId id="274" r:id="rId15"/>
   </p:sldIdLst>
   <p:sldSz cx="12192000" cy="6858000"/>
   <p:notesSz cx="6858000" cy="9144000"/>
-  <p:custDataLst>
-    <p:tags r:id="rId17"/>
-  </p:custDataLst>
   <p:defaultTextStyle>
     <a:defPPr>
       <a:defRPr lang="en-US"/>
@@ -133,8 +129,8 @@
 </file>
 
 <file path=ppt/notesMasters/notesMaster1.xml><?xml version="1.0" encoding="utf-8"?>
-<p:notesMaster xmlns:a="http://schemas.openxmlformats.org/drawingml/2006/main" xmlns:r="http://schemas.openxmlformats.org/officeDocument/2006/relationships" xmlns:m="http://schemas.openxmlformats.org/officeDocument/2006/math" xmlns:w="http://schemas.openxmlformats.org/wordprocessingml/2006/main" xmlns:wp="http://schemas.openxmlformats.org/drawingml/2006/wordprocessingDrawing" xmlns:a14="http://schemas.microsoft.com/office/drawing/2010/main" xmlns:mc="http://schemas.openxmlformats.org/markup-compatibility/2006" xmlns:p14="http://schemas.microsoft.com/office/powerpoint/2010/main" xmlns:p="http://schemas.openxmlformats.org/presentationml/2006/main">
-  <p:cSld name="">
+<p:notesMaster xmlns:a="http://schemas.openxmlformats.org/drawingml/2006/main" xmlns:r="http://schemas.openxmlformats.org/officeDocument/2006/relationships" xmlns:p="http://schemas.openxmlformats.org/presentationml/2006/main">
+  <p:cSld>
     <p:bg>
       <p:bgRef idx="1001">
         <a:schemeClr val="bg1"/>
@@ -150,6 +146,8 @@
         <a:xfrm>
           <a:off x="0" y="0"/>
           <a:ext cx="0" cy="0"/>
+          <a:chOff x="0" y="0"/>
+          <a:chExt cx="0" cy="0"/>
         </a:xfrm>
       </p:grpSpPr>
       <p:sp>
@@ -212,7 +210,7 @@
           <a:p>
             <a:fld id="{4B79337C-AD0D-499E-B6BA-802817985C42}" type="datetimeFigureOut">
               <a:rPr lang="en-US" smtClean="0"/>
-              <a:t>6/26/2024</a:t>
+              <a:t>6/2/2025</a:t>
             </a:fld>
             <a:endParaRPr lang="en-US"/>
           </a:p>
@@ -243,6 +241,13 @@
             </a:solidFill>
           </a:ln>
         </p:spPr>
+        <p:txBody>
+          <a:bodyPr vert="horz" lIns="91440" tIns="45720" rIns="91440" bIns="45720" rtlCol="0" anchor="ctr"/>
+          <a:lstStyle/>
+          <a:p>
+            <a:endParaRPr lang="en-US"/>
+          </a:p>
+        </p:txBody>
       </p:sp>
       <p:sp>
         <p:nvSpPr>
@@ -473,8 +478,8 @@
 </file>
 
 <file path=ppt/notesSlides/notesSlide1.xml><?xml version="1.0" encoding="utf-8"?>
-<p:notes xmlns:a="http://schemas.openxmlformats.org/drawingml/2006/main" xmlns:r="http://schemas.openxmlformats.org/officeDocument/2006/relationships" xmlns:m="http://schemas.openxmlformats.org/officeDocument/2006/math" xmlns:w="http://schemas.openxmlformats.org/wordprocessingml/2006/main" xmlns:wp="http://schemas.openxmlformats.org/drawingml/2006/wordprocessingDrawing" xmlns:a14="http://schemas.microsoft.com/office/drawing/2010/main" xmlns:mc="http://schemas.openxmlformats.org/markup-compatibility/2006" xmlns:p14="http://schemas.microsoft.com/office/powerpoint/2010/main" xmlns:p="http://schemas.openxmlformats.org/presentationml/2006/main">
-  <p:cSld name="">
+<p:notes xmlns:a="http://schemas.openxmlformats.org/drawingml/2006/main" xmlns:r="http://schemas.openxmlformats.org/officeDocument/2006/relationships" xmlns:p="http://schemas.openxmlformats.org/presentationml/2006/main">
+  <p:cSld>
     <p:spTree>
       <p:nvGrpSpPr>
         <p:cNvPr id="1" name=""/>
@@ -485,6 +490,8 @@
         <a:xfrm>
           <a:off x="0" y="0"/>
           <a:ext cx="0" cy="0"/>
+          <a:chOff x="0" y="0"/>
+          <a:chExt cx="0" cy="0"/>
         </a:xfrm>
       </p:grpSpPr>
       <p:sp>
@@ -515,60 +522,28 @@
           <a:lstStyle/>
           <a:p>
             <a:r>
-              <a:rPr lang="pt-BR" sz="1200" b="0" i="0" strike="noStrike" cap="none" baseline="0">
-                <a:solidFill>
-                  <a:srgbClr val="000000"/>
-                </a:solidFill>
-                <a:effectLst/>
-                <a:latin typeface="Aptos"/>
-                <a:ea typeface="Aptos"/>
-                <a:cs typeface="Aptos"/>
-              </a:rPr>
-              <a:t>Esta apresentação foi gerada automaticamente pelo PowerPoint Copilot com base no conteúdo encontrado neste documento:</a:t>
-            </a:r>
-            <a:r>
-              <a:rPr sz="1200"/>
-              <a:t>
-</a:t>
-            </a:r>
-            <a:r>
-              <a:rPr lang="pt-BR" sz="1200" b="0" i="0" strike="noStrike" cap="none" baseline="0">
-                <a:solidFill>
-                  <a:srgbClr val="000000"/>
-                </a:solidFill>
-                <a:effectLst/>
-                <a:latin typeface="Aptos"/>
-                <a:ea typeface="Aptos"/>
-                <a:cs typeface="Aptos"/>
-              </a:rPr>
+              <a:rPr lang="pt-BR"/>
+              <a:t>Esta apresentação foi gerada automaticamente pelo Copilot no PowerPoint com base no conteúdo disponível no seguinte documento:</a:t>
+            </a:r>
+            <a:br>
+              <a:rPr lang="pt-BR"/>
+            </a:br>
+            <a:r>
+              <a:rPr lang="pt-BR"/>
               <a:t>https://microsoft-my.sharepoint.com/personal/dahans_microsoft_com/Documents/MS-4005/Market%20Analysis%20Report%20for%20Mystic%20Spice%20Premium%20Chai%20Tea.docx</a:t>
             </a:r>
-            <a:r>
-              <a:rPr sz="1200"/>
-              <a:t>
-</a:t>
-            </a:r>
-            <a:r>
-              <a:rPr sz="1200"/>
-              <a:t>
-</a:t>
-            </a:r>
-            <a:r>
-              <a:rPr sz="1200"/>
-              <a:t>
-</a:t>
-            </a:r>
-            <a:r>
-              <a:rPr lang="pt-BR" sz="1200" b="0" i="0" strike="noStrike" cap="none" baseline="0">
-                <a:solidFill>
-                  <a:srgbClr val="000000"/>
-                </a:solidFill>
-                <a:effectLst/>
-                <a:latin typeface="Aptos"/>
-                <a:ea typeface="Aptos"/>
-                <a:cs typeface="Aptos"/>
-              </a:rPr>
-              <a:t>o conteúdo gerado por IA pode estar incorreto.</a:t>
+            <a:br>
+              <a:rPr lang="pt-BR"/>
+            </a:br>
+            <a:br>
+              <a:rPr lang="pt-BR"/>
+            </a:br>
+            <a:br>
+              <a:rPr lang="pt-BR"/>
+            </a:br>
+            <a:r>
+              <a:rPr lang="pt-BR"/>
+              <a:t>O conteúdo gerado pela IA pode estar incorreto.</a:t>
             </a:r>
           </a:p>
         </p:txBody>
@@ -610,8 +585,8 @@
 </file>
 
 <file path=ppt/notesSlides/notesSlide10.xml><?xml version="1.0" encoding="utf-8"?>
-<p:notes xmlns:a="http://schemas.openxmlformats.org/drawingml/2006/main" xmlns:r="http://schemas.openxmlformats.org/officeDocument/2006/relationships" xmlns:m="http://schemas.openxmlformats.org/officeDocument/2006/math" xmlns:w="http://schemas.openxmlformats.org/wordprocessingml/2006/main" xmlns:wp="http://schemas.openxmlformats.org/drawingml/2006/wordprocessingDrawing" xmlns:a14="http://schemas.microsoft.com/office/drawing/2010/main" xmlns:mc="http://schemas.openxmlformats.org/markup-compatibility/2006" xmlns:p14="http://schemas.microsoft.com/office/powerpoint/2010/main" xmlns:p="http://schemas.openxmlformats.org/presentationml/2006/main">
-  <p:cSld name="">
+<p:notes xmlns:a="http://schemas.openxmlformats.org/drawingml/2006/main" xmlns:r="http://schemas.openxmlformats.org/officeDocument/2006/relationships" xmlns:p="http://schemas.openxmlformats.org/presentationml/2006/main">
+  <p:cSld>
     <p:spTree>
       <p:nvGrpSpPr>
         <p:cNvPr id="1" name=""/>
@@ -622,6 +597,8 @@
         <a:xfrm>
           <a:off x="0" y="0"/>
           <a:ext cx="0" cy="0"/>
+          <a:chOff x="0" y="0"/>
+          <a:chExt cx="0" cy="0"/>
         </a:xfrm>
       </p:grpSpPr>
       <p:sp>
@@ -652,186 +629,33 @@
           <a:lstStyle/>
           <a:p>
             <a:r>
-              <a:rPr lang="pt-BR" sz="1200" b="0" i="0" strike="noStrike" cap="none" baseline="0">
-                <a:solidFill>
-                  <a:srgbClr val="000000"/>
-                </a:solidFill>
-                <a:effectLst/>
-                <a:latin typeface="Aptos"/>
-                <a:ea typeface="Aptos"/>
-                <a:cs typeface="Aptos"/>
-              </a:rPr>
-              <a:t>Os distribuidores representam e distribuem produtos de chai, facilitam o movimento e a venda desses produtos e oferecem serviços de marketing, venda e pós-venda.</a:t>
-            </a:r>
-            <a:r>
-              <a:rPr lang="pt-BR" sz="1200" b="0" i="0" strike="noStrike" cap="none" baseline="0">
-                <a:solidFill>
-                  <a:srgbClr val="000000"/>
-                </a:solidFill>
-                <a:effectLst/>
-                <a:latin typeface="Aptos"/>
-                <a:ea typeface="Aptos"/>
-                <a:cs typeface="Aptos"/>
-              </a:rPr>
-              <a:t> </a:t>
-            </a:r>
-            <a:r>
-              <a:rPr lang="pt-BR" sz="1200" b="0" i="0" strike="noStrike" cap="none" baseline="0">
-                <a:solidFill>
-                  <a:srgbClr val="000000"/>
-                </a:solidFill>
-                <a:effectLst/>
-                <a:latin typeface="Aptos"/>
-                <a:ea typeface="Aptos"/>
-                <a:cs typeface="Aptos"/>
-              </a:rPr>
-              <a:t>Eles estabelecem e mantêm relacionamentos com varejistas e consumidores, além de fornecer suporte técnico e logístico.</a:t>
-            </a:r>
-            <a:r>
-              <a:rPr lang="pt-BR" sz="1200" b="0" i="0" strike="noStrike" cap="none" baseline="0">
-                <a:solidFill>
-                  <a:srgbClr val="000000"/>
-                </a:solidFill>
-                <a:effectLst/>
-                <a:latin typeface="Aptos"/>
-                <a:ea typeface="Aptos"/>
-                <a:cs typeface="Aptos"/>
-              </a:rPr>
-              <a:t> </a:t>
-            </a:r>
-            <a:r>
-              <a:rPr lang="pt-BR" sz="1200" b="0" i="0" strike="noStrike" cap="none" baseline="0">
-                <a:solidFill>
-                  <a:srgbClr val="000000"/>
-                </a:solidFill>
-                <a:effectLst/>
-                <a:latin typeface="Aptos"/>
-                <a:ea typeface="Aptos"/>
-                <a:cs typeface="Aptos"/>
-              </a:rPr>
-              <a:t>Os principais distribuidores na América Latina incluem Unilever, Nestlé, Coca-Cola e PepsiCo.</a:t>
-            </a:r>
-            <a:r>
-              <a:rPr sz="1200"/>
-              <a:t>
-</a:t>
-            </a:r>
-            <a:r>
-              <a:rPr sz="1200"/>
-              <a:t>
-</a:t>
-            </a:r>
-            <a:r>
-              <a:rPr sz="1200"/>
-              <a:t>
-</a:t>
-            </a:r>
-            <a:r>
-              <a:rPr lang="pt-BR" sz="1200" b="0" i="0" strike="noStrike" cap="none" baseline="0">
-                <a:solidFill>
-                  <a:srgbClr val="000000"/>
-                </a:solidFill>
-                <a:effectLst/>
-                <a:latin typeface="Aptos"/>
-                <a:ea typeface="Aptos"/>
-                <a:cs typeface="Aptos"/>
-              </a:rPr>
+              <a:rPr lang="pt-BR"/>
+              <a:t>Os distribuidores representam e distribuem produtos de chai, facilitam o movimento e a venda desses produtos e oferecem serviços de marketing, venda e pós-venda. Eles estabelecem e mantêm relacionamentos com varejistas e consumidores, além de fornecer suporte técnico e logístico. Os principais distribuidores na América Latina incluem Unilever, Nestle, Coca-Cola e PepsiCo.</a:t>
+            </a:r>
+            <a:br>
+              <a:rPr lang="pt-BR"/>
+            </a:br>
+            <a:br>
+              <a:rPr lang="pt-BR"/>
+            </a:br>
+            <a:br>
+              <a:rPr lang="pt-BR"/>
+            </a:br>
+            <a:r>
+              <a:rPr lang="pt-BR"/>
               <a:t>Conteúdo original:</a:t>
             </a:r>
-            <a:r>
-              <a:rPr sz="1200"/>
-              <a:t>
-</a:t>
-            </a:r>
-            <a:r>
-              <a:rPr lang="pt-BR" sz="1200" b="0" i="0" strike="noStrike" cap="none" baseline="0">
-                <a:solidFill>
-                  <a:srgbClr val="000000"/>
-                </a:solidFill>
-                <a:effectLst/>
-                <a:latin typeface="Aptos"/>
-                <a:ea typeface="Aptos"/>
-                <a:cs typeface="Aptos"/>
-              </a:rPr>
-              <a:t>Distribuidores são empresas que representam e distribuem os produtos de chá Chai em nome dos fabricantes ou atacadistas.</a:t>
-            </a:r>
-            <a:r>
-              <a:rPr lang="pt-BR" sz="1200" b="0" i="0" strike="noStrike" cap="none" baseline="0">
-                <a:solidFill>
-                  <a:srgbClr val="000000"/>
-                </a:solidFill>
-                <a:effectLst/>
-                <a:latin typeface="Aptos"/>
-                <a:ea typeface="Aptos"/>
-                <a:cs typeface="Aptos"/>
-              </a:rPr>
-              <a:t> </a:t>
-            </a:r>
-            <a:r>
-              <a:rPr lang="pt-BR" sz="1200" b="0" i="0" strike="noStrike" cap="none" baseline="0">
-                <a:solidFill>
-                  <a:srgbClr val="000000"/>
-                </a:solidFill>
-                <a:effectLst/>
-                <a:latin typeface="Aptos"/>
-                <a:ea typeface="Aptos"/>
-                <a:cs typeface="Aptos"/>
-              </a:rPr>
-              <a:t>Eles são os agentes que facilitam o movimento e a venda de produtos de chai em diferentes mercados e regiões e podem oferecer serviços de marketing, venda e pós-venda para esses produtos.</a:t>
-            </a:r>
-            <a:r>
-              <a:rPr lang="pt-BR" sz="1200" b="0" i="0" strike="noStrike" cap="none" baseline="0">
-                <a:solidFill>
-                  <a:srgbClr val="000000"/>
-                </a:solidFill>
-                <a:effectLst/>
-                <a:latin typeface="Aptos"/>
-                <a:ea typeface="Aptos"/>
-                <a:cs typeface="Aptos"/>
-              </a:rPr>
-              <a:t> </a:t>
-            </a:r>
-            <a:r>
-              <a:rPr lang="pt-BR" sz="1200" b="0" i="0" strike="noStrike" cap="none" baseline="0">
-                <a:solidFill>
-                  <a:srgbClr val="000000"/>
-                </a:solidFill>
-                <a:effectLst/>
-                <a:latin typeface="Aptos"/>
-                <a:ea typeface="Aptos"/>
-                <a:cs typeface="Aptos"/>
-              </a:rPr>
-              <a:t>Os distribuidores também podem estabelecer e manter relacionamentos com os varejistas e consumidores, além de fornecer suporte técnico e logístico para os produtos de chai.</a:t>
-            </a:r>
-            <a:r>
-              <a:rPr lang="pt-BR" sz="1200" b="0" i="0" strike="noStrike" cap="none" baseline="0">
-                <a:solidFill>
-                  <a:srgbClr val="000000"/>
-                </a:solidFill>
-                <a:effectLst/>
-                <a:latin typeface="Aptos"/>
-                <a:ea typeface="Aptos"/>
-                <a:cs typeface="Aptos"/>
-              </a:rPr>
-              <a:t> </a:t>
-            </a:r>
-            <a:r>
-              <a:rPr lang="pt-BR" sz="1200" b="0" i="0" strike="noStrike" cap="none" baseline="0">
-                <a:solidFill>
-                  <a:srgbClr val="000000"/>
-                </a:solidFill>
-                <a:effectLst/>
-                <a:latin typeface="Aptos"/>
-                <a:ea typeface="Aptos"/>
-                <a:cs typeface="Aptos"/>
-              </a:rPr>
-              <a:t>Alguns dos principais distribuidores de produtos de chá Chai na América Latina são: Unilever, Nestlé, Coca-Cola e PepsiCo.</a:t>
-            </a:r>
-            <a:r>
-              <a:rPr sz="1200"/>
-              <a:t>
-</a:t>
-            </a:r>
+            <a:br>
+              <a:rPr lang="pt-BR"/>
+            </a:br>
+            <a:r>
+              <a:rPr lang="pt-BR"/>
+              <a:t>Os distribuidores são empresas que representam e distribuem produtos de chai em nome dos fabricantes ou atacadistas. Eles são os agentes que facilitam o movimento e a venda de produtos de chai em diferentes mercados e regiões e podem oferecer serviços de marketing, venda e pós-venda para esses produtos. Os distribuidores também podem estabelecer e manter relacionamentos com os varejistas e consumidores, além de fornecer suporte técnico e logístico para os produtos de chai. Alguns dos principais distribuidores de produtos de chai na América Latina são Unilever, Nestle, Coca-Cola e PepsiCo.</a:t>
+            </a:r>
+            <a:br>
+              <a:rPr lang="pt-BR"/>
+            </a:br>
+            <a:endParaRPr lang="pt-BR"/>
           </a:p>
         </p:txBody>
       </p:sp>
@@ -872,8 +696,8 @@
 </file>
 
 <file path=ppt/notesSlides/notesSlide11.xml><?xml version="1.0" encoding="utf-8"?>
-<p:notes xmlns:a="http://schemas.openxmlformats.org/drawingml/2006/main" xmlns:r="http://schemas.openxmlformats.org/officeDocument/2006/relationships" xmlns:m="http://schemas.openxmlformats.org/officeDocument/2006/math" xmlns:w="http://schemas.openxmlformats.org/wordprocessingml/2006/main" xmlns:wp="http://schemas.openxmlformats.org/drawingml/2006/wordprocessingDrawing" xmlns:a14="http://schemas.microsoft.com/office/drawing/2010/main" xmlns:mc="http://schemas.openxmlformats.org/markup-compatibility/2006" xmlns:p14="http://schemas.microsoft.com/office/powerpoint/2010/main" xmlns:p="http://schemas.openxmlformats.org/presentationml/2006/main">
-  <p:cSld name="">
+<p:notes xmlns:a="http://schemas.openxmlformats.org/drawingml/2006/main" xmlns:r="http://schemas.openxmlformats.org/officeDocument/2006/relationships" xmlns:p="http://schemas.openxmlformats.org/presentationml/2006/main">
+  <p:cSld>
     <p:spTree>
       <p:nvGrpSpPr>
         <p:cNvPr id="1" name=""/>
@@ -884,6 +708,8 @@
         <a:xfrm>
           <a:off x="0" y="0"/>
           <a:ext cx="0" cy="0"/>
+          <a:chOff x="0" y="0"/>
+          <a:chExt cx="0" cy="0"/>
         </a:xfrm>
       </p:grpSpPr>
       <p:sp>
@@ -914,359 +740,124 @@
           <a:lstStyle/>
           <a:p>
             <a:r>
-              <a:rPr lang="pt-BR" sz="1200" b="0" i="0" strike="noStrike" cap="none" baseline="0">
-                <a:solidFill>
-                  <a:srgbClr val="000000"/>
-                </a:solidFill>
-                <a:effectLst/>
-                <a:latin typeface="Aptos"/>
-                <a:ea typeface="Aptos"/>
-                <a:cs typeface="Aptos"/>
-              </a:rPr>
-              <a:t>O plano promocional e estratégia para o chai na América Latina tem como objetivos aumentar a conscientização, posicioná-lo como um produto premium, promover a experimentação e a compra, além de aumentar a fidelidade do cliente.</a:t>
-            </a:r>
-            <a:r>
-              <a:rPr lang="pt-BR" sz="1200" b="0" i="0" strike="noStrike" cap="none" baseline="0">
-                <a:solidFill>
-                  <a:srgbClr val="000000"/>
-                </a:solidFill>
-                <a:effectLst/>
-                <a:latin typeface="Aptos"/>
-                <a:ea typeface="Aptos"/>
-                <a:cs typeface="Aptos"/>
-              </a:rPr>
-              <a:t> </a:t>
-            </a:r>
-            <a:r>
-              <a:rPr lang="pt-BR" sz="1200" b="0" i="0" strike="noStrike" cap="none" baseline="0">
-                <a:solidFill>
-                  <a:srgbClr val="000000"/>
-                </a:solidFill>
-                <a:effectLst/>
-                <a:latin typeface="Aptos"/>
-                <a:ea typeface="Aptos"/>
-                <a:cs typeface="Aptos"/>
-              </a:rPr>
-              <a:t>As táticas incluem criar um nome de marca e logotipo, desenvolver um site da Web e presença nas redes sociais, lançar uma campanha de marketing digital, distribuir amostras grátis, organizar eventos e firmar parcerias com empresas locais.</a:t>
-            </a:r>
-            <a:r>
-              <a:rPr lang="pt-BR" sz="1200" b="0" i="0" strike="noStrike" cap="none" baseline="0">
-                <a:solidFill>
-                  <a:srgbClr val="000000"/>
-                </a:solidFill>
-                <a:effectLst/>
-                <a:latin typeface="Aptos"/>
-                <a:ea typeface="Aptos"/>
-                <a:cs typeface="Aptos"/>
-              </a:rPr>
-              <a:t> </a:t>
-            </a:r>
-            <a:r>
-              <a:rPr lang="pt-BR" sz="1200" b="0" i="0" strike="noStrike" cap="none" baseline="0">
-                <a:solidFill>
-                  <a:srgbClr val="000000"/>
-                </a:solidFill>
-                <a:effectLst/>
-                <a:latin typeface="Aptos"/>
-                <a:ea typeface="Aptos"/>
-                <a:cs typeface="Aptos"/>
-              </a:rPr>
-              <a:t>O plano será implementado ao longo de 12 meses com um orçamento de US$ 100.000 e avaliado usando indicadores chave de desempenho.</a:t>
-            </a:r>
-            <a:r>
-              <a:rPr sz="1200"/>
-              <a:t>
-</a:t>
-            </a:r>
-            <a:r>
-              <a:rPr sz="1200"/>
-              <a:t>
-</a:t>
-            </a:r>
-            <a:r>
-              <a:rPr sz="1200"/>
-              <a:t>
-</a:t>
-            </a:r>
-            <a:r>
-              <a:rPr lang="pt-BR" sz="1200" b="0" i="0" strike="noStrike" cap="none" baseline="0">
-                <a:solidFill>
-                  <a:srgbClr val="000000"/>
-                </a:solidFill>
-                <a:effectLst/>
-                <a:latin typeface="Aptos"/>
-                <a:ea typeface="Aptos"/>
-                <a:cs typeface="Aptos"/>
-              </a:rPr>
+              <a:rPr lang="pt-BR"/>
+              <a:t>O plano promocional e estratégia para o chai na América Latina tem como objetivos aumentar a conscientização, posicioná-lo como um produto premium, promover a experimentação e a compra, além de aumentar a fidelidade do cliente. As táticas incluem criar um nome de marca e logotipo, desenvolver um site da Web e presença nas redes sociais, lançar uma campanha de marketing digital, distribuir amostras grátis, organizar eventos e firmar parcerias com empresas locais. O plano será implementado ao longo de um período de 12 meses, com um orçamento de US$ 100.000, e será avaliado usando indicador chave de desempenho.</a:t>
+            </a:r>
+            <a:br>
+              <a:rPr lang="pt-BR"/>
+            </a:br>
+            <a:br>
+              <a:rPr lang="pt-BR"/>
+            </a:br>
+            <a:br>
+              <a:rPr lang="pt-BR"/>
+            </a:br>
+            <a:r>
+              <a:rPr lang="pt-BR"/>
               <a:t>Conteúdo original:</a:t>
             </a:r>
-            <a:r>
-              <a:rPr sz="1200"/>
-              <a:t>
-</a:t>
-            </a:r>
-            <a:r>
-              <a:rPr lang="pt-BR" sz="1200" b="0" i="0" strike="noStrike" cap="none" baseline="0">
-                <a:solidFill>
-                  <a:srgbClr val="000000"/>
-                </a:solidFill>
-                <a:effectLst/>
-                <a:latin typeface="Aptos"/>
-                <a:ea typeface="Aptos"/>
-                <a:cs typeface="Aptos"/>
-              </a:rPr>
+            <a:br>
+              <a:rPr lang="pt-BR"/>
+            </a:br>
+            <a:r>
+              <a:rPr lang="pt-BR"/>
               <a:t>Plano promocional e estratégia</a:t>
             </a:r>
-            <a:r>
-              <a:rPr sz="1200"/>
-              <a:t>
-</a:t>
-            </a:r>
-            <a:r>
-              <a:rPr lang="pt-BR" sz="1200" b="0" i="0" strike="noStrike" cap="none" baseline="0">
-                <a:solidFill>
-                  <a:srgbClr val="000000"/>
-                </a:solidFill>
-                <a:effectLst/>
-                <a:latin typeface="Aptos"/>
-                <a:ea typeface="Aptos"/>
-                <a:cs typeface="Aptos"/>
-              </a:rPr>
-              <a:t>O plano promocional e a estratégia do chá Chai na América Latina visam atingir os seguintes objetivos:</a:t>
-            </a:r>
-            <a:r>
-              <a:rPr sz="1200"/>
-              <a:t>
-</a:t>
-            </a:r>
-            <a:r>
-              <a:rPr lang="pt-BR" sz="1200" b="0" i="0" strike="noStrike" cap="none" baseline="0">
-                <a:solidFill>
-                  <a:srgbClr val="000000"/>
-                </a:solidFill>
-                <a:effectLst/>
-                <a:latin typeface="Aptos"/>
-                <a:ea typeface="Aptos"/>
-                <a:cs typeface="Aptos"/>
-              </a:rPr>
-              <a:t>·         Aumentar a conscientização e o interesse pelo chá Chai entre o público-alvo</a:t>
-            </a:r>
-            <a:r>
-              <a:rPr sz="1200"/>
-              <a:t>
-</a:t>
-            </a:r>
-            <a:r>
-              <a:rPr lang="pt-BR" sz="1200" b="0" i="0" strike="noStrike" cap="none" baseline="0">
-                <a:solidFill>
-                  <a:srgbClr val="000000"/>
-                </a:solidFill>
-                <a:effectLst/>
-                <a:latin typeface="Aptos"/>
-                <a:ea typeface="Aptos"/>
-                <a:cs typeface="Aptos"/>
-              </a:rPr>
-              <a:t>·         Posicionar o chá Chai como um produto premium, natural e saudável que oferece uma experiência única e satisfatória</a:t>
-            </a:r>
-            <a:r>
-              <a:rPr sz="1200"/>
-              <a:t>
-</a:t>
-            </a:r>
-            <a:r>
-              <a:rPr lang="pt-BR" sz="1200" b="0" i="0" strike="noStrike" cap="none" baseline="0">
-                <a:solidFill>
-                  <a:srgbClr val="000000"/>
-                </a:solidFill>
-                <a:effectLst/>
-                <a:latin typeface="Aptos"/>
-                <a:ea typeface="Aptos"/>
-                <a:cs typeface="Aptos"/>
-              </a:rPr>
-              <a:t>·         Encorajar a experimentação e a compra do chá Chai por meio de vários canais e incentivos</a:t>
-            </a:r>
-            <a:r>
-              <a:rPr sz="1200"/>
-              <a:t>
-</a:t>
-            </a:r>
-            <a:r>
-              <a:rPr lang="pt-BR" sz="1200" b="0" i="0" strike="noStrike" cap="none" baseline="0">
-                <a:solidFill>
-                  <a:srgbClr val="000000"/>
-                </a:solidFill>
-                <a:effectLst/>
-                <a:latin typeface="Aptos"/>
-                <a:ea typeface="Aptos"/>
-                <a:cs typeface="Aptos"/>
-              </a:rPr>
-              <a:t>·         Construir lealdade e retenção entre os consumidores de chá Chai por meio de engajamento e feedback</a:t>
-            </a:r>
-            <a:r>
-              <a:rPr sz="1200"/>
-              <a:t>
-</a:t>
-            </a:r>
-            <a:r>
-              <a:rPr lang="pt-BR" sz="1200" b="0" i="0" strike="noStrike" cap="none" baseline="0">
-                <a:solidFill>
-                  <a:srgbClr val="000000"/>
-                </a:solidFill>
-                <a:effectLst/>
-                <a:latin typeface="Aptos"/>
-                <a:ea typeface="Aptos"/>
-                <a:cs typeface="Aptos"/>
-              </a:rPr>
-              <a:t>O plano promocional e a estratégia do chá Chai na América Latina usarão uma combinação de táticas, como:</a:t>
-            </a:r>
-            <a:r>
-              <a:rPr sz="1200"/>
-              <a:t>
-</a:t>
-            </a:r>
-            <a:r>
-              <a:rPr lang="pt-BR" sz="1200" b="0" i="0" strike="noStrike" cap="none" baseline="0">
-                <a:solidFill>
-                  <a:srgbClr val="000000"/>
-                </a:solidFill>
-                <a:effectLst/>
-                <a:latin typeface="Aptos"/>
-                <a:ea typeface="Aptos"/>
-                <a:cs typeface="Aptos"/>
-              </a:rPr>
-              <a:t>·         Criar uma marca e um logotipo cativantes e memoráveis para o chá Chai</a:t>
-            </a:r>
-            <a:r>
-              <a:rPr sz="1200"/>
-              <a:t>
-</a:t>
-            </a:r>
-            <a:r>
-              <a:rPr lang="pt-BR" sz="1200" b="0" i="0" strike="noStrike" cap="none" baseline="0">
-                <a:solidFill>
-                  <a:srgbClr val="000000"/>
-                </a:solidFill>
-                <a:effectLst/>
-                <a:latin typeface="Aptos"/>
-                <a:ea typeface="Aptos"/>
-                <a:cs typeface="Aptos"/>
-              </a:rPr>
-              <a:t>·         Desenvolver um site e presença nas redes sociais para o chá Chai que mostre os seus benefícios, características e histórias</a:t>
-            </a:r>
-            <a:r>
-              <a:rPr sz="1200"/>
-              <a:t>
-</a:t>
-            </a:r>
-            <a:r>
-              <a:rPr lang="pt-BR" sz="1200" b="0" i="0" strike="noStrike" cap="none" baseline="0">
-                <a:solidFill>
-                  <a:srgbClr val="000000"/>
-                </a:solidFill>
-                <a:effectLst/>
-                <a:latin typeface="Aptos"/>
-                <a:ea typeface="Aptos"/>
-                <a:cs typeface="Aptos"/>
-              </a:rPr>
-              <a:t>·         Lançar uma campanha de marketing digital que usa SEO, SEM, marketing por email e de influenciadores para alcançar e atrair clientes em potencial</a:t>
-            </a:r>
-            <a:r>
-              <a:rPr sz="1200"/>
-              <a:t>
-</a:t>
-            </a:r>
-            <a:r>
-              <a:rPr lang="pt-BR" sz="1200" b="0" i="0" strike="noStrike" cap="none" baseline="0">
-                <a:solidFill>
-                  <a:srgbClr val="000000"/>
-                </a:solidFill>
-                <a:effectLst/>
-                <a:latin typeface="Aptos"/>
-                <a:ea typeface="Aptos"/>
-                <a:cs typeface="Aptos"/>
-              </a:rPr>
-              <a:t>·         Distribuir amostras grátis e cupons de chá Chai em locais estratégicos, como supermercados, cafés e lojas de produtos naturais</a:t>
-            </a:r>
-            <a:r>
-              <a:rPr sz="1200"/>
-              <a:t>
-</a:t>
-            </a:r>
-            <a:r>
-              <a:rPr lang="pt-BR" sz="1200" b="0" i="0" strike="noStrike" cap="none" baseline="0">
-                <a:solidFill>
-                  <a:srgbClr val="000000"/>
-                </a:solidFill>
-                <a:effectLst/>
-                <a:latin typeface="Aptos"/>
-                <a:ea typeface="Aptos"/>
-                <a:cs typeface="Aptos"/>
-              </a:rPr>
-              <a:t>·         Organizar eventos e concursos que convidam as pessoas a experimentar e compartilhar o chá Chai com amigos e familiares</a:t>
-            </a:r>
-            <a:r>
-              <a:rPr sz="1200"/>
-              <a:t>
-</a:t>
-            </a:r>
-            <a:r>
-              <a:rPr lang="pt-BR" sz="1200" b="0" i="0" strike="noStrike" cap="none" baseline="0">
-                <a:solidFill>
-                  <a:srgbClr val="000000"/>
-                </a:solidFill>
-                <a:effectLst/>
-                <a:latin typeface="Aptos"/>
-                <a:ea typeface="Aptos"/>
-                <a:cs typeface="Aptos"/>
-              </a:rPr>
-              <a:t>·         Fazer parcerias com empresas e organizações locais que compartilham os mesmos valores e visão do chá Chai</a:t>
-            </a:r>
-            <a:r>
-              <a:rPr sz="1200"/>
-              <a:t>
-</a:t>
-            </a:r>
-            <a:r>
-              <a:rPr lang="pt-BR" sz="1200" b="0" i="0" strike="noStrike" cap="none" baseline="0">
-                <a:solidFill>
-                  <a:srgbClr val="000000"/>
-                </a:solidFill>
-                <a:effectLst/>
-                <a:latin typeface="Aptos"/>
-                <a:ea typeface="Aptos"/>
-                <a:cs typeface="Aptos"/>
-              </a:rPr>
-              <a:t>O plano promocional e a estratégia do chá Chai na América Latina serão implementados em um período de 12 meses, com um orçamento de US$ 100.000.</a:t>
-            </a:r>
-            <a:r>
-              <a:rPr lang="pt-BR" sz="1200" b="0" i="0" strike="noStrike" cap="none" baseline="0">
-                <a:solidFill>
-                  <a:srgbClr val="000000"/>
-                </a:solidFill>
-                <a:effectLst/>
-                <a:latin typeface="Aptos"/>
-                <a:ea typeface="Aptos"/>
-                <a:cs typeface="Aptos"/>
-              </a:rPr>
-              <a:t> </a:t>
-            </a:r>
-            <a:r>
-              <a:rPr lang="pt-BR" sz="1200" b="0" i="0" strike="noStrike" cap="none" baseline="0">
-                <a:solidFill>
-                  <a:srgbClr val="000000"/>
-                </a:solidFill>
-                <a:effectLst/>
-                <a:latin typeface="Aptos"/>
-                <a:ea typeface="Aptos"/>
-                <a:cs typeface="Aptos"/>
-              </a:rPr>
-              <a:t>O plano será monitorado e avaliado usando indicadores chave de desempenho, como tráfego do site, engajamento nas redes sociais, taxas de abertura de emails, taxas de conversão, volume de vendas, satisfação do cliente e taxas de retenção.</a:t>
-            </a:r>
-            <a:r>
-              <a:rPr sz="1200"/>
-              <a:t>
-</a:t>
-            </a:r>
+            <a:br>
+              <a:rPr lang="pt-BR"/>
+            </a:br>
+            <a:r>
+              <a:rPr lang="pt-BR"/>
+              <a:t>O plano promocional e estratégia para o chai na América Latina tem como objetivos:</a:t>
+            </a:r>
+            <a:br>
+              <a:rPr lang="pt-BR"/>
+            </a:br>
+            <a:r>
+              <a:rPr lang="pt-BR"/>
+              <a:t>·         Aumentar a conscientização e o interesse pelo chai entre o público-alvo</a:t>
+            </a:r>
+            <a:br>
+              <a:rPr lang="pt-BR"/>
+            </a:br>
+            <a:r>
+              <a:rPr lang="pt-BR"/>
+              <a:t>·         Posicionar o chai como um produto premium, natural e saudável que proporciona uma experiência única e satisfatória</a:t>
+            </a:r>
+            <a:br>
+              <a:rPr lang="pt-BR"/>
+            </a:br>
+            <a:r>
+              <a:rPr lang="pt-BR"/>
+              <a:t>·         Promover a experimentação e a compra através de diversos canais e incentivos</a:t>
+            </a:r>
+            <a:br>
+              <a:rPr lang="pt-BR"/>
+            </a:br>
+            <a:r>
+              <a:rPr lang="pt-BR"/>
+              <a:t>·         Aumentar a fidelidade e a retenção entre os consumidores por meio de participação e feedback</a:t>
+            </a:r>
+            <a:br>
+              <a:rPr lang="pt-BR"/>
+            </a:br>
+            <a:r>
+              <a:rPr lang="pt-BR"/>
+              <a:t>O plano promocional e a estratégia para o chai na América Latina utilizará uma combinação de táticas, incluindo:</a:t>
+            </a:r>
+            <a:br>
+              <a:rPr lang="pt-BR"/>
+            </a:br>
+            <a:r>
+              <a:rPr lang="pt-BR"/>
+              <a:t>·         Criar um nome de marca e logotipo cativantes e memoráveis para o chai</a:t>
+            </a:r>
+            <a:br>
+              <a:rPr lang="pt-BR"/>
+            </a:br>
+            <a:r>
+              <a:rPr lang="pt-BR"/>
+              <a:t>·         Desenvolver um site da Web e presença nas redes sociais para o chai que destaque seus benefícios, características e histórias</a:t>
+            </a:r>
+            <a:br>
+              <a:rPr lang="pt-BR"/>
+            </a:br>
+            <a:r>
+              <a:rPr lang="pt-BR"/>
+              <a:t>·         Lançar uma campanha de marketing digital que utilize SEO, SEM, marketing por email e marketing de influência para alcançar e atrair potenciais clientes</a:t>
+            </a:r>
+            <a:br>
+              <a:rPr lang="pt-BR"/>
+            </a:br>
+            <a:r>
+              <a:rPr lang="pt-BR"/>
+              <a:t>·         Distribuir amostras grátis e cupons do chai em locais estratégicos, como supermercados, cafés e lojas de produtos naturais</a:t>
+            </a:r>
+            <a:br>
+              <a:rPr lang="pt-BR"/>
+            </a:br>
+            <a:r>
+              <a:rPr lang="pt-BR"/>
+              <a:t>·         Organizar eventos e concursos que convidem as pessoas a experimentar e compartilhar o chai com seus amigos e familiares</a:t>
+            </a:r>
+            <a:br>
+              <a:rPr lang="pt-BR"/>
+            </a:br>
+            <a:r>
+              <a:rPr lang="pt-BR"/>
+              <a:t>·         Firmar parcerias com empresas e organizações locais que compartilhem os mesmos valores e visão do chai</a:t>
+            </a:r>
+            <a:br>
+              <a:rPr lang="pt-BR"/>
+            </a:br>
+            <a:r>
+              <a:rPr lang="pt-BR"/>
+              <a:t>O plano promocional e a estratégia para o chat na América Latina será implementado ao longo de um período de 12 meses, com um orçamento de US$ 100.000. O plano será monitorado e avaliado usando indicadores chave de desempenho, como tráfego do site, engajamento nas redes sociais, taxas de abertura de emails, taxas de conversão, volume de vendas, satisfação do cliente e taxas de retenção.</a:t>
+            </a:r>
+            <a:br>
+              <a:rPr lang="pt-BR"/>
+            </a:br>
+            <a:endParaRPr lang="pt-BR"/>
           </a:p>
         </p:txBody>
       </p:sp>
@@ -1307,8 +898,8 @@
 </file>
 
 <file path=ppt/notesSlides/notesSlide12.xml><?xml version="1.0" encoding="utf-8"?>
-<p:notes xmlns:a="http://schemas.openxmlformats.org/drawingml/2006/main" xmlns:r="http://schemas.openxmlformats.org/officeDocument/2006/relationships" xmlns:m="http://schemas.openxmlformats.org/officeDocument/2006/math" xmlns:w="http://schemas.openxmlformats.org/wordprocessingml/2006/main" xmlns:wp="http://schemas.openxmlformats.org/drawingml/2006/wordprocessingDrawing" xmlns:a14="http://schemas.microsoft.com/office/drawing/2010/main" xmlns:mc="http://schemas.openxmlformats.org/markup-compatibility/2006" xmlns:p14="http://schemas.microsoft.com/office/powerpoint/2010/main" xmlns:p="http://schemas.openxmlformats.org/presentationml/2006/main">
-  <p:cSld name="">
+<p:notes xmlns:a="http://schemas.openxmlformats.org/drawingml/2006/main" xmlns:r="http://schemas.openxmlformats.org/officeDocument/2006/relationships" xmlns:p="http://schemas.openxmlformats.org/presentationml/2006/main">
+  <p:cSld>
     <p:spTree>
       <p:nvGrpSpPr>
         <p:cNvPr id="1" name=""/>
@@ -1319,6 +910,8 @@
         <a:xfrm>
           <a:off x="0" y="0"/>
           <a:ext cx="0" cy="0"/>
+          <a:chOff x="0" y="0"/>
+          <a:chExt cx="0" cy="0"/>
         </a:xfrm>
       </p:grpSpPr>
       <p:sp>
@@ -1349,151 +942,68 @@
           <a:lstStyle/>
           <a:p>
             <a:r>
-              <a:rPr lang="pt-BR" sz="1200" b="0" i="0" strike="noStrike" cap="none" baseline="0">
-                <a:solidFill>
-                  <a:srgbClr val="000000"/>
-                </a:solidFill>
-                <a:effectLst/>
-                <a:latin typeface="Aptos"/>
-                <a:ea typeface="Aptos"/>
-                <a:cs typeface="Aptos"/>
-              </a:rPr>
-              <a:t>Espera-se que o plano promocional e a estratégia do chá Chai na América Latina resultem em um aumento de 20% na conscientização e interesse, de 10% na participação de mercado, de 15% no volume de vendas e receita e de 25% na satisfação do cliente e nas taxas de retenção.</a:t>
-            </a:r>
-            <a:r>
-              <a:rPr sz="1200"/>
-              <a:t>
-</a:t>
-            </a:r>
-            <a:r>
-              <a:rPr sz="1200"/>
-              <a:t>
-</a:t>
-            </a:r>
-            <a:r>
-              <a:rPr sz="1200"/>
-              <a:t>
-</a:t>
-            </a:r>
-            <a:r>
-              <a:rPr lang="pt-BR" sz="1200" b="0" i="0" strike="noStrike" cap="none" baseline="0">
-                <a:solidFill>
-                  <a:srgbClr val="000000"/>
-                </a:solidFill>
-                <a:effectLst/>
-                <a:latin typeface="Aptos"/>
-                <a:ea typeface="Aptos"/>
-                <a:cs typeface="Aptos"/>
-              </a:rPr>
+              <a:rPr lang="pt-BR"/>
+              <a:t>Espera-se que o plano promocional e estratégia do chai na América Latina resulte em aumento de 20% na conscientização e interesse, aumento de 10% na participação de mercado, aumento de 15% no volume de vendas e na receita e aumento de 25% nas taxas de satisfação e retenção de clientes.</a:t>
+            </a:r>
+            <a:br>
+              <a:rPr lang="pt-BR"/>
+            </a:br>
+            <a:br>
+              <a:rPr lang="pt-BR"/>
+            </a:br>
+            <a:br>
+              <a:rPr lang="pt-BR"/>
+            </a:br>
+            <a:r>
+              <a:rPr lang="pt-BR"/>
               <a:t>Conteúdo original:</a:t>
             </a:r>
-            <a:r>
-              <a:rPr sz="1200"/>
-              <a:t>
-</a:t>
-            </a:r>
-            <a:r>
-              <a:rPr lang="pt-BR" sz="1200" b="0" i="0" strike="noStrike" cap="none" baseline="0">
-                <a:solidFill>
-                  <a:srgbClr val="000000"/>
-                </a:solidFill>
-                <a:effectLst/>
-                <a:latin typeface="Aptos"/>
-                <a:ea typeface="Aptos"/>
-                <a:cs typeface="Aptos"/>
-              </a:rPr>
-              <a:t>Resultados e desafios esperados</a:t>
-            </a:r>
-            <a:r>
-              <a:rPr sz="1200"/>
-              <a:t>
-</a:t>
-            </a:r>
-            <a:r>
-              <a:rPr lang="pt-BR" sz="1200" b="0" i="0" strike="noStrike" cap="none" baseline="0">
-                <a:solidFill>
-                  <a:srgbClr val="000000"/>
-                </a:solidFill>
-                <a:effectLst/>
-                <a:latin typeface="Aptos"/>
-                <a:ea typeface="Aptos"/>
-                <a:cs typeface="Aptos"/>
-              </a:rPr>
-              <a:t>Os resultados esperados do plano promocional e da estratégia do chá Chai na América Latina são:</a:t>
-            </a:r>
-            <a:r>
-              <a:rPr sz="1200"/>
-              <a:t>
-</a:t>
-            </a:r>
-            <a:r>
-              <a:rPr lang="pt-BR" sz="1200" b="0" i="0" strike="noStrike" cap="none" baseline="0">
-                <a:solidFill>
-                  <a:srgbClr val="000000"/>
-                </a:solidFill>
-                <a:effectLst/>
-                <a:latin typeface="Aptos"/>
-                <a:ea typeface="Aptos"/>
-                <a:cs typeface="Aptos"/>
-              </a:rPr>
-              <a:t>·         Um aumento de 20% na conscientização e interesse pelo chá Chai entre o público-alvo</a:t>
-            </a:r>
-            <a:r>
-              <a:rPr sz="1200"/>
-              <a:t>
-</a:t>
-            </a:r>
-            <a:r>
-              <a:rPr lang="pt-BR" sz="1200" b="0" i="0" strike="noStrike" cap="none" baseline="0">
-                <a:solidFill>
-                  <a:srgbClr val="000000"/>
-                </a:solidFill>
-                <a:effectLst/>
-                <a:latin typeface="Aptos"/>
-                <a:ea typeface="Aptos"/>
-                <a:cs typeface="Aptos"/>
-              </a:rPr>
-              <a:t>·         Um aumento de 10% na participação de mercado do chá Chai na região</a:t>
-            </a:r>
-            <a:r>
-              <a:rPr sz="1200"/>
-              <a:t>
-</a:t>
-            </a:r>
-            <a:r>
-              <a:rPr lang="pt-BR" sz="1200" b="0" i="0" strike="noStrike" cap="none" baseline="0">
-                <a:solidFill>
-                  <a:srgbClr val="000000"/>
-                </a:solidFill>
-                <a:effectLst/>
-                <a:latin typeface="Aptos"/>
-                <a:ea typeface="Aptos"/>
-                <a:cs typeface="Aptos"/>
-              </a:rPr>
-              <a:t>·         Um aumento de 15% no volume de vendas e na receita do chá Chai na região</a:t>
-            </a:r>
-            <a:r>
-              <a:rPr sz="1200"/>
-              <a:t>
-</a:t>
-            </a:r>
-            <a:r>
-              <a:rPr lang="pt-BR" sz="1200" b="0" i="0" strike="noStrike" cap="none" baseline="0">
-                <a:solidFill>
-                  <a:srgbClr val="000000"/>
-                </a:solidFill>
-                <a:effectLst/>
-                <a:latin typeface="Aptos"/>
-                <a:ea typeface="Aptos"/>
-                <a:cs typeface="Aptos"/>
-              </a:rPr>
-              <a:t>·         Um aumento de 25% nas taxas de satisfação e retenção de clientes do chá Chai na região</a:t>
-            </a:r>
-            <a:r>
-              <a:rPr sz="1200"/>
-              <a:t>
-</a:t>
-            </a:r>
+            <a:br>
+              <a:rPr lang="pt-BR"/>
+            </a:br>
+            <a:r>
+              <a:rPr lang="pt-BR"/>
+              <a:t>Resultados esperados e desafios</a:t>
+            </a:r>
+            <a:br>
+              <a:rPr lang="pt-BR"/>
+            </a:br>
+            <a:r>
+              <a:rPr lang="pt-BR"/>
+              <a:t>Os resultados esperados do plano promocional e estratégia para o chai na América Latina são:</a:t>
+            </a:r>
+            <a:br>
+              <a:rPr lang="pt-BR"/>
+            </a:br>
+            <a:r>
+              <a:rPr lang="pt-BR"/>
+              <a:t>·         Um aumento de 20% na conscientização e interesse pelo chai entre o público-alvo</a:t>
+            </a:r>
+            <a:br>
+              <a:rPr lang="pt-BR"/>
+            </a:br>
+            <a:r>
+              <a:rPr lang="pt-BR"/>
+              <a:t>·         Um aumento de 10% na participação de mercado do chai na região</a:t>
+            </a:r>
+            <a:br>
+              <a:rPr lang="pt-BR"/>
+            </a:br>
+            <a:r>
+              <a:rPr lang="pt-BR"/>
+              <a:t>·         Um aumento de 15% no volume de vendas e na receita do chai na região</a:t>
+            </a:r>
+            <a:br>
+              <a:rPr lang="pt-BR"/>
+            </a:br>
+            <a:r>
+              <a:rPr lang="pt-BR"/>
+              <a:t>·         Um aumento de 25% nas taxas de satisfação e retenção de clientes do chai na região</a:t>
+            </a:r>
+            <a:br>
+              <a:rPr lang="pt-BR"/>
+            </a:br>
+            <a:endParaRPr lang="pt-BR"/>
           </a:p>
         </p:txBody>
       </p:sp>
@@ -1534,8 +1044,8 @@
 </file>
 
 <file path=ppt/notesSlides/notesSlide13.xml><?xml version="1.0" encoding="utf-8"?>
-<p:notes xmlns:a="http://schemas.openxmlformats.org/drawingml/2006/main" xmlns:r="http://schemas.openxmlformats.org/officeDocument/2006/relationships" xmlns:m="http://schemas.openxmlformats.org/officeDocument/2006/math" xmlns:w="http://schemas.openxmlformats.org/wordprocessingml/2006/main" xmlns:wp="http://schemas.openxmlformats.org/drawingml/2006/wordprocessingDrawing" xmlns:a14="http://schemas.microsoft.com/office/drawing/2010/main" xmlns:mc="http://schemas.openxmlformats.org/markup-compatibility/2006" xmlns:p14="http://schemas.microsoft.com/office/powerpoint/2010/main" xmlns:p="http://schemas.openxmlformats.org/presentationml/2006/main">
-  <p:cSld name="">
+<p:notes xmlns:a="http://schemas.openxmlformats.org/drawingml/2006/main" xmlns:r="http://schemas.openxmlformats.org/officeDocument/2006/relationships" xmlns:p="http://schemas.openxmlformats.org/presentationml/2006/main">
+  <p:cSld>
     <p:spTree>
       <p:nvGrpSpPr>
         <p:cNvPr id="1" name=""/>
@@ -1546,6 +1056,8 @@
         <a:xfrm>
           <a:off x="0" y="0"/>
           <a:ext cx="0" cy="0"/>
+          <a:chOff x="0" y="0"/>
+          <a:chExt cx="0" cy="0"/>
         </a:xfrm>
       </p:grpSpPr>
       <p:sp>
@@ -1576,151 +1088,68 @@
           <a:lstStyle/>
           <a:p>
             <a:r>
-              <a:rPr lang="pt-BR" sz="1200" b="0" i="0" strike="noStrike" cap="none" baseline="0">
-                <a:solidFill>
-                  <a:srgbClr val="000000"/>
-                </a:solidFill>
-                <a:effectLst/>
-                <a:latin typeface="Aptos"/>
-                <a:ea typeface="Aptos"/>
-                <a:cs typeface="Aptos"/>
-              </a:rPr>
-              <a:t>O plano promocional e a estratégia do chá Chai na América Latina enfrentam vários desafios, incluindo alto preço, falta de conscientização, concorrência de outros produtos de chá, barreiras regulatórias e culturais e questões ambientais e sociais que podem afetar o fornecimento e a qualidade dos ingredientes do chá Chai.</a:t>
-            </a:r>
-            <a:r>
-              <a:rPr sz="1200"/>
-              <a:t>
-</a:t>
-            </a:r>
-            <a:r>
-              <a:rPr sz="1200"/>
-              <a:t>
-</a:t>
-            </a:r>
-            <a:r>
-              <a:rPr sz="1200"/>
-              <a:t>
-</a:t>
-            </a:r>
-            <a:r>
-              <a:rPr lang="pt-BR" sz="1200" b="0" i="0" strike="noStrike" cap="none" baseline="0">
-                <a:solidFill>
-                  <a:srgbClr val="000000"/>
-                </a:solidFill>
-                <a:effectLst/>
-                <a:latin typeface="Aptos"/>
-                <a:ea typeface="Aptos"/>
-                <a:cs typeface="Aptos"/>
-              </a:rPr>
-              <a:t>Conteúdo Original:</a:t>
-            </a:r>
-            <a:r>
-              <a:rPr sz="1200"/>
-              <a:t>
-</a:t>
-            </a:r>
-            <a:r>
-              <a:rPr lang="pt-BR" sz="1200" b="0" i="0" strike="noStrike" cap="none" baseline="0">
-                <a:solidFill>
-                  <a:srgbClr val="000000"/>
-                </a:solidFill>
-                <a:effectLst/>
-                <a:latin typeface="Aptos"/>
-                <a:ea typeface="Aptos"/>
-                <a:cs typeface="Aptos"/>
-              </a:rPr>
-              <a:t>Os desafios potenciais do plano promocional e da estratégia do chá Chai na América Latina são:</a:t>
-            </a:r>
-            <a:r>
-              <a:rPr sz="1200"/>
-              <a:t>
-</a:t>
-            </a:r>
-            <a:r>
-              <a:rPr lang="pt-BR" sz="1200" b="0" i="0" strike="noStrike" cap="none" baseline="0">
-                <a:solidFill>
-                  <a:srgbClr val="000000"/>
-                </a:solidFill>
-                <a:effectLst/>
-                <a:latin typeface="Aptos"/>
-                <a:ea typeface="Aptos"/>
-                <a:cs typeface="Aptos"/>
-              </a:rPr>
-              <a:t>·         O alto preço e a baixa acessibilidade dos produtos de chá Chai em comparação com outras bebidas</a:t>
-            </a:r>
-            <a:r>
-              <a:rPr sz="1200"/>
-              <a:t>
-</a:t>
-            </a:r>
-            <a:r>
-              <a:rPr lang="pt-BR" sz="1200" b="0" i="0" strike="noStrike" cap="none" baseline="0">
-                <a:solidFill>
-                  <a:srgbClr val="000000"/>
-                </a:solidFill>
-                <a:effectLst/>
-                <a:latin typeface="Aptos"/>
-                <a:ea typeface="Aptos"/>
-                <a:cs typeface="Aptos"/>
-              </a:rPr>
-              <a:t>·         A falta de conscientização e familiaridade com o chá Chai entre alguns segmentos da população</a:t>
-            </a:r>
-            <a:r>
-              <a:rPr sz="1200"/>
-              <a:t>
-</a:t>
-            </a:r>
-            <a:r>
-              <a:rPr lang="pt-BR" sz="1200" b="0" i="0" strike="noStrike" cap="none" baseline="0">
-                <a:solidFill>
-                  <a:srgbClr val="000000"/>
-                </a:solidFill>
-                <a:effectLst/>
-                <a:latin typeface="Aptos"/>
-                <a:ea typeface="Aptos"/>
-                <a:cs typeface="Aptos"/>
-              </a:rPr>
-              <a:t>·         A concorrência de outros produtos de chá, como os chás de ervas, verde e preto</a:t>
-            </a:r>
-            <a:r>
-              <a:rPr sz="1200"/>
-              <a:t>
-</a:t>
-            </a:r>
-            <a:r>
-              <a:rPr lang="pt-BR" sz="1200" b="0" i="0" strike="noStrike" cap="none" baseline="0">
-                <a:solidFill>
-                  <a:srgbClr val="000000"/>
-                </a:solidFill>
-                <a:effectLst/>
-                <a:latin typeface="Aptos"/>
-                <a:ea typeface="Aptos"/>
-                <a:cs typeface="Aptos"/>
-              </a:rPr>
-              <a:t>·         As barreiras regulatórias e culturais que podem limitar a entrada e a expansão de produtos de chá Chai em alguns países</a:t>
-            </a:r>
-            <a:r>
-              <a:rPr sz="1200"/>
-              <a:t>
-</a:t>
-            </a:r>
-            <a:r>
-              <a:rPr lang="pt-BR" sz="1200" b="0" i="0" strike="noStrike" cap="none" baseline="0">
-                <a:solidFill>
-                  <a:srgbClr val="000000"/>
-                </a:solidFill>
-                <a:effectLst/>
-                <a:latin typeface="Aptos"/>
-                <a:ea typeface="Aptos"/>
-                <a:cs typeface="Aptos"/>
-              </a:rPr>
-              <a:t>·         As questões ambientais e sociais que podem afetar o fornecimento e a qualidade dos ingredientes do chá Chai</a:t>
-            </a:r>
-            <a:r>
-              <a:rPr sz="1200"/>
-              <a:t>
-</a:t>
-            </a:r>
+              <a:rPr lang="pt-BR"/>
+              <a:t>O plano promocional e estratégia para o chai na América Latina enfrenta vários desafios, incluindo preços altos, falta de conscientização, concorrência de outros produtos de chá, barreiras regulatórias e culturais, bem como questões ambientais e sociais que podem afetar o suprimento e a qualidade dos ingredientes do chai.</a:t>
+            </a:r>
+            <a:br>
+              <a:rPr lang="pt-BR"/>
+            </a:br>
+            <a:br>
+              <a:rPr lang="pt-BR"/>
+            </a:br>
+            <a:br>
+              <a:rPr lang="pt-BR"/>
+            </a:br>
+            <a:r>
+              <a:rPr lang="pt-BR"/>
+              <a:t>Conteúdo original:</a:t>
+            </a:r>
+            <a:br>
+              <a:rPr lang="pt-BR"/>
+            </a:br>
+            <a:r>
+              <a:rPr lang="pt-BR"/>
+              <a:t>Os possíveis desafios do plano promocional e da estratégia para o chai na América Latina são:</a:t>
+            </a:r>
+            <a:br>
+              <a:rPr lang="pt-BR"/>
+            </a:br>
+            <a:r>
+              <a:rPr lang="pt-BR"/>
+              <a:t>·         O alto preço e a baixa acessibilidade dos produtos de chai em comparação com outras bebidas</a:t>
+            </a:r>
+            <a:br>
+              <a:rPr lang="pt-BR"/>
+            </a:br>
+            <a:r>
+              <a:rPr lang="pt-BR"/>
+              <a:t>·         A falta de conscientização e familiaridade com o chai entre alguns segmentos da população</a:t>
+            </a:r>
+            <a:br>
+              <a:rPr lang="pt-BR"/>
+            </a:br>
+            <a:r>
+              <a:rPr lang="pt-BR"/>
+              <a:t>·         A concorrência de outros produtos de chá, como chás de ervas, chá verde e chá preto</a:t>
+            </a:r>
+            <a:br>
+              <a:rPr lang="pt-BR"/>
+            </a:br>
+            <a:r>
+              <a:rPr lang="pt-BR"/>
+              <a:t>·         As barreiras regulatórias e culturais que podem limitar a entrada e a expansão dos produtos de chai em alguns países</a:t>
+            </a:r>
+            <a:br>
+              <a:rPr lang="pt-BR"/>
+            </a:br>
+            <a:r>
+              <a:rPr lang="pt-BR"/>
+              <a:t>·         As questões ambientais e sociais que podem afetar o suprimento e a qualidade dos ingredientes do chai</a:t>
+            </a:r>
+            <a:br>
+              <a:rPr lang="pt-BR"/>
+            </a:br>
+            <a:endParaRPr lang="pt-BR"/>
           </a:p>
         </p:txBody>
       </p:sp>
@@ -1761,8 +1190,8 @@
 </file>
 
 <file path=ppt/notesSlides/notesSlide14.xml><?xml version="1.0" encoding="utf-8"?>
-<p:notes xmlns:a="http://schemas.openxmlformats.org/drawingml/2006/main" xmlns:r="http://schemas.openxmlformats.org/officeDocument/2006/relationships" xmlns:m="http://schemas.openxmlformats.org/officeDocument/2006/math" xmlns:w="http://schemas.openxmlformats.org/wordprocessingml/2006/main" xmlns:wp="http://schemas.openxmlformats.org/drawingml/2006/wordprocessingDrawing" xmlns:a14="http://schemas.microsoft.com/office/drawing/2010/main" xmlns:mc="http://schemas.openxmlformats.org/markup-compatibility/2006" xmlns:p14="http://schemas.microsoft.com/office/powerpoint/2010/main" xmlns:p="http://schemas.openxmlformats.org/presentationml/2006/main">
-  <p:cSld name="">
+<p:notes xmlns:a="http://schemas.openxmlformats.org/drawingml/2006/main" xmlns:r="http://schemas.openxmlformats.org/officeDocument/2006/relationships" xmlns:p="http://schemas.openxmlformats.org/presentationml/2006/main">
+  <p:cSld>
     <p:spTree>
       <p:nvGrpSpPr>
         <p:cNvPr id="1" name=""/>
@@ -1773,6 +1202,8 @@
         <a:xfrm>
           <a:off x="0" y="0"/>
           <a:ext cx="0" cy="0"/>
+          <a:chOff x="0" y="0"/>
+          <a:chExt cx="0" cy="0"/>
         </a:xfrm>
       </p:grpSpPr>
       <p:sp>
@@ -1803,281 +1234,82 @@
           <a:lstStyle/>
           <a:p>
             <a:r>
-              <a:rPr lang="pt-BR" sz="1200" b="0" i="0" strike="noStrike" cap="none" baseline="0">
-                <a:solidFill>
-                  <a:srgbClr val="000000"/>
-                </a:solidFill>
-                <a:effectLst/>
-                <a:latin typeface="Aptos"/>
-                <a:ea typeface="Aptos"/>
-                <a:cs typeface="Aptos"/>
-              </a:rPr>
-              <a:t>O chai é um produto promissor na América Latina, oferecendo uma alternativa exótica e saudável.</a:t>
-            </a:r>
-            <a:r>
-              <a:rPr lang="pt-BR" sz="1200" b="0" i="0" strike="noStrike" cap="none" baseline="0">
-                <a:solidFill>
-                  <a:srgbClr val="000000"/>
-                </a:solidFill>
-                <a:effectLst/>
-                <a:latin typeface="Aptos"/>
-                <a:ea typeface="Aptos"/>
-                <a:cs typeface="Aptos"/>
-              </a:rPr>
-              <a:t> </a:t>
-            </a:r>
-            <a:r>
-              <a:rPr lang="pt-BR" sz="1200" b="0" i="0" strike="noStrike" cap="none" baseline="0">
-                <a:solidFill>
-                  <a:srgbClr val="000000"/>
-                </a:solidFill>
-                <a:effectLst/>
-                <a:latin typeface="Aptos"/>
-                <a:ea typeface="Aptos"/>
-                <a:cs typeface="Aptos"/>
-              </a:rPr>
-              <a:t>Ele deve ser posicionado como um produto premium e versátil, aproveitando suas características e benefícios únicos.</a:t>
-            </a:r>
-            <a:r>
-              <a:rPr lang="pt-BR" sz="1200" b="0" i="0" strike="noStrike" cap="none" baseline="0">
-                <a:solidFill>
-                  <a:srgbClr val="000000"/>
-                </a:solidFill>
-                <a:effectLst/>
-                <a:latin typeface="Aptos"/>
-                <a:ea typeface="Aptos"/>
-                <a:cs typeface="Aptos"/>
-              </a:rPr>
-              <a:t> </a:t>
-            </a:r>
-            <a:r>
-              <a:rPr lang="pt-BR" sz="1200" b="0" i="0" strike="noStrike" cap="none" baseline="0">
-                <a:solidFill>
-                  <a:srgbClr val="000000"/>
-                </a:solidFill>
-                <a:effectLst/>
-                <a:latin typeface="Aptos"/>
-                <a:ea typeface="Aptos"/>
-                <a:cs typeface="Aptos"/>
-              </a:rPr>
-              <a:t>Uma combinação de táticas online e offline deve ser usada para atingir o público-alvo e superar desafios.</a:t>
-            </a:r>
-            <a:r>
-              <a:rPr sz="1200"/>
-              <a:t>
-</a:t>
-            </a:r>
-            <a:r>
-              <a:rPr sz="1200"/>
-              <a:t>
-</a:t>
-            </a:r>
-            <a:r>
-              <a:rPr sz="1200"/>
-              <a:t>
-</a:t>
-            </a:r>
-            <a:r>
-              <a:rPr lang="pt-BR" sz="1200" b="0" i="0" strike="noStrike" cap="none" baseline="0">
-                <a:solidFill>
-                  <a:srgbClr val="000000"/>
-                </a:solidFill>
-                <a:effectLst/>
-                <a:latin typeface="Aptos"/>
-                <a:ea typeface="Aptos"/>
-                <a:cs typeface="Aptos"/>
-              </a:rPr>
-              <a:t>Conteúdo Original:</a:t>
-            </a:r>
-            <a:r>
-              <a:rPr sz="1200"/>
-              <a:t>
-</a:t>
-            </a:r>
-            <a:r>
-              <a:rPr lang="pt-BR" sz="1200" b="0" i="0" strike="noStrike" cap="none" baseline="0">
-                <a:solidFill>
-                  <a:srgbClr val="000000"/>
-                </a:solidFill>
-                <a:effectLst/>
-                <a:latin typeface="Aptos"/>
-                <a:ea typeface="Aptos"/>
-                <a:cs typeface="Aptos"/>
-              </a:rPr>
-              <a:t>Recomendações e Conclusões</a:t>
-            </a:r>
-            <a:r>
-              <a:rPr sz="1200"/>
-              <a:t>
-</a:t>
-            </a:r>
-            <a:r>
-              <a:rPr lang="pt-BR" sz="1200" b="0" i="0" strike="noStrike" cap="none" baseline="0">
-                <a:solidFill>
-                  <a:srgbClr val="000000"/>
-                </a:solidFill>
-                <a:effectLst/>
-                <a:latin typeface="Aptos"/>
-                <a:ea typeface="Aptos"/>
-                <a:cs typeface="Aptos"/>
-              </a:rPr>
-              <a:t>Com base na análise de mercado, na análise competitiva, nos canais de distribuição e no plano promocional e estratégia, é possível obter as seguintes recomendações e conclusões para o futuro do chá Chai na América Latina:</a:t>
-            </a:r>
-            <a:r>
-              <a:rPr sz="1200"/>
-              <a:t>
-</a:t>
-            </a:r>
-            <a:r>
-              <a:rPr lang="pt-BR" sz="1200" b="0" i="0" strike="noStrike" cap="none" baseline="0">
-                <a:solidFill>
-                  <a:srgbClr val="000000"/>
-                </a:solidFill>
-                <a:effectLst/>
-                <a:latin typeface="Aptos"/>
-                <a:ea typeface="Aptos"/>
-                <a:cs typeface="Aptos"/>
-              </a:rPr>
-              <a:t>·         O chá Chai é um produto promissor com potencial para crescer e ter sucesso no mercado latino-americano, pois oferece uma alternativa saudável, natural e exótica a outras bebidas</a:t>
-            </a:r>
-            <a:r>
-              <a:rPr sz="1200"/>
-              <a:t>
-</a:t>
-            </a:r>
-            <a:r>
-              <a:rPr lang="pt-BR" sz="1200" b="0" i="0" strike="noStrike" cap="none" baseline="0">
-                <a:solidFill>
-                  <a:srgbClr val="000000"/>
-                </a:solidFill>
-                <a:effectLst/>
-                <a:latin typeface="Aptos"/>
-                <a:ea typeface="Aptos"/>
-                <a:cs typeface="Aptos"/>
-              </a:rPr>
-              <a:t>·         O chá Chai precisa ser posicionado e comercializado como um produto premium, autêntico e versátil que pode atrair diferentes segmentos e ocasiões</a:t>
-            </a:r>
-            <a:r>
-              <a:rPr sz="1200"/>
-              <a:t>
-</a:t>
-            </a:r>
-            <a:r>
-              <a:rPr lang="pt-BR" sz="1200" b="0" i="0" strike="noStrike" cap="none" baseline="0">
-                <a:solidFill>
-                  <a:srgbClr val="000000"/>
-                </a:solidFill>
-                <a:effectLst/>
-                <a:latin typeface="Aptos"/>
-                <a:ea typeface="Aptos"/>
-                <a:cs typeface="Aptos"/>
-              </a:rPr>
-              <a:t>·         O chá Chai precisa aproveitar suas características e benefícios exclusivos, como seu rico aroma, sabor e benefícios para a saúde, para se diferenciar de outros produtos de chá</a:t>
-            </a:r>
-            <a:r>
-              <a:rPr sz="1200"/>
-              <a:t>
-</a:t>
-            </a:r>
-            <a:r>
-              <a:rPr lang="pt-BR" sz="1200" b="0" i="0" strike="noStrike" cap="none" baseline="0">
-                <a:solidFill>
-                  <a:srgbClr val="000000"/>
-                </a:solidFill>
-                <a:effectLst/>
-                <a:latin typeface="Aptos"/>
-                <a:ea typeface="Aptos"/>
-                <a:cs typeface="Aptos"/>
-              </a:rPr>
-              <a:t>·         O chá Chai precisa usar uma combinação de táticas online e offline para alcançar e engajar o público-alvo, criando uma base de clientes leais e satisfeitos</a:t>
-            </a:r>
-            <a:r>
-              <a:rPr sz="1200"/>
-              <a:t>
-</a:t>
-            </a:r>
-            <a:r>
-              <a:rPr lang="pt-BR" sz="1200" b="0" i="0" strike="noStrike" cap="none" baseline="0">
-                <a:solidFill>
-                  <a:srgbClr val="000000"/>
-                </a:solidFill>
-                <a:effectLst/>
-                <a:latin typeface="Aptos"/>
-                <a:ea typeface="Aptos"/>
-                <a:cs typeface="Aptos"/>
-              </a:rPr>
-              <a:t>·         O chá Chai precisa superar os desafios e ameaças que podem impedir seu crescimento e expansão na região, como preço, conscientização, concorrência, regulamentação e sustentabilidade</a:t>
-            </a:r>
-            <a:r>
-              <a:rPr sz="1200"/>
-              <a:t>
-</a:t>
-            </a:r>
-            <a:r>
-              <a:rPr lang="pt-BR" sz="1200" b="0" i="0" strike="noStrike" cap="none" baseline="0">
-                <a:solidFill>
-                  <a:srgbClr val="000000"/>
-                </a:solidFill>
-                <a:effectLst/>
-                <a:latin typeface="Aptos"/>
-                <a:ea typeface="Aptos"/>
-                <a:cs typeface="Aptos"/>
-              </a:rPr>
-              <a:t>Em conclusão, o chá Chai é um produto que tem grande potencial e oportunidades no mercado latino-americano, mas também enfrenta alguns desafios e riscos.</a:t>
-            </a:r>
-            <a:r>
-              <a:rPr lang="pt-BR" sz="1200" b="0" i="0" strike="noStrike" cap="none" baseline="0">
-                <a:solidFill>
-                  <a:srgbClr val="000000"/>
-                </a:solidFill>
-                <a:effectLst/>
-                <a:latin typeface="Aptos"/>
-                <a:ea typeface="Aptos"/>
-                <a:cs typeface="Aptos"/>
-              </a:rPr>
-              <a:t> </a:t>
-            </a:r>
-            <a:r>
-              <a:rPr lang="pt-BR" sz="1200" b="0" i="0" strike="noStrike" cap="none" baseline="0">
-                <a:solidFill>
-                  <a:srgbClr val="000000"/>
-                </a:solidFill>
-                <a:effectLst/>
-                <a:latin typeface="Aptos"/>
-                <a:ea typeface="Aptos"/>
-                <a:cs typeface="Aptos"/>
-              </a:rPr>
-              <a:t>O plano promocional e estratégia definidos neste relatório têm como objetivo abordar essas questões e alcançar os resultados desejados.</a:t>
-            </a:r>
-            <a:r>
-              <a:rPr lang="pt-BR" sz="1200" b="0" i="0" strike="noStrike" cap="none" baseline="0">
-                <a:solidFill>
-                  <a:srgbClr val="000000"/>
-                </a:solidFill>
-                <a:effectLst/>
-                <a:latin typeface="Aptos"/>
-                <a:ea typeface="Aptos"/>
-                <a:cs typeface="Aptos"/>
-              </a:rPr>
-              <a:t> </a:t>
-            </a:r>
-            <a:r>
-              <a:rPr lang="pt-BR" sz="1200" b="0" i="0" strike="noStrike" cap="none" baseline="0">
-                <a:solidFill>
-                  <a:srgbClr val="000000"/>
-                </a:solidFill>
-                <a:effectLst/>
-                <a:latin typeface="Aptos"/>
-                <a:ea typeface="Aptos"/>
-                <a:cs typeface="Aptos"/>
-              </a:rPr>
-              <a:t>No entanto, o plano promocional e a estratégia precisam ser constantemente monitorados, avaliados e ajustados de acordo com as mudanças nas condições de mercado e com o feedback dos clientes.</a:t>
-            </a:r>
-            <a:r>
-              <a:rPr sz="1200"/>
-              <a:t>
-</a:t>
-            </a:r>
+              <a:rPr lang="pt-BR"/>
+              <a:t>O chai é um produto promissor na América Latina, oferecendo uma alternativa exótica e saudável. Ele deve ser posicionado como um produto premium e versátil, aproveitando suas características e benefícios únicos. Uma combinação de táticas online e offline precisam ser usadas para alcançar e engajar o público-alvo e superar os desafios.</a:t>
+            </a:r>
+            <a:br>
+              <a:rPr lang="pt-BR"/>
+            </a:br>
+            <a:br>
+              <a:rPr lang="pt-BR"/>
+            </a:br>
+            <a:br>
+              <a:rPr lang="pt-BR"/>
+            </a:br>
+            <a:r>
+              <a:rPr lang="pt-BR"/>
+              <a:t>Conteúdo original:</a:t>
+            </a:r>
+            <a:br>
+              <a:rPr lang="pt-BR"/>
+            </a:br>
+            <a:r>
+              <a:rPr lang="pt-BR"/>
+              <a:t>Recomendações e conclusões</a:t>
+            </a:r>
+            <a:br>
+              <a:rPr lang="pt-BR"/>
+            </a:br>
+            <a:r>
+              <a:rPr lang="pt-BR"/>
+              <a:t>Com base na análise de mercado, na análise competitiva, nos canais de distribuição e no plano promocional e estratégia, as seguintes recomendações e conclusões podem ser tiradas para o futuro do chai na América Latina:</a:t>
+            </a:r>
+            <a:br>
+              <a:rPr lang="pt-BR"/>
+            </a:br>
+            <a:r>
+              <a:rPr lang="pt-BR"/>
+              <a:t>·         O chai é um produto promissor que tem potencial de crescer e ter sucesso no mercado latino-americano, pois oferece uma alternativa saudável, natural e exótica a outras bebidas</a:t>
+            </a:r>
+            <a:br>
+              <a:rPr lang="pt-BR"/>
+            </a:br>
+            <a:r>
+              <a:rPr lang="pt-BR"/>
+              <a:t>·         Precisa ser posicionado e comercializado como um produto premium, autêntico e versátil, capaz de atrair diferentes segmentos e ocasiões</a:t>
+            </a:r>
+            <a:br>
+              <a:rPr lang="pt-BR"/>
+            </a:br>
+            <a:r>
+              <a:rPr lang="pt-BR"/>
+              <a:t>·         Deve aproveitar suas características e benefícios únicos, como seu rico aroma, sabor e benefícios à saúde, para se diferenciar de outros produtos de chá</a:t>
+            </a:r>
+            <a:br>
+              <a:rPr lang="pt-BR"/>
+            </a:br>
+            <a:r>
+              <a:rPr lang="pt-BR"/>
+              <a:t>·         Deve utilizar uma combinação de táticas online e offline para alcançar e envolver o público-alvo e criar uma base de clientes fiéis e satisfeitos</a:t>
+            </a:r>
+            <a:br>
+              <a:rPr lang="pt-BR"/>
+            </a:br>
+            <a:r>
+              <a:rPr lang="pt-BR"/>
+              <a:t>·         Também precisa superar os desafios e ameaças que podem prejudicar seu crescimento e expansão na região, como preço, conscientização, concorrência, regulamentação e sustentabilidade.</a:t>
+            </a:r>
+            <a:br>
+              <a:rPr lang="pt-BR"/>
+            </a:br>
+            <a:r>
+              <a:rPr lang="pt-BR"/>
+              <a:t>Concluindo, o chai é um produto com muito potencial e oportunidades no mercado latino-americano, mas também enfrenta alguns desafios e riscos. O plano promocional e estratégia definidos neste relatório têm como objetivo abordar essas questões e alcançar os resultados desejados. No entanto, o plano promocional e a estratégia precisam ser constantemente monitorados, avaliados e ajustados de acordo com as mudanças nas condições de mercado e o feedback dos clientes.</a:t>
+            </a:r>
+            <a:br>
+              <a:rPr lang="pt-BR"/>
+            </a:br>
+            <a:endParaRPr lang="pt-BR"/>
           </a:p>
         </p:txBody>
       </p:sp>
@@ -2118,8 +1350,8 @@
 </file>
 
 <file path=ppt/notesSlides/notesSlide2.xml><?xml version="1.0" encoding="utf-8"?>
-<p:notes xmlns:a="http://schemas.openxmlformats.org/drawingml/2006/main" xmlns:r="http://schemas.openxmlformats.org/officeDocument/2006/relationships" xmlns:m="http://schemas.openxmlformats.org/officeDocument/2006/math" xmlns:w="http://schemas.openxmlformats.org/wordprocessingml/2006/main" xmlns:wp="http://schemas.openxmlformats.org/drawingml/2006/wordprocessingDrawing" xmlns:a14="http://schemas.microsoft.com/office/drawing/2010/main" xmlns:mc="http://schemas.openxmlformats.org/markup-compatibility/2006" xmlns:p14="http://schemas.microsoft.com/office/powerpoint/2010/main" xmlns:p="http://schemas.openxmlformats.org/presentationml/2006/main">
-  <p:cSld name="">
+<p:notes xmlns:a="http://schemas.openxmlformats.org/drawingml/2006/main" xmlns:r="http://schemas.openxmlformats.org/officeDocument/2006/relationships" xmlns:p="http://schemas.openxmlformats.org/presentationml/2006/main">
+  <p:cSld>
     <p:spTree>
       <p:nvGrpSpPr>
         <p:cNvPr id="1" name=""/>
@@ -2130,6 +1362,8 @@
         <a:xfrm>
           <a:off x="0" y="0"/>
           <a:ext cx="0" cy="0"/>
+          <a:chOff x="0" y="0"/>
+          <a:chExt cx="0" cy="0"/>
         </a:xfrm>
       </p:grpSpPr>
       <p:sp>
@@ -2160,367 +1394,156 @@
           <a:lstStyle/>
           <a:p>
             <a:r>
-              <a:rPr lang="pt-BR" sz="1200" b="0" i="0" strike="noStrike" cap="none" baseline="0">
-                <a:solidFill>
-                  <a:srgbClr val="000000"/>
-                </a:solidFill>
-                <a:effectLst/>
-                <a:latin typeface="Aptos"/>
-                <a:ea typeface="Aptos"/>
-                <a:cs typeface="Aptos"/>
-              </a:rPr>
+              <a:rPr lang="pt-BR"/>
               <a:t>Agenda</a:t>
             </a:r>
-            <a:r>
-              <a:rPr sz="1200"/>
-              <a:t>
-</a:t>
-            </a:r>
-            <a:r>
-              <a:rPr sz="1200"/>
-              <a:t>
-</a:t>
-            </a:r>
-            <a:r>
-              <a:rPr lang="pt-BR" sz="1200" b="0" i="0" strike="noStrike" cap="none" baseline="0">
-                <a:solidFill>
-                  <a:srgbClr val="000000"/>
-                </a:solidFill>
-                <a:effectLst/>
-                <a:latin typeface="Aptos"/>
-                <a:ea typeface="Aptos"/>
-                <a:cs typeface="Aptos"/>
-              </a:rPr>
+            <a:br>
+              <a:rPr lang="pt-BR"/>
+            </a:br>
+            <a:br>
+              <a:rPr lang="pt-BR"/>
+            </a:br>
+            <a:r>
+              <a:rPr lang="pt-BR"/>
               <a:t>* Introdução</a:t>
             </a:r>
-            <a:r>
-              <a:rPr sz="1200"/>
-              <a:t>
-</a:t>
-            </a:r>
-            <a:r>
-              <a:rPr lang="pt-BR" sz="1200" b="0" i="0" strike="noStrike" cap="none" baseline="0">
-                <a:solidFill>
-                  <a:srgbClr val="000000"/>
-                </a:solidFill>
-                <a:effectLst/>
-                <a:latin typeface="Aptos"/>
-                <a:ea typeface="Aptos"/>
-                <a:cs typeface="Aptos"/>
-              </a:rPr>
+            <a:br>
+              <a:rPr lang="pt-BR"/>
+            </a:br>
+            <a:r>
+              <a:rPr lang="pt-BR"/>
               <a:t>* Descrição do produto</a:t>
             </a:r>
-            <a:r>
-              <a:rPr sz="1200"/>
-              <a:t>
-</a:t>
-            </a:r>
-            <a:r>
-              <a:rPr lang="pt-BR" sz="1200" b="0" i="0" strike="noStrike" cap="none" baseline="0">
-                <a:solidFill>
-                  <a:srgbClr val="000000"/>
-                </a:solidFill>
-                <a:effectLst/>
-                <a:latin typeface="Aptos"/>
-                <a:ea typeface="Aptos"/>
-                <a:cs typeface="Aptos"/>
-              </a:rPr>
+            <a:br>
+              <a:rPr lang="pt-BR"/>
+            </a:br>
+            <a:r>
+              <a:rPr lang="pt-BR"/>
               <a:t>* Descrição do produto (1/2)</a:t>
             </a:r>
-            <a:r>
-              <a:rPr sz="1200"/>
-              <a:t>
-</a:t>
-            </a:r>
-            <a:r>
-              <a:rPr lang="pt-BR" sz="1200" b="0" i="0" strike="noStrike" cap="none" baseline="0">
-                <a:solidFill>
-                  <a:srgbClr val="000000"/>
-                </a:solidFill>
-                <a:effectLst/>
-                <a:latin typeface="Aptos"/>
-                <a:ea typeface="Aptos"/>
-                <a:cs typeface="Aptos"/>
-              </a:rPr>
+            <a:br>
+              <a:rPr lang="pt-BR"/>
+            </a:br>
+            <a:r>
+              <a:rPr lang="pt-BR"/>
               <a:t>* Descrição do produto (2/2)</a:t>
             </a:r>
-            <a:r>
-              <a:rPr sz="1200"/>
-              <a:t>
-</a:t>
-            </a:r>
-            <a:r>
-              <a:rPr lang="pt-BR" sz="1200" b="0" i="0" strike="noStrike" cap="none" baseline="0">
-                <a:solidFill>
-                  <a:srgbClr val="000000"/>
-                </a:solidFill>
-                <a:effectLst/>
-                <a:latin typeface="Aptos"/>
-                <a:ea typeface="Aptos"/>
-                <a:cs typeface="Aptos"/>
-              </a:rPr>
+            <a:br>
+              <a:rPr lang="pt-BR"/>
+            </a:br>
+            <a:r>
+              <a:rPr lang="pt-BR"/>
               <a:t>* Tendências de mercado e demanda</a:t>
             </a:r>
-            <a:r>
-              <a:rPr sz="1200"/>
-              <a:t>
-</a:t>
-            </a:r>
-            <a:r>
-              <a:rPr lang="pt-BR" sz="1200" b="0" i="0" strike="noStrike" cap="none" baseline="0">
-                <a:solidFill>
-                  <a:srgbClr val="000000"/>
-                </a:solidFill>
-                <a:effectLst/>
-                <a:latin typeface="Aptos"/>
-                <a:ea typeface="Aptos"/>
-                <a:cs typeface="Aptos"/>
-              </a:rPr>
+            <a:br>
+              <a:rPr lang="pt-BR"/>
+            </a:br>
+            <a:r>
+              <a:rPr lang="pt-BR"/>
               <a:t>* Análise competitiva</a:t>
             </a:r>
-            <a:r>
-              <a:rPr sz="1200"/>
-              <a:t>
-</a:t>
-            </a:r>
-            <a:r>
-              <a:rPr lang="pt-BR" sz="1200" b="0" i="0" strike="noStrike" cap="none" baseline="0">
-                <a:solidFill>
-                  <a:srgbClr val="000000"/>
-                </a:solidFill>
-                <a:effectLst/>
-                <a:latin typeface="Aptos"/>
-                <a:ea typeface="Aptos"/>
-                <a:cs typeface="Aptos"/>
-              </a:rPr>
-              <a:t> * Tetley</a:t>
-            </a:r>
-            <a:r>
-              <a:rPr sz="1200"/>
-              <a:t>
-</a:t>
-            </a:r>
-            <a:r>
-              <a:rPr lang="pt-BR" sz="1200" b="0" i="0" strike="noStrike" cap="none" baseline="0">
-                <a:solidFill>
-                  <a:srgbClr val="000000"/>
-                </a:solidFill>
-                <a:effectLst/>
-                <a:latin typeface="Aptos"/>
-                <a:ea typeface="Aptos"/>
-                <a:cs typeface="Aptos"/>
-              </a:rPr>
-              <a:t> * Teavana</a:t>
-            </a:r>
-            <a:r>
-              <a:rPr sz="1200"/>
-              <a:t>
-</a:t>
-            </a:r>
-            <a:r>
-              <a:rPr lang="pt-BR" sz="1200" b="0" i="0" strike="noStrike" cap="none" baseline="0">
-                <a:solidFill>
-                  <a:srgbClr val="000000"/>
-                </a:solidFill>
-                <a:effectLst/>
-                <a:latin typeface="Aptos"/>
-                <a:ea typeface="Aptos"/>
-                <a:cs typeface="Aptos"/>
-              </a:rPr>
-              <a:t> * David's Tea</a:t>
-            </a:r>
-            <a:r>
-              <a:rPr sz="1200"/>
-              <a:t>
-</a:t>
-            </a:r>
-            <a:r>
-              <a:rPr lang="pt-BR" sz="1200" b="0" i="0" strike="noStrike" cap="none" baseline="0">
-                <a:solidFill>
-                  <a:srgbClr val="000000"/>
-                </a:solidFill>
-                <a:effectLst/>
-                <a:latin typeface="Aptos"/>
-                <a:ea typeface="Aptos"/>
-                <a:cs typeface="Aptos"/>
-              </a:rPr>
-              <a:t> * Marcas locais</a:t>
-            </a:r>
-            <a:r>
-              <a:rPr sz="1200"/>
-              <a:t>
-</a:t>
-            </a:r>
-            <a:r>
-              <a:rPr lang="pt-BR" sz="1200" b="0" i="0" strike="noStrike" cap="none" baseline="0">
-                <a:solidFill>
-                  <a:srgbClr val="000000"/>
-                </a:solidFill>
-                <a:effectLst/>
-                <a:latin typeface="Aptos"/>
-                <a:ea typeface="Aptos"/>
-                <a:cs typeface="Aptos"/>
-              </a:rPr>
-              <a:t>* Participação de mercado do chá Chai na América Latina</a:t>
-            </a:r>
-            <a:r>
-              <a:rPr sz="1200"/>
-              <a:t>
-</a:t>
-            </a:r>
-            <a:r>
-              <a:rPr lang="pt-BR" sz="1200" b="0" i="0" strike="noStrike" cap="none" baseline="0">
-                <a:solidFill>
-                  <a:srgbClr val="000000"/>
-                </a:solidFill>
-                <a:effectLst/>
-                <a:latin typeface="Aptos"/>
-                <a:ea typeface="Aptos"/>
-                <a:cs typeface="Aptos"/>
-              </a:rPr>
+            <a:br>
+              <a:rPr lang="pt-BR"/>
+            </a:br>
+            <a:r>
+              <a:rPr lang="pt-BR"/>
+              <a:t>    * Tetley</a:t>
+            </a:r>
+            <a:br>
+              <a:rPr lang="pt-BR"/>
+            </a:br>
+            <a:r>
+              <a:rPr lang="pt-BR"/>
+              <a:t>    * Teavana</a:t>
+            </a:r>
+            <a:br>
+              <a:rPr lang="pt-BR"/>
+            </a:br>
+            <a:r>
+              <a:rPr lang="pt-BR"/>
+              <a:t>    * David's Tea</a:t>
+            </a:r>
+            <a:br>
+              <a:rPr lang="pt-BR"/>
+            </a:br>
+            <a:r>
+              <a:rPr lang="pt-BR"/>
+              <a:t>    * Marcas locais</a:t>
+            </a:r>
+            <a:br>
+              <a:rPr lang="pt-BR"/>
+            </a:br>
+            <a:r>
+              <a:rPr lang="pt-BR"/>
+              <a:t>* Participação no mercado do chai na América Latina</a:t>
+            </a:r>
+            <a:br>
+              <a:rPr lang="pt-BR"/>
+            </a:br>
+            <a:r>
+              <a:rPr lang="pt-BR"/>
               <a:t>* Canais de distribuição</a:t>
             </a:r>
-            <a:r>
-              <a:rPr sz="1200"/>
-              <a:t>
-</a:t>
-            </a:r>
-            <a:r>
-              <a:rPr lang="pt-BR" sz="1200" b="0" i="0" strike="noStrike" cap="none" baseline="0">
-                <a:solidFill>
-                  <a:srgbClr val="000000"/>
-                </a:solidFill>
-                <a:effectLst/>
-                <a:latin typeface="Aptos"/>
-                <a:ea typeface="Aptos"/>
-                <a:cs typeface="Aptos"/>
-              </a:rPr>
-              <a:t> * Varejistas</a:t>
-            </a:r>
-            <a:r>
-              <a:rPr sz="1200"/>
-              <a:t>
-</a:t>
-            </a:r>
-            <a:r>
-              <a:rPr lang="pt-BR" sz="1200" b="0" i="0" strike="noStrike" cap="none" baseline="0">
-                <a:solidFill>
-                  <a:srgbClr val="000000"/>
-                </a:solidFill>
-                <a:effectLst/>
-                <a:latin typeface="Aptos"/>
-                <a:ea typeface="Aptos"/>
-                <a:cs typeface="Aptos"/>
-              </a:rPr>
-              <a:t> * Atacadistas</a:t>
-            </a:r>
-            <a:r>
-              <a:rPr sz="1200"/>
-              <a:t>
-</a:t>
-            </a:r>
-            <a:r>
-              <a:rPr lang="pt-BR" sz="1200" b="0" i="0" strike="noStrike" cap="none" baseline="0">
-                <a:solidFill>
-                  <a:srgbClr val="000000"/>
-                </a:solidFill>
-                <a:effectLst/>
-                <a:latin typeface="Aptos"/>
-                <a:ea typeface="Aptos"/>
-                <a:cs typeface="Aptos"/>
-              </a:rPr>
-              <a:t> * Distribuidores</a:t>
-            </a:r>
-            <a:r>
-              <a:rPr sz="1200"/>
-              <a:t>
-</a:t>
-            </a:r>
-            <a:r>
-              <a:rPr lang="pt-BR" sz="1200" b="0" i="0" strike="noStrike" cap="none" baseline="0">
-                <a:solidFill>
-                  <a:srgbClr val="000000"/>
-                </a:solidFill>
-                <a:effectLst/>
-                <a:latin typeface="Aptos"/>
-                <a:ea typeface="Aptos"/>
-                <a:cs typeface="Aptos"/>
-              </a:rPr>
+            <a:br>
+              <a:rPr lang="pt-BR"/>
+            </a:br>
+            <a:r>
+              <a:rPr lang="pt-BR"/>
+              <a:t>    * Varejistas</a:t>
+            </a:r>
+            <a:br>
+              <a:rPr lang="pt-BR"/>
+            </a:br>
+            <a:r>
+              <a:rPr lang="pt-BR"/>
+              <a:t>    * Atacadistas</a:t>
+            </a:r>
+            <a:br>
+              <a:rPr lang="pt-BR"/>
+            </a:br>
+            <a:r>
+              <a:rPr lang="pt-BR"/>
+              <a:t>    * Distribuidores</a:t>
+            </a:r>
+            <a:br>
+              <a:rPr lang="pt-BR"/>
+            </a:br>
+            <a:r>
+              <a:rPr lang="pt-BR"/>
               <a:t>* Plano promocional e estratégia</a:t>
             </a:r>
-            <a:r>
-              <a:rPr sz="1200"/>
-              <a:t>
-</a:t>
-            </a:r>
-            <a:r>
-              <a:rPr lang="pt-BR" sz="1200" b="0" i="0" strike="noStrike" cap="none" baseline="0">
-                <a:solidFill>
-                  <a:srgbClr val="000000"/>
-                </a:solidFill>
-                <a:effectLst/>
-                <a:latin typeface="Aptos"/>
-                <a:ea typeface="Aptos"/>
-                <a:cs typeface="Aptos"/>
-              </a:rPr>
-              <a:t>* Resultados e desafios esperados</a:t>
-            </a:r>
-            <a:r>
-              <a:rPr sz="1200"/>
-              <a:t>
-</a:t>
-            </a:r>
-            <a:r>
-              <a:rPr lang="pt-BR" sz="1200" b="0" i="0" strike="noStrike" cap="none" baseline="0">
-                <a:solidFill>
-                  <a:srgbClr val="000000"/>
-                </a:solidFill>
-                <a:effectLst/>
-                <a:latin typeface="Aptos"/>
-                <a:ea typeface="Aptos"/>
-                <a:cs typeface="Aptos"/>
-              </a:rPr>
-              <a:t> * Resultados esperados</a:t>
-            </a:r>
-            <a:r>
-              <a:rPr sz="1200"/>
-              <a:t>
-</a:t>
-            </a:r>
-            <a:r>
-              <a:rPr lang="pt-BR" sz="1200" b="0" i="0" strike="noStrike" cap="none" baseline="0">
-                <a:solidFill>
-                  <a:srgbClr val="000000"/>
-                </a:solidFill>
-                <a:effectLst/>
-                <a:latin typeface="Aptos"/>
-                <a:ea typeface="Aptos"/>
-                <a:cs typeface="Aptos"/>
-              </a:rPr>
-              <a:t> * Desafios potenciais</a:t>
-            </a:r>
-            <a:r>
-              <a:rPr sz="1200"/>
-              <a:t>
-</a:t>
-            </a:r>
-            <a:r>
-              <a:rPr lang="pt-BR" sz="1200" b="0" i="0" strike="noStrike" cap="none" baseline="0">
-                <a:solidFill>
-                  <a:srgbClr val="000000"/>
-                </a:solidFill>
-                <a:effectLst/>
-                <a:latin typeface="Aptos"/>
-                <a:ea typeface="Aptos"/>
-                <a:cs typeface="Aptos"/>
-              </a:rPr>
+            <a:br>
+              <a:rPr lang="pt-BR"/>
+            </a:br>
+            <a:r>
+              <a:rPr lang="pt-BR"/>
+              <a:t>* Resultados esperados e desafios</a:t>
+            </a:r>
+            <a:br>
+              <a:rPr lang="pt-BR"/>
+            </a:br>
+            <a:r>
+              <a:rPr lang="pt-BR"/>
+              <a:t>    * Resultados esperados</a:t>
+            </a:r>
+            <a:br>
+              <a:rPr lang="pt-BR"/>
+            </a:br>
+            <a:r>
+              <a:rPr lang="pt-BR"/>
+              <a:t>    * Possíveis desafios</a:t>
+            </a:r>
+            <a:br>
+              <a:rPr lang="pt-BR"/>
+            </a:br>
+            <a:r>
+              <a:rPr lang="pt-BR"/>
               <a:t>* Recomendações e conclusões</a:t>
             </a:r>
-            <a:r>
-              <a:rPr sz="1200"/>
-              <a:t>
-</a:t>
-            </a:r>
+            <a:br>
+              <a:rPr lang="pt-BR"/>
+            </a:br>
+            <a:endParaRPr lang="pt-BR"/>
           </a:p>
         </p:txBody>
       </p:sp>
@@ -2561,8 +1584,8 @@
 </file>
 
 <file path=ppt/notesSlides/notesSlide3.xml><?xml version="1.0" encoding="utf-8"?>
-<p:notes xmlns:a="http://schemas.openxmlformats.org/drawingml/2006/main" xmlns:r="http://schemas.openxmlformats.org/officeDocument/2006/relationships" xmlns:m="http://schemas.openxmlformats.org/officeDocument/2006/math" xmlns:w="http://schemas.openxmlformats.org/wordprocessingml/2006/main" xmlns:wp="http://schemas.openxmlformats.org/drawingml/2006/wordprocessingDrawing" xmlns:a14="http://schemas.microsoft.com/office/drawing/2010/main" xmlns:mc="http://schemas.openxmlformats.org/markup-compatibility/2006" xmlns:p14="http://schemas.microsoft.com/office/powerpoint/2010/main" xmlns:p="http://schemas.openxmlformats.org/presentationml/2006/main">
-  <p:cSld name="">
+<p:notes xmlns:a="http://schemas.openxmlformats.org/drawingml/2006/main" xmlns:r="http://schemas.openxmlformats.org/officeDocument/2006/relationships" xmlns:p="http://schemas.openxmlformats.org/presentationml/2006/main">
+  <p:cSld>
     <p:spTree>
       <p:nvGrpSpPr>
         <p:cNvPr id="1" name=""/>
@@ -2573,6 +1596,8 @@
         <a:xfrm>
           <a:off x="0" y="0"/>
           <a:ext cx="0" cy="0"/>
+          <a:chOff x="0" y="0"/>
+          <a:chExt cx="0" cy="0"/>
         </a:xfrm>
       </p:grpSpPr>
       <p:sp>
@@ -2603,363 +1628,96 @@
           <a:lstStyle/>
           <a:p>
             <a:r>
-              <a:rPr lang="pt-BR" sz="1200" b="0" i="0" strike="noStrike" cap="none" baseline="0">
-                <a:solidFill>
-                  <a:srgbClr val="000000"/>
-                </a:solidFill>
-                <a:effectLst/>
-                <a:latin typeface="Aptos"/>
-                <a:ea typeface="Aptos"/>
-                <a:cs typeface="Aptos"/>
-              </a:rPr>
-              <a:t>Este relatório fornece uma análise de mercado para o Mystic Spice Premium Chai Tea na região da América Latina.</a:t>
-            </a:r>
-            <a:r>
-              <a:rPr lang="pt-BR" sz="1200" b="0" i="0" strike="noStrike" cap="none" baseline="0">
-                <a:solidFill>
-                  <a:srgbClr val="000000"/>
-                </a:solidFill>
-                <a:effectLst/>
-                <a:latin typeface="Aptos"/>
-                <a:ea typeface="Aptos"/>
-                <a:cs typeface="Aptos"/>
-              </a:rPr>
-              <a:t> </a:t>
-            </a:r>
-            <a:r>
-              <a:rPr lang="pt-BR" sz="1200" b="0" i="0" strike="noStrike" cap="none" baseline="0">
-                <a:solidFill>
-                  <a:srgbClr val="000000"/>
-                </a:solidFill>
-                <a:effectLst/>
-                <a:latin typeface="Aptos"/>
-                <a:ea typeface="Aptos"/>
-                <a:cs typeface="Aptos"/>
-              </a:rPr>
-              <a:t>Abrange a descrição do produto, tendências de mercado, análise competitiva, canais de distribuição, plano promocional, resultados esperados e recomendações para o futuro.</a:t>
-            </a:r>
-            <a:r>
-              <a:rPr sz="1200"/>
-              <a:t>
-</a:t>
-            </a:r>
-            <a:r>
-              <a:rPr sz="1200"/>
-              <a:t>
-</a:t>
-            </a:r>
-            <a:r>
-              <a:rPr sz="1200"/>
-              <a:t>
-</a:t>
-            </a:r>
-            <a:r>
-              <a:rPr lang="pt-BR" sz="1200" b="0" i="0" strike="noStrike" cap="none" baseline="0">
-                <a:solidFill>
-                  <a:srgbClr val="000000"/>
-                </a:solidFill>
-                <a:effectLst/>
-                <a:latin typeface="Aptos"/>
-                <a:ea typeface="Aptos"/>
-                <a:cs typeface="Aptos"/>
-              </a:rPr>
+              <a:rPr lang="pt-BR"/>
+              <a:t>Este relatório fornece uma análise de mercado para o Mystic Spice Premium Chai Tea na região da América Latina. Ele abrange a descrição do produto, tendências de mercado, análise competitiva, canais de distribuição, plano promocional, resultados esperados e recomendações para o futuro.</a:t>
+            </a:r>
+            <a:br>
+              <a:rPr lang="pt-BR"/>
+            </a:br>
+            <a:br>
+              <a:rPr lang="pt-BR"/>
+            </a:br>
+            <a:br>
+              <a:rPr lang="pt-BR"/>
+            </a:br>
+            <a:r>
+              <a:rPr lang="pt-BR"/>
               <a:t>Conteúdo original:</a:t>
             </a:r>
-            <a:r>
-              <a:rPr sz="1200"/>
-              <a:t>
-</a:t>
-            </a:r>
-            <a:r>
-              <a:rPr lang="pt-BR" sz="1200" b="0" i="0" strike="noStrike" cap="none" baseline="0">
-                <a:solidFill>
-                  <a:srgbClr val="000000"/>
-                </a:solidFill>
-                <a:effectLst/>
-                <a:latin typeface="Aptos"/>
-                <a:ea typeface="Aptos"/>
-                <a:cs typeface="Aptos"/>
-              </a:rPr>
-              <a:t>Introduções</a:t>
-            </a:r>
-            <a:r>
-              <a:rPr sz="1200"/>
-              <a:t>
-</a:t>
-            </a:r>
-            <a:r>
-              <a:rPr lang="pt-BR" sz="1200" b="0" i="0" strike="noStrike" cap="none" baseline="0">
-                <a:solidFill>
-                  <a:srgbClr val="000000"/>
-                </a:solidFill>
-                <a:effectLst/>
-                <a:latin typeface="Aptos"/>
-                <a:ea typeface="Aptos"/>
-                <a:cs typeface="Aptos"/>
-              </a:rPr>
-              <a:t>Mystic Spice Premium Chai Tea é um novo produto lançado pela Contoso Beverage, uma empresa especializada na produção e distribuição de bebidas de alta qualidade em todo o mundo.</a:t>
-            </a:r>
-            <a:r>
-              <a:rPr lang="pt-BR" sz="1200" b="0" i="0" strike="noStrike" cap="none" baseline="0">
-                <a:solidFill>
-                  <a:srgbClr val="000000"/>
-                </a:solidFill>
-                <a:effectLst/>
-                <a:latin typeface="Aptos"/>
-                <a:ea typeface="Aptos"/>
-                <a:cs typeface="Aptos"/>
-              </a:rPr>
-              <a:t> </a:t>
-            </a:r>
-            <a:r>
-              <a:rPr lang="pt-BR" sz="1200" b="0" i="0" strike="noStrike" cap="none" baseline="0">
-                <a:solidFill>
-                  <a:srgbClr val="000000"/>
-                </a:solidFill>
-                <a:effectLst/>
-                <a:latin typeface="Aptos"/>
-                <a:ea typeface="Aptos"/>
-                <a:cs typeface="Aptos"/>
-              </a:rPr>
-              <a:t>O Mystic Spice Premium Chai Tea é um tipo de chá aromático que teve origem na Índia e se tornou popular em todo o mundo.</a:t>
-            </a:r>
-            <a:r>
-              <a:rPr lang="pt-BR" sz="1200" b="0" i="0" strike="noStrike" cap="none" baseline="0">
-                <a:solidFill>
-                  <a:srgbClr val="000000"/>
-                </a:solidFill>
-                <a:effectLst/>
-                <a:latin typeface="Aptos"/>
-                <a:ea typeface="Aptos"/>
-                <a:cs typeface="Aptos"/>
-              </a:rPr>
-              <a:t> </a:t>
-            </a:r>
-            <a:r>
-              <a:rPr lang="pt-BR" sz="1200" b="0" i="0" strike="noStrike" cap="none" baseline="0">
-                <a:solidFill>
-                  <a:srgbClr val="000000"/>
-                </a:solidFill>
-                <a:effectLst/>
-                <a:latin typeface="Aptos"/>
-                <a:ea typeface="Aptos"/>
-                <a:cs typeface="Aptos"/>
-              </a:rPr>
-              <a:t>É uma bebida versátil que pode ser apreciada quente ou fria, com ou sem leite, e com diferentes especiarias e adoçantes.</a:t>
-            </a:r>
-            <a:r>
-              <a:rPr lang="pt-BR" sz="1200" b="0" i="0" strike="noStrike" cap="none" baseline="0">
-                <a:solidFill>
-                  <a:srgbClr val="000000"/>
-                </a:solidFill>
-                <a:effectLst/>
-                <a:latin typeface="Aptos"/>
-                <a:ea typeface="Aptos"/>
-                <a:cs typeface="Aptos"/>
-              </a:rPr>
-              <a:t> </a:t>
-            </a:r>
-            <a:r>
-              <a:rPr lang="pt-BR" sz="1200" b="0" i="0" strike="noStrike" cap="none" baseline="0">
-                <a:solidFill>
-                  <a:srgbClr val="000000"/>
-                </a:solidFill>
-                <a:effectLst/>
-                <a:latin typeface="Aptos"/>
-                <a:ea typeface="Aptos"/>
-                <a:cs typeface="Aptos"/>
-              </a:rPr>
-              <a:t>O chai tem muitos benefícios para a saúde, como aumentar a imunidade, reduzir a inflamação e melhorar a digestão.</a:t>
-            </a:r>
-            <a:r>
-              <a:rPr lang="pt-BR" sz="1200" b="0" i="0" strike="noStrike" cap="none" baseline="0">
-                <a:solidFill>
-                  <a:srgbClr val="000000"/>
-                </a:solidFill>
-                <a:effectLst/>
-                <a:latin typeface="Aptos"/>
-                <a:ea typeface="Aptos"/>
-                <a:cs typeface="Aptos"/>
-              </a:rPr>
-              <a:t> </a:t>
-            </a:r>
-            <a:r>
-              <a:rPr lang="pt-BR" sz="1200" b="0" i="0" strike="noStrike" cap="none" baseline="0">
-                <a:solidFill>
-                  <a:srgbClr val="000000"/>
-                </a:solidFill>
-                <a:effectLst/>
-                <a:latin typeface="Aptos"/>
-                <a:ea typeface="Aptos"/>
-                <a:cs typeface="Aptos"/>
-              </a:rPr>
-              <a:t>Também possui um grande significado cultural e histórico, pois frequentemente é associado à hospitalidade, amizade e relaxamento.</a:t>
-            </a:r>
-            <a:r>
-              <a:rPr sz="1200"/>
-              <a:t>
-</a:t>
-            </a:r>
-            <a:r>
-              <a:rPr lang="pt-BR" sz="1200" b="0" i="0" strike="noStrike" cap="none" baseline="0">
-                <a:solidFill>
-                  <a:srgbClr val="000000"/>
-                </a:solidFill>
-                <a:effectLst/>
-                <a:latin typeface="Aptos"/>
-                <a:ea typeface="Aptos"/>
-                <a:cs typeface="Aptos"/>
-              </a:rPr>
-              <a:t>O objetivo deste relatório é fornecer uma análise de mercado para o Mystic Spice Premium Chai Tea, com foco na região da América Latina.</a:t>
-            </a:r>
-            <a:r>
-              <a:rPr lang="pt-BR" sz="1200" b="0" i="0" strike="noStrike" cap="none" baseline="0">
-                <a:solidFill>
-                  <a:srgbClr val="000000"/>
-                </a:solidFill>
-                <a:effectLst/>
-                <a:latin typeface="Aptos"/>
-                <a:ea typeface="Aptos"/>
-                <a:cs typeface="Aptos"/>
-              </a:rPr>
-              <a:t> </a:t>
-            </a:r>
-            <a:r>
-              <a:rPr lang="pt-BR" sz="1200" b="0" i="0" strike="noStrike" cap="none" baseline="0">
-                <a:solidFill>
-                  <a:srgbClr val="000000"/>
-                </a:solidFill>
-                <a:effectLst/>
-                <a:latin typeface="Aptos"/>
-                <a:ea typeface="Aptos"/>
-                <a:cs typeface="Aptos"/>
-              </a:rPr>
-              <a:t>O relatório abrangerá os seguintes aspectos:</a:t>
-            </a:r>
-            <a:r>
-              <a:rPr sz="1200"/>
-              <a:t>
-</a:t>
-            </a:r>
-            <a:r>
-              <a:rPr lang="pt-BR" sz="1200" b="0" i="0" strike="noStrike" cap="none" baseline="0">
-                <a:solidFill>
-                  <a:srgbClr val="000000"/>
-                </a:solidFill>
-                <a:effectLst/>
-                <a:latin typeface="Aptos"/>
-                <a:ea typeface="Aptos"/>
-                <a:cs typeface="Aptos"/>
-              </a:rPr>
-              <a:t>·         A descrição do produto, características e benefícios do Mystic Spice Premium Chai Tea</a:t>
-            </a:r>
-            <a:r>
-              <a:rPr sz="1200"/>
-              <a:t>
-</a:t>
-            </a:r>
-            <a:r>
-              <a:rPr lang="pt-BR" sz="1200" b="0" i="0" strike="noStrike" cap="none" baseline="0">
-                <a:solidFill>
-                  <a:srgbClr val="000000"/>
-                </a:solidFill>
-                <a:effectLst/>
-                <a:latin typeface="Aptos"/>
-                <a:ea typeface="Aptos"/>
-                <a:cs typeface="Aptos"/>
-              </a:rPr>
-              <a:t>·         A tendência de mercado e a demanda pelo chá Chai na América Latina</a:t>
-            </a:r>
-            <a:r>
-              <a:rPr sz="1200"/>
-              <a:t>
-</a:t>
-            </a:r>
-            <a:r>
-              <a:rPr lang="pt-BR" sz="1200" b="0" i="0" strike="noStrike" cap="none" baseline="0">
-                <a:solidFill>
-                  <a:srgbClr val="000000"/>
-                </a:solidFill>
-                <a:effectLst/>
-                <a:latin typeface="Aptos"/>
-                <a:ea typeface="Aptos"/>
-                <a:cs typeface="Aptos"/>
-              </a:rPr>
-              <a:t>·         A análise competitiva do chá Chai na América Latina</a:t>
-            </a:r>
-            <a:r>
-              <a:rPr sz="1200"/>
-              <a:t>
-</a:t>
-            </a:r>
-            <a:r>
-              <a:rPr lang="pt-BR" sz="1200" b="0" i="0" strike="noStrike" cap="none" baseline="0">
-                <a:solidFill>
-                  <a:srgbClr val="000000"/>
-                </a:solidFill>
-                <a:effectLst/>
-                <a:latin typeface="Aptos"/>
-                <a:ea typeface="Aptos"/>
-                <a:cs typeface="Aptos"/>
-              </a:rPr>
-              <a:t>·         Os canais de distribuição do chá Chai na América Latina</a:t>
-            </a:r>
-            <a:r>
-              <a:rPr sz="1200"/>
-              <a:t>
-</a:t>
-            </a:r>
-            <a:r>
-              <a:rPr lang="pt-BR" sz="1200" b="0" i="0" strike="noStrike" cap="none" baseline="0">
-                <a:solidFill>
-                  <a:srgbClr val="000000"/>
-                </a:solidFill>
-                <a:effectLst/>
-                <a:latin typeface="Aptos"/>
-                <a:ea typeface="Aptos"/>
-                <a:cs typeface="Aptos"/>
-              </a:rPr>
-              <a:t>·         O plano promocional e a estratégia para o chá Chai na América Latina</a:t>
-            </a:r>
-            <a:r>
-              <a:rPr sz="1200"/>
-              <a:t>
-</a:t>
-            </a:r>
-            <a:r>
-              <a:rPr lang="pt-BR" sz="1200" b="0" i="0" strike="noStrike" cap="none" baseline="0">
-                <a:solidFill>
-                  <a:srgbClr val="000000"/>
-                </a:solidFill>
-                <a:effectLst/>
-                <a:latin typeface="Aptos"/>
-                <a:ea typeface="Aptos"/>
-                <a:cs typeface="Aptos"/>
-              </a:rPr>
-              <a:t>·         Os resultados e os desafios esperados com o plano promocional</a:t>
-            </a:r>
-            <a:r>
-              <a:rPr sz="1200"/>
-              <a:t>
-</a:t>
-            </a:r>
-            <a:r>
-              <a:rPr lang="pt-BR" sz="1200" b="0" i="0" strike="noStrike" cap="none" baseline="0">
-                <a:solidFill>
-                  <a:srgbClr val="000000"/>
-                </a:solidFill>
-                <a:effectLst/>
-                <a:latin typeface="Aptos"/>
-                <a:ea typeface="Aptos"/>
-                <a:cs typeface="Aptos"/>
-              </a:rPr>
-              <a:t>·         As recomendações e conclusões para o futuro do chá Chai na América Latina</a:t>
-            </a:r>
-            <a:r>
-              <a:rPr sz="1200"/>
-              <a:t>
-</a:t>
-            </a:r>
+            <a:br>
+              <a:rPr lang="pt-BR"/>
+            </a:br>
+            <a:r>
+              <a:rPr lang="pt-BR"/>
+              <a:t>Introdução</a:t>
+            </a:r>
+            <a:br>
+              <a:rPr lang="pt-BR"/>
+            </a:br>
+            <a:r>
+              <a:rPr lang="pt-BR"/>
+              <a:t>O Mystic Spice Premium Chai Tea é um novo produto lançado pela Contoso Beverage, uma empresa especializada na produção e distribuição de bebidas de alta qualidade em todo o mundo. O Mystic Spice Premium Chai Tea é um tipo de chá aromático que teve origem na Índia e se tornou popular em todo o mundo. É uma bebida versátil que pode ser apreciada quente ou fria, com ou sem leite, e com diferentes especiarias e adoçantes. O chai tem muitos benefícios para a saúde, como aumentar a imunidade, reduzir a inflamação e melhorar a digestão. Também carrega consigo grande significado cultural e histórico, pois frequentemente é associado à hospitalidade, amizade e relaxamento.</a:t>
+            </a:r>
+            <a:br>
+              <a:rPr lang="pt-BR"/>
+            </a:br>
+            <a:r>
+              <a:rPr lang="pt-BR"/>
+              <a:t>O objetivo deste relatório é fornecer uma análise de mercado para o Mystic Spice Premium Chai Tea, com foco na região da América Latina. O relatório abordará os seguintes aspectos:</a:t>
+            </a:r>
+            <a:br>
+              <a:rPr lang="pt-BR"/>
+            </a:br>
+            <a:r>
+              <a:rPr lang="pt-BR"/>
+              <a:t>·         Descrição do produto, características e benefícios do Mystic Spice Premium Chai Tea</a:t>
+            </a:r>
+            <a:br>
+              <a:rPr lang="pt-BR"/>
+            </a:br>
+            <a:r>
+              <a:rPr lang="pt-BR"/>
+              <a:t>·         Tendências de mercado e demanda por chai na América Latina</a:t>
+            </a:r>
+            <a:br>
+              <a:rPr lang="pt-BR"/>
+            </a:br>
+            <a:r>
+              <a:rPr lang="pt-BR"/>
+              <a:t>·         Análise competitiva do mercado de chai na América Latina</a:t>
+            </a:r>
+            <a:br>
+              <a:rPr lang="pt-BR"/>
+            </a:br>
+            <a:r>
+              <a:rPr lang="pt-BR"/>
+              <a:t>·         Canais de distribuição do chai na América Latina</a:t>
+            </a:r>
+            <a:br>
+              <a:rPr lang="pt-BR"/>
+            </a:br>
+            <a:r>
+              <a:rPr lang="pt-BR"/>
+              <a:t>·         Plano promocional e estratégia para o chai na América Latina</a:t>
+            </a:r>
+            <a:br>
+              <a:rPr lang="pt-BR"/>
+            </a:br>
+            <a:r>
+              <a:rPr lang="pt-BR"/>
+              <a:t>·         Resultados esperados e desafios do plano promocional</a:t>
+            </a:r>
+            <a:br>
+              <a:rPr lang="pt-BR"/>
+            </a:br>
+            <a:r>
+              <a:rPr lang="pt-BR"/>
+              <a:t>·         Recomendações e conclusões para o futuro do chai na América Latina</a:t>
+            </a:r>
+            <a:br>
+              <a:rPr lang="pt-BR"/>
+            </a:br>
+            <a:endParaRPr lang="pt-BR"/>
           </a:p>
         </p:txBody>
       </p:sp>
@@ -3000,8 +1758,8 @@
 </file>
 
 <file path=ppt/notesSlides/notesSlide4.xml><?xml version="1.0" encoding="utf-8"?>
-<p:notes xmlns:a="http://schemas.openxmlformats.org/drawingml/2006/main" xmlns:r="http://schemas.openxmlformats.org/officeDocument/2006/relationships" xmlns:m="http://schemas.openxmlformats.org/officeDocument/2006/math" xmlns:w="http://schemas.openxmlformats.org/wordprocessingml/2006/main" xmlns:wp="http://schemas.openxmlformats.org/drawingml/2006/wordprocessingDrawing" xmlns:a14="http://schemas.microsoft.com/office/drawing/2010/main" xmlns:mc="http://schemas.openxmlformats.org/markup-compatibility/2006" xmlns:p14="http://schemas.microsoft.com/office/powerpoint/2010/main" xmlns:p="http://schemas.openxmlformats.org/presentationml/2006/main">
-  <p:cSld name="">
+<p:notes xmlns:a="http://schemas.openxmlformats.org/drawingml/2006/main" xmlns:r="http://schemas.openxmlformats.org/officeDocument/2006/relationships" xmlns:p="http://schemas.openxmlformats.org/presentationml/2006/main">
+  <p:cSld>
     <p:spTree>
       <p:nvGrpSpPr>
         <p:cNvPr id="1" name=""/>
@@ -3012,6 +1770,8 @@
         <a:xfrm>
           <a:off x="0" y="0"/>
           <a:ext cx="0" cy="0"/>
+          <a:chOff x="0" y="0"/>
+          <a:chExt cx="0" cy="0"/>
         </a:xfrm>
       </p:grpSpPr>
       <p:sp>
@@ -3042,155 +1802,40 @@
           <a:lstStyle/>
           <a:p>
             <a:r>
-              <a:rPr lang="pt-BR" sz="1200" b="0" i="0" strike="noStrike" cap="none" baseline="0">
-                <a:solidFill>
-                  <a:srgbClr val="000000"/>
-                </a:solidFill>
-                <a:effectLst/>
-                <a:latin typeface="Aptos"/>
-                <a:ea typeface="Aptos"/>
-                <a:cs typeface="Aptos"/>
-              </a:rPr>
-              <a:t>O Mystic Spice Premium Chai Tea é uma mistura cuidadosamente elaborada que honra as tradições do chai indiano.</a:t>
-            </a:r>
-            <a:r>
-              <a:rPr lang="pt-BR" sz="1200" b="0" i="0" strike="noStrike" cap="none" baseline="0">
-                <a:solidFill>
-                  <a:srgbClr val="000000"/>
-                </a:solidFill>
-                <a:effectLst/>
-                <a:latin typeface="Aptos"/>
-                <a:ea typeface="Aptos"/>
-                <a:cs typeface="Aptos"/>
-              </a:rPr>
-              <a:t> </a:t>
-            </a:r>
-            <a:r>
-              <a:rPr lang="pt-BR" sz="1200" b="0" i="0" strike="noStrike" cap="none" baseline="0">
-                <a:solidFill>
-                  <a:srgbClr val="000000"/>
-                </a:solidFill>
-                <a:effectLst/>
-                <a:latin typeface="Aptos"/>
-                <a:ea typeface="Aptos"/>
-                <a:cs typeface="Aptos"/>
-              </a:rPr>
-              <a:t>Cada xícara leva você em uma jornada pelas paisagens vibrantes da Índia, trazendo uma experiência chai autêntica à sua casa.</a:t>
-            </a:r>
-            <a:r>
-              <a:rPr sz="1200"/>
-              <a:t>
-</a:t>
-            </a:r>
-            <a:r>
-              <a:rPr sz="1200"/>
-              <a:t>
-</a:t>
-            </a:r>
-            <a:r>
-              <a:rPr sz="1200"/>
-              <a:t>
-</a:t>
-            </a:r>
-            <a:r>
-              <a:rPr lang="pt-BR" sz="1200" b="0" i="0" strike="noStrike" cap="none" baseline="0">
-                <a:solidFill>
-                  <a:srgbClr val="000000"/>
-                </a:solidFill>
-                <a:effectLst/>
-                <a:latin typeface="Aptos"/>
-                <a:ea typeface="Aptos"/>
-                <a:cs typeface="Aptos"/>
-              </a:rPr>
+              <a:rPr lang="pt-BR"/>
+              <a:t>O Mystic Spice Premium Chai Tea é uma mistura cuidadosamente elaborada que honra as tradições do chai indiano. Cada xícara leva você por uma jornada encantadora pelos vibrantes cenários da Índia, trazendo uma experiência autêntica de chai diretamente para sua casa.</a:t>
+            </a:r>
+            <a:br>
+              <a:rPr lang="pt-BR"/>
+            </a:br>
+            <a:br>
+              <a:rPr lang="pt-BR"/>
+            </a:br>
+            <a:br>
+              <a:rPr lang="pt-BR"/>
+            </a:br>
+            <a:r>
+              <a:rPr lang="pt-BR"/>
               <a:t>Conteúdo original:</a:t>
             </a:r>
-            <a:r>
-              <a:rPr sz="1200"/>
-              <a:t>
-</a:t>
-            </a:r>
-            <a:r>
-              <a:rPr lang="pt-BR" sz="1200" b="0" i="0" strike="noStrike" cap="none" baseline="0">
-                <a:solidFill>
-                  <a:srgbClr val="000000"/>
-                </a:solidFill>
-                <a:effectLst/>
-                <a:latin typeface="Aptos"/>
-                <a:ea typeface="Aptos"/>
-                <a:cs typeface="Aptos"/>
-              </a:rPr>
+            <a:br>
+              <a:rPr lang="pt-BR"/>
+            </a:br>
+            <a:r>
+              <a:rPr lang="pt-BR"/>
               <a:t>Descrição do produto</a:t>
             </a:r>
-            <a:r>
-              <a:rPr sz="1200"/>
-              <a:t>
-</a:t>
-            </a:r>
-            <a:r>
-              <a:rPr lang="pt-BR" sz="1200" b="0" i="0" strike="noStrike" cap="none" baseline="0">
-                <a:solidFill>
-                  <a:srgbClr val="000000"/>
-                </a:solidFill>
-                <a:effectLst/>
-                <a:latin typeface="Aptos"/>
-                <a:ea typeface="Aptos"/>
-                <a:cs typeface="Aptos"/>
-              </a:rPr>
-              <a:t>Mystic Spice Premium Chai Tea é uma combinação cuidadosamente elaborada que homenageia as tradições clássicas do chai indiano.</a:t>
-            </a:r>
-            <a:r>
-              <a:rPr lang="pt-BR" sz="1200" b="0" i="0" strike="noStrike" cap="none" baseline="0">
-                <a:solidFill>
-                  <a:srgbClr val="000000"/>
-                </a:solidFill>
-                <a:effectLst/>
-                <a:latin typeface="Aptos"/>
-                <a:ea typeface="Aptos"/>
-                <a:cs typeface="Aptos"/>
-              </a:rPr>
-              <a:t> </a:t>
-            </a:r>
-            <a:r>
-              <a:rPr lang="pt-BR" sz="1200" b="0" i="0" strike="noStrike" cap="none" baseline="0">
-                <a:solidFill>
-                  <a:srgbClr val="000000"/>
-                </a:solidFill>
-                <a:effectLst/>
-                <a:latin typeface="Aptos"/>
-                <a:ea typeface="Aptos"/>
-                <a:cs typeface="Aptos"/>
-              </a:rPr>
-              <a:t>Cada xícara oferece uma jornada encantadora pelos vibrantes cenários da Índia, trazendo uma experiência autêntica de chai diretamente para sua casa.</a:t>
-            </a:r>
-            <a:r>
-              <a:rPr lang="pt-BR" sz="1200" b="0" i="0" strike="noStrike" cap="none" baseline="0">
-                <a:solidFill>
-                  <a:srgbClr val="000000"/>
-                </a:solidFill>
-                <a:effectLst/>
-                <a:latin typeface="Aptos"/>
-                <a:ea typeface="Aptos"/>
-                <a:cs typeface="Aptos"/>
-              </a:rPr>
-              <a:t> </a:t>
-            </a:r>
-            <a:r>
-              <a:rPr lang="pt-BR" sz="1200" b="0" i="0" strike="noStrike" cap="none" baseline="0">
-                <a:solidFill>
-                  <a:srgbClr val="000000"/>
-                </a:solidFill>
-                <a:effectLst/>
-                <a:latin typeface="Aptos"/>
-                <a:ea typeface="Aptos"/>
-                <a:cs typeface="Aptos"/>
-              </a:rPr>
-              <a:t>A descrição do produto, as características e os benefícios do Mystic Spice Premium Chai Tea estão resumidos na tabela abaixo:</a:t>
-            </a:r>
-            <a:r>
-              <a:rPr sz="1200"/>
-              <a:t>
-</a:t>
-            </a:r>
+            <a:br>
+              <a:rPr lang="pt-BR"/>
+            </a:br>
+            <a:r>
+              <a:rPr lang="pt-BR"/>
+              <a:t>O Mystic Spice Premium Chai Tea é uma mistura cuidadosamente elaborada que homenageia as tradições clássicas do chai indiano. Cada xícara oferece uma jornada encantadora pelos vibrantes cenários da Índia, trazendo uma experiência autêntica de chai diretamente para sua casa. A descrição do produto, as características e os benefícios do Mystic Spice Premium Chai Tea estão resumidos na tabela abaixo:</a:t>
+            </a:r>
+            <a:br>
+              <a:rPr lang="pt-BR"/>
+            </a:br>
+            <a:endParaRPr lang="pt-BR"/>
           </a:p>
         </p:txBody>
       </p:sp>
@@ -3231,8 +1876,8 @@
 </file>
 
 <file path=ppt/notesSlides/notesSlide5.xml><?xml version="1.0" encoding="utf-8"?>
-<p:notes xmlns:a="http://schemas.openxmlformats.org/drawingml/2006/main" xmlns:r="http://schemas.openxmlformats.org/officeDocument/2006/relationships" xmlns:m="http://schemas.openxmlformats.org/officeDocument/2006/math" xmlns:w="http://schemas.openxmlformats.org/wordprocessingml/2006/main" xmlns:wp="http://schemas.openxmlformats.org/drawingml/2006/wordprocessingDrawing" xmlns:a14="http://schemas.microsoft.com/office/drawing/2010/main" xmlns:mc="http://schemas.openxmlformats.org/markup-compatibility/2006" xmlns:p14="http://schemas.microsoft.com/office/powerpoint/2010/main" xmlns:p="http://schemas.openxmlformats.org/presentationml/2006/main">
-  <p:cSld name="">
+<p:notes xmlns:a="http://schemas.openxmlformats.org/drawingml/2006/main" xmlns:r="http://schemas.openxmlformats.org/officeDocument/2006/relationships" xmlns:p="http://schemas.openxmlformats.org/presentationml/2006/main">
+  <p:cSld>
     <p:spTree>
       <p:nvGrpSpPr>
         <p:cNvPr id="1" name=""/>
@@ -3243,6 +1888,8 @@
         <a:xfrm>
           <a:off x="0" y="0"/>
           <a:ext cx="0" cy="0"/>
+          <a:chOff x="0" y="0"/>
+          <a:chExt cx="0" cy="0"/>
         </a:xfrm>
       </p:grpSpPr>
       <p:sp>
@@ -3273,16 +1920,8 @@
           <a:lstStyle/>
           <a:p>
             <a:r>
-              <a:rPr lang="pt-BR" sz="1200" b="0" i="0" strike="noStrike" cap="none" baseline="0">
-                <a:solidFill>
-                  <a:srgbClr val="000000"/>
-                </a:solidFill>
-                <a:effectLst/>
-                <a:latin typeface="Aptos"/>
-                <a:ea typeface="Aptos"/>
-                <a:cs typeface="Aptos"/>
-              </a:rPr>
-              <a:t>não definido</a:t>
+              <a:rPr lang="pt-BR"/>
+              <a:t>indefinido</a:t>
             </a:r>
           </a:p>
         </p:txBody>
@@ -3324,8 +1963,8 @@
 </file>
 
 <file path=ppt/notesSlides/notesSlide6.xml><?xml version="1.0" encoding="utf-8"?>
-<p:notes xmlns:a="http://schemas.openxmlformats.org/drawingml/2006/main" xmlns:r="http://schemas.openxmlformats.org/officeDocument/2006/relationships" xmlns:m="http://schemas.openxmlformats.org/officeDocument/2006/math" xmlns:w="http://schemas.openxmlformats.org/wordprocessingml/2006/main" xmlns:wp="http://schemas.openxmlformats.org/drawingml/2006/wordprocessingDrawing" xmlns:a14="http://schemas.microsoft.com/office/drawing/2010/main" xmlns:mc="http://schemas.openxmlformats.org/markup-compatibility/2006" xmlns:p14="http://schemas.microsoft.com/office/powerpoint/2010/main" xmlns:p="http://schemas.openxmlformats.org/presentationml/2006/main">
-  <p:cSld name="">
+<p:notes xmlns:a="http://schemas.openxmlformats.org/drawingml/2006/main" xmlns:r="http://schemas.openxmlformats.org/officeDocument/2006/relationships" xmlns:p="http://schemas.openxmlformats.org/presentationml/2006/main">
+  <p:cSld>
     <p:spTree>
       <p:nvGrpSpPr>
         <p:cNvPr id="1" name=""/>
@@ -3336,6 +1975,8 @@
         <a:xfrm>
           <a:off x="0" y="0"/>
           <a:ext cx="0" cy="0"/>
+          <a:chOff x="0" y="0"/>
+          <a:chExt cx="0" cy="0"/>
         </a:xfrm>
       </p:grpSpPr>
       <p:sp>
@@ -3366,16 +2007,8 @@
           <a:lstStyle/>
           <a:p>
             <a:r>
-              <a:rPr lang="pt-BR" sz="1200" b="0" i="0" strike="noStrike" cap="none" baseline="0">
-                <a:solidFill>
-                  <a:srgbClr val="000000"/>
-                </a:solidFill>
-                <a:effectLst/>
-                <a:latin typeface="Aptos"/>
-                <a:ea typeface="Aptos"/>
-                <a:cs typeface="Aptos"/>
-              </a:rPr>
-              <a:t>não definido</a:t>
+              <a:rPr lang="pt-BR"/>
+              <a:t>indefinido</a:t>
             </a:r>
           </a:p>
         </p:txBody>
@@ -3417,8 +2050,8 @@
 </file>
 
 <file path=ppt/notesSlides/notesSlide7.xml><?xml version="1.0" encoding="utf-8"?>
-<p:notes xmlns:a="http://schemas.openxmlformats.org/drawingml/2006/main" xmlns:r="http://schemas.openxmlformats.org/officeDocument/2006/relationships" xmlns:m="http://schemas.openxmlformats.org/officeDocument/2006/math" xmlns:w="http://schemas.openxmlformats.org/wordprocessingml/2006/main" xmlns:wp="http://schemas.openxmlformats.org/drawingml/2006/wordprocessingDrawing" xmlns:a14="http://schemas.microsoft.com/office/drawing/2010/main" xmlns:mc="http://schemas.openxmlformats.org/markup-compatibility/2006" xmlns:p14="http://schemas.microsoft.com/office/powerpoint/2010/main" xmlns:p="http://schemas.openxmlformats.org/presentationml/2006/main">
-  <p:cSld name="">
+<p:notes xmlns:a="http://schemas.openxmlformats.org/drawingml/2006/main" xmlns:r="http://schemas.openxmlformats.org/officeDocument/2006/relationships" xmlns:p="http://schemas.openxmlformats.org/presentationml/2006/main">
+  <p:cSld>
     <p:spTree>
       <p:nvGrpSpPr>
         <p:cNvPr id="1" name=""/>
@@ -3429,6 +2062,8 @@
         <a:xfrm>
           <a:off x="0" y="0"/>
           <a:ext cx="0" cy="0"/>
+          <a:chOff x="0" y="0"/>
+          <a:chExt cx="0" cy="0"/>
         </a:xfrm>
       </p:grpSpPr>
       <p:sp>
@@ -3459,353 +2094,82 @@
           <a:lstStyle/>
           <a:p>
             <a:r>
-              <a:rPr lang="pt-BR" sz="1200" b="0" i="0" strike="noStrike" cap="none" baseline="0">
-                <a:solidFill>
-                  <a:srgbClr val="000000"/>
-                </a:solidFill>
-                <a:effectLst/>
-                <a:latin typeface="Aptos"/>
-                <a:ea typeface="Aptos"/>
-                <a:cs typeface="Aptos"/>
-              </a:rPr>
-              <a:t>O mercado latino-americano oferece uma excelente oportunidade para o chai, com uma demanda crescente por produtos saudáveis, naturais e exóticos.</a:t>
-            </a:r>
-            <a:r>
-              <a:rPr lang="pt-BR" sz="1200" b="0" i="0" strike="noStrike" cap="none" baseline="0">
-                <a:solidFill>
-                  <a:srgbClr val="000000"/>
-                </a:solidFill>
-                <a:effectLst/>
-                <a:latin typeface="Aptos"/>
-                <a:ea typeface="Aptos"/>
-                <a:cs typeface="Aptos"/>
-              </a:rPr>
-              <a:t> </a:t>
-            </a:r>
-            <a:r>
-              <a:rPr lang="pt-BR" sz="1200" b="0" i="0" strike="noStrike" cap="none" baseline="0">
-                <a:solidFill>
-                  <a:srgbClr val="000000"/>
-                </a:solidFill>
-                <a:effectLst/>
-                <a:latin typeface="Aptos"/>
-                <a:ea typeface="Aptos"/>
-                <a:cs typeface="Aptos"/>
-              </a:rPr>
-              <a:t>O tamanho do mercado global de chai foi avaliado em 1,9 bilhão de dólares em 2019 e espera-se que aumente a uma CAGR de 5,5% entre 2020 e 2027, sendo a América Latina uma das regiões com crescimento mais rápido.</a:t>
-            </a:r>
-            <a:r>
-              <a:rPr lang="pt-BR" sz="1200" b="0" i="0" strike="noStrike" cap="none" baseline="0">
-                <a:solidFill>
-                  <a:srgbClr val="000000"/>
-                </a:solidFill>
-                <a:effectLst/>
-                <a:latin typeface="Aptos"/>
-                <a:ea typeface="Aptos"/>
-                <a:cs typeface="Aptos"/>
-              </a:rPr>
-              <a:t> </a:t>
-            </a:r>
-            <a:r>
-              <a:rPr lang="pt-BR" sz="1200" b="0" i="0" strike="noStrike" cap="none" baseline="0">
-                <a:solidFill>
-                  <a:srgbClr val="000000"/>
-                </a:solidFill>
-                <a:effectLst/>
-                <a:latin typeface="Aptos"/>
-                <a:ea typeface="Aptos"/>
-                <a:cs typeface="Aptos"/>
-              </a:rPr>
-              <a:t>Os principais impulsionadores de crescimento incluem o aumento da conscientização, a ampliação da receita disponível  e a expansão da distribuição.</a:t>
-            </a:r>
-            <a:r>
-              <a:rPr sz="1200"/>
-              <a:t>
-</a:t>
-            </a:r>
-            <a:r>
-              <a:rPr sz="1200"/>
-              <a:t>
-</a:t>
-            </a:r>
-            <a:r>
-              <a:rPr sz="1200"/>
-              <a:t>
-</a:t>
-            </a:r>
-            <a:r>
-              <a:rPr lang="pt-BR" sz="1200" b="0" i="0" strike="noStrike" cap="none" baseline="0">
-                <a:solidFill>
-                  <a:srgbClr val="000000"/>
-                </a:solidFill>
-                <a:effectLst/>
-                <a:latin typeface="Aptos"/>
-                <a:ea typeface="Aptos"/>
-                <a:cs typeface="Aptos"/>
-              </a:rPr>
+              <a:rPr lang="pt-BR"/>
+              <a:t>O mercado latino-americano oferece uma excelente oportunidade para o chai, com uma demanda crescente por produtos saudáveis, naturais e exóticos. O tamanho do mercado global de chai foi avaliado em 1,9 bilhão de dólares em 2019 e espera-se que aumente a uma CAGR de 5,5% entre 2020 e 2027, sendo a América Latina uma das regiões com crescimento mais rápido. Os principais impulsionadores do crescimento incluem o aumento da conscientização, o aumento da renda disponível e a expansão da distribuição.</a:t>
+            </a:r>
+            <a:br>
+              <a:rPr lang="pt-BR"/>
+            </a:br>
+            <a:br>
+              <a:rPr lang="pt-BR"/>
+            </a:br>
+            <a:br>
+              <a:rPr lang="pt-BR"/>
+            </a:br>
+            <a:r>
+              <a:rPr lang="pt-BR"/>
               <a:t>Conteúdo original:</a:t>
             </a:r>
-            <a:r>
-              <a:rPr sz="1200"/>
-              <a:t>
-</a:t>
-            </a:r>
-            <a:r>
-              <a:rPr lang="pt-BR" sz="1200" b="0" i="0" strike="noStrike" cap="none" baseline="0">
-                <a:solidFill>
-                  <a:srgbClr val="000000"/>
-                </a:solidFill>
-                <a:effectLst/>
-                <a:latin typeface="Aptos"/>
-                <a:ea typeface="Aptos"/>
-                <a:cs typeface="Aptos"/>
-              </a:rPr>
+            <a:br>
+              <a:rPr lang="pt-BR"/>
+            </a:br>
+            <a:r>
+              <a:rPr lang="pt-BR"/>
               <a:t>Tendências de mercado e demanda</a:t>
             </a:r>
-            <a:r>
-              <a:rPr sz="1200"/>
-              <a:t>
-</a:t>
-            </a:r>
-            <a:r>
-              <a:rPr lang="pt-BR" sz="1200" b="0" i="0" strike="noStrike" cap="none" baseline="0">
-                <a:solidFill>
-                  <a:srgbClr val="000000"/>
-                </a:solidFill>
-                <a:effectLst/>
-                <a:latin typeface="Aptos"/>
-                <a:ea typeface="Aptos"/>
-                <a:cs typeface="Aptos"/>
-              </a:rPr>
-              <a:t>O mercado latino-americano oferece uma excelente oportunidade para o chá Chai, uma vez que a região apresenta uma demanda crescente por produtos saudáveis, naturais e exóticos.</a:t>
-            </a:r>
-            <a:r>
-              <a:rPr lang="pt-BR" sz="1200" b="0" i="0" strike="noStrike" cap="none" baseline="0">
-                <a:solidFill>
-                  <a:srgbClr val="000000"/>
-                </a:solidFill>
-                <a:effectLst/>
-                <a:latin typeface="Aptos"/>
-                <a:ea typeface="Aptos"/>
-                <a:cs typeface="Aptos"/>
-              </a:rPr>
-              <a:t> </a:t>
-            </a:r>
-            <a:r>
-              <a:rPr lang="pt-BR" sz="1200" b="0" i="0" strike="noStrike" cap="none" baseline="0">
-                <a:solidFill>
-                  <a:srgbClr val="000000"/>
-                </a:solidFill>
-                <a:effectLst/>
-                <a:latin typeface="Aptos"/>
-                <a:ea typeface="Aptos"/>
-                <a:cs typeface="Aptos"/>
-              </a:rPr>
-              <a:t>A região também possui uma forte cultura do chá, especialmente em países como Argentina, Chile e Uruguai, onde o mate é uma bebida popular.</a:t>
-            </a:r>
-            <a:r>
-              <a:rPr lang="pt-BR" sz="1200" b="0" i="0" strike="noStrike" cap="none" baseline="0">
-                <a:solidFill>
-                  <a:srgbClr val="000000"/>
-                </a:solidFill>
-                <a:effectLst/>
-                <a:latin typeface="Aptos"/>
-                <a:ea typeface="Aptos"/>
-                <a:cs typeface="Aptos"/>
-              </a:rPr>
-              <a:t> </a:t>
-            </a:r>
-            <a:r>
-              <a:rPr lang="pt-BR" sz="1200" b="0" i="0" strike="noStrike" cap="none" baseline="0">
-                <a:solidFill>
-                  <a:srgbClr val="000000"/>
-                </a:solidFill>
-                <a:effectLst/>
-                <a:latin typeface="Aptos"/>
-                <a:ea typeface="Aptos"/>
-                <a:cs typeface="Aptos"/>
-              </a:rPr>
-              <a:t>O chai pode atrair tanto os amantes do chá quanto os apreciadores do café, já que oferece uma dose de cafeína semelhante com um perfil de sabor mais complexo.</a:t>
-            </a:r>
-            <a:r>
-              <a:rPr lang="pt-BR" sz="1200" b="0" i="0" strike="noStrike" cap="none" baseline="0">
-                <a:solidFill>
-                  <a:srgbClr val="000000"/>
-                </a:solidFill>
-                <a:effectLst/>
-                <a:latin typeface="Aptos"/>
-                <a:ea typeface="Aptos"/>
-                <a:cs typeface="Aptos"/>
-              </a:rPr>
-              <a:t> </a:t>
-            </a:r>
-            <a:r>
-              <a:rPr lang="pt-BR" sz="1200" b="0" i="0" strike="noStrike" cap="none" baseline="0">
-                <a:solidFill>
-                  <a:srgbClr val="000000"/>
-                </a:solidFill>
-                <a:effectLst/>
-                <a:latin typeface="Aptos"/>
-                <a:ea typeface="Aptos"/>
-                <a:cs typeface="Aptos"/>
-              </a:rPr>
-              <a:t>Além disso, pode se adequar ao estilo de vida e preferências dos consumidores latino-americanos, que gostam de socializar, compartilhar e se deliciar com doces.</a:t>
-            </a:r>
-            <a:r>
-              <a:rPr sz="1200"/>
-              <a:t>
-</a:t>
-            </a:r>
-            <a:r>
-              <a:rPr lang="pt-BR" sz="1200" b="0" i="0" strike="noStrike" cap="none" baseline="0">
-                <a:solidFill>
-                  <a:srgbClr val="000000"/>
-                </a:solidFill>
-                <a:effectLst/>
-                <a:latin typeface="Aptos"/>
-                <a:ea typeface="Aptos"/>
-                <a:cs typeface="Aptos"/>
-              </a:rPr>
-              <a:t>De acordo com um relatório da Grand View Research, o tamanho do mercado global de chai foi avaliado em 1,9 bilhão de dólares em 2019 e espera-se que aumente a uma taxa de crescimento anual composta (CAGR) de 5,5% entre 2020 e 2027.</a:t>
-            </a:r>
-            <a:r>
-              <a:rPr lang="pt-BR" sz="1200" b="0" i="0" strike="noStrike" cap="none" baseline="0">
-                <a:solidFill>
-                  <a:srgbClr val="000000"/>
-                </a:solidFill>
-                <a:effectLst/>
-                <a:latin typeface="Aptos"/>
-                <a:ea typeface="Aptos"/>
-                <a:cs typeface="Aptos"/>
-              </a:rPr>
-              <a:t> </a:t>
-            </a:r>
-            <a:r>
-              <a:rPr lang="pt-BR" sz="1200" b="0" i="0" strike="noStrike" cap="none" baseline="0">
-                <a:solidFill>
-                  <a:srgbClr val="000000"/>
-                </a:solidFill>
-                <a:effectLst/>
-                <a:latin typeface="Aptos"/>
-                <a:ea typeface="Aptos"/>
-                <a:cs typeface="Aptos"/>
-              </a:rPr>
-              <a:t>O relatório também afirma que a América Latina é uma das regiões com crescimento mais rápido para o chai, com uma CAGR de 6,2% entre 2020 e 2027.</a:t>
-            </a:r>
-            <a:r>
-              <a:rPr lang="pt-BR" sz="1200" b="0" i="0" strike="noStrike" cap="none" baseline="0">
-                <a:solidFill>
-                  <a:srgbClr val="000000"/>
-                </a:solidFill>
-                <a:effectLst/>
-                <a:latin typeface="Aptos"/>
-                <a:ea typeface="Aptos"/>
-                <a:cs typeface="Aptos"/>
-              </a:rPr>
-              <a:t> </a:t>
-            </a:r>
-            <a:r>
-              <a:rPr lang="pt-BR" sz="1200" b="0" i="0" strike="noStrike" cap="none" baseline="0">
-                <a:solidFill>
-                  <a:srgbClr val="000000"/>
-                </a:solidFill>
-                <a:effectLst/>
-                <a:latin typeface="Aptos"/>
-                <a:ea typeface="Aptos"/>
-                <a:cs typeface="Aptos"/>
-              </a:rPr>
-              <a:t>Os principais impulsionadores do crescimento do chá Chai na América Latina são:</a:t>
-            </a:r>
-            <a:r>
-              <a:rPr sz="1200"/>
-              <a:t>
-</a:t>
-            </a:r>
-            <a:r>
-              <a:rPr lang="pt-BR" sz="1200" b="0" i="0" strike="noStrike" cap="none" baseline="0">
-                <a:solidFill>
-                  <a:srgbClr val="000000"/>
-                </a:solidFill>
-                <a:effectLst/>
-                <a:latin typeface="Aptos"/>
-                <a:ea typeface="Aptos"/>
-                <a:cs typeface="Aptos"/>
-              </a:rPr>
-              <a:t>·         A  conscientização e interesse crescentes nos benefícios para a saúde e aspectos culturais do chá Chai</a:t>
-            </a:r>
-            <a:r>
-              <a:rPr sz="1200"/>
-              <a:t>
-</a:t>
-            </a:r>
-            <a:r>
-              <a:rPr lang="pt-BR" sz="1200" b="0" i="0" strike="noStrike" cap="none" baseline="0">
-                <a:solidFill>
-                  <a:srgbClr val="000000"/>
-                </a:solidFill>
-                <a:effectLst/>
-                <a:latin typeface="Aptos"/>
-                <a:ea typeface="Aptos"/>
-                <a:cs typeface="Aptos"/>
-              </a:rPr>
+            <a:br>
+              <a:rPr lang="pt-BR"/>
+            </a:br>
+            <a:r>
+              <a:rPr lang="pt-BR"/>
+              <a:t>O mercado latino-americano oferece uma excelente oportunidade para o chai, uma vez que a região apresenta uma demanda crescente por produtos saudáveis, naturais e exóticos. A região também possui uma forte cultura do chá, especialmente em países como Argentina, Chile e Uruguai, onde o mate é uma bebida popular. O chai pode atrair tanto os amantes do chá quanto os apreciadores do café, já que oferece uma dose de cafeína semelhante com um perfil de sabor mais complexo. Além disso, pode se adequar ao estilo de vida e preferências dos consumidores latino-americanos, que gostam de socializar, compartilhar e se deliciar com doces.</a:t>
+            </a:r>
+            <a:br>
+              <a:rPr lang="pt-BR"/>
+            </a:br>
+            <a:r>
+              <a:rPr lang="pt-BR"/>
+              <a:t>De acordo com um relatório da Grand View Research, o tamanho do mercado global de chai foi avaliado em 1,9 bilhão de dólares em 2019 e espera-se que aumente a uma taxa de crescimento anual composta (CAGR) de 5,5% entre 2020 e 2027. O relatório também afirma que a América Latina é uma das regiões com crescimento mais rápido para o chai, com uma CAGR de 6,2% entre 2020 e 2027. Os principais impulsionadores disso na América Latina são:</a:t>
+            </a:r>
+            <a:br>
+              <a:rPr lang="pt-BR"/>
+            </a:br>
+            <a:r>
+              <a:rPr lang="pt-BR"/>
+              <a:t>·         O aumento da conscientização e interesse nos benefícios para a saúde e aspectos culturais do chai</a:t>
+            </a:r>
+            <a:br>
+              <a:rPr lang="pt-BR"/>
+            </a:br>
+            <a:r>
+              <a:rPr lang="pt-BR"/>
               <a:t>·         O aumento da renda disponível e do poder de compra dos consumidores de classe média</a:t>
             </a:r>
-            <a:r>
-              <a:rPr sz="1200"/>
-              <a:t>
-</a:t>
-            </a:r>
-            <a:r>
-              <a:rPr lang="pt-BR" sz="1200" b="0" i="0" strike="noStrike" cap="none" baseline="0">
-                <a:solidFill>
-                  <a:srgbClr val="000000"/>
-                </a:solidFill>
-                <a:effectLst/>
-                <a:latin typeface="Aptos"/>
-                <a:ea typeface="Aptos"/>
-                <a:cs typeface="Aptos"/>
-              </a:rPr>
+            <a:br>
+              <a:rPr lang="pt-BR"/>
+            </a:br>
+            <a:r>
+              <a:rPr lang="pt-BR"/>
               <a:t>·         A crescente popularidade dos chás especiais e premium entre os segmentos mais jovens e urbanos</a:t>
             </a:r>
-            <a:r>
-              <a:rPr sz="1200"/>
-              <a:t>
-</a:t>
-            </a:r>
-            <a:r>
-              <a:rPr lang="pt-BR" sz="1200" b="0" i="0" strike="noStrike" cap="none" baseline="0">
-                <a:solidFill>
-                  <a:srgbClr val="000000"/>
-                </a:solidFill>
-                <a:effectLst/>
-                <a:latin typeface="Aptos"/>
-                <a:ea typeface="Aptos"/>
-                <a:cs typeface="Aptos"/>
-              </a:rPr>
-              <a:t>·         A expansão da distribuição e da disponibilidade de produtos de chá Chai em vários canais, como supermercados, cafés e plataformas online</a:t>
-            </a:r>
-            <a:r>
-              <a:rPr sz="1200"/>
-              <a:t>
-</a:t>
-            </a:r>
-            <a:r>
-              <a:rPr lang="pt-BR" sz="1200" b="0" i="0" strike="noStrike" cap="none" baseline="0">
-                <a:solidFill>
-                  <a:srgbClr val="000000"/>
-                </a:solidFill>
-                <a:effectLst/>
-                <a:latin typeface="Aptos"/>
-                <a:ea typeface="Aptos"/>
-                <a:cs typeface="Aptos"/>
-              </a:rPr>
-              <a:t>·         O surgimento de novos e inovadores sabores e formatos de chá Chai, como variedades prontas para beber, instantâneas e orgânicas</a:t>
-            </a:r>
-            <a:r>
-              <a:rPr sz="1200"/>
-              <a:t>
-</a:t>
-            </a:r>
+            <a:br>
+              <a:rPr lang="pt-BR"/>
+            </a:br>
+            <a:r>
+              <a:rPr lang="pt-BR"/>
+              <a:t>·         A expansão da distribuição e disponibilidade de produtos de chai em vários canais, como supermercados, cafés e plataformas online</a:t>
+            </a:r>
+            <a:br>
+              <a:rPr lang="pt-BR"/>
+            </a:br>
+            <a:r>
+              <a:rPr lang="pt-BR"/>
+              <a:t>·         O surgimento de novos e inovadores sabores e formatos de chai, como pronto para beber, instantâneo e variedades orgânicas</a:t>
+            </a:r>
+            <a:br>
+              <a:rPr lang="pt-BR"/>
+            </a:br>
+            <a:endParaRPr lang="pt-BR"/>
           </a:p>
         </p:txBody>
       </p:sp>
@@ -3846,8 +2210,8 @@
 </file>
 
 <file path=ppt/notesSlides/notesSlide8.xml><?xml version="1.0" encoding="utf-8"?>
-<p:notes xmlns:a="http://schemas.openxmlformats.org/drawingml/2006/main" xmlns:r="http://schemas.openxmlformats.org/officeDocument/2006/relationships" xmlns:m="http://schemas.openxmlformats.org/officeDocument/2006/math" xmlns:w="http://schemas.openxmlformats.org/wordprocessingml/2006/main" xmlns:wp="http://schemas.openxmlformats.org/drawingml/2006/wordprocessingDrawing" xmlns:a14="http://schemas.microsoft.com/office/drawing/2010/main" xmlns:mc="http://schemas.openxmlformats.org/markup-compatibility/2006" xmlns:p14="http://schemas.microsoft.com/office/powerpoint/2010/main" xmlns:p="http://schemas.openxmlformats.org/presentationml/2006/main">
-  <p:cSld name="">
+<p:notes xmlns:a="http://schemas.openxmlformats.org/drawingml/2006/main" xmlns:r="http://schemas.openxmlformats.org/officeDocument/2006/relationships" xmlns:p="http://schemas.openxmlformats.org/presentationml/2006/main">
+  <p:cSld>
     <p:spTree>
       <p:nvGrpSpPr>
         <p:cNvPr id="1" name=""/>
@@ -3858,6 +2222,8 @@
         <a:xfrm>
           <a:off x="0" y="0"/>
           <a:ext cx="0" cy="0"/>
+          <a:chOff x="0" y="0"/>
+          <a:chExt cx="0" cy="0"/>
         </a:xfrm>
       </p:grpSpPr>
       <p:sp>
@@ -3888,251 +2254,40 @@
           <a:lstStyle/>
           <a:p>
             <a:r>
-              <a:rPr lang="pt-BR" sz="1200" b="0" i="0" strike="noStrike" cap="none" baseline="0">
-                <a:solidFill>
-                  <a:srgbClr val="000000"/>
-                </a:solidFill>
-                <a:effectLst/>
-                <a:latin typeface="Aptos"/>
-                <a:ea typeface="Aptos"/>
-                <a:cs typeface="Aptos"/>
-              </a:rPr>
-              <a:t>O chai na América Latina é distribuído por meio de varejistas, atacadistas e distribuidores.</a:t>
-            </a:r>
-            <a:r>
-              <a:rPr lang="pt-BR" sz="1200" b="0" i="0" strike="noStrike" cap="none" baseline="0">
-                <a:solidFill>
-                  <a:srgbClr val="000000"/>
-                </a:solidFill>
-                <a:effectLst/>
-                <a:latin typeface="Aptos"/>
-                <a:ea typeface="Aptos"/>
-                <a:cs typeface="Aptos"/>
-              </a:rPr>
-              <a:t> </a:t>
-            </a:r>
-            <a:r>
-              <a:rPr lang="pt-BR" sz="1200" b="0" i="0" strike="noStrike" cap="none" baseline="0">
-                <a:solidFill>
-                  <a:srgbClr val="000000"/>
-                </a:solidFill>
-                <a:effectLst/>
-                <a:latin typeface="Aptos"/>
-                <a:ea typeface="Aptos"/>
-                <a:cs typeface="Aptos"/>
-              </a:rPr>
-              <a:t>Os varejistas, como supermercados e cafeterias, vendem diretamente aos consumidores e podem influenciar sua percepção e compra.</a:t>
-            </a:r>
-            <a:r>
-              <a:rPr lang="pt-BR" sz="1200" b="0" i="0" strike="noStrike" cap="none" baseline="0">
-                <a:solidFill>
-                  <a:srgbClr val="000000"/>
-                </a:solidFill>
-                <a:effectLst/>
-                <a:latin typeface="Aptos"/>
-                <a:ea typeface="Aptos"/>
-                <a:cs typeface="Aptos"/>
-              </a:rPr>
-              <a:t> </a:t>
-            </a:r>
-            <a:r>
-              <a:rPr lang="pt-BR" sz="1200" b="0" i="0" strike="noStrike" cap="none" baseline="0">
-                <a:solidFill>
-                  <a:srgbClr val="000000"/>
-                </a:solidFill>
-                <a:effectLst/>
-                <a:latin typeface="Aptos"/>
-                <a:ea typeface="Aptos"/>
-                <a:cs typeface="Aptos"/>
-              </a:rPr>
-              <a:t>Os principais varejistas incluem Walmart e Starbucks.</a:t>
-            </a:r>
-            <a:r>
-              <a:rPr lang="pt-BR" sz="1200" b="0" i="0" strike="noStrike" cap="none" baseline="0">
-                <a:solidFill>
-                  <a:srgbClr val="000000"/>
-                </a:solidFill>
-                <a:effectLst/>
-                <a:latin typeface="Aptos"/>
-                <a:ea typeface="Aptos"/>
-                <a:cs typeface="Aptos"/>
-              </a:rPr>
-              <a:t> </a:t>
-            </a:r>
-            <a:r>
-              <a:rPr lang="pt-BR" sz="1200" b="0" i="0" strike="noStrike" cap="none" baseline="0">
-                <a:solidFill>
-                  <a:srgbClr val="000000"/>
-                </a:solidFill>
-                <a:effectLst/>
-                <a:latin typeface="Aptos"/>
-                <a:ea typeface="Aptos"/>
-                <a:cs typeface="Aptos"/>
-              </a:rPr>
-              <a:t>Os atacadistas vendem a granel para os varejistas, enquanto os distribuidores transportam produtos dos fabricantes para os varejistas.</a:t>
-            </a:r>
-            <a:r>
-              <a:rPr sz="1200"/>
-              <a:t>
-</a:t>
-            </a:r>
-            <a:r>
-              <a:rPr sz="1200"/>
-              <a:t>
-</a:t>
-            </a:r>
-            <a:r>
-              <a:rPr sz="1200"/>
-              <a:t>
-</a:t>
-            </a:r>
-            <a:r>
-              <a:rPr lang="pt-BR" sz="1200" b="0" i="0" strike="noStrike" cap="none" baseline="0">
-                <a:solidFill>
-                  <a:srgbClr val="000000"/>
-                </a:solidFill>
-                <a:effectLst/>
-                <a:latin typeface="Aptos"/>
-                <a:ea typeface="Aptos"/>
-                <a:cs typeface="Aptos"/>
-              </a:rPr>
+              <a:rPr lang="pt-BR"/>
+              <a:t>O chai na América Latina é distribuído por meio de varejistas, atacadistas e distribuidores. Os varejistas, como supermercados e cafeterias, vendem diretamente aos consumidores e podem influenciar sua percepção e compra. Os principais varejistas incluem Walmart e Starbucks. Os atacadistas vendem em grandes quantidades para os varejistas, enquanto os distribuidores transportam os produtos dos fabricantes para os varejistas.</a:t>
+            </a:r>
+            <a:br>
+              <a:rPr lang="pt-BR"/>
+            </a:br>
+            <a:br>
+              <a:rPr lang="pt-BR"/>
+            </a:br>
+            <a:br>
+              <a:rPr lang="pt-BR"/>
+            </a:br>
+            <a:r>
+              <a:rPr lang="pt-BR"/>
               <a:t>Conteúdo original:</a:t>
             </a:r>
-            <a:r>
-              <a:rPr sz="1200"/>
-              <a:t>
-</a:t>
-            </a:r>
-            <a:r>
-              <a:rPr lang="pt-BR" sz="1200" b="0" i="0" strike="noStrike" cap="none" baseline="0">
-                <a:solidFill>
-                  <a:srgbClr val="000000"/>
-                </a:solidFill>
-                <a:effectLst/>
-                <a:latin typeface="Aptos"/>
-                <a:ea typeface="Aptos"/>
-                <a:cs typeface="Aptos"/>
-              </a:rPr>
-              <a:t>Os canais de distribuição do chá Chai na América Latina são os caminhos e meios pelos quais os produtos são entregues e vendidos aos consumidores finais.</a:t>
-            </a:r>
-            <a:r>
-              <a:rPr lang="pt-BR" sz="1200" b="0" i="0" strike="noStrike" cap="none" baseline="0">
-                <a:solidFill>
-                  <a:srgbClr val="000000"/>
-                </a:solidFill>
-                <a:effectLst/>
-                <a:latin typeface="Aptos"/>
-                <a:ea typeface="Aptos"/>
-                <a:cs typeface="Aptos"/>
-              </a:rPr>
-              <a:t> </a:t>
-            </a:r>
-            <a:r>
-              <a:rPr lang="pt-BR" sz="1200" b="0" i="0" strike="noStrike" cap="none" baseline="0">
-                <a:solidFill>
-                  <a:srgbClr val="000000"/>
-                </a:solidFill>
-                <a:effectLst/>
-                <a:latin typeface="Aptos"/>
-                <a:ea typeface="Aptos"/>
-                <a:cs typeface="Aptos"/>
-              </a:rPr>
-              <a:t>Podemos classificar esses canais em três tipos principais: varejistas, atacadistas e distribuidores.</a:t>
-            </a:r>
-            <a:r>
-              <a:rPr sz="1200"/>
-              <a:t>
-</a:t>
-            </a:r>
-            <a:r>
-              <a:rPr lang="pt-BR" sz="1200" b="0" i="0" strike="noStrike" cap="none" baseline="0">
-                <a:solidFill>
-                  <a:srgbClr val="000000"/>
-                </a:solidFill>
-                <a:effectLst/>
-                <a:latin typeface="Aptos"/>
-                <a:ea typeface="Aptos"/>
-                <a:cs typeface="Aptos"/>
-              </a:rPr>
-              <a:t>Os varejistas são empresas que vendem os produtos de chai diretamente aos consumidores, como supermercados, lojas de conveniência, lojas especializadas, cafeterias e plataformas online.</a:t>
-            </a:r>
-            <a:r>
-              <a:rPr lang="pt-BR" sz="1200" b="0" i="0" strike="noStrike" cap="none" baseline="0">
-                <a:solidFill>
-                  <a:srgbClr val="000000"/>
-                </a:solidFill>
-                <a:effectLst/>
-                <a:latin typeface="Aptos"/>
-                <a:ea typeface="Aptos"/>
-                <a:cs typeface="Aptos"/>
-              </a:rPr>
-              <a:t> </a:t>
-            </a:r>
-            <a:r>
-              <a:rPr lang="pt-BR" sz="1200" b="0" i="0" strike="noStrike" cap="none" baseline="0">
-                <a:solidFill>
-                  <a:srgbClr val="000000"/>
-                </a:solidFill>
-                <a:effectLst/>
-                <a:latin typeface="Aptos"/>
-                <a:ea typeface="Aptos"/>
-                <a:cs typeface="Aptos"/>
-              </a:rPr>
-              <a:t>Eles desempenham um papel crucial na visibilidade e acessibilidade dos produtos de chai e podem influenciar a percepção e a preferência do consumidor.</a:t>
-            </a:r>
-            <a:r>
-              <a:rPr lang="pt-BR" sz="1200" b="0" i="0" strike="noStrike" cap="none" baseline="0">
-                <a:solidFill>
-                  <a:srgbClr val="000000"/>
-                </a:solidFill>
-                <a:effectLst/>
-                <a:latin typeface="Aptos"/>
-                <a:ea typeface="Aptos"/>
-                <a:cs typeface="Aptos"/>
-              </a:rPr>
-              <a:t> </a:t>
-            </a:r>
-            <a:r>
-              <a:rPr lang="pt-BR" sz="1200" b="0" i="0" strike="noStrike" cap="none" baseline="0">
-                <a:solidFill>
-                  <a:srgbClr val="000000"/>
-                </a:solidFill>
-                <a:effectLst/>
-                <a:latin typeface="Aptos"/>
-                <a:ea typeface="Aptos"/>
-                <a:cs typeface="Aptos"/>
-              </a:rPr>
-              <a:t>Também podem oferecer suporte promocional e de merchandising para os produtos de chai, como displays, sinalização e espaço nas prateleiras.</a:t>
-            </a:r>
-            <a:r>
-              <a:rPr lang="pt-BR" sz="1200" b="0" i="0" strike="noStrike" cap="none" baseline="0">
-                <a:solidFill>
-                  <a:srgbClr val="000000"/>
-                </a:solidFill>
-                <a:effectLst/>
-                <a:latin typeface="Aptos"/>
-                <a:ea typeface="Aptos"/>
-                <a:cs typeface="Aptos"/>
-              </a:rPr>
-              <a:t> </a:t>
-            </a:r>
-            <a:r>
-              <a:rPr lang="pt-BR" sz="1200" b="0" i="0" strike="noStrike" cap="none" baseline="0">
-                <a:solidFill>
-                  <a:srgbClr val="000000"/>
-                </a:solidFill>
-                <a:effectLst/>
-                <a:latin typeface="Aptos"/>
-                <a:ea typeface="Aptos"/>
-                <a:cs typeface="Aptos"/>
-              </a:rPr>
-              <a:t>Alguns dos principais varejistas de produtos de chá Chai na América Latina são: Walmart, Carrefour, Oxxo, Starbucks e Amazon.</a:t>
-            </a:r>
-            <a:r>
-              <a:rPr sz="1200"/>
-              <a:t>
-</a:t>
-            </a:r>
+            <a:br>
+              <a:rPr lang="pt-BR"/>
+            </a:br>
+            <a:r>
+              <a:rPr lang="pt-BR"/>
+              <a:t>Os canais de distribuição do chai na América Latina são os caminhos e meios pelos quais os produtos são entregues e vendidos ao consumidor final. Podemos classificar esses canais em três tipos principais: varejistas, atacadistas e distribuidores.</a:t>
+            </a:r>
+            <a:br>
+              <a:rPr lang="pt-BR"/>
+            </a:br>
+            <a:r>
+              <a:rPr lang="pt-BR"/>
+              <a:t>Os varejistas são empresas que vendem os produtos de chai diretamente aos consumidores, como supermercados, lojas de conveniência, lojas especializadas, cafeterias e plataformas online. Eles desempenham um papel crucial na visibilidade e acessibilidade dos produtos de chai e podem influenciar a percepção e a preferência do consumidor. Também podem oferecer suporte promocional e de merchandising para os produtos de chai, como displays, sinalização e espaço nas prateleiras. Alguns dos principais varejistas de produtos de chai na América Latina são Walmart, Carrefour, Oxxo, Starbucks e Amazon.</a:t>
+            </a:r>
+            <a:br>
+              <a:rPr lang="pt-BR"/>
+            </a:br>
+            <a:endParaRPr lang="pt-BR"/>
           </a:p>
         </p:txBody>
       </p:sp>
@@ -4173,8 +2328,8 @@
 </file>
 
 <file path=ppt/notesSlides/notesSlide9.xml><?xml version="1.0" encoding="utf-8"?>
-<p:notes xmlns:a="http://schemas.openxmlformats.org/drawingml/2006/main" xmlns:r="http://schemas.openxmlformats.org/officeDocument/2006/relationships" xmlns:m="http://schemas.openxmlformats.org/officeDocument/2006/math" xmlns:w="http://schemas.openxmlformats.org/wordprocessingml/2006/main" xmlns:wp="http://schemas.openxmlformats.org/drawingml/2006/wordprocessingDrawing" xmlns:a14="http://schemas.microsoft.com/office/drawing/2010/main" xmlns:mc="http://schemas.openxmlformats.org/markup-compatibility/2006" xmlns:p14="http://schemas.microsoft.com/office/powerpoint/2010/main" xmlns:p="http://schemas.openxmlformats.org/presentationml/2006/main">
-  <p:cSld name="">
+<p:notes xmlns:a="http://schemas.openxmlformats.org/drawingml/2006/main" xmlns:r="http://schemas.openxmlformats.org/officeDocument/2006/relationships" xmlns:p="http://schemas.openxmlformats.org/presentationml/2006/main">
+  <p:cSld>
     <p:spTree>
       <p:nvGrpSpPr>
         <p:cNvPr id="1" name=""/>
@@ -4185,6 +2340,8 @@
         <a:xfrm>
           <a:off x="0" y="0"/>
           <a:ext cx="0" cy="0"/>
+          <a:chOff x="0" y="0"/>
+          <a:chExt cx="0" cy="0"/>
         </a:xfrm>
       </p:grpSpPr>
       <p:sp>
@@ -4215,186 +2372,33 @@
           <a:lstStyle/>
           <a:p>
             <a:r>
-              <a:rPr lang="pt-BR" sz="1200" b="0" i="0" strike="noStrike" cap="none" baseline="0">
-                <a:solidFill>
-                  <a:srgbClr val="000000"/>
-                </a:solidFill>
-                <a:effectLst/>
-                <a:latin typeface="Aptos"/>
-                <a:ea typeface="Aptos"/>
-                <a:cs typeface="Aptos"/>
-              </a:rPr>
-              <a:t>Os atacadistas compram produtos de chai em grandes quantidades e os vendem para varejistas ou outros intermediários.</a:t>
-            </a:r>
-            <a:r>
-              <a:rPr lang="pt-BR" sz="1200" b="0" i="0" strike="noStrike" cap="none" baseline="0">
-                <a:solidFill>
-                  <a:srgbClr val="000000"/>
-                </a:solidFill>
-                <a:effectLst/>
-                <a:latin typeface="Aptos"/>
-                <a:ea typeface="Aptos"/>
-                <a:cs typeface="Aptos"/>
-              </a:rPr>
-              <a:t> </a:t>
-            </a:r>
-            <a:r>
-              <a:rPr lang="pt-BR" sz="1200" b="0" i="0" strike="noStrike" cap="none" baseline="0">
-                <a:solidFill>
-                  <a:srgbClr val="000000"/>
-                </a:solidFill>
-                <a:effectLst/>
-                <a:latin typeface="Aptos"/>
-                <a:ea typeface="Aptos"/>
-                <a:cs typeface="Aptos"/>
-              </a:rPr>
-              <a:t>Ajudam a garantir um suprimento consistente e eficiente dos produtos e oferecem uma variedade de serviços.</a:t>
-            </a:r>
-            <a:r>
-              <a:rPr lang="pt-BR" sz="1200" b="0" i="0" strike="noStrike" cap="none" baseline="0">
-                <a:solidFill>
-                  <a:srgbClr val="000000"/>
-                </a:solidFill>
-                <a:effectLst/>
-                <a:latin typeface="Aptos"/>
-                <a:ea typeface="Aptos"/>
-                <a:cs typeface="Aptos"/>
-              </a:rPr>
-              <a:t> </a:t>
-            </a:r>
-            <a:r>
-              <a:rPr lang="pt-BR" sz="1200" b="0" i="0" strike="noStrike" cap="none" baseline="0">
-                <a:solidFill>
-                  <a:srgbClr val="000000"/>
-                </a:solidFill>
-                <a:effectLst/>
-                <a:latin typeface="Aptos"/>
-                <a:ea typeface="Aptos"/>
-                <a:cs typeface="Aptos"/>
-              </a:rPr>
-              <a:t>Os principais atacadistas na América Latina incluem: Cencosud, Grupo Pão de Açúcar, La Anonima e Makro.</a:t>
-            </a:r>
-            <a:r>
-              <a:rPr sz="1200"/>
-              <a:t>
-</a:t>
-            </a:r>
-            <a:r>
-              <a:rPr sz="1200"/>
-              <a:t>
-</a:t>
-            </a:r>
-            <a:r>
-              <a:rPr sz="1200"/>
-              <a:t>
-</a:t>
-            </a:r>
-            <a:r>
-              <a:rPr lang="pt-BR" sz="1200" b="0" i="0" strike="noStrike" cap="none" baseline="0">
-                <a:solidFill>
-                  <a:srgbClr val="000000"/>
-                </a:solidFill>
-                <a:effectLst/>
-                <a:latin typeface="Aptos"/>
-                <a:ea typeface="Aptos"/>
-                <a:cs typeface="Aptos"/>
-              </a:rPr>
+              <a:rPr lang="pt-BR"/>
+              <a:t>Os atacadistas compram produtos de chai em grandes quantidades e os vendem para varejistas ou outros intermediários. Ajudam a garantir um suprimento consistente e eficiente dos produtos e oferecem uma variedade de serviços. Os principais atacadistas na América Latina incluem Cencosud, Grupo Pão de Açúcar, La Anonima e Makro.</a:t>
+            </a:r>
+            <a:br>
+              <a:rPr lang="pt-BR"/>
+            </a:br>
+            <a:br>
+              <a:rPr lang="pt-BR"/>
+            </a:br>
+            <a:br>
+              <a:rPr lang="pt-BR"/>
+            </a:br>
+            <a:r>
+              <a:rPr lang="pt-BR"/>
               <a:t>Conteúdo original:</a:t>
             </a:r>
-            <a:r>
-              <a:rPr sz="1200"/>
-              <a:t>
-</a:t>
-            </a:r>
-            <a:r>
-              <a:rPr lang="pt-BR" sz="1200" b="0" i="0" strike="noStrike" cap="none" baseline="0">
-                <a:solidFill>
-                  <a:srgbClr val="000000"/>
-                </a:solidFill>
-                <a:effectLst/>
-                <a:latin typeface="Aptos"/>
-                <a:ea typeface="Aptos"/>
-                <a:cs typeface="Aptos"/>
-              </a:rPr>
-              <a:t>Atacadistas são comerciantes que compram os produtos de chá Chai em grandes quantidades dos fabricantes ou distribuidores e os revendem para varejistas ou outros intermediários.</a:t>
-            </a:r>
-            <a:r>
-              <a:rPr lang="pt-BR" sz="1200" b="0" i="0" strike="noStrike" cap="none" baseline="0">
-                <a:solidFill>
-                  <a:srgbClr val="000000"/>
-                </a:solidFill>
-                <a:effectLst/>
-                <a:latin typeface="Aptos"/>
-                <a:ea typeface="Aptos"/>
-                <a:cs typeface="Aptos"/>
-              </a:rPr>
-              <a:t> </a:t>
-            </a:r>
-            <a:r>
-              <a:rPr lang="pt-BR" sz="1200" b="0" i="0" strike="noStrike" cap="none" baseline="0">
-                <a:solidFill>
-                  <a:srgbClr val="000000"/>
-                </a:solidFill>
-                <a:effectLst/>
-                <a:latin typeface="Aptos"/>
-                <a:ea typeface="Aptos"/>
-                <a:cs typeface="Aptos"/>
-              </a:rPr>
-              <a:t>Eles ajudam a garantir um suprimento consistente e eficiente dos produtos de chai nos pontos de venda, facilitando a logística e a distribuição dos produtos de chai em toda a região,</a:t>
-            </a:r>
-            <a:r>
-              <a:rPr lang="pt-BR" sz="1200" b="0" i="0" strike="noStrike" cap="none" baseline="0">
-                <a:solidFill>
-                  <a:srgbClr val="000000"/>
-                </a:solidFill>
-                <a:effectLst/>
-                <a:latin typeface="Aptos"/>
-                <a:ea typeface="Aptos"/>
-                <a:cs typeface="Aptos"/>
-              </a:rPr>
-              <a:t> </a:t>
-            </a:r>
-            <a:r>
-              <a:rPr lang="pt-BR" sz="1200" b="0" i="0" strike="noStrike" cap="none" baseline="0">
-                <a:solidFill>
-                  <a:srgbClr val="000000"/>
-                </a:solidFill>
-                <a:effectLst/>
-                <a:latin typeface="Aptos"/>
-                <a:ea typeface="Aptos"/>
-                <a:cs typeface="Aptos"/>
-              </a:rPr>
-              <a:t>além de fornecer informações de mercado, feedback e facilidades de crédito.</a:t>
-            </a:r>
-            <a:r>
-              <a:rPr lang="pt-BR" sz="1200" b="0" i="0" strike="noStrike" cap="none" baseline="0">
-                <a:solidFill>
-                  <a:srgbClr val="000000"/>
-                </a:solidFill>
-                <a:effectLst/>
-                <a:latin typeface="Aptos"/>
-                <a:ea typeface="Aptos"/>
-                <a:cs typeface="Aptos"/>
-              </a:rPr>
-              <a:t> </a:t>
-            </a:r>
-            <a:r>
-              <a:rPr lang="pt-BR" sz="1200" b="0" i="0" strike="noStrike" cap="none" baseline="0">
-                <a:solidFill>
-                  <a:srgbClr val="000000"/>
-                </a:solidFill>
-                <a:effectLst/>
-                <a:latin typeface="Aptos"/>
-                <a:ea typeface="Aptos"/>
-                <a:cs typeface="Aptos"/>
-              </a:rPr>
-              <a:t>Alguns dos principais atacadistas de produtos de chá Chai na América Latina são: Cencosud, Grupo Pão de Açúcar, La Anonima e Makro.</a:t>
-            </a:r>
-            <a:r>
-              <a:rPr sz="1200"/>
-              <a:t>
-</a:t>
-            </a:r>
+            <a:br>
+              <a:rPr lang="pt-BR"/>
+            </a:br>
+            <a:r>
+              <a:rPr lang="pt-BR"/>
+              <a:t>Os atacadistas compram os produtos de chai em grandes quantidades dos fabricantes ou distribuidores e os revendem para varejistas ou outros intermediários. Eles ajudam a garantir um suprimento consistente e eficiente dos produtos de chai nos pontos de venda, facilitando a logística e a distribuição dos produtos de chai em toda a região, além de fornecer informações de mercado, feedback e facilidades de crédito. Alguns dos principais atacadistas de produtos de chai na América Latina são Cencosud, Grupo Pão de Açúcar, La Anonima e Makro.</a:t>
+            </a:r>
+            <a:br>
+              <a:rPr lang="pt-BR"/>
+            </a:br>
+            <a:endParaRPr lang="pt-BR"/>
           </a:p>
         </p:txBody>
       </p:sp>
@@ -4435,7 +2439,7 @@
 </file>
 
 <file path=ppt/slideLayouts/slideLayout1.xml><?xml version="1.0" encoding="utf-8"?>
-<p:sldLayout xmlns:a="http://schemas.openxmlformats.org/drawingml/2006/main" xmlns:r="http://schemas.openxmlformats.org/officeDocument/2006/relationships" xmlns:m="http://schemas.openxmlformats.org/officeDocument/2006/math" xmlns:w="http://schemas.openxmlformats.org/wordprocessingml/2006/main" xmlns:wp="http://schemas.openxmlformats.org/drawingml/2006/wordprocessingDrawing" xmlns:a14="http://schemas.microsoft.com/office/drawing/2010/main" xmlns:mc="http://schemas.openxmlformats.org/markup-compatibility/2006" xmlns:p14="http://schemas.microsoft.com/office/powerpoint/2010/main" xmlns:p15="http://schemas.microsoft.com/office/powerpoint/2012/main" xmlns:p159="http://schemas.microsoft.com/office/powerpoint/2015/09/main" xmlns:p="http://schemas.openxmlformats.org/presentationml/2006/main" showMasterSp="0" type="title" preserve="1">
+<p:sldLayout xmlns:a="http://schemas.openxmlformats.org/drawingml/2006/main" xmlns:r="http://schemas.openxmlformats.org/officeDocument/2006/relationships" xmlns:p="http://schemas.openxmlformats.org/presentationml/2006/main" showMasterSp="0" type="title" preserve="1">
   <p:cSld name="Title Slide">
     <p:spTree>
       <p:nvGrpSpPr>
@@ -4447,6 +2451,8 @@
         <a:xfrm>
           <a:off x="0" y="0"/>
           <a:ext cx="0" cy="0"/>
+          <a:chOff x="0" y="0"/>
+          <a:chExt cx="0" cy="0"/>
         </a:xfrm>
       </p:grpSpPr>
       <p:sp>
@@ -4492,11 +2498,6 @@
             <a:schemeClr val="lt1"/>
           </a:fontRef>
         </p:style>
-        <p:txBody>
-          <a:bodyPr/>
-          <a:lstStyle/>
-          <a:p/>
-        </p:txBody>
       </p:sp>
       <p:sp>
         <p:nvSpPr>
@@ -4538,7 +2539,7 @@
               <a:rPr lang="en-US"/>
               <a:t>Click to edit Master title style</a:t>
             </a:r>
-            <a:endParaRPr lang="en-US"/>
+            <a:endParaRPr lang="en-US" dirty="0"/>
           </a:p>
         </p:txBody>
       </p:sp>
@@ -4610,7 +2611,7 @@
               <a:rPr lang="en-US"/>
               <a:t>Click to edit Master subtitle style</a:t>
             </a:r>
-            <a:endParaRPr lang="en-US"/>
+            <a:endParaRPr lang="en-US" dirty="0"/>
           </a:p>
         </p:txBody>
       </p:sp>
@@ -4681,9 +2682,9 @@
           <a:p>
             <a:fld id="{9184DA70-C731-4C70-880D-CCD4705E623C}" type="datetime1">
               <a:rPr lang="en-US" smtClean="0"/>
-              <a:t>6/26/2024</a:t>
+              <a:t>6/2/2025</a:t>
             </a:fld>
-            <a:endParaRPr lang="en-US"/>
+            <a:endParaRPr lang="en-US" dirty="0"/>
           </a:p>
         </p:txBody>
       </p:sp>
@@ -4708,7 +2709,7 @@
           <a:bodyPr/>
           <a:lstStyle/>
           <a:p>
-            <a:endParaRPr lang="en-US"/>
+            <a:endParaRPr lang="en-US" dirty="0"/>
           </a:p>
         </p:txBody>
       </p:sp>
@@ -4737,7 +2738,7 @@
               <a:rPr lang="en-US" smtClean="0"/>
               <a:t>‹#›</a:t>
             </a:fld>
-            <a:endParaRPr lang="en-US"/>
+            <a:endParaRPr lang="en-US" dirty="0"/>
           </a:p>
         </p:txBody>
       </p:sp>
@@ -4751,13 +2752,11 @@
   <p:clrMapOvr>
     <a:masterClrMapping/>
   </p:clrMapOvr>
-  <p:transition/>
-  <p:timing/>
 </p:sldLayout>
 </file>
 
 <file path=ppt/slideLayouts/slideLayout10.xml><?xml version="1.0" encoding="utf-8"?>
-<p:sldLayout xmlns:a="http://schemas.openxmlformats.org/drawingml/2006/main" xmlns:r="http://schemas.openxmlformats.org/officeDocument/2006/relationships" xmlns:m="http://schemas.openxmlformats.org/officeDocument/2006/math" xmlns:w="http://schemas.openxmlformats.org/wordprocessingml/2006/main" xmlns:wp="http://schemas.openxmlformats.org/drawingml/2006/wordprocessingDrawing" xmlns:a14="http://schemas.microsoft.com/office/drawing/2010/main" xmlns:mc="http://schemas.openxmlformats.org/markup-compatibility/2006" xmlns:p14="http://schemas.microsoft.com/office/powerpoint/2010/main" xmlns:p15="http://schemas.microsoft.com/office/powerpoint/2012/main" xmlns:p159="http://schemas.microsoft.com/office/powerpoint/2015/09/main" xmlns:p="http://schemas.openxmlformats.org/presentationml/2006/main" type="vertTx" preserve="1">
+<p:sldLayout xmlns:a="http://schemas.openxmlformats.org/drawingml/2006/main" xmlns:r="http://schemas.openxmlformats.org/officeDocument/2006/relationships" xmlns:p="http://schemas.openxmlformats.org/presentationml/2006/main" type="vertTx" preserve="1">
   <p:cSld name="Title and Vertical Text">
     <p:spTree>
       <p:nvGrpSpPr>
@@ -4769,6 +2768,8 @@
         <a:xfrm>
           <a:off x="0" y="0"/>
           <a:ext cx="0" cy="0"/>
+          <a:chOff x="0" y="0"/>
+          <a:chExt cx="0" cy="0"/>
         </a:xfrm>
       </p:grpSpPr>
       <p:sp>
@@ -4790,7 +2791,7 @@
               <a:rPr lang="en-US"/>
               <a:t>Click to edit Master title style</a:t>
             </a:r>
-            <a:endParaRPr lang="en-US"/>
+            <a:endParaRPr lang="en-US" dirty="0"/>
           </a:p>
         </p:txBody>
       </p:sp>
@@ -4842,7 +2843,7 @@
               <a:rPr lang="en-US"/>
               <a:t>Fifth level</a:t>
             </a:r>
-            <a:endParaRPr lang="en-US"/>
+            <a:endParaRPr lang="en-US" dirty="0"/>
           </a:p>
         </p:txBody>
       </p:sp>
@@ -4869,9 +2870,9 @@
           <a:p>
             <a:fld id="{B612A279-0833-481D-8C56-F67FD0AC6C50}" type="datetime1">
               <a:rPr lang="en-US" smtClean="0"/>
-              <a:t>6/26/2024</a:t>
+              <a:t>6/2/2025</a:t>
             </a:fld>
-            <a:endParaRPr lang="en-US"/>
+            <a:endParaRPr lang="en-US" dirty="0"/>
           </a:p>
         </p:txBody>
       </p:sp>
@@ -4896,7 +2897,7 @@
           <a:bodyPr/>
           <a:lstStyle/>
           <a:p>
-            <a:endParaRPr lang="en-US"/>
+            <a:endParaRPr lang="en-US" dirty="0"/>
           </a:p>
         </p:txBody>
       </p:sp>
@@ -4925,7 +2926,7 @@
               <a:rPr lang="en-US" smtClean="0"/>
               <a:t>‹#›</a:t>
             </a:fld>
-            <a:endParaRPr lang="en-US"/>
+            <a:endParaRPr lang="en-US" dirty="0"/>
           </a:p>
         </p:txBody>
       </p:sp>
@@ -4939,13 +2940,11 @@
   <p:clrMapOvr>
     <a:masterClrMapping/>
   </p:clrMapOvr>
-  <p:transition/>
-  <p:timing/>
 </p:sldLayout>
 </file>
 
 <file path=ppt/slideLayouts/slideLayout11.xml><?xml version="1.0" encoding="utf-8"?>
-<p:sldLayout xmlns:a="http://schemas.openxmlformats.org/drawingml/2006/main" xmlns:r="http://schemas.openxmlformats.org/officeDocument/2006/relationships" xmlns:m="http://schemas.openxmlformats.org/officeDocument/2006/math" xmlns:w="http://schemas.openxmlformats.org/wordprocessingml/2006/main" xmlns:wp="http://schemas.openxmlformats.org/drawingml/2006/wordprocessingDrawing" xmlns:a14="http://schemas.microsoft.com/office/drawing/2010/main" xmlns:mc="http://schemas.openxmlformats.org/markup-compatibility/2006" xmlns:p14="http://schemas.microsoft.com/office/powerpoint/2010/main" xmlns:p15="http://schemas.microsoft.com/office/powerpoint/2012/main" xmlns:p159="http://schemas.microsoft.com/office/powerpoint/2015/09/main" xmlns:p="http://schemas.openxmlformats.org/presentationml/2006/main" showMasterSp="0" type="vertTitleAndTx" preserve="1">
+<p:sldLayout xmlns:a="http://schemas.openxmlformats.org/drawingml/2006/main" xmlns:r="http://schemas.openxmlformats.org/officeDocument/2006/relationships" xmlns:p="http://schemas.openxmlformats.org/presentationml/2006/main" showMasterSp="0" type="vertTitleAndTx" preserve="1">
   <p:cSld name="Vertical Title and Text">
     <p:spTree>
       <p:nvGrpSpPr>
@@ -4957,6 +2956,8 @@
         <a:xfrm>
           <a:off x="0" y="0"/>
           <a:ext cx="0" cy="0"/>
+          <a:chOff x="0" y="0"/>
+          <a:chExt cx="0" cy="0"/>
         </a:xfrm>
       </p:grpSpPr>
       <p:sp>
@@ -5002,11 +3003,6 @@
             <a:schemeClr val="lt1"/>
           </a:fontRef>
         </p:style>
-        <p:txBody>
-          <a:bodyPr/>
-          <a:lstStyle/>
-          <a:p/>
-        </p:txBody>
       </p:sp>
       <p:sp>
         <p:nvSpPr>
@@ -5032,7 +3028,7 @@
               <a:rPr lang="en-US"/>
               <a:t>Click to edit Master title style</a:t>
             </a:r>
-            <a:endParaRPr lang="en-US"/>
+            <a:endParaRPr lang="en-US" dirty="0"/>
           </a:p>
         </p:txBody>
       </p:sp>
@@ -5089,7 +3085,7 @@
               <a:rPr lang="en-US"/>
               <a:t>Fifth level</a:t>
             </a:r>
-            <a:endParaRPr lang="en-US"/>
+            <a:endParaRPr lang="en-US" dirty="0"/>
           </a:p>
         </p:txBody>
       </p:sp>
@@ -5116,9 +3112,9 @@
           <a:p>
             <a:fld id="{6587DA83-5663-4C9C-B9AA-0B40A3DAFF81}" type="datetime1">
               <a:rPr lang="en-US" smtClean="0"/>
-              <a:t>6/26/2024</a:t>
+              <a:t>6/2/2025</a:t>
             </a:fld>
-            <a:endParaRPr lang="en-US"/>
+            <a:endParaRPr lang="en-US" dirty="0"/>
           </a:p>
         </p:txBody>
       </p:sp>
@@ -5143,7 +3139,7 @@
           <a:bodyPr/>
           <a:lstStyle/>
           <a:p>
-            <a:endParaRPr lang="en-US"/>
+            <a:endParaRPr lang="en-US" dirty="0"/>
           </a:p>
         </p:txBody>
       </p:sp>
@@ -5172,7 +3168,7 @@
               <a:rPr lang="en-US" smtClean="0"/>
               <a:t>‹#›</a:t>
             </a:fld>
-            <a:endParaRPr lang="en-US"/>
+            <a:endParaRPr lang="en-US" dirty="0"/>
           </a:p>
         </p:txBody>
       </p:sp>
@@ -5186,13 +3182,11 @@
   <p:clrMapOvr>
     <a:masterClrMapping/>
   </p:clrMapOvr>
-  <p:transition/>
-  <p:timing/>
 </p:sldLayout>
 </file>
 
 <file path=ppt/slideLayouts/slideLayout2.xml><?xml version="1.0" encoding="utf-8"?>
-<p:sldLayout xmlns:a="http://schemas.openxmlformats.org/drawingml/2006/main" xmlns:r="http://schemas.openxmlformats.org/officeDocument/2006/relationships" xmlns:m="http://schemas.openxmlformats.org/officeDocument/2006/math" xmlns:w="http://schemas.openxmlformats.org/wordprocessingml/2006/main" xmlns:wp="http://schemas.openxmlformats.org/drawingml/2006/wordprocessingDrawing" xmlns:a14="http://schemas.microsoft.com/office/drawing/2010/main" xmlns:mc="http://schemas.openxmlformats.org/markup-compatibility/2006" xmlns:p14="http://schemas.microsoft.com/office/powerpoint/2010/main" xmlns:p15="http://schemas.microsoft.com/office/powerpoint/2012/main" xmlns:p159="http://schemas.microsoft.com/office/powerpoint/2015/09/main" xmlns:p="http://schemas.openxmlformats.org/presentationml/2006/main" type="obj" preserve="1">
+<p:sldLayout xmlns:a="http://schemas.openxmlformats.org/drawingml/2006/main" xmlns:r="http://schemas.openxmlformats.org/officeDocument/2006/relationships" xmlns:p="http://schemas.openxmlformats.org/presentationml/2006/main" type="obj" preserve="1">
   <p:cSld name="Title and Content">
     <p:spTree>
       <p:nvGrpSpPr>
@@ -5204,6 +3198,8 @@
         <a:xfrm>
           <a:off x="0" y="0"/>
           <a:ext cx="0" cy="0"/>
+          <a:chOff x="0" y="0"/>
+          <a:chExt cx="0" cy="0"/>
         </a:xfrm>
       </p:grpSpPr>
       <p:sp>
@@ -5225,7 +3221,7 @@
               <a:rPr lang="en-US"/>
               <a:t>Click to edit Master title style</a:t>
             </a:r>
-            <a:endParaRPr lang="en-US"/>
+            <a:endParaRPr lang="en-US" dirty="0"/>
           </a:p>
         </p:txBody>
       </p:sp>
@@ -5277,7 +3273,7 @@
               <a:rPr lang="en-US"/>
               <a:t>Fifth level</a:t>
             </a:r>
-            <a:endParaRPr lang="en-US"/>
+            <a:endParaRPr lang="en-US" dirty="0"/>
           </a:p>
         </p:txBody>
       </p:sp>
@@ -5304,9 +3300,9 @@
           <a:p>
             <a:fld id="{4BE1D723-8F53-4F53-90B0-1982A396982E}" type="datetime1">
               <a:rPr lang="en-US" smtClean="0"/>
-              <a:t>6/26/2024</a:t>
+              <a:t>6/2/2025</a:t>
             </a:fld>
-            <a:endParaRPr lang="en-US"/>
+            <a:endParaRPr lang="en-US" dirty="0"/>
           </a:p>
         </p:txBody>
       </p:sp>
@@ -5331,7 +3327,7 @@
           <a:bodyPr/>
           <a:lstStyle/>
           <a:p>
-            <a:endParaRPr lang="en-US"/>
+            <a:endParaRPr lang="en-US" dirty="0"/>
           </a:p>
         </p:txBody>
       </p:sp>
@@ -5360,7 +3356,7 @@
               <a:rPr lang="en-US" smtClean="0"/>
               <a:t>‹#›</a:t>
             </a:fld>
-            <a:endParaRPr lang="en-US"/>
+            <a:endParaRPr lang="en-US" dirty="0"/>
           </a:p>
         </p:txBody>
       </p:sp>
@@ -5374,13 +3370,11 @@
   <p:clrMapOvr>
     <a:masterClrMapping/>
   </p:clrMapOvr>
-  <p:transition/>
-  <p:timing/>
 </p:sldLayout>
 </file>
 
 <file path=ppt/slideLayouts/slideLayout3.xml><?xml version="1.0" encoding="utf-8"?>
-<p:sldLayout xmlns:a="http://schemas.openxmlformats.org/drawingml/2006/main" xmlns:r="http://schemas.openxmlformats.org/officeDocument/2006/relationships" xmlns:m="http://schemas.openxmlformats.org/officeDocument/2006/math" xmlns:w="http://schemas.openxmlformats.org/wordprocessingml/2006/main" xmlns:wp="http://schemas.openxmlformats.org/drawingml/2006/wordprocessingDrawing" xmlns:a14="http://schemas.microsoft.com/office/drawing/2010/main" xmlns:mc="http://schemas.openxmlformats.org/markup-compatibility/2006" xmlns:p14="http://schemas.microsoft.com/office/powerpoint/2010/main" xmlns:p15="http://schemas.microsoft.com/office/powerpoint/2012/main" xmlns:p159="http://schemas.microsoft.com/office/powerpoint/2015/09/main" xmlns:p="http://schemas.openxmlformats.org/presentationml/2006/main" showMasterSp="0" type="secHead" preserve="1">
+<p:sldLayout xmlns:a="http://schemas.openxmlformats.org/drawingml/2006/main" xmlns:r="http://schemas.openxmlformats.org/officeDocument/2006/relationships" xmlns:p="http://schemas.openxmlformats.org/presentationml/2006/main" showMasterSp="0" type="secHead" preserve="1">
   <p:cSld name="Section Header">
     <p:bg>
       <p:bgPr>
@@ -5400,6 +3394,8 @@
         <a:xfrm>
           <a:off x="0" y="0"/>
           <a:ext cx="0" cy="0"/>
+          <a:chOff x="0" y="0"/>
+          <a:chExt cx="0" cy="0"/>
         </a:xfrm>
       </p:grpSpPr>
       <p:sp>
@@ -5445,11 +3441,6 @@
             <a:schemeClr val="lt1"/>
           </a:fontRef>
         </p:style>
-        <p:txBody>
-          <a:bodyPr/>
-          <a:lstStyle/>
-          <a:p/>
-        </p:txBody>
       </p:sp>
       <p:sp>
         <p:nvSpPr>
@@ -5491,7 +3482,7 @@
               <a:rPr lang="en-US"/>
               <a:t>Click to edit Master title style</a:t>
             </a:r>
-            <a:endParaRPr lang="en-US"/>
+            <a:endParaRPr lang="en-US" dirty="0"/>
           </a:p>
         </p:txBody>
       </p:sp>
@@ -5682,9 +3673,9 @@
           <a:p>
             <a:fld id="{97669AF7-7BEB-44E4-9852-375E34362B5B}" type="datetime1">
               <a:rPr lang="en-US" smtClean="0"/>
-              <a:t>6/26/2024</a:t>
+              <a:t>6/2/2025</a:t>
             </a:fld>
-            <a:endParaRPr lang="en-US"/>
+            <a:endParaRPr lang="en-US" dirty="0"/>
           </a:p>
         </p:txBody>
       </p:sp>
@@ -5709,7 +3700,7 @@
           <a:bodyPr/>
           <a:lstStyle/>
           <a:p>
-            <a:endParaRPr lang="en-US"/>
+            <a:endParaRPr lang="en-US" dirty="0"/>
           </a:p>
         </p:txBody>
       </p:sp>
@@ -5738,7 +3729,7 @@
               <a:rPr lang="en-US" smtClean="0"/>
               <a:t>‹#›</a:t>
             </a:fld>
-            <a:endParaRPr lang="en-US"/>
+            <a:endParaRPr lang="en-US" dirty="0"/>
           </a:p>
         </p:txBody>
       </p:sp>
@@ -5752,13 +3743,11 @@
   <p:clrMapOvr>
     <a:masterClrMapping/>
   </p:clrMapOvr>
-  <p:transition/>
-  <p:timing/>
 </p:sldLayout>
 </file>
 
 <file path=ppt/slideLayouts/slideLayout4.xml><?xml version="1.0" encoding="utf-8"?>
-<p:sldLayout xmlns:a="http://schemas.openxmlformats.org/drawingml/2006/main" xmlns:r="http://schemas.openxmlformats.org/officeDocument/2006/relationships" xmlns:m="http://schemas.openxmlformats.org/officeDocument/2006/math" xmlns:w="http://schemas.openxmlformats.org/wordprocessingml/2006/main" xmlns:wp="http://schemas.openxmlformats.org/drawingml/2006/wordprocessingDrawing" xmlns:a14="http://schemas.microsoft.com/office/drawing/2010/main" xmlns:mc="http://schemas.openxmlformats.org/markup-compatibility/2006" xmlns:p14="http://schemas.microsoft.com/office/powerpoint/2010/main" xmlns:p15="http://schemas.microsoft.com/office/powerpoint/2012/main" xmlns:p159="http://schemas.microsoft.com/office/powerpoint/2015/09/main" xmlns:p="http://schemas.openxmlformats.org/presentationml/2006/main" type="twoObj" preserve="1">
+<p:sldLayout xmlns:a="http://schemas.openxmlformats.org/drawingml/2006/main" xmlns:r="http://schemas.openxmlformats.org/officeDocument/2006/relationships" xmlns:p="http://schemas.openxmlformats.org/presentationml/2006/main" type="twoObj" preserve="1">
   <p:cSld name="Two Content">
     <p:spTree>
       <p:nvGrpSpPr>
@@ -5770,6 +3759,8 @@
         <a:xfrm>
           <a:off x="0" y="0"/>
           <a:ext cx="0" cy="0"/>
+          <a:chOff x="0" y="0"/>
+          <a:chExt cx="0" cy="0"/>
         </a:xfrm>
       </p:grpSpPr>
       <p:sp>
@@ -5796,7 +3787,7 @@
               <a:rPr lang="en-US"/>
               <a:t>Click to edit Master title style</a:t>
             </a:r>
-            <a:endParaRPr lang="en-US"/>
+            <a:endParaRPr lang="en-US" dirty="0"/>
           </a:p>
         </p:txBody>
       </p:sp>
@@ -5853,7 +3844,7 @@
               <a:rPr lang="en-US"/>
               <a:t>Fifth level</a:t>
             </a:r>
-            <a:endParaRPr lang="en-US"/>
+            <a:endParaRPr lang="en-US" dirty="0"/>
           </a:p>
         </p:txBody>
       </p:sp>
@@ -5910,7 +3901,7 @@
               <a:rPr lang="en-US"/>
               <a:t>Fifth level</a:t>
             </a:r>
-            <a:endParaRPr lang="en-US"/>
+            <a:endParaRPr lang="en-US" dirty="0"/>
           </a:p>
         </p:txBody>
       </p:sp>
@@ -5937,9 +3928,9 @@
           <a:p>
             <a:fld id="{BAAAC38D-0552-4C82-B593-E6124DFADBE2}" type="datetime1">
               <a:rPr lang="en-US" smtClean="0"/>
-              <a:t>6/26/2024</a:t>
+              <a:t>6/2/2025</a:t>
             </a:fld>
-            <a:endParaRPr lang="en-US"/>
+            <a:endParaRPr lang="en-US" dirty="0"/>
           </a:p>
         </p:txBody>
       </p:sp>
@@ -5964,7 +3955,7 @@
           <a:bodyPr/>
           <a:lstStyle/>
           <a:p>
-            <a:endParaRPr lang="en-US"/>
+            <a:endParaRPr lang="en-US" dirty="0"/>
           </a:p>
         </p:txBody>
       </p:sp>
@@ -5993,7 +3984,7 @@
               <a:rPr lang="en-US" smtClean="0"/>
               <a:t>‹#›</a:t>
             </a:fld>
-            <a:endParaRPr lang="en-US"/>
+            <a:endParaRPr lang="en-US" dirty="0"/>
           </a:p>
         </p:txBody>
       </p:sp>
@@ -6007,13 +3998,11 @@
   <p:clrMapOvr>
     <a:masterClrMapping/>
   </p:clrMapOvr>
-  <p:transition/>
-  <p:timing/>
 </p:sldLayout>
 </file>
 
 <file path=ppt/slideLayouts/slideLayout5.xml><?xml version="1.0" encoding="utf-8"?>
-<p:sldLayout xmlns:a="http://schemas.openxmlformats.org/drawingml/2006/main" xmlns:r="http://schemas.openxmlformats.org/officeDocument/2006/relationships" xmlns:m="http://schemas.openxmlformats.org/officeDocument/2006/math" xmlns:w="http://schemas.openxmlformats.org/wordprocessingml/2006/main" xmlns:wp="http://schemas.openxmlformats.org/drawingml/2006/wordprocessingDrawing" xmlns:a14="http://schemas.microsoft.com/office/drawing/2010/main" xmlns:mc="http://schemas.openxmlformats.org/markup-compatibility/2006" xmlns:p14="http://schemas.microsoft.com/office/powerpoint/2010/main" xmlns:p15="http://schemas.microsoft.com/office/powerpoint/2012/main" xmlns:p159="http://schemas.microsoft.com/office/powerpoint/2015/09/main" xmlns:p="http://schemas.openxmlformats.org/presentationml/2006/main" type="twoTxTwoObj" preserve="1">
+<p:sldLayout xmlns:a="http://schemas.openxmlformats.org/drawingml/2006/main" xmlns:r="http://schemas.openxmlformats.org/officeDocument/2006/relationships" xmlns:p="http://schemas.openxmlformats.org/presentationml/2006/main" type="twoTxTwoObj" preserve="1">
   <p:cSld name="Comparison">
     <p:spTree>
       <p:nvGrpSpPr>
@@ -6025,6 +4014,8 @@
         <a:xfrm>
           <a:off x="0" y="0"/>
           <a:ext cx="0" cy="0"/>
+          <a:chOff x="0" y="0"/>
+          <a:chExt cx="0" cy="0"/>
         </a:xfrm>
       </p:grpSpPr>
       <p:sp>
@@ -6051,7 +4042,7 @@
               <a:rPr lang="en-US"/>
               <a:t>Click to edit Master title style</a:t>
             </a:r>
-            <a:endParaRPr lang="en-US"/>
+            <a:endParaRPr lang="en-US" dirty="0"/>
           </a:p>
         </p:txBody>
       </p:sp>
@@ -6179,7 +4170,7 @@
               <a:rPr lang="en-US"/>
               <a:t>Fifth level</a:t>
             </a:r>
-            <a:endParaRPr lang="en-US"/>
+            <a:endParaRPr lang="en-US" dirty="0"/>
           </a:p>
         </p:txBody>
       </p:sp>
@@ -6307,7 +4298,7 @@
               <a:rPr lang="en-US"/>
               <a:t>Fifth level</a:t>
             </a:r>
-            <a:endParaRPr lang="en-US"/>
+            <a:endParaRPr lang="en-US" dirty="0"/>
           </a:p>
         </p:txBody>
       </p:sp>
@@ -6334,9 +4325,9 @@
           <a:p>
             <a:fld id="{D9DF0F1C-5577-4ACB-BB62-DF8F3C494C7E}" type="datetime1">
               <a:rPr lang="en-US" smtClean="0"/>
-              <a:t>6/26/2024</a:t>
+              <a:t>6/2/2025</a:t>
             </a:fld>
-            <a:endParaRPr lang="en-US"/>
+            <a:endParaRPr lang="en-US" dirty="0"/>
           </a:p>
         </p:txBody>
       </p:sp>
@@ -6361,7 +4352,7 @@
           <a:bodyPr/>
           <a:lstStyle/>
           <a:p>
-            <a:endParaRPr lang="en-US"/>
+            <a:endParaRPr lang="en-US" dirty="0"/>
           </a:p>
         </p:txBody>
       </p:sp>
@@ -6390,7 +4381,7 @@
               <a:rPr lang="en-US" smtClean="0"/>
               <a:t>‹#›</a:t>
             </a:fld>
-            <a:endParaRPr lang="en-US"/>
+            <a:endParaRPr lang="en-US" dirty="0"/>
           </a:p>
         </p:txBody>
       </p:sp>
@@ -6404,13 +4395,11 @@
   <p:clrMapOvr>
     <a:masterClrMapping/>
   </p:clrMapOvr>
-  <p:transition/>
-  <p:timing/>
 </p:sldLayout>
 </file>
 
 <file path=ppt/slideLayouts/slideLayout6.xml><?xml version="1.0" encoding="utf-8"?>
-<p:sldLayout xmlns:a="http://schemas.openxmlformats.org/drawingml/2006/main" xmlns:r="http://schemas.openxmlformats.org/officeDocument/2006/relationships" xmlns:m="http://schemas.openxmlformats.org/officeDocument/2006/math" xmlns:w="http://schemas.openxmlformats.org/wordprocessingml/2006/main" xmlns:wp="http://schemas.openxmlformats.org/drawingml/2006/wordprocessingDrawing" xmlns:a14="http://schemas.microsoft.com/office/drawing/2010/main" xmlns:mc="http://schemas.openxmlformats.org/markup-compatibility/2006" xmlns:p14="http://schemas.microsoft.com/office/powerpoint/2010/main" xmlns:p15="http://schemas.microsoft.com/office/powerpoint/2012/main" xmlns:p159="http://schemas.microsoft.com/office/powerpoint/2015/09/main" xmlns:p="http://schemas.openxmlformats.org/presentationml/2006/main" type="titleOnly" preserve="1">
+<p:sldLayout xmlns:a="http://schemas.openxmlformats.org/drawingml/2006/main" xmlns:r="http://schemas.openxmlformats.org/officeDocument/2006/relationships" xmlns:p="http://schemas.openxmlformats.org/presentationml/2006/main" type="titleOnly" preserve="1">
   <p:cSld name="Title Only">
     <p:spTree>
       <p:nvGrpSpPr>
@@ -6422,6 +4411,8 @@
         <a:xfrm>
           <a:off x="0" y="0"/>
           <a:ext cx="0" cy="0"/>
+          <a:chOff x="0" y="0"/>
+          <a:chExt cx="0" cy="0"/>
         </a:xfrm>
       </p:grpSpPr>
       <p:sp>
@@ -6443,7 +4434,7 @@
               <a:rPr lang="en-US"/>
               <a:t>Click to edit Master title style</a:t>
             </a:r>
-            <a:endParaRPr lang="en-US"/>
+            <a:endParaRPr lang="en-US" dirty="0"/>
           </a:p>
         </p:txBody>
       </p:sp>
@@ -6470,9 +4461,9 @@
           <a:p>
             <a:fld id="{1775B394-D9F9-4F0C-B15D-605F45CB9E9F}" type="datetime1">
               <a:rPr lang="en-US" smtClean="0"/>
-              <a:t>6/26/2024</a:t>
+              <a:t>6/2/2025</a:t>
             </a:fld>
-            <a:endParaRPr lang="en-US"/>
+            <a:endParaRPr lang="en-US" dirty="0"/>
           </a:p>
         </p:txBody>
       </p:sp>
@@ -6497,7 +4488,7 @@
           <a:bodyPr/>
           <a:lstStyle/>
           <a:p>
-            <a:endParaRPr lang="en-US"/>
+            <a:endParaRPr lang="en-US" dirty="0"/>
           </a:p>
         </p:txBody>
       </p:sp>
@@ -6526,7 +4517,7 @@
               <a:rPr lang="en-US" smtClean="0"/>
               <a:t>‹#›</a:t>
             </a:fld>
-            <a:endParaRPr lang="en-US"/>
+            <a:endParaRPr lang="en-US" dirty="0"/>
           </a:p>
         </p:txBody>
       </p:sp>
@@ -6540,13 +4531,11 @@
   <p:clrMapOvr>
     <a:masterClrMapping/>
   </p:clrMapOvr>
-  <p:transition/>
-  <p:timing/>
 </p:sldLayout>
 </file>
 
 <file path=ppt/slideLayouts/slideLayout7.xml><?xml version="1.0" encoding="utf-8"?>
-<p:sldLayout xmlns:a="http://schemas.openxmlformats.org/drawingml/2006/main" xmlns:r="http://schemas.openxmlformats.org/officeDocument/2006/relationships" xmlns:m="http://schemas.openxmlformats.org/officeDocument/2006/math" xmlns:w="http://schemas.openxmlformats.org/wordprocessingml/2006/main" xmlns:wp="http://schemas.openxmlformats.org/drawingml/2006/wordprocessingDrawing" xmlns:a14="http://schemas.microsoft.com/office/drawing/2010/main" xmlns:mc="http://schemas.openxmlformats.org/markup-compatibility/2006" xmlns:p14="http://schemas.microsoft.com/office/powerpoint/2010/main" xmlns:p15="http://schemas.microsoft.com/office/powerpoint/2012/main" xmlns:p159="http://schemas.microsoft.com/office/powerpoint/2015/09/main" xmlns:p="http://schemas.openxmlformats.org/presentationml/2006/main" showMasterSp="0" type="blank" preserve="1">
+<p:sldLayout xmlns:a="http://schemas.openxmlformats.org/drawingml/2006/main" xmlns:r="http://schemas.openxmlformats.org/officeDocument/2006/relationships" xmlns:p="http://schemas.openxmlformats.org/presentationml/2006/main" showMasterSp="0" type="blank" preserve="1">
   <p:cSld name="Blank">
     <p:spTree>
       <p:nvGrpSpPr>
@@ -6558,6 +4547,8 @@
         <a:xfrm>
           <a:off x="0" y="0"/>
           <a:ext cx="0" cy="0"/>
+          <a:chOff x="0" y="0"/>
+          <a:chExt cx="0" cy="0"/>
         </a:xfrm>
       </p:grpSpPr>
       <p:sp>
@@ -6603,11 +4594,6 @@
             <a:schemeClr val="lt1"/>
           </a:fontRef>
         </p:style>
-        <p:txBody>
-          <a:bodyPr/>
-          <a:lstStyle/>
-          <a:p/>
-        </p:txBody>
       </p:sp>
       <p:sp>
         <p:nvSpPr>
@@ -6632,9 +4618,9 @@
           <a:p>
             <a:fld id="{39667345-2558-425A-8533-9BFDBCE15005}" type="datetime1">
               <a:rPr lang="en-US" smtClean="0"/>
-              <a:t>6/26/2024</a:t>
+              <a:t>6/2/2025</a:t>
             </a:fld>
-            <a:endParaRPr lang="en-US"/>
+            <a:endParaRPr lang="en-US" dirty="0"/>
           </a:p>
         </p:txBody>
       </p:sp>
@@ -6659,7 +4645,7 @@
           <a:bodyPr/>
           <a:lstStyle/>
           <a:p>
-            <a:endParaRPr lang="en-US"/>
+            <a:endParaRPr lang="en-US" dirty="0"/>
           </a:p>
         </p:txBody>
       </p:sp>
@@ -6688,7 +4674,7 @@
               <a:rPr lang="en-US" smtClean="0"/>
               <a:t>‹#›</a:t>
             </a:fld>
-            <a:endParaRPr lang="en-US"/>
+            <a:endParaRPr lang="en-US" dirty="0"/>
           </a:p>
         </p:txBody>
       </p:sp>
@@ -6702,13 +4688,11 @@
   <p:clrMapOvr>
     <a:masterClrMapping/>
   </p:clrMapOvr>
-  <p:transition/>
-  <p:timing/>
 </p:sldLayout>
 </file>
 
 <file path=ppt/slideLayouts/slideLayout8.xml><?xml version="1.0" encoding="utf-8"?>
-<p:sldLayout xmlns:a="http://schemas.openxmlformats.org/drawingml/2006/main" xmlns:r="http://schemas.openxmlformats.org/officeDocument/2006/relationships" xmlns:m="http://schemas.openxmlformats.org/officeDocument/2006/math" xmlns:w="http://schemas.openxmlformats.org/wordprocessingml/2006/main" xmlns:wp="http://schemas.openxmlformats.org/drawingml/2006/wordprocessingDrawing" xmlns:a14="http://schemas.microsoft.com/office/drawing/2010/main" xmlns:mc="http://schemas.openxmlformats.org/markup-compatibility/2006" xmlns:p14="http://schemas.microsoft.com/office/powerpoint/2010/main" xmlns:p15="http://schemas.microsoft.com/office/powerpoint/2012/main" xmlns:p159="http://schemas.microsoft.com/office/powerpoint/2015/09/main" xmlns:p="http://schemas.openxmlformats.org/presentationml/2006/main" showMasterSp="0" type="objTx" preserve="1">
+<p:sldLayout xmlns:a="http://schemas.openxmlformats.org/drawingml/2006/main" xmlns:r="http://schemas.openxmlformats.org/officeDocument/2006/relationships" xmlns:p="http://schemas.openxmlformats.org/presentationml/2006/main" showMasterSp="0" type="objTx" preserve="1">
   <p:cSld name="Content with Caption">
     <p:spTree>
       <p:nvGrpSpPr>
@@ -6720,6 +4704,8 @@
         <a:xfrm>
           <a:off x="0" y="0"/>
           <a:ext cx="0" cy="0"/>
+          <a:chOff x="0" y="0"/>
+          <a:chExt cx="0" cy="0"/>
         </a:xfrm>
       </p:grpSpPr>
       <p:sp>
@@ -6765,11 +4751,6 @@
             <a:schemeClr val="lt1"/>
           </a:fontRef>
         </p:style>
-        <p:txBody>
-          <a:bodyPr/>
-          <a:lstStyle/>
-          <a:p/>
-        </p:txBody>
       </p:sp>
       <p:sp>
         <p:nvSpPr>
@@ -6808,7 +4789,7 @@
               <a:rPr lang="en-US"/>
               <a:t>Click to edit Master title style</a:t>
             </a:r>
-            <a:endParaRPr lang="en-US"/>
+            <a:endParaRPr lang="en-US" dirty="0"/>
           </a:p>
         </p:txBody>
       </p:sp>
@@ -6865,7 +4846,7 @@
               <a:rPr lang="en-US"/>
               <a:t>Fifth level</a:t>
             </a:r>
-            <a:endParaRPr lang="en-US"/>
+            <a:endParaRPr lang="en-US" dirty="0"/>
           </a:p>
         </p:txBody>
       </p:sp>
@@ -6966,9 +4947,9 @@
           <a:p>
             <a:fld id="{92BEA474-078D-4E9B-9B14-09A87B19DC46}" type="datetime1">
               <a:rPr lang="en-US" smtClean="0"/>
-              <a:t>6/26/2024</a:t>
+              <a:t>6/2/2025</a:t>
             </a:fld>
-            <a:endParaRPr lang="en-US"/>
+            <a:endParaRPr lang="en-US" dirty="0"/>
           </a:p>
         </p:txBody>
       </p:sp>
@@ -7000,7 +4981,7 @@
             </a:lvl1pPr>
           </a:lstStyle>
           <a:p>
-            <a:endParaRPr lang="en-US"/>
+            <a:endParaRPr lang="en-US" dirty="0"/>
           </a:p>
         </p:txBody>
       </p:sp>
@@ -7029,9 +5010,10 @@
           <a:p>
             <a:fld id="{3A98EE3D-8CD1-4C3F-BD1C-C98C9596463C}" type="slidenum">
               <a:rPr lang="en-US" smtClean="0"/>
+              <a:pPr/>
               <a:t>‹#›</a:t>
             </a:fld>
-            <a:endParaRPr lang="en-US"/>
+            <a:endParaRPr lang="en-US" dirty="0"/>
           </a:p>
         </p:txBody>
       </p:sp>
@@ -7045,13 +5027,11 @@
   <p:clrMapOvr>
     <a:masterClrMapping/>
   </p:clrMapOvr>
-  <p:transition/>
-  <p:timing/>
 </p:sldLayout>
 </file>
 
 <file path=ppt/slideLayouts/slideLayout9.xml><?xml version="1.0" encoding="utf-8"?>
-<p:sldLayout xmlns:a="http://schemas.openxmlformats.org/drawingml/2006/main" xmlns:r="http://schemas.openxmlformats.org/officeDocument/2006/relationships" xmlns:m="http://schemas.openxmlformats.org/officeDocument/2006/math" xmlns:w="http://schemas.openxmlformats.org/wordprocessingml/2006/main" xmlns:wp="http://schemas.openxmlformats.org/drawingml/2006/wordprocessingDrawing" xmlns:a14="http://schemas.microsoft.com/office/drawing/2010/main" xmlns:mc="http://schemas.openxmlformats.org/markup-compatibility/2006" xmlns:p14="http://schemas.microsoft.com/office/powerpoint/2010/main" xmlns:p15="http://schemas.microsoft.com/office/powerpoint/2012/main" xmlns:p159="http://schemas.microsoft.com/office/powerpoint/2015/09/main" xmlns:p="http://schemas.openxmlformats.org/presentationml/2006/main" showMasterSp="0" type="picTx" preserve="1">
+<p:sldLayout xmlns:a="http://schemas.openxmlformats.org/drawingml/2006/main" xmlns:r="http://schemas.openxmlformats.org/officeDocument/2006/relationships" xmlns:p="http://schemas.openxmlformats.org/presentationml/2006/main" showMasterSp="0" type="picTx" preserve="1">
   <p:cSld name="Picture with Caption">
     <p:spTree>
       <p:nvGrpSpPr>
@@ -7063,6 +5043,8 @@
         <a:xfrm>
           <a:off x="0" y="0"/>
           <a:ext cx="0" cy="0"/>
+          <a:chOff x="0" y="0"/>
+          <a:chExt cx="0" cy="0"/>
         </a:xfrm>
       </p:grpSpPr>
       <p:sp>
@@ -7108,11 +5090,6 @@
             <a:schemeClr val="lt1"/>
           </a:fontRef>
         </p:style>
-        <p:txBody>
-          <a:bodyPr/>
-          <a:lstStyle/>
-          <a:p/>
-        </p:txBody>
       </p:sp>
       <p:sp>
         <p:nvSpPr>
@@ -7180,7 +5157,7 @@
               <a:rPr lang="en-US"/>
               <a:t>Click icon to add picture</a:t>
             </a:r>
-            <a:endParaRPr lang="en-US"/>
+            <a:endParaRPr lang="en-US" dirty="0"/>
           </a:p>
         </p:txBody>
       </p:sp>
@@ -7218,7 +5195,7 @@
               <a:rPr lang="en-US"/>
               <a:t>Click to edit Master title style</a:t>
             </a:r>
-            <a:endParaRPr lang="en-US"/>
+            <a:endParaRPr lang="en-US" dirty="0"/>
           </a:p>
         </p:txBody>
       </p:sp>
@@ -7245,7 +5222,7 @@
           <a:lstStyle>
             <a:lvl1pPr marL="0" indent="0">
               <a:spcBef>
-                <a:spcPct val="0"/>
+                <a:spcPts val="0"/>
               </a:spcBef>
               <a:spcAft>
                 <a:spcPts val="600"/>
@@ -7320,9 +5297,9 @@
           <a:p>
             <a:fld id="{4907D986-8816-4272-A432-0437A28A9828}" type="datetime1">
               <a:rPr lang="en-US" smtClean="0"/>
-              <a:t>6/26/2024</a:t>
+              <a:t>6/2/2025</a:t>
             </a:fld>
-            <a:endParaRPr lang="en-US"/>
+            <a:endParaRPr lang="en-US" dirty="0"/>
           </a:p>
         </p:txBody>
       </p:sp>
@@ -7347,7 +5324,7 @@
           <a:lstStyle/>
           <a:p>
             <a:pPr algn="l"/>
-            <a:endParaRPr lang="en-US"/>
+            <a:endParaRPr lang="en-US" dirty="0"/>
           </a:p>
         </p:txBody>
       </p:sp>
@@ -7370,7 +5347,7 @@
               <a:rPr lang="en-US" smtClean="0"/>
               <a:t>‹#›</a:t>
             </a:fld>
-            <a:endParaRPr lang="en-US"/>
+            <a:endParaRPr lang="en-US" dirty="0"/>
           </a:p>
         </p:txBody>
       </p:sp>
@@ -7384,13 +5361,11 @@
   <p:clrMapOvr>
     <a:masterClrMapping/>
   </p:clrMapOvr>
-  <p:transition/>
-  <p:timing/>
 </p:sldLayout>
 </file>
 
 <file path=ppt/slideMasters/slideMaster1.xml><?xml version="1.0" encoding="utf-8"?>
-<p:sldMaster xmlns:a="http://schemas.openxmlformats.org/drawingml/2006/main" xmlns:r="http://schemas.openxmlformats.org/officeDocument/2006/relationships" xmlns:m="http://schemas.openxmlformats.org/officeDocument/2006/math" xmlns:w="http://schemas.openxmlformats.org/wordprocessingml/2006/main" xmlns:wp="http://schemas.openxmlformats.org/drawingml/2006/wordprocessingDrawing" xmlns:a14="http://schemas.microsoft.com/office/drawing/2010/main" xmlns:mc="http://schemas.openxmlformats.org/markup-compatibility/2006" xmlns:p14="http://schemas.microsoft.com/office/powerpoint/2010/main" xmlns:p15="http://schemas.microsoft.com/office/powerpoint/2012/main" xmlns:p159="http://schemas.microsoft.com/office/powerpoint/2015/09/main" xmlns:p="http://schemas.openxmlformats.org/presentationml/2006/main">
+<p:sldMaster xmlns:a="http://schemas.openxmlformats.org/drawingml/2006/main" xmlns:r="http://schemas.openxmlformats.org/officeDocument/2006/relationships" xmlns:p="http://schemas.openxmlformats.org/presentationml/2006/main">
   <p:cSld>
     <p:bg>
       <p:bgRef idx="1001">
@@ -7407,6 +5382,8 @@
         <a:xfrm>
           <a:off x="0" y="0"/>
           <a:ext cx="0" cy="0"/>
+          <a:chOff x="0" y="0"/>
+          <a:chExt cx="0" cy="0"/>
         </a:xfrm>
       </p:grpSpPr>
       <p:sp>
@@ -7452,11 +5429,6 @@
             <a:schemeClr val="lt1"/>
           </a:fontRef>
         </p:style>
-        <p:txBody>
-          <a:bodyPr/>
-          <a:lstStyle/>
-          <a:p/>
-        </p:txBody>
       </p:sp>
       <p:sp>
         <p:nvSpPr>
@@ -7487,7 +5459,7 @@
               <a:rPr lang="en-US"/>
               <a:t>Click to edit Master title style</a:t>
             </a:r>
-            <a:endParaRPr lang="en-US"/>
+            <a:endParaRPr lang="en-US" dirty="0"/>
           </a:p>
         </p:txBody>
       </p:sp>
@@ -7549,7 +5521,7 @@
               <a:rPr lang="en-US"/>
               <a:t>Fifth level</a:t>
             </a:r>
-            <a:endParaRPr lang="en-US"/>
+            <a:endParaRPr lang="en-US" dirty="0"/>
           </a:p>
         </p:txBody>
       </p:sp>
@@ -7586,9 +5558,9 @@
           <a:p>
             <a:fld id="{62D6E202-B606-4609-B914-27C9371A1F6D}" type="datetime1">
               <a:rPr lang="en-US" smtClean="0"/>
-              <a:t>6/26/2024</a:t>
+              <a:t>6/2/2025</a:t>
             </a:fld>
-            <a:endParaRPr lang="en-US"/>
+            <a:endParaRPr lang="en-US" dirty="0"/>
           </a:p>
         </p:txBody>
       </p:sp>
@@ -7623,7 +5595,7 @@
             </a:lvl1pPr>
           </a:lstStyle>
           <a:p>
-            <a:endParaRPr lang="en-US"/>
+            <a:endParaRPr lang="en-US" dirty="0"/>
           </a:p>
         </p:txBody>
       </p:sp>
@@ -7662,7 +5634,7 @@
               <a:rPr lang="en-US" smtClean="0"/>
               <a:t>‹#›</a:t>
             </a:fld>
-            <a:endParaRPr lang="en-US"/>
+            <a:endParaRPr lang="en-US" dirty="0"/>
           </a:p>
         </p:txBody>
       </p:sp>
@@ -7731,8 +5703,7 @@
     <p:sldLayoutId id="2147483670" r:id="rId10"/>
     <p:sldLayoutId id="2147483671" r:id="rId11"/>
   </p:sldLayoutIdLst>
-  <p:transition/>
-  <p:timing/>
+  <p:hf sldNum="0" hdr="0" ftr="0" dt="0"/>
   <p:txStyles>
     <p:titleStyle>
       <a:lvl1pPr algn="l" defTabSz="914400" rtl="0" eaLnBrk="1" latinLnBrk="0" hangingPunct="1">
@@ -7770,8 +5741,8 @@
         <a:buClr>
           <a:schemeClr val="accent1"/>
         </a:buClr>
-        <a:buSzTx/>
-        <a:buFont typeface="Calibri" panose="020f0502020204030204" pitchFamily="34" charset="0"/>
+        <a:buSzPct val="100000"/>
+        <a:buFont typeface="Calibri" panose="020F0502020204030204" pitchFamily="34" charset="0"/>
         <a:buChar char=" "/>
         <a:defRPr sz="1900" kern="1200">
           <a:solidFill>
@@ -7796,7 +5767,7 @@
           <a:spcPts val="400"/>
         </a:spcAft>
         <a:buClrTx/>
-        <a:buFont typeface="Calibri" panose="020f0502020204030204" pitchFamily="34" charset="0"/>
+        <a:buFont typeface="Calibri" pitchFamily="34" charset="0"/>
         <a:buChar char="◦"/>
         <a:defRPr sz="1700" kern="1200">
           <a:solidFill>
@@ -7821,7 +5792,7 @@
           <a:spcPts val="400"/>
         </a:spcAft>
         <a:buClrTx/>
-        <a:buFont typeface="Calibri" panose="020f0502020204030204" pitchFamily="34" charset="0"/>
+        <a:buFont typeface="Calibri" pitchFamily="34" charset="0"/>
         <a:buChar char="◦"/>
         <a:defRPr sz="1300" kern="1200">
           <a:solidFill>
@@ -7846,7 +5817,7 @@
           <a:spcPts val="400"/>
         </a:spcAft>
         <a:buClrTx/>
-        <a:buFont typeface="Calibri" panose="020f0502020204030204" pitchFamily="34" charset="0"/>
+        <a:buFont typeface="Calibri" pitchFamily="34" charset="0"/>
         <a:buChar char="◦"/>
         <a:defRPr sz="1300" kern="1200">
           <a:solidFill>
@@ -7871,7 +5842,7 @@
           <a:spcPts val="400"/>
         </a:spcAft>
         <a:buClrTx/>
-        <a:buFont typeface="Calibri" panose="020f0502020204030204" pitchFamily="34" charset="0"/>
+        <a:buFont typeface="Calibri" pitchFamily="34" charset="0"/>
         <a:buChar char="◦"/>
         <a:defRPr sz="1300" kern="1200">
           <a:solidFill>
@@ -7898,7 +5869,7 @@
         <a:buClr>
           <a:schemeClr val="accent1"/>
         </a:buClr>
-        <a:buFont typeface="Calibri" panose="020f0502020204030204" pitchFamily="34" charset="0"/>
+        <a:buFont typeface="Calibri" pitchFamily="34" charset="0"/>
         <a:buChar char="◦"/>
         <a:defRPr sz="1400" kern="1200">
           <a:solidFill>
@@ -7925,7 +5896,7 @@
         <a:buClr>
           <a:schemeClr val="accent1"/>
         </a:buClr>
-        <a:buFont typeface="Calibri" panose="020f0502020204030204" pitchFamily="34" charset="0"/>
+        <a:buFont typeface="Calibri" pitchFamily="34" charset="0"/>
         <a:buChar char="◦"/>
         <a:defRPr sz="1400" kern="1200">
           <a:solidFill>
@@ -7952,7 +5923,7 @@
         <a:buClr>
           <a:schemeClr val="accent1"/>
         </a:buClr>
-        <a:buFont typeface="Calibri" panose="020f0502020204030204" pitchFamily="34" charset="0"/>
+        <a:buFont typeface="Calibri" pitchFamily="34" charset="0"/>
         <a:buChar char="◦"/>
         <a:defRPr sz="1400" kern="1200">
           <a:solidFill>
@@ -7979,7 +5950,7 @@
         <a:buClr>
           <a:schemeClr val="accent1"/>
         </a:buClr>
-        <a:buFont typeface="Calibri" panose="020f0502020204030204" pitchFamily="34" charset="0"/>
+        <a:buFont typeface="Calibri" pitchFamily="34" charset="0"/>
         <a:buChar char="◦"/>
         <a:defRPr sz="1400" kern="1200">
           <a:solidFill>
@@ -8094,8 +6065,8 @@
 </file>
 
 <file path=ppt/slides/slide1.xml><?xml version="1.0" encoding="utf-8"?>
-<p:sld xmlns:a="http://schemas.openxmlformats.org/drawingml/2006/main" xmlns:r="http://schemas.openxmlformats.org/officeDocument/2006/relationships" xmlns:m="http://schemas.openxmlformats.org/officeDocument/2006/math" xmlns:w="http://schemas.openxmlformats.org/wordprocessingml/2006/main" xmlns:wp="http://schemas.openxmlformats.org/drawingml/2006/wordprocessingDrawing" xmlns:a14="http://schemas.microsoft.com/office/drawing/2010/main" xmlns:mc="http://schemas.openxmlformats.org/markup-compatibility/2006" xmlns:p14="http://schemas.microsoft.com/office/powerpoint/2010/main" xmlns:p15="http://schemas.microsoft.com/office/powerpoint/2012/main" xmlns:p159="http://schemas.microsoft.com/office/powerpoint/2015/09/main" xmlns:p="http://schemas.openxmlformats.org/presentationml/2006/main">
-  <p:cSld name="">
+<p:sld xmlns:a="http://schemas.openxmlformats.org/drawingml/2006/main" xmlns:r="http://schemas.openxmlformats.org/officeDocument/2006/relationships" xmlns:p="http://schemas.openxmlformats.org/presentationml/2006/main">
+  <p:cSld>
     <p:bg>
       <p:bgPr>
         <a:solidFill>
@@ -8114,6 +6085,8 @@
         <a:xfrm>
           <a:off x="0" y="0"/>
           <a:ext cx="0" cy="0"/>
+          <a:chOff x="0" y="0"/>
+          <a:chExt cx="0" cy="0"/>
         </a:xfrm>
       </p:grpSpPr>
       <p:sp useBgFill="1">
@@ -8195,7 +6168,7 @@
         <p:spPr>
           <a:xfrm>
             <a:off x="648929" y="639097"/>
-            <a:ext cx="6253317" cy="3686015"/>
+            <a:ext cx="6643411" cy="3686015"/>
           </a:xfrm>
         </p:spPr>
         <p:txBody>
@@ -8205,15 +6178,7 @@
           <a:lstStyle/>
           <a:p>
             <a:r>
-              <a:rPr lang="pt-BR" sz="5600" b="0" i="0" strike="noStrike" cap="none" baseline="0">
-                <a:solidFill>
-                  <a:srgbClr val="262626"/>
-                </a:solidFill>
-                <a:effectLst/>
-                <a:latin typeface="Bookman Old Style"/>
-                <a:ea typeface="Bookman Old Style"/>
-                <a:cs typeface="Bookman Old Style"/>
-              </a:rPr>
+              <a:rPr lang="pt-BR" sz="5600" dirty="0"/>
               <a:t>Análise de mercado para o Mystic Spice Premium Chai Tea</a:t>
             </a:r>
           </a:p>
@@ -8276,7 +6241,7 @@
       </p:cxnSp>
       <p:pic>
         <p:nvPicPr>
-          <p:cNvPr id="13" name="Picture 12" descr="Tea and dessert">
+          <p:cNvPr id="13" name="Picture 12" descr="Chá e sobremesa">
             <a:extLst>
               <a:ext uri="{FF2B5EF4-FFF2-40B4-BE49-F238E27FC236}">
                 <a16:creationId xmlns:a16="http://schemas.microsoft.com/office/drawing/2014/main" id="{F0E27F3C-2BEE-7255-556D-FFC137811956}"/>
@@ -8288,12 +6253,10 @@
           </p:cNvPicPr>
           <p:nvPr/>
         </p:nvPicPr>
-        <p:blipFill>
+        <p:blipFill rotWithShape="1">
           <a:blip r:embed="rId3"/>
           <a:srcRect l="13082" r="18651" b="-1"/>
-          <a:stretch>
-            <a:fillRect/>
-          </a:stretch>
+          <a:stretch/>
         </p:blipFill>
         <p:spPr>
           <a:xfrm>
@@ -8305,77 +6268,6 @@
           </a:prstGeom>
         </p:spPr>
       </p:pic>
-      <p:sp>
-        <p:nvSpPr>
-          <p:cNvPr id="20" name="TextBox"/>
-          <p:cNvSpPr txBox="1">
-            <a:spLocks noGrp="1" noSelect="1" noRot="1" noMove="1"/>
-          </p:cNvSpPr>
-          <p:nvPr/>
-        </p:nvSpPr>
-        <p:spPr>
-          <a:xfrm>
-            <a:off x="2890520" y="2644140"/>
-            <a:ext cx="6411372" cy="1569660"/>
-          </a:xfrm>
-          <a:prstGeom prst="rect">
-            <a:avLst/>
-          </a:prstGeom>
-          <a:noFill/>
-        </p:spPr>
-        <p:txBody>
-          <a:bodyPr wrap="none" rtlCol="0" anchor="ctr" anchorCtr="1">
-            <a:spAutoFit/>
-          </a:bodyPr>
-          <a:lstStyle>
-            <a:lvl1pPr algn="l">
-              <a:lnSpc>
-                <a:spcPct val="150000"/>
-              </a:lnSpc>
-              <a:spcBef>
-                <a:spcPct val="0"/>
-              </a:spcBef>
-              <a:spcAft>
-                <a:spcPct val="0"/>
-              </a:spcAft>
-              <a:defRPr lang="en-US" sz="3200" b="1" noProof="1" dirty="0">
-                <a:solidFill>
-                  <a:prstClr val="red">
-                    <a:lumOff val="30000"/>
-                    <a:alpha val="40000"/>
-                  </a:prstClr>
-                </a:solidFill>
-                <a:effectLst>
-                  <a:outerShdw blurRad="50800" dist="38100" algn="tr" rotWithShape="0">
-                    <a:prstClr val="black">
-                      <a:alpha val="80000"/>
-                    </a:prstClr>
-                  </a:outerShdw>
-                </a:effectLst>
-                <a:latin typeface="Calibri" pitchFamily="34" charset="0"/>
-              </a:defRPr>
-            </a:lvl1pPr>
-          </a:lstStyle>
-          <a:p>
-            <a:pPr algn="ctr"/>
-            <a:r>
-              <a:t>Evaluation only.</a:t>
-            </a:r>
-          </a:p>
-          <a:p>
-            <a:pPr algn="ctr"/>
-            <a:r>
-              <a:t>Created with Aspose.Slides for Java 23.6.</a:t>
-            </a:r>
-          </a:p>
-          <a:p>
-            <a:pPr algn="ctr"/>
-            <a:r>
-              <a:t>Copyright 2004-2023 Aspose Pty Ltd.</a:t>
-            </a:r>
-          </a:p>
-        </p:txBody>
-      </p:sp>
     </p:spTree>
     <p:extLst>
       <p:ext uri="{BB962C8B-B14F-4D97-AF65-F5344CB8AC3E}">
@@ -8386,7 +6278,6 @@
   <p:clrMapOvr>
     <a:masterClrMapping/>
   </p:clrMapOvr>
-  <p:transition/>
   <p:timing>
     <p:tnLst>
       <p:par>
@@ -8396,7 +6287,7 @@
               <p:cTn id="2" dur="indefinite" nodeType="mainSeq">
                 <p:childTnLst>
                   <p:par>
-                    <p:cTn id="3" fill="hold" nodeType="clickPar">
+                    <p:cTn id="3" fill="hold">
                       <p:stCondLst>
                         <p:cond delay="indefinite"/>
                         <p:cond evt="onBegin" delay="0">
@@ -8483,8 +6374,8 @@
 </file>
 
 <file path=ppt/slides/slide10.xml><?xml version="1.0" encoding="utf-8"?>
-<p:sld xmlns:a="http://schemas.openxmlformats.org/drawingml/2006/main" xmlns:r="http://schemas.openxmlformats.org/officeDocument/2006/relationships" xmlns:m="http://schemas.openxmlformats.org/officeDocument/2006/math" xmlns:w="http://schemas.openxmlformats.org/wordprocessingml/2006/main" xmlns:wp="http://schemas.openxmlformats.org/drawingml/2006/wordprocessingDrawing" xmlns:a14="http://schemas.microsoft.com/office/drawing/2010/main" xmlns:mc="http://schemas.openxmlformats.org/markup-compatibility/2006" xmlns:p14="http://schemas.microsoft.com/office/powerpoint/2010/main" xmlns:p15="http://schemas.microsoft.com/office/powerpoint/2012/main" xmlns:p159="http://schemas.microsoft.com/office/powerpoint/2015/09/main" xmlns:p="http://schemas.openxmlformats.org/presentationml/2006/main">
-  <p:cSld name="">
+<p:sld xmlns:a="http://schemas.openxmlformats.org/drawingml/2006/main" xmlns:r="http://schemas.openxmlformats.org/officeDocument/2006/relationships" xmlns:p="http://schemas.openxmlformats.org/presentationml/2006/main">
+  <p:cSld>
     <p:bg>
       <p:bgPr>
         <a:solidFill>
@@ -8503,6 +6394,8 @@
         <a:xfrm>
           <a:off x="0" y="0"/>
           <a:ext cx="0" cy="0"/>
+          <a:chOff x="0" y="0"/>
+          <a:chExt cx="0" cy="0"/>
         </a:xfrm>
       </p:grpSpPr>
       <p:sp>
@@ -8713,16 +6606,12 @@
           <a:lstStyle/>
           <a:p>
             <a:r>
-              <a:rPr lang="pt-BR" sz="4000" b="0" i="0" strike="noStrike" cap="none" baseline="0">
+              <a:rPr lang="pt-BR" sz="4000">
                 <a:solidFill>
                   <a:srgbClr val="FFFFFF"/>
                 </a:solidFill>
-                <a:effectLst/>
-                <a:latin typeface="Bookman Old Style"/>
-                <a:ea typeface="Bookman Old Style"/>
-                <a:cs typeface="Bookman Old Style"/>
               </a:rPr>
-              <a:t>Canais de distribuição: distribuidores</a:t>
+              <a:t>Canais de distribuição: Distribuidores</a:t>
             </a:r>
           </a:p>
         </p:txBody>
@@ -8797,8 +6686,8 @@
         </p:nvSpPr>
         <p:spPr>
           <a:xfrm>
-            <a:off x="1097279" y="2546224"/>
-            <a:ext cx="5977938" cy="3342747"/>
+            <a:off x="1097278" y="2546224"/>
+            <a:ext cx="6202681" cy="3342747"/>
           </a:xfrm>
         </p:spPr>
         <p:txBody>
@@ -8813,14 +6702,10 @@
               </a:lnSpc>
             </a:pPr>
             <a:r>
-              <a:rPr lang="pt-BR" sz="1300" b="0" i="0" strike="noStrike" cap="none" baseline="0">
+              <a:rPr lang="pt-BR" sz="1300" dirty="0">
                 <a:solidFill>
                   <a:srgbClr val="FFFFFF"/>
                 </a:solidFill>
-                <a:effectLst/>
-                <a:latin typeface="Franklin Gothic Book"/>
-                <a:ea typeface="Franklin Gothic Book"/>
-                <a:cs typeface="Franklin Gothic Book"/>
               </a:rPr>
               <a:t>Função dos distribuidores</a:t>
             </a:r>
@@ -8832,14 +6717,10 @@
               </a:lnSpc>
             </a:pPr>
             <a:r>
-              <a:rPr lang="pt-BR" sz="1300" b="0" i="0" strike="noStrike" cap="none" baseline="0">
+              <a:rPr lang="pt-BR" sz="1300" dirty="0">
                 <a:solidFill>
                   <a:srgbClr val="FFFFFF"/>
                 </a:solidFill>
-                <a:effectLst/>
-                <a:latin typeface="Franklin Gothic Book"/>
-                <a:ea typeface="Franklin Gothic Book"/>
-                <a:cs typeface="Franklin Gothic Book"/>
               </a:rPr>
               <a:t>Representam e distribuem produtos de chai</a:t>
             </a:r>
@@ -8851,14 +6732,10 @@
               </a:lnSpc>
             </a:pPr>
             <a:r>
-              <a:rPr lang="pt-BR" sz="1300" b="0" i="0" strike="noStrike" cap="none" baseline="0">
+              <a:rPr lang="pt-BR" sz="1300" dirty="0">
                 <a:solidFill>
                   <a:srgbClr val="FFFFFF"/>
                 </a:solidFill>
-                <a:effectLst/>
-                <a:latin typeface="Franklin Gothic Book"/>
-                <a:ea typeface="Franklin Gothic Book"/>
-                <a:cs typeface="Franklin Gothic Book"/>
               </a:rPr>
               <a:t>Facilitam o movimento e a venda de produtos de chai em diferentes mercados</a:t>
             </a:r>
@@ -8870,14 +6747,10 @@
               </a:lnSpc>
             </a:pPr>
             <a:r>
-              <a:rPr lang="pt-BR" sz="1300" b="0" i="0" strike="noStrike" cap="none" baseline="0">
+              <a:rPr lang="pt-BR" sz="1300" dirty="0">
                 <a:solidFill>
                   <a:srgbClr val="FFFFFF"/>
                 </a:solidFill>
-                <a:effectLst/>
-                <a:latin typeface="Franklin Gothic Book"/>
-                <a:ea typeface="Franklin Gothic Book"/>
-                <a:cs typeface="Franklin Gothic Book"/>
               </a:rPr>
               <a:t>Oferecem serviços de marketing, venda e pós-venda</a:t>
             </a:r>
@@ -8889,14 +6762,10 @@
               </a:lnSpc>
             </a:pPr>
             <a:r>
-              <a:rPr lang="pt-BR" sz="1300" b="0" i="0" strike="noStrike" cap="none" baseline="0">
+              <a:rPr lang="pt-BR" sz="1300" dirty="0">
                 <a:solidFill>
                   <a:srgbClr val="FFFFFF"/>
                 </a:solidFill>
-                <a:effectLst/>
-                <a:latin typeface="Franklin Gothic Book"/>
-                <a:ea typeface="Franklin Gothic Book"/>
-                <a:cs typeface="Franklin Gothic Book"/>
               </a:rPr>
               <a:t>Relacionamentos</a:t>
             </a:r>
@@ -8908,14 +6777,10 @@
               </a:lnSpc>
             </a:pPr>
             <a:r>
-              <a:rPr lang="pt-BR" sz="1300" b="0" i="0" strike="noStrike" cap="none" baseline="0">
+              <a:rPr lang="pt-BR" sz="1300" dirty="0">
                 <a:solidFill>
                   <a:srgbClr val="FFFFFF"/>
                 </a:solidFill>
-                <a:effectLst/>
-                <a:latin typeface="Franklin Gothic Book"/>
-                <a:ea typeface="Franklin Gothic Book"/>
-                <a:cs typeface="Franklin Gothic Book"/>
               </a:rPr>
               <a:t>Estabelecem e mantêm relacionamentos com varejistas e consumidores</a:t>
             </a:r>
@@ -8927,14 +6792,10 @@
               </a:lnSpc>
             </a:pPr>
             <a:r>
-              <a:rPr lang="pt-BR" sz="1300" b="0" i="0" strike="noStrike" cap="none" baseline="0">
+              <a:rPr lang="pt-BR" sz="1300" dirty="0">
                 <a:solidFill>
                   <a:srgbClr val="FFFFFF"/>
                 </a:solidFill>
-                <a:effectLst/>
-                <a:latin typeface="Franklin Gothic Book"/>
-                <a:ea typeface="Franklin Gothic Book"/>
-                <a:cs typeface="Franklin Gothic Book"/>
               </a:rPr>
               <a:t>Fornecem suporte técnico e logístico</a:t>
             </a:r>
@@ -8946,14 +6807,10 @@
               </a:lnSpc>
             </a:pPr>
             <a:r>
-              <a:rPr lang="pt-BR" sz="1300" b="0" i="0" strike="noStrike" cap="none" baseline="0">
+              <a:rPr lang="pt-BR" sz="1300" dirty="0">
                 <a:solidFill>
                   <a:srgbClr val="FFFFFF"/>
                 </a:solidFill>
-                <a:effectLst/>
-                <a:latin typeface="Franklin Gothic Book"/>
-                <a:ea typeface="Franklin Gothic Book"/>
-                <a:cs typeface="Franklin Gothic Book"/>
               </a:rPr>
               <a:t>Principais distribuidores na América Latina</a:t>
             </a:r>
@@ -8965,14 +6822,10 @@
               </a:lnSpc>
             </a:pPr>
             <a:r>
-              <a:rPr lang="pt-BR" sz="1300" b="0" i="0" strike="noStrike" cap="none" baseline="0">
+              <a:rPr lang="pt-BR" sz="1300" dirty="0">
                 <a:solidFill>
                   <a:srgbClr val="FFFFFF"/>
                 </a:solidFill>
-                <a:effectLst/>
-                <a:latin typeface="Franklin Gothic Book"/>
-                <a:ea typeface="Franklin Gothic Book"/>
-                <a:cs typeface="Franklin Gothic Book"/>
               </a:rPr>
               <a:t>Tailwind Traders</a:t>
             </a:r>
@@ -8984,23 +6837,19 @@
               </a:lnSpc>
             </a:pPr>
             <a:r>
-              <a:rPr lang="pt-BR" sz="1300" b="0" i="0" strike="noStrike" cap="none" baseline="0">
+              <a:rPr lang="pt-BR" sz="1300" dirty="0">
                 <a:solidFill>
                   <a:srgbClr val="FFFFFF"/>
                 </a:solidFill>
-                <a:effectLst/>
-                <a:latin typeface="Franklin Gothic Book"/>
-                <a:ea typeface="Franklin Gothic Book"/>
-                <a:cs typeface="Franklin Gothic Book"/>
               </a:rPr>
-              <a:t>WoodGrove Groceries</a:t>
+              <a:t>Woodgrove Groceries</a:t>
             </a:r>
           </a:p>
         </p:txBody>
       </p:sp>
       <p:pic>
         <p:nvPicPr>
-          <p:cNvPr id="5" name="Content Placeholder 4" descr="Medicine bottles on shelf">
+          <p:cNvPr id="5" name="Content Placeholder 4" descr="Frascos de medicamentos na prateleira">
             <a:extLst>
               <a:ext uri="{FF2B5EF4-FFF2-40B4-BE49-F238E27FC236}">
                 <a16:creationId xmlns:a16="http://schemas.microsoft.com/office/drawing/2014/main" id="{17A78705-6D93-4728-8C80-3B6DDBB09F32}"/>
@@ -9014,12 +6863,10 @@
             <p:ph sz="half" idx="1"/>
           </p:nvPr>
         </p:nvPicPr>
-        <p:blipFill>
+        <p:blipFill rotWithShape="1">
           <a:blip r:embed="rId3"/>
           <a:srcRect l="29134" r="26287" b="-1"/>
-          <a:stretch>
-            <a:fillRect/>
-          </a:stretch>
+          <a:stretch/>
         </p:blipFill>
         <p:spPr>
           <a:xfrm>
@@ -9031,77 +6878,6 @@
           </a:prstGeom>
         </p:spPr>
       </p:pic>
-      <p:sp>
-        <p:nvSpPr>
-          <p:cNvPr id="17" name="TextBox"/>
-          <p:cNvSpPr txBox="1">
-            <a:spLocks noGrp="1" noSelect="1" noRot="1" noMove="1"/>
-          </p:cNvSpPr>
-          <p:nvPr/>
-        </p:nvSpPr>
-        <p:spPr>
-          <a:xfrm>
-            <a:off x="2890520" y="2644140"/>
-            <a:ext cx="6411372" cy="1569660"/>
-          </a:xfrm>
-          <a:prstGeom prst="rect">
-            <a:avLst/>
-          </a:prstGeom>
-          <a:noFill/>
-        </p:spPr>
-        <p:txBody>
-          <a:bodyPr wrap="none" rtlCol="0" anchor="ctr" anchorCtr="1">
-            <a:spAutoFit/>
-          </a:bodyPr>
-          <a:lstStyle>
-            <a:lvl1pPr algn="l">
-              <a:lnSpc>
-                <a:spcPct val="150000"/>
-              </a:lnSpc>
-              <a:spcBef>
-                <a:spcPct val="0"/>
-              </a:spcBef>
-              <a:spcAft>
-                <a:spcPct val="0"/>
-              </a:spcAft>
-              <a:defRPr lang="en-US" sz="3200" b="1" noProof="1" dirty="0">
-                <a:solidFill>
-                  <a:prstClr val="red">
-                    <a:lumOff val="30000"/>
-                    <a:alpha val="40000"/>
-                  </a:prstClr>
-                </a:solidFill>
-                <a:effectLst>
-                  <a:outerShdw blurRad="50800" dist="38100" algn="tr" rotWithShape="0">
-                    <a:prstClr val="black">
-                      <a:alpha val="80000"/>
-                    </a:prstClr>
-                  </a:outerShdw>
-                </a:effectLst>
-                <a:latin typeface="Calibri" pitchFamily="34" charset="0"/>
-              </a:defRPr>
-            </a:lvl1pPr>
-          </a:lstStyle>
-          <a:p>
-            <a:pPr algn="ctr"/>
-            <a:r>
-              <a:t>Evaluation only.</a:t>
-            </a:r>
-          </a:p>
-          <a:p>
-            <a:pPr algn="ctr"/>
-            <a:r>
-              <a:t>Created with Aspose.Slides for Java 23.6.</a:t>
-            </a:r>
-          </a:p>
-          <a:p>
-            <a:pPr algn="ctr"/>
-            <a:r>
-              <a:t>Copyright 2004-2023 Aspose Pty Ltd.</a:t>
-            </a:r>
-          </a:p>
-        </p:txBody>
-      </p:sp>
     </p:spTree>
     <p:extLst>
       <p:ext uri="{BB962C8B-B14F-4D97-AF65-F5344CB8AC3E}">
@@ -9112,14 +6888,12 @@
   <p:clrMapOvr>
     <a:overrideClrMapping bg1="dk1" tx1="lt1" bg2="dk2" tx2="lt2" accent1="accent1" accent2="accent2" accent3="accent3" accent4="accent4" accent5="accent5" accent6="accent6" hlink="hlink" folHlink="folHlink"/>
   </p:clrMapOvr>
-  <p:transition/>
-  <p:timing/>
 </p:sld>
 </file>
 
 <file path=ppt/slides/slide11.xml><?xml version="1.0" encoding="utf-8"?>
-<p:sld xmlns:a="http://schemas.openxmlformats.org/drawingml/2006/main" xmlns:r="http://schemas.openxmlformats.org/officeDocument/2006/relationships" xmlns:m="http://schemas.openxmlformats.org/officeDocument/2006/math" xmlns:w="http://schemas.openxmlformats.org/wordprocessingml/2006/main" xmlns:wp="http://schemas.openxmlformats.org/drawingml/2006/wordprocessingDrawing" xmlns:a14="http://schemas.microsoft.com/office/drawing/2010/main" xmlns:mc="http://schemas.openxmlformats.org/markup-compatibility/2006" xmlns:p14="http://schemas.microsoft.com/office/powerpoint/2010/main" xmlns:p15="http://schemas.microsoft.com/office/powerpoint/2012/main" xmlns:p159="http://schemas.microsoft.com/office/powerpoint/2015/09/main" xmlns:p="http://schemas.openxmlformats.org/presentationml/2006/main">
-  <p:cSld name="">
+<p:sld xmlns:a="http://schemas.openxmlformats.org/drawingml/2006/main" xmlns:r="http://schemas.openxmlformats.org/officeDocument/2006/relationships" xmlns:p="http://schemas.openxmlformats.org/presentationml/2006/main">
+  <p:cSld>
     <p:bg>
       <p:bgPr>
         <a:solidFill>
@@ -9138,6 +6912,8 @@
         <a:xfrm>
           <a:off x="0" y="0"/>
           <a:ext cx="0" cy="0"/>
+          <a:chOff x="0" y="0"/>
+          <a:chExt cx="0" cy="0"/>
         </a:xfrm>
       </p:grpSpPr>
       <p:sp useBgFill="1">
@@ -9181,7 +6957,7 @@
               <a:shade val="50000"/>
             </a:schemeClr>
           </a:lnRef>
-          <a:fillRef idx="4294967295">
+          <a:fillRef idx="1001">
             <a:schemeClr val="lt1"/>
           </a:fillRef>
           <a:effectRef idx="0">
@@ -9291,14 +7067,10 @@
           <a:lstStyle/>
           <a:p>
             <a:r>
-              <a:rPr lang="pt-BR" sz="4400" b="0" i="0" strike="noStrike" cap="none" baseline="0">
+              <a:rPr lang="pt-BR" sz="4400" dirty="0">
                 <a:solidFill>
                   <a:srgbClr val="FFFFFF"/>
                 </a:solidFill>
-                <a:effectLst/>
-                <a:latin typeface="Bookman Old Style"/>
-                <a:ea typeface="Bookman Old Style"/>
-                <a:cs typeface="Bookman Old Style"/>
               </a:rPr>
               <a:t>Plano promocional e estratégia</a:t>
             </a:r>
@@ -9324,7 +7096,7 @@
         <p:spPr>
           <a:xfrm>
             <a:off x="5231958" y="605896"/>
-            <a:ext cx="5923721" cy="5646208"/>
+            <a:ext cx="5984682" cy="5646208"/>
           </a:xfrm>
         </p:spPr>
         <p:txBody>
@@ -9339,15 +7111,7 @@
               </a:lnSpc>
             </a:pPr>
             <a:r>
-              <a:rPr lang="pt-BR" sz="1700" b="0" i="0" strike="noStrike" cap="none" baseline="0">
-                <a:solidFill>
-                  <a:srgbClr val="404040"/>
-                </a:solidFill>
-                <a:effectLst/>
-                <a:latin typeface="Franklin Gothic Book"/>
-                <a:ea typeface="Franklin Gothic Book"/>
-                <a:cs typeface="Franklin Gothic Book"/>
-              </a:rPr>
+              <a:rPr lang="pt-BR" sz="1700" dirty="0"/>
               <a:t>Objetivos do plano promocional e estratégia</a:t>
             </a:r>
           </a:p>
@@ -9358,15 +7122,7 @@
               </a:lnSpc>
             </a:pPr>
             <a:r>
-              <a:rPr lang="pt-BR" sz="1700" b="0" i="0" strike="noStrike" cap="none" baseline="0">
-                <a:solidFill>
-                  <a:srgbClr val="404040"/>
-                </a:solidFill>
-                <a:effectLst/>
-                <a:latin typeface="Franklin Gothic Book"/>
-                <a:ea typeface="Franklin Gothic Book"/>
-                <a:cs typeface="Franklin Gothic Book"/>
-              </a:rPr>
+              <a:rPr lang="pt-BR" sz="1700" dirty="0"/>
               <a:t>Aumentar a conscientização e o interesse pelo produto entre o público-alvo</a:t>
             </a:r>
           </a:p>
@@ -9377,15 +7133,7 @@
               </a:lnSpc>
             </a:pPr>
             <a:r>
-              <a:rPr lang="pt-BR" sz="1700" b="0" i="0" strike="noStrike" cap="none" baseline="0">
-                <a:solidFill>
-                  <a:srgbClr val="404040"/>
-                </a:solidFill>
-                <a:effectLst/>
-                <a:latin typeface="Franklin Gothic Book"/>
-                <a:ea typeface="Franklin Gothic Book"/>
-                <a:cs typeface="Franklin Gothic Book"/>
-              </a:rPr>
+              <a:rPr lang="pt-BR" sz="1700" dirty="0"/>
               <a:t>Posicionar o chai como um produto premium, natural e saudável</a:t>
             </a:r>
           </a:p>
@@ -9396,15 +7144,7 @@
               </a:lnSpc>
             </a:pPr>
             <a:r>
-              <a:rPr lang="pt-BR" sz="1700" b="0" i="0" strike="noStrike" cap="none" baseline="0">
-                <a:solidFill>
-                  <a:srgbClr val="404040"/>
-                </a:solidFill>
-                <a:effectLst/>
-                <a:latin typeface="Franklin Gothic Book"/>
-                <a:ea typeface="Franklin Gothic Book"/>
-                <a:cs typeface="Franklin Gothic Book"/>
-              </a:rPr>
+              <a:rPr lang="pt-BR" sz="1700" dirty="0"/>
               <a:t>Promover a experimentação e a compra através de diversos canais e incentivos</a:t>
             </a:r>
           </a:p>
@@ -9415,15 +7155,7 @@
               </a:lnSpc>
             </a:pPr>
             <a:r>
-              <a:rPr lang="pt-BR" sz="1700" b="0" i="0" strike="noStrike" cap="none" baseline="0">
-                <a:solidFill>
-                  <a:srgbClr val="404040"/>
-                </a:solidFill>
-                <a:effectLst/>
-                <a:latin typeface="Franklin Gothic Book"/>
-                <a:ea typeface="Franklin Gothic Book"/>
-                <a:cs typeface="Franklin Gothic Book"/>
-              </a:rPr>
+              <a:rPr lang="pt-BR" sz="1700" dirty="0"/>
               <a:t>Aumentar a fidelidade e a retenção entre os consumidores</a:t>
             </a:r>
           </a:p>
@@ -9434,15 +7166,7 @@
               </a:lnSpc>
             </a:pPr>
             <a:r>
-              <a:rPr lang="pt-BR" sz="1700" b="0" i="0" strike="noStrike" cap="none" baseline="0">
-                <a:solidFill>
-                  <a:srgbClr val="404040"/>
-                </a:solidFill>
-                <a:effectLst/>
-                <a:latin typeface="Franklin Gothic Book"/>
-                <a:ea typeface="Franklin Gothic Book"/>
-                <a:cs typeface="Franklin Gothic Book"/>
-              </a:rPr>
+              <a:rPr lang="pt-BR" sz="1700" dirty="0"/>
               <a:t>Táticas usadas no plano promocional e estratégia</a:t>
             </a:r>
           </a:p>
@@ -9453,15 +7177,7 @@
               </a:lnSpc>
             </a:pPr>
             <a:r>
-              <a:rPr lang="pt-BR" sz="1700" b="0" i="0" strike="noStrike" cap="none" baseline="0">
-                <a:solidFill>
-                  <a:srgbClr val="404040"/>
-                </a:solidFill>
-                <a:effectLst/>
-                <a:latin typeface="Franklin Gothic Book"/>
-                <a:ea typeface="Franklin Gothic Book"/>
-                <a:cs typeface="Franklin Gothic Book"/>
-              </a:rPr>
+              <a:rPr lang="pt-BR" sz="1700" dirty="0"/>
               <a:t>Criar um nome de marca e logotipo cativantes e memoráveis para o chai</a:t>
             </a:r>
           </a:p>
@@ -9472,15 +7188,7 @@
               </a:lnSpc>
             </a:pPr>
             <a:r>
-              <a:rPr lang="pt-BR" sz="1700" b="0" i="0" strike="noStrike" cap="none" baseline="0">
-                <a:solidFill>
-                  <a:srgbClr val="404040"/>
-                </a:solidFill>
-                <a:effectLst/>
-                <a:latin typeface="Franklin Gothic Book"/>
-                <a:ea typeface="Franklin Gothic Book"/>
-                <a:cs typeface="Franklin Gothic Book"/>
-              </a:rPr>
+              <a:rPr lang="pt-BR" sz="1700" dirty="0"/>
               <a:t>Desenvolver um site da Web e presença nas redes sociais para o chai</a:t>
             </a:r>
           </a:p>
@@ -9491,15 +7199,7 @@
               </a:lnSpc>
             </a:pPr>
             <a:r>
-              <a:rPr lang="pt-BR" sz="1700" b="0" i="0" strike="noStrike" cap="none" baseline="0">
-                <a:solidFill>
-                  <a:srgbClr val="404040"/>
-                </a:solidFill>
-                <a:effectLst/>
-                <a:latin typeface="Franklin Gothic Book"/>
-                <a:ea typeface="Franklin Gothic Book"/>
-                <a:cs typeface="Franklin Gothic Book"/>
-              </a:rPr>
+              <a:rPr lang="pt-BR" sz="1700" dirty="0"/>
               <a:t>Lançar uma campanha de marketing digital</a:t>
             </a:r>
           </a:p>
@@ -9510,15 +7210,7 @@
               </a:lnSpc>
             </a:pPr>
             <a:r>
-              <a:rPr lang="pt-BR" sz="1700" b="0" i="0" strike="noStrike" cap="none" baseline="0">
-                <a:solidFill>
-                  <a:srgbClr val="404040"/>
-                </a:solidFill>
-                <a:effectLst/>
-                <a:latin typeface="Franklin Gothic Book"/>
-                <a:ea typeface="Franklin Gothic Book"/>
-                <a:cs typeface="Franklin Gothic Book"/>
-              </a:rPr>
+              <a:rPr lang="pt-BR" sz="1700" dirty="0"/>
               <a:t>Distribuir amostras grátis e cupons do chai</a:t>
             </a:r>
           </a:p>
@@ -9529,15 +7221,7 @@
               </a:lnSpc>
             </a:pPr>
             <a:r>
-              <a:rPr lang="pt-BR" sz="1700" b="0" i="0" strike="noStrike" cap="none" baseline="0">
-                <a:solidFill>
-                  <a:srgbClr val="404040"/>
-                </a:solidFill>
-                <a:effectLst/>
-                <a:latin typeface="Franklin Gothic Book"/>
-                <a:ea typeface="Franklin Gothic Book"/>
-                <a:cs typeface="Franklin Gothic Book"/>
-              </a:rPr>
+              <a:rPr lang="pt-BR" sz="1700" dirty="0"/>
               <a:t>Organizar eventos e concursos</a:t>
             </a:r>
           </a:p>
@@ -9548,87 +7232,8 @@
               </a:lnSpc>
             </a:pPr>
             <a:r>
-              <a:rPr lang="pt-BR" sz="1700" b="0" i="0" strike="noStrike" cap="none" baseline="0">
-                <a:solidFill>
-                  <a:srgbClr val="404040"/>
-                </a:solidFill>
-                <a:effectLst/>
-                <a:latin typeface="Franklin Gothic Book"/>
-                <a:ea typeface="Franklin Gothic Book"/>
-                <a:cs typeface="Franklin Gothic Book"/>
-              </a:rPr>
+              <a:rPr lang="pt-BR" sz="1700" dirty="0"/>
               <a:t>Implementação e avaliação do plano promocional e estratégia</a:t>
-            </a:r>
-          </a:p>
-        </p:txBody>
-      </p:sp>
-      <p:sp>
-        <p:nvSpPr>
-          <p:cNvPr id="11" name="TextBox"/>
-          <p:cNvSpPr txBox="1">
-            <a:spLocks noGrp="1" noSelect="1" noRot="1" noMove="1"/>
-          </p:cNvSpPr>
-          <p:nvPr/>
-        </p:nvSpPr>
-        <p:spPr>
-          <a:xfrm>
-            <a:off x="2890520" y="2644140"/>
-            <a:ext cx="6411372" cy="1569660"/>
-          </a:xfrm>
-          <a:prstGeom prst="rect">
-            <a:avLst/>
-          </a:prstGeom>
-          <a:noFill/>
-        </p:spPr>
-        <p:txBody>
-          <a:bodyPr wrap="none" rtlCol="0" anchor="ctr" anchorCtr="1">
-            <a:spAutoFit/>
-          </a:bodyPr>
-          <a:lstStyle>
-            <a:lvl1pPr algn="l">
-              <a:lnSpc>
-                <a:spcPct val="150000"/>
-              </a:lnSpc>
-              <a:spcBef>
-                <a:spcPct val="0"/>
-              </a:spcBef>
-              <a:spcAft>
-                <a:spcPct val="0"/>
-              </a:spcAft>
-              <a:defRPr lang="en-US" sz="3200" b="1" noProof="1" dirty="0">
-                <a:solidFill>
-                  <a:prstClr val="red">
-                    <a:lumOff val="30000"/>
-                    <a:alpha val="40000"/>
-                  </a:prstClr>
-                </a:solidFill>
-                <a:effectLst>
-                  <a:outerShdw blurRad="50800" dist="38100" algn="tr" rotWithShape="0">
-                    <a:prstClr val="black">
-                      <a:alpha val="80000"/>
-                    </a:prstClr>
-                  </a:outerShdw>
-                </a:effectLst>
-                <a:latin typeface="Calibri" pitchFamily="34" charset="0"/>
-              </a:defRPr>
-            </a:lvl1pPr>
-          </a:lstStyle>
-          <a:p>
-            <a:pPr algn="ctr"/>
-            <a:r>
-              <a:t>Evaluation only.</a:t>
-            </a:r>
-          </a:p>
-          <a:p>
-            <a:pPr algn="ctr"/>
-            <a:r>
-              <a:t>Created with Aspose.Slides for Java 23.6.</a:t>
-            </a:r>
-          </a:p>
-          <a:p>
-            <a:pPr algn="ctr"/>
-            <a:r>
-              <a:t>Copyright 2004-2023 Aspose Pty Ltd.</a:t>
             </a:r>
           </a:p>
         </p:txBody>
@@ -9643,14 +7248,12 @@
   <p:clrMapOvr>
     <a:masterClrMapping/>
   </p:clrMapOvr>
-  <p:transition/>
-  <p:timing/>
 </p:sld>
 </file>
 
 <file path=ppt/slides/slide12.xml><?xml version="1.0" encoding="utf-8"?>
-<p:sld xmlns:a="http://schemas.openxmlformats.org/drawingml/2006/main" xmlns:r="http://schemas.openxmlformats.org/officeDocument/2006/relationships" xmlns:m="http://schemas.openxmlformats.org/officeDocument/2006/math" xmlns:w="http://schemas.openxmlformats.org/wordprocessingml/2006/main" xmlns:wp="http://schemas.openxmlformats.org/drawingml/2006/wordprocessingDrawing" xmlns:a14="http://schemas.microsoft.com/office/drawing/2010/main" xmlns:mc="http://schemas.openxmlformats.org/markup-compatibility/2006" xmlns:p14="http://schemas.microsoft.com/office/powerpoint/2010/main" xmlns:p15="http://schemas.microsoft.com/office/powerpoint/2012/main" xmlns:p159="http://schemas.microsoft.com/office/powerpoint/2015/09/main" xmlns:p="http://schemas.openxmlformats.org/presentationml/2006/main">
-  <p:cSld name="">
+<p:sld xmlns:a="http://schemas.openxmlformats.org/drawingml/2006/main" xmlns:r="http://schemas.openxmlformats.org/officeDocument/2006/relationships" xmlns:p="http://schemas.openxmlformats.org/presentationml/2006/main">
+  <p:cSld>
     <p:bg>
       <p:bgPr>
         <a:solidFill>
@@ -9669,6 +7272,8 @@
         <a:xfrm>
           <a:off x="0" y="0"/>
           <a:ext cx="0" cy="0"/>
+          <a:chOff x="0" y="0"/>
+          <a:chExt cx="0" cy="0"/>
         </a:xfrm>
       </p:grpSpPr>
       <p:sp>
@@ -9872,28 +7477,20 @@
         </p:spPr>
         <p:txBody>
           <a:bodyPr vert="horz" lIns="91440" tIns="45720" rIns="91440" bIns="45720" rtlCol="0" anchor="b">
-            <a:normAutofit/>
+            <a:normAutofit fontScale="90000"/>
           </a:bodyPr>
           <a:lstStyle/>
           <a:p>
             <a:r>
-              <a:rPr lang="pt-BR" sz="3100" b="0" i="0" strike="noStrike" cap="none" baseline="0">
-                <a:solidFill>
-                  <a:srgbClr val="404040"/>
-                </a:solidFill>
-                <a:effectLst/>
-                <a:latin typeface="Bookman Old Style"/>
-                <a:ea typeface="Bookman Old Style"/>
-                <a:cs typeface="Bookman Old Style"/>
-              </a:rPr>
-              <a:t>Resultados e desafios esperados: resultados esperados</a:t>
+              <a:rPr lang="pt-BR" sz="3400"/>
+              <a:t>Resultados esperados e desafios: Resultados esperados</a:t>
             </a:r>
           </a:p>
         </p:txBody>
       </p:sp>
       <p:pic>
         <p:nvPicPr>
-          <p:cNvPr id="5" name="Content Placeholder 4" descr="Tea being poured into a mug with a ceramic pot - black background">
+          <p:cNvPr id="5" name="Content Placeholder 4" descr="Chá na jarra de cerâmica sendo servido em uma xícara – fundo preto">
             <a:extLst>
               <a:ext uri="{FF2B5EF4-FFF2-40B4-BE49-F238E27FC236}">
                 <a16:creationId xmlns:a16="http://schemas.microsoft.com/office/drawing/2014/main" id="{FD4F758D-569A-4658-9C5B-1CC2B977D553}"/>
@@ -9907,12 +7504,10 @@
             <p:ph sz="half" idx="1"/>
           </p:nvPr>
         </p:nvPicPr>
-        <p:blipFill>
+        <p:blipFill rotWithShape="1">
           <a:blip r:embed="rId3"/>
           <a:srcRect l="20033" r="11470"/>
-          <a:stretch>
-            <a:fillRect/>
-          </a:stretch>
+          <a:stretch/>
         </p:blipFill>
         <p:spPr>
           <a:xfrm>
@@ -9998,7 +7593,7 @@
         <p:spPr>
           <a:xfrm>
             <a:off x="5172074" y="2108201"/>
-            <a:ext cx="5983606" cy="3760891"/>
+            <a:ext cx="5633086" cy="3760891"/>
           </a:xfrm>
         </p:spPr>
         <p:txBody>
@@ -10008,129 +7603,26 @@
           <a:lstStyle/>
           <a:p>
             <a:r>
-              <a:rPr lang="pt-BR" sz="1900" b="0" i="0" strike="noStrike" cap="none" baseline="0">
-                <a:solidFill>
-                  <a:srgbClr val="404040"/>
-                </a:solidFill>
-                <a:effectLst/>
-                <a:latin typeface="Franklin Gothic Book"/>
-                <a:ea typeface="Franklin Gothic Book"/>
-                <a:cs typeface="Franklin Gothic Book"/>
-              </a:rPr>
+              <a:rPr lang="pt-BR" dirty="0"/>
               <a:t>Aumento de 20% na conscientização e no interesse pelo produto entre o público-alvo</a:t>
             </a:r>
           </a:p>
           <a:p>
             <a:r>
-              <a:rPr lang="pt-BR" sz="1900" b="0" i="0" strike="noStrike" cap="none" baseline="0">
-                <a:solidFill>
-                  <a:srgbClr val="404040"/>
-                </a:solidFill>
-                <a:effectLst/>
-                <a:latin typeface="Franklin Gothic Book"/>
-                <a:ea typeface="Franklin Gothic Book"/>
-                <a:cs typeface="Franklin Gothic Book"/>
-              </a:rPr>
+              <a:rPr lang="pt-BR" dirty="0"/>
               <a:t>Aumento de 10% na participação no mercado do chai na região</a:t>
             </a:r>
           </a:p>
           <a:p>
             <a:r>
-              <a:rPr lang="pt-BR" sz="1900" b="0" i="0" strike="noStrike" cap="none" baseline="0">
-                <a:solidFill>
-                  <a:srgbClr val="404040"/>
-                </a:solidFill>
-                <a:effectLst/>
-                <a:latin typeface="Franklin Gothic Book"/>
-                <a:ea typeface="Franklin Gothic Book"/>
-                <a:cs typeface="Franklin Gothic Book"/>
-              </a:rPr>
+              <a:rPr lang="pt-BR" dirty="0"/>
               <a:t>Aumento de 15% no volume de vendas e receita do chai na região</a:t>
             </a:r>
           </a:p>
           <a:p>
             <a:r>
-              <a:rPr lang="pt-BR" sz="1900" b="0" i="0" strike="noStrike" cap="none" baseline="0">
-                <a:solidFill>
-                  <a:srgbClr val="404040"/>
-                </a:solidFill>
-                <a:effectLst/>
-                <a:latin typeface="Franklin Gothic Book"/>
-                <a:ea typeface="Franklin Gothic Book"/>
-                <a:cs typeface="Franklin Gothic Book"/>
-              </a:rPr>
+              <a:rPr lang="pt-BR" dirty="0"/>
               <a:t>Aumento de 25% nas taxas de satisfação do cliente e retenção do chai na região</a:t>
-            </a:r>
-          </a:p>
-        </p:txBody>
-      </p:sp>
-      <p:sp>
-        <p:nvSpPr>
-          <p:cNvPr id="17" name="TextBox"/>
-          <p:cNvSpPr txBox="1">
-            <a:spLocks noGrp="1" noSelect="1" noRot="1" noMove="1"/>
-          </p:cNvSpPr>
-          <p:nvPr/>
-        </p:nvSpPr>
-        <p:spPr>
-          <a:xfrm>
-            <a:off x="2890520" y="2644140"/>
-            <a:ext cx="6411372" cy="1569660"/>
-          </a:xfrm>
-          <a:prstGeom prst="rect">
-            <a:avLst/>
-          </a:prstGeom>
-          <a:noFill/>
-        </p:spPr>
-        <p:txBody>
-          <a:bodyPr wrap="none" rtlCol="0" anchor="ctr" anchorCtr="1">
-            <a:spAutoFit/>
-          </a:bodyPr>
-          <a:lstStyle>
-            <a:lvl1pPr algn="l">
-              <a:lnSpc>
-                <a:spcPct val="150000"/>
-              </a:lnSpc>
-              <a:spcBef>
-                <a:spcPct val="0"/>
-              </a:spcBef>
-              <a:spcAft>
-                <a:spcPct val="0"/>
-              </a:spcAft>
-              <a:defRPr lang="en-US" sz="3200" b="1" noProof="1" dirty="0">
-                <a:solidFill>
-                  <a:prstClr val="red">
-                    <a:lumOff val="30000"/>
-                    <a:alpha val="40000"/>
-                  </a:prstClr>
-                </a:solidFill>
-                <a:effectLst>
-                  <a:outerShdw blurRad="50800" dist="38100" algn="tr" rotWithShape="0">
-                    <a:prstClr val="black">
-                      <a:alpha val="80000"/>
-                    </a:prstClr>
-                  </a:outerShdw>
-                </a:effectLst>
-                <a:latin typeface="Calibri" pitchFamily="34" charset="0"/>
-              </a:defRPr>
-            </a:lvl1pPr>
-          </a:lstStyle>
-          <a:p>
-            <a:pPr algn="ctr"/>
-            <a:r>
-              <a:t>Evaluation only.</a:t>
-            </a:r>
-          </a:p>
-          <a:p>
-            <a:pPr algn="ctr"/>
-            <a:r>
-              <a:t>Created with Aspose.Slides for Java 23.6.</a:t>
-            </a:r>
-          </a:p>
-          <a:p>
-            <a:pPr algn="ctr"/>
-            <a:r>
-              <a:t>Copyright 2004-2023 Aspose Pty Ltd.</a:t>
             </a:r>
           </a:p>
         </p:txBody>
@@ -10145,14 +7637,12 @@
   <p:clrMapOvr>
     <a:masterClrMapping/>
   </p:clrMapOvr>
-  <p:transition/>
-  <p:timing/>
 </p:sld>
 </file>
 
 <file path=ppt/slides/slide13.xml><?xml version="1.0" encoding="utf-8"?>
-<p:sld xmlns:a="http://schemas.openxmlformats.org/drawingml/2006/main" xmlns:r="http://schemas.openxmlformats.org/officeDocument/2006/relationships" xmlns:m="http://schemas.openxmlformats.org/officeDocument/2006/math" xmlns:w="http://schemas.openxmlformats.org/wordprocessingml/2006/main" xmlns:wp="http://schemas.openxmlformats.org/drawingml/2006/wordprocessingDrawing" xmlns:a14="http://schemas.microsoft.com/office/drawing/2010/main" xmlns:mc="http://schemas.openxmlformats.org/markup-compatibility/2006" xmlns:p14="http://schemas.microsoft.com/office/powerpoint/2010/main" xmlns:p15="http://schemas.microsoft.com/office/powerpoint/2012/main" xmlns:p159="http://schemas.microsoft.com/office/powerpoint/2015/09/main" xmlns:p="http://schemas.openxmlformats.org/presentationml/2006/main">
-  <p:cSld name="">
+<p:sld xmlns:a="http://schemas.openxmlformats.org/drawingml/2006/main" xmlns:r="http://schemas.openxmlformats.org/officeDocument/2006/relationships" xmlns:p="http://schemas.openxmlformats.org/presentationml/2006/main">
+  <p:cSld>
     <p:bg>
       <p:bgPr>
         <a:solidFill>
@@ -10171,6 +7661,8 @@
         <a:xfrm>
           <a:off x="0" y="0"/>
           <a:ext cx="0" cy="0"/>
+          <a:chOff x="0" y="0"/>
+          <a:chExt cx="0" cy="0"/>
         </a:xfrm>
       </p:grpSpPr>
       <p:sp useBgFill="1">
@@ -10214,7 +7706,7 @@
               <a:shade val="50000"/>
             </a:schemeClr>
           </a:lnRef>
-          <a:fillRef idx="4294967295">
+          <a:fillRef idx="1001">
             <a:schemeClr val="lt1"/>
           </a:fillRef>
           <a:effectRef idx="0">
@@ -10324,16 +7816,12 @@
           <a:lstStyle/>
           <a:p>
             <a:r>
-              <a:rPr lang="pt-BR" sz="4400" b="0" i="0" strike="noStrike" cap="none" baseline="0">
+              <a:rPr lang="pt-BR" sz="4400">
                 <a:solidFill>
                   <a:srgbClr val="FFFFFF"/>
                 </a:solidFill>
-                <a:effectLst/>
-                <a:latin typeface="Bookman Old Style"/>
-                <a:ea typeface="Bookman Old Style"/>
-                <a:cs typeface="Bookman Old Style"/>
               </a:rPr>
-              <a:t>Resultados e desafios esperados: desafios potenciais</a:t>
+              <a:t>Resultados esperados e desafios: possíveis desafios</a:t>
             </a:r>
           </a:p>
         </p:txBody>
@@ -10357,153 +7845,42 @@
         <p:spPr>
           <a:xfrm>
             <a:off x="5231958" y="605896"/>
-            <a:ext cx="5923721" cy="5646208"/>
+            <a:ext cx="6114222" cy="5646208"/>
           </a:xfrm>
         </p:spPr>
         <p:txBody>
           <a:bodyPr anchor="ctr">
-            <a:normAutofit lnSpcReduction="20000"/>
+            <a:normAutofit/>
           </a:bodyPr>
           <a:lstStyle/>
           <a:p>
             <a:r>
-              <a:rPr lang="pt-BR" sz="2400" b="0" i="0" strike="noStrike" cap="none" baseline="0">
-                <a:solidFill>
-                  <a:srgbClr val="404040"/>
-                </a:solidFill>
-                <a:effectLst/>
-                <a:latin typeface="Franklin Gothic Book"/>
-                <a:ea typeface="Franklin Gothic Book"/>
-                <a:cs typeface="Franklin Gothic Book"/>
-              </a:rPr>
+              <a:rPr lang="pt-BR" sz="2400" dirty="0"/>
               <a:t>Alto preço e baixa acessibilidade dos produtos de chai em comparação com outras bebidas</a:t>
             </a:r>
           </a:p>
           <a:p>
             <a:r>
-              <a:rPr lang="pt-BR" sz="2400" b="0" i="0" strike="noStrike" cap="none" baseline="0">
-                <a:solidFill>
-                  <a:srgbClr val="404040"/>
-                </a:solidFill>
-                <a:effectLst/>
-                <a:latin typeface="Franklin Gothic Book"/>
-                <a:ea typeface="Franklin Gothic Book"/>
-                <a:cs typeface="Franklin Gothic Book"/>
-              </a:rPr>
+              <a:rPr lang="pt-BR" sz="2400" dirty="0"/>
               <a:t>Falta de conscientização e familiaridade com o chai entre alguns segmentos da população</a:t>
             </a:r>
           </a:p>
           <a:p>
             <a:r>
-              <a:rPr lang="pt-BR" sz="2400" b="0" i="0" strike="noStrike" cap="none" baseline="0">
-                <a:solidFill>
-                  <a:srgbClr val="404040"/>
-                </a:solidFill>
-                <a:effectLst/>
-                <a:latin typeface="Franklin Gothic Book"/>
-                <a:ea typeface="Franklin Gothic Book"/>
-                <a:cs typeface="Franklin Gothic Book"/>
-              </a:rPr>
+              <a:rPr lang="pt-BR" sz="2400" dirty="0"/>
               <a:t>Concorrência de outros produtos de chá, como chás de ervas, chá verde e chá preto</a:t>
             </a:r>
           </a:p>
           <a:p>
             <a:r>
-              <a:rPr lang="pt-BR" sz="2400" b="0" i="0" strike="noStrike" cap="none" baseline="0">
-                <a:solidFill>
-                  <a:srgbClr val="404040"/>
-                </a:solidFill>
-                <a:effectLst/>
-                <a:latin typeface="Franklin Gothic Book"/>
-                <a:ea typeface="Franklin Gothic Book"/>
-                <a:cs typeface="Franklin Gothic Book"/>
-              </a:rPr>
+              <a:rPr lang="pt-BR" sz="2400" dirty="0"/>
               <a:t>Barreiras regulatórias e culturais que podem limitar a entrada e a expansão dos produtos de chai em alguns países</a:t>
             </a:r>
           </a:p>
           <a:p>
             <a:r>
-              <a:rPr lang="pt-BR" sz="2400" b="0" i="0" strike="noStrike" cap="none" baseline="0">
-                <a:solidFill>
-                  <a:srgbClr val="404040"/>
-                </a:solidFill>
-                <a:effectLst/>
-                <a:latin typeface="Franklin Gothic Book"/>
-                <a:ea typeface="Franklin Gothic Book"/>
-                <a:cs typeface="Franklin Gothic Book"/>
-              </a:rPr>
+              <a:rPr lang="pt-BR" sz="2400" dirty="0"/>
               <a:t>Questões ambientais e sociais que podem afetar o suprimento e a qualidade dos ingredientes do chai</a:t>
-            </a:r>
-          </a:p>
-        </p:txBody>
-      </p:sp>
-      <p:sp>
-        <p:nvSpPr>
-          <p:cNvPr id="11" name="TextBox"/>
-          <p:cNvSpPr txBox="1">
-            <a:spLocks noGrp="1" noSelect="1" noRot="1" noMove="1"/>
-          </p:cNvSpPr>
-          <p:nvPr/>
-        </p:nvSpPr>
-        <p:spPr>
-          <a:xfrm>
-            <a:off x="2890520" y="2644140"/>
-            <a:ext cx="6411372" cy="1569660"/>
-          </a:xfrm>
-          <a:prstGeom prst="rect">
-            <a:avLst/>
-          </a:prstGeom>
-          <a:noFill/>
-        </p:spPr>
-        <p:txBody>
-          <a:bodyPr wrap="none" rtlCol="0" anchor="ctr" anchorCtr="1">
-            <a:spAutoFit/>
-          </a:bodyPr>
-          <a:lstStyle>
-            <a:lvl1pPr algn="l">
-              <a:lnSpc>
-                <a:spcPct val="150000"/>
-              </a:lnSpc>
-              <a:spcBef>
-                <a:spcPct val="0"/>
-              </a:spcBef>
-              <a:spcAft>
-                <a:spcPct val="0"/>
-              </a:spcAft>
-              <a:defRPr lang="en-US" sz="3200" b="1" noProof="1" dirty="0">
-                <a:solidFill>
-                  <a:prstClr val="red">
-                    <a:lumOff val="30000"/>
-                    <a:alpha val="40000"/>
-                  </a:prstClr>
-                </a:solidFill>
-                <a:effectLst>
-                  <a:outerShdw blurRad="50800" dist="38100" algn="tr" rotWithShape="0">
-                    <a:prstClr val="black">
-                      <a:alpha val="80000"/>
-                    </a:prstClr>
-                  </a:outerShdw>
-                </a:effectLst>
-                <a:latin typeface="Calibri" pitchFamily="34" charset="0"/>
-              </a:defRPr>
-            </a:lvl1pPr>
-          </a:lstStyle>
-          <a:p>
-            <a:pPr algn="ctr"/>
-            <a:r>
-              <a:t>Evaluation only.</a:t>
-            </a:r>
-          </a:p>
-          <a:p>
-            <a:pPr algn="ctr"/>
-            <a:r>
-              <a:t>Created with Aspose.Slides for Java 23.6.</a:t>
-            </a:r>
-          </a:p>
-          <a:p>
-            <a:pPr algn="ctr"/>
-            <a:r>
-              <a:t>Copyright 2004-2023 Aspose Pty Ltd.</a:t>
             </a:r>
           </a:p>
         </p:txBody>
@@ -10518,14 +7895,12 @@
   <p:clrMapOvr>
     <a:masterClrMapping/>
   </p:clrMapOvr>
-  <p:transition/>
-  <p:timing/>
 </p:sld>
 </file>
 
 <file path=ppt/slides/slide14.xml><?xml version="1.0" encoding="utf-8"?>
-<p:sld xmlns:a="http://schemas.openxmlformats.org/drawingml/2006/main" xmlns:r="http://schemas.openxmlformats.org/officeDocument/2006/relationships" xmlns:m="http://schemas.openxmlformats.org/officeDocument/2006/math" xmlns:w="http://schemas.openxmlformats.org/wordprocessingml/2006/main" xmlns:wp="http://schemas.openxmlformats.org/drawingml/2006/wordprocessingDrawing" xmlns:a14="http://schemas.microsoft.com/office/drawing/2010/main" xmlns:mc="http://schemas.openxmlformats.org/markup-compatibility/2006" xmlns:p14="http://schemas.microsoft.com/office/powerpoint/2010/main" xmlns:p15="http://schemas.microsoft.com/office/powerpoint/2012/main" xmlns:p159="http://schemas.microsoft.com/office/powerpoint/2015/09/main" xmlns:p="http://schemas.openxmlformats.org/presentationml/2006/main">
-  <p:cSld name="">
+<p:sld xmlns:a="http://schemas.openxmlformats.org/drawingml/2006/main" xmlns:r="http://schemas.openxmlformats.org/officeDocument/2006/relationships" xmlns:p="http://schemas.openxmlformats.org/presentationml/2006/main">
+  <p:cSld>
     <p:bg>
       <p:bgPr>
         <a:solidFill>
@@ -10544,6 +7919,8 @@
         <a:xfrm>
           <a:off x="0" y="0"/>
           <a:ext cx="0" cy="0"/>
+          <a:chOff x="0" y="0"/>
+          <a:chExt cx="0" cy="0"/>
         </a:xfrm>
       </p:grpSpPr>
       <p:sp useBgFill="1">
@@ -10587,7 +7964,7 @@
               <a:shade val="50000"/>
             </a:schemeClr>
           </a:lnRef>
-          <a:fillRef idx="4294967295">
+          <a:fillRef idx="1001">
             <a:schemeClr val="lt1"/>
           </a:fillRef>
           <a:effectRef idx="0">
@@ -10687,7 +8064,7 @@
         <p:spPr>
           <a:xfrm>
             <a:off x="492369" y="605896"/>
-            <a:ext cx="3642309" cy="5646208"/>
+            <a:ext cx="3820551" cy="5646208"/>
           </a:xfrm>
         </p:spPr>
         <p:txBody>
@@ -10697,14 +8074,10 @@
           <a:lstStyle/>
           <a:p>
             <a:r>
-              <a:rPr lang="pt-BR" sz="3700" b="0" i="0" strike="noStrike" cap="none" baseline="0">
+              <a:rPr lang="pt-BR" sz="3700" dirty="0">
                 <a:solidFill>
                   <a:srgbClr val="FFFFFF"/>
                 </a:solidFill>
-                <a:effectLst/>
-                <a:latin typeface="Bookman Old Style"/>
-                <a:ea typeface="Bookman Old Style"/>
-                <a:cs typeface="Bookman Old Style"/>
               </a:rPr>
               <a:t>Recomendações e conclusões</a:t>
             </a:r>
@@ -10729,13 +8102,13 @@
         </p:nvSpPr>
         <p:spPr>
           <a:xfrm>
-            <a:off x="5231958" y="605896"/>
-            <a:ext cx="5923721" cy="5646208"/>
+            <a:off x="5231958" y="445876"/>
+            <a:ext cx="6167562" cy="5985404"/>
           </a:xfrm>
         </p:spPr>
         <p:txBody>
           <a:bodyPr anchor="ctr">
-            <a:normAutofit lnSpcReduction="20000"/>
+            <a:normAutofit lnSpcReduction="10000"/>
           </a:bodyPr>
           <a:lstStyle/>
           <a:p>
@@ -10745,15 +8118,7 @@
               </a:lnSpc>
             </a:pPr>
             <a:r>
-              <a:rPr lang="pt-BR" sz="1900" b="0" i="0" strike="noStrike" cap="none" baseline="0">
-                <a:solidFill>
-                  <a:srgbClr val="404040"/>
-                </a:solidFill>
-                <a:effectLst/>
-                <a:latin typeface="Franklin Gothic Book"/>
-                <a:ea typeface="Franklin Gothic Book"/>
-                <a:cs typeface="Franklin Gothic Book"/>
-              </a:rPr>
+              <a:rPr lang="pt-BR" sz="1900" dirty="0"/>
               <a:t>O chai é um produto promissor que tem potencial para crescer no mercado latino-americano</a:t>
             </a:r>
           </a:p>
@@ -10764,15 +8129,7 @@
               </a:lnSpc>
             </a:pPr>
             <a:r>
-              <a:rPr lang="pt-BR" sz="1900" b="0" i="0" strike="noStrike" cap="none" baseline="0">
-                <a:solidFill>
-                  <a:srgbClr val="404040"/>
-                </a:solidFill>
-                <a:effectLst/>
-                <a:latin typeface="Franklin Gothic Book"/>
-                <a:ea typeface="Franklin Gothic Book"/>
-                <a:cs typeface="Franklin Gothic Book"/>
-              </a:rPr>
+              <a:rPr lang="pt-BR" sz="1900" dirty="0"/>
               <a:t>Oferece uma alternativa saudável, natural e exótica a outras bebidas</a:t>
             </a:r>
           </a:p>
@@ -10783,15 +8140,7 @@
               </a:lnSpc>
             </a:pPr>
             <a:r>
-              <a:rPr lang="pt-BR" sz="1900" b="0" i="0" strike="noStrike" cap="none" baseline="0">
-                <a:solidFill>
-                  <a:srgbClr val="404040"/>
-                </a:solidFill>
-                <a:effectLst/>
-                <a:latin typeface="Franklin Gothic Book"/>
-                <a:ea typeface="Franklin Gothic Book"/>
-                <a:cs typeface="Franklin Gothic Book"/>
-              </a:rPr>
+              <a:rPr lang="pt-BR" sz="1900" dirty="0"/>
               <a:t>Precisa ser posicionado e comercializado como um produto premium, autêntico e versátil</a:t>
             </a:r>
           </a:p>
@@ -10802,15 +8151,7 @@
               </a:lnSpc>
             </a:pPr>
             <a:r>
-              <a:rPr lang="pt-BR" sz="1900" b="0" i="0" strike="noStrike" cap="none" baseline="0">
-                <a:solidFill>
-                  <a:srgbClr val="404040"/>
-                </a:solidFill>
-                <a:effectLst/>
-                <a:latin typeface="Franklin Gothic Book"/>
-                <a:ea typeface="Franklin Gothic Book"/>
-                <a:cs typeface="Franklin Gothic Book"/>
-              </a:rPr>
+              <a:rPr lang="pt-BR" sz="1900" dirty="0"/>
               <a:t>Atrai diferentes segmentos e ocasiões</a:t>
             </a:r>
           </a:p>
@@ -10821,15 +8162,7 @@
               </a:lnSpc>
             </a:pPr>
             <a:r>
-              <a:rPr lang="pt-BR" sz="1900" b="0" i="0" strike="noStrike" cap="none" baseline="0">
-                <a:solidFill>
-                  <a:srgbClr val="404040"/>
-                </a:solidFill>
-                <a:effectLst/>
-                <a:latin typeface="Franklin Gothic Book"/>
-                <a:ea typeface="Franklin Gothic Book"/>
-                <a:cs typeface="Franklin Gothic Book"/>
-              </a:rPr>
+              <a:rPr lang="pt-BR" sz="1900" dirty="0"/>
               <a:t>Precisa aproveitar suas características únicas e benefícios, como seu aroma e sabor intensos e benefícios para a saúde</a:t>
             </a:r>
           </a:p>
@@ -10840,15 +8173,7 @@
               </a:lnSpc>
             </a:pPr>
             <a:r>
-              <a:rPr lang="pt-BR" sz="1900" b="0" i="0" strike="noStrike" cap="none" baseline="0">
-                <a:solidFill>
-                  <a:srgbClr val="404040"/>
-                </a:solidFill>
-                <a:effectLst/>
-                <a:latin typeface="Franklin Gothic Book"/>
-                <a:ea typeface="Franklin Gothic Book"/>
-                <a:cs typeface="Franklin Gothic Book"/>
-              </a:rPr>
+              <a:rPr lang="pt-BR" sz="1900" dirty="0"/>
               <a:t>Diferencia-se de outros produtos de chá</a:t>
             </a:r>
           </a:p>
@@ -10859,15 +8184,7 @@
               </a:lnSpc>
             </a:pPr>
             <a:r>
-              <a:rPr lang="pt-BR" sz="1900" b="0" i="0" strike="noStrike" cap="none" baseline="0">
-                <a:solidFill>
-                  <a:srgbClr val="404040"/>
-                </a:solidFill>
-                <a:effectLst/>
-                <a:latin typeface="Franklin Gothic Book"/>
-                <a:ea typeface="Franklin Gothic Book"/>
-                <a:cs typeface="Franklin Gothic Book"/>
-              </a:rPr>
+              <a:rPr lang="pt-BR" sz="1900" dirty="0"/>
               <a:t>Precisa utilizar uma combinação de táticas online e offline para alcançar e engajar o público-alvo</a:t>
             </a:r>
           </a:p>
@@ -10878,15 +8195,7 @@
               </a:lnSpc>
             </a:pPr>
             <a:r>
-              <a:rPr lang="pt-BR" sz="1900" b="0" i="0" strike="noStrike" cap="none" baseline="0">
-                <a:solidFill>
-                  <a:srgbClr val="404040"/>
-                </a:solidFill>
-                <a:effectLst/>
-                <a:latin typeface="Franklin Gothic Book"/>
-                <a:ea typeface="Franklin Gothic Book"/>
-                <a:cs typeface="Franklin Gothic Book"/>
-              </a:rPr>
+              <a:rPr lang="pt-BR" sz="1900" dirty="0"/>
               <a:t>Precisa criar uma base de clientes fiéis e satisfeitos</a:t>
             </a:r>
           </a:p>
@@ -10897,15 +8206,7 @@
               </a:lnSpc>
             </a:pPr>
             <a:r>
-              <a:rPr lang="pt-BR" sz="1900" b="0" i="0" strike="noStrike" cap="none" baseline="0">
-                <a:solidFill>
-                  <a:srgbClr val="404040"/>
-                </a:solidFill>
-                <a:effectLst/>
-                <a:latin typeface="Franklin Gothic Book"/>
-                <a:ea typeface="Franklin Gothic Book"/>
-                <a:cs typeface="Franklin Gothic Book"/>
-              </a:rPr>
+              <a:rPr lang="pt-BR" sz="1900" dirty="0"/>
               <a:t>Precisa superar os desafios e ameaças, como preço, conscientização, concorrência, regulamentação e sustentabilidade</a:t>
             </a:r>
           </a:p>
@@ -10916,87 +8217,8 @@
               </a:lnSpc>
             </a:pPr>
             <a:r>
-              <a:rPr lang="pt-BR" sz="1900" b="0" i="0" strike="noStrike" cap="none" baseline="0">
-                <a:solidFill>
-                  <a:srgbClr val="404040"/>
-                </a:solidFill>
-                <a:effectLst/>
-                <a:latin typeface="Franklin Gothic Book"/>
-                <a:ea typeface="Franklin Gothic Book"/>
-                <a:cs typeface="Franklin Gothic Book"/>
-              </a:rPr>
+              <a:rPr lang="pt-BR" sz="1900" dirty="0"/>
               <a:t>O plano promocional e a estratégia precisam ser constantemente monitorados, avaliados e ajustados</a:t>
-            </a:r>
-          </a:p>
-        </p:txBody>
-      </p:sp>
-      <p:sp>
-        <p:nvSpPr>
-          <p:cNvPr id="11" name="TextBox"/>
-          <p:cNvSpPr txBox="1">
-            <a:spLocks noGrp="1" noSelect="1" noRot="1" noMove="1"/>
-          </p:cNvSpPr>
-          <p:nvPr/>
-        </p:nvSpPr>
-        <p:spPr>
-          <a:xfrm>
-            <a:off x="2890520" y="2644140"/>
-            <a:ext cx="6411372" cy="1569660"/>
-          </a:xfrm>
-          <a:prstGeom prst="rect">
-            <a:avLst/>
-          </a:prstGeom>
-          <a:noFill/>
-        </p:spPr>
-        <p:txBody>
-          <a:bodyPr wrap="none" rtlCol="0" anchor="ctr" anchorCtr="1">
-            <a:spAutoFit/>
-          </a:bodyPr>
-          <a:lstStyle>
-            <a:lvl1pPr algn="l">
-              <a:lnSpc>
-                <a:spcPct val="150000"/>
-              </a:lnSpc>
-              <a:spcBef>
-                <a:spcPct val="0"/>
-              </a:spcBef>
-              <a:spcAft>
-                <a:spcPct val="0"/>
-              </a:spcAft>
-              <a:defRPr lang="en-US" sz="3200" b="1" noProof="1" dirty="0">
-                <a:solidFill>
-                  <a:prstClr val="red">
-                    <a:lumOff val="30000"/>
-                    <a:alpha val="40000"/>
-                  </a:prstClr>
-                </a:solidFill>
-                <a:effectLst>
-                  <a:outerShdw blurRad="50800" dist="38100" algn="tr" rotWithShape="0">
-                    <a:prstClr val="black">
-                      <a:alpha val="80000"/>
-                    </a:prstClr>
-                  </a:outerShdw>
-                </a:effectLst>
-                <a:latin typeface="Calibri" pitchFamily="34" charset="0"/>
-              </a:defRPr>
-            </a:lvl1pPr>
-          </a:lstStyle>
-          <a:p>
-            <a:pPr algn="ctr"/>
-            <a:r>
-              <a:t>Evaluation only.</a:t>
-            </a:r>
-          </a:p>
-          <a:p>
-            <a:pPr algn="ctr"/>
-            <a:r>
-              <a:t>Created with Aspose.Slides for Java 23.6.</a:t>
-            </a:r>
-          </a:p>
-          <a:p>
-            <a:pPr algn="ctr"/>
-            <a:r>
-              <a:t>Copyright 2004-2023 Aspose Pty Ltd.</a:t>
             </a:r>
           </a:p>
         </p:txBody>
@@ -11011,14 +8233,12 @@
   <p:clrMapOvr>
     <a:masterClrMapping/>
   </p:clrMapOvr>
-  <p:transition/>
-  <p:timing/>
 </p:sld>
 </file>
 
 <file path=ppt/slides/slide2.xml><?xml version="1.0" encoding="utf-8"?>
-<p:sld xmlns:a="http://schemas.openxmlformats.org/drawingml/2006/main" xmlns:r="http://schemas.openxmlformats.org/officeDocument/2006/relationships" xmlns:m="http://schemas.openxmlformats.org/officeDocument/2006/math" xmlns:w="http://schemas.openxmlformats.org/wordprocessingml/2006/main" xmlns:wp="http://schemas.openxmlformats.org/drawingml/2006/wordprocessingDrawing" xmlns:a14="http://schemas.microsoft.com/office/drawing/2010/main" xmlns:mc="http://schemas.openxmlformats.org/markup-compatibility/2006" xmlns:p14="http://schemas.microsoft.com/office/powerpoint/2010/main" xmlns:p15="http://schemas.microsoft.com/office/powerpoint/2012/main" xmlns:p159="http://schemas.microsoft.com/office/powerpoint/2015/09/main" xmlns:p="http://schemas.openxmlformats.org/presentationml/2006/main">
-  <p:cSld name="">
+<p:sld xmlns:a="http://schemas.openxmlformats.org/drawingml/2006/main" xmlns:r="http://schemas.openxmlformats.org/officeDocument/2006/relationships" xmlns:p="http://schemas.openxmlformats.org/presentationml/2006/main">
+  <p:cSld>
     <p:bg>
       <p:bgPr>
         <a:solidFill>
@@ -11041,6 +8261,8 @@
         <a:xfrm>
           <a:off x="0" y="0"/>
           <a:ext cx="0" cy="0"/>
+          <a:chOff x="0" y="0"/>
+          <a:chExt cx="0" cy="0"/>
         </a:xfrm>
       </p:grpSpPr>
       <p:sp>
@@ -11196,15 +8418,7 @@
           <a:p>
             <a:pPr algn="r"/>
             <a:r>
-              <a:rPr lang="pt-BR" sz="4700" b="0" i="0" strike="noStrike" cap="none" baseline="0">
-                <a:solidFill>
-                  <a:srgbClr val="404040"/>
-                </a:solidFill>
-                <a:effectLst/>
-                <a:latin typeface="Bookman Old Style"/>
-                <a:ea typeface="Bookman Old Style"/>
-                <a:cs typeface="Bookman Old Style"/>
-              </a:rPr>
+              <a:rPr lang="pt-BR"/>
               <a:t>Agenda</a:t>
             </a:r>
           </a:p>
@@ -11234,7 +8448,7 @@
           </p:nvPr>
         </p:nvCxnSpPr>
         <p:spPr>
-          <a:xfrm flipH="1">
+          <a:xfrm>
             <a:off x="4971974" y="2057399"/>
             <a:ext cx="0" cy="2743200"/>
           </a:xfrm>
@@ -11280,8 +8494,8 @@
         </p:nvSpPr>
         <p:spPr>
           <a:xfrm>
-            <a:off x="5301798" y="963507"/>
-            <a:ext cx="5968181" cy="4938851"/>
+            <a:off x="5301799" y="963507"/>
+            <a:ext cx="5571942" cy="4938851"/>
           </a:xfrm>
         </p:spPr>
         <p:txBody>
@@ -11296,15 +8510,7 @@
               </a:lnSpc>
             </a:pPr>
             <a:r>
-              <a:rPr lang="pt-BR" sz="1800" b="0" i="0" strike="noStrike" cap="none" baseline="0">
-                <a:solidFill>
-                  <a:srgbClr val="404040"/>
-                </a:solidFill>
-                <a:effectLst/>
-                <a:latin typeface="Franklin Gothic Book"/>
-                <a:ea typeface="Franklin Gothic Book"/>
-                <a:cs typeface="Franklin Gothic Book"/>
-              </a:rPr>
+              <a:rPr lang="pt-BR" sz="1800" dirty="0"/>
               <a:t>Introdução</a:t>
             </a:r>
           </a:p>
@@ -11315,16 +8521,8 @@
               </a:lnSpc>
             </a:pPr>
             <a:r>
-              <a:rPr lang="pt-BR" sz="1800" b="0" i="0" strike="noStrike" cap="none" baseline="0">
-                <a:solidFill>
-                  <a:srgbClr val="404040"/>
-                </a:solidFill>
-                <a:effectLst/>
-                <a:latin typeface="Franklin Gothic Book"/>
-                <a:ea typeface="Franklin Gothic Book"/>
-                <a:cs typeface="Franklin Gothic Book"/>
-              </a:rPr>
-              <a:t>Descrição do produto:</a:t>
+              <a:rPr lang="pt-BR" sz="1800" dirty="0"/>
+              <a:t>Descrição do produto</a:t>
             </a:r>
           </a:p>
           <a:p>
@@ -11334,15 +8532,7 @@
               </a:lnSpc>
             </a:pPr>
             <a:r>
-              <a:rPr lang="pt-BR" sz="1800" b="0" i="0" strike="noStrike" cap="none" baseline="0">
-                <a:solidFill>
-                  <a:srgbClr val="404040"/>
-                </a:solidFill>
-                <a:effectLst/>
-                <a:latin typeface="Franklin Gothic Book"/>
-                <a:ea typeface="Franklin Gothic Book"/>
-                <a:cs typeface="Franklin Gothic Book"/>
-              </a:rPr>
+              <a:rPr lang="pt-BR" sz="1800" dirty="0"/>
               <a:t>Descrição do produto (1/2)</a:t>
             </a:r>
           </a:p>
@@ -11353,15 +8543,7 @@
               </a:lnSpc>
             </a:pPr>
             <a:r>
-              <a:rPr lang="pt-BR" sz="1800" b="0" i="0" strike="noStrike" cap="none" baseline="0">
-                <a:solidFill>
-                  <a:srgbClr val="404040"/>
-                </a:solidFill>
-                <a:effectLst/>
-                <a:latin typeface="Franklin Gothic Book"/>
-                <a:ea typeface="Franklin Gothic Book"/>
-                <a:cs typeface="Franklin Gothic Book"/>
-              </a:rPr>
+              <a:rPr lang="pt-BR" sz="1800" dirty="0"/>
               <a:t>Descrição do produto (2/2)</a:t>
             </a:r>
           </a:p>
@@ -11372,15 +8554,7 @@
               </a:lnSpc>
             </a:pPr>
             <a:r>
-              <a:rPr lang="pt-BR" sz="1800" b="0" i="0" strike="noStrike" cap="none" baseline="0">
-                <a:solidFill>
-                  <a:srgbClr val="404040"/>
-                </a:solidFill>
-                <a:effectLst/>
-                <a:latin typeface="Franklin Gothic Book"/>
-                <a:ea typeface="Franklin Gothic Book"/>
-                <a:cs typeface="Franklin Gothic Book"/>
-              </a:rPr>
+              <a:rPr lang="pt-BR" sz="1800" dirty="0"/>
               <a:t>Tendências de mercado e demanda</a:t>
             </a:r>
           </a:p>
@@ -11391,15 +8565,7 @@
               </a:lnSpc>
             </a:pPr>
             <a:r>
-              <a:rPr lang="pt-BR" sz="1800" b="0" i="0" strike="noStrike" cap="none" baseline="0">
-                <a:solidFill>
-                  <a:srgbClr val="404040"/>
-                </a:solidFill>
-                <a:effectLst/>
-                <a:latin typeface="Franklin Gothic Book"/>
-                <a:ea typeface="Franklin Gothic Book"/>
-                <a:cs typeface="Franklin Gothic Book"/>
-              </a:rPr>
+              <a:rPr lang="pt-BR" sz="1800" dirty="0"/>
               <a:t>Participação no mercado do chai na América Latina</a:t>
             </a:r>
           </a:p>
@@ -11410,15 +8576,7 @@
               </a:lnSpc>
             </a:pPr>
             <a:r>
-              <a:rPr lang="pt-BR" sz="1800" b="0" i="0" strike="noStrike" cap="none" baseline="0">
-                <a:solidFill>
-                  <a:srgbClr val="404040"/>
-                </a:solidFill>
-                <a:effectLst/>
-                <a:latin typeface="Franklin Gothic Book"/>
-                <a:ea typeface="Franklin Gothic Book"/>
-                <a:cs typeface="Franklin Gothic Book"/>
-              </a:rPr>
+              <a:rPr lang="pt-BR" sz="1800" dirty="0"/>
               <a:t>Canais de distribuição</a:t>
             </a:r>
           </a:p>
@@ -11429,15 +8587,7 @@
               </a:lnSpc>
             </a:pPr>
             <a:r>
-              <a:rPr lang="pt-BR" sz="1800" b="0" i="0" strike="noStrike" cap="none" baseline="0">
-                <a:solidFill>
-                  <a:srgbClr val="404040"/>
-                </a:solidFill>
-                <a:effectLst/>
-                <a:latin typeface="Franklin Gothic Book"/>
-                <a:ea typeface="Franklin Gothic Book"/>
-                <a:cs typeface="Franklin Gothic Book"/>
-              </a:rPr>
+              <a:rPr lang="pt-BR" sz="1800" dirty="0"/>
               <a:t>Plano promocional e estratégia</a:t>
             </a:r>
           </a:p>
@@ -11448,15 +8598,7 @@
               </a:lnSpc>
             </a:pPr>
             <a:r>
-              <a:rPr lang="pt-BR" sz="1800" b="0" i="0" strike="noStrike" cap="none" baseline="0">
-                <a:solidFill>
-                  <a:srgbClr val="404040"/>
-                </a:solidFill>
-                <a:effectLst/>
-                <a:latin typeface="Franklin Gothic Book"/>
-                <a:ea typeface="Franklin Gothic Book"/>
-                <a:cs typeface="Franklin Gothic Book"/>
-              </a:rPr>
+              <a:rPr lang="pt-BR" sz="1800" dirty="0"/>
               <a:t>Resultados esperados e desafios</a:t>
             </a:r>
           </a:p>
@@ -11467,87 +8609,8 @@
               </a:lnSpc>
             </a:pPr>
             <a:r>
-              <a:rPr lang="pt-BR" sz="1800" b="0" i="0" strike="noStrike" cap="none" baseline="0">
-                <a:solidFill>
-                  <a:srgbClr val="404040"/>
-                </a:solidFill>
-                <a:effectLst/>
-                <a:latin typeface="Franklin Gothic Book"/>
-                <a:ea typeface="Franklin Gothic Book"/>
-                <a:cs typeface="Franklin Gothic Book"/>
-              </a:rPr>
+              <a:rPr lang="pt-BR" sz="1800" dirty="0"/>
               <a:t>Recomendações e conclusões</a:t>
-            </a:r>
-          </a:p>
-        </p:txBody>
-      </p:sp>
-      <p:sp>
-        <p:nvSpPr>
-          <p:cNvPr id="20" name="TextBox"/>
-          <p:cNvSpPr txBox="1">
-            <a:spLocks noGrp="1" noSelect="1" noRot="1" noMove="1"/>
-          </p:cNvSpPr>
-          <p:nvPr/>
-        </p:nvSpPr>
-        <p:spPr>
-          <a:xfrm>
-            <a:off x="2890520" y="2644140"/>
-            <a:ext cx="6411372" cy="1569660"/>
-          </a:xfrm>
-          <a:prstGeom prst="rect">
-            <a:avLst/>
-          </a:prstGeom>
-          <a:noFill/>
-        </p:spPr>
-        <p:txBody>
-          <a:bodyPr wrap="none" rtlCol="0" anchor="ctr" anchorCtr="1">
-            <a:spAutoFit/>
-          </a:bodyPr>
-          <a:lstStyle>
-            <a:lvl1pPr algn="l">
-              <a:lnSpc>
-                <a:spcPct val="150000"/>
-              </a:lnSpc>
-              <a:spcBef>
-                <a:spcPct val="0"/>
-              </a:spcBef>
-              <a:spcAft>
-                <a:spcPct val="0"/>
-              </a:spcAft>
-              <a:defRPr lang="en-US" sz="3200" b="1" noProof="1" dirty="0">
-                <a:solidFill>
-                  <a:prstClr val="red">
-                    <a:lumOff val="30000"/>
-                    <a:alpha val="40000"/>
-                  </a:prstClr>
-                </a:solidFill>
-                <a:effectLst>
-                  <a:outerShdw blurRad="50800" dist="38100" algn="tr" rotWithShape="0">
-                    <a:prstClr val="black">
-                      <a:alpha val="80000"/>
-                    </a:prstClr>
-                  </a:outerShdw>
-                </a:effectLst>
-                <a:latin typeface="Calibri" pitchFamily="34" charset="0"/>
-              </a:defRPr>
-            </a:lvl1pPr>
-          </a:lstStyle>
-          <a:p>
-            <a:pPr algn="ctr"/>
-            <a:r>
-              <a:t>Evaluation only.</a:t>
-            </a:r>
-          </a:p>
-          <a:p>
-            <a:pPr algn="ctr"/>
-            <a:r>
-              <a:t>Created with Aspose.Slides for Java 23.6.</a:t>
-            </a:r>
-          </a:p>
-          <a:p>
-            <a:pPr algn="ctr"/>
-            <a:r>
-              <a:t>Copyright 2004-2023 Aspose Pty Ltd.</a:t>
             </a:r>
           </a:p>
         </p:txBody>
@@ -11562,14 +8625,12 @@
   <p:clrMapOvr>
     <a:masterClrMapping/>
   </p:clrMapOvr>
-  <p:transition/>
-  <p:timing/>
 </p:sld>
 </file>
 
 <file path=ppt/slides/slide3.xml><?xml version="1.0" encoding="utf-8"?>
-<p:sld xmlns:a="http://schemas.openxmlformats.org/drawingml/2006/main" xmlns:r="http://schemas.openxmlformats.org/officeDocument/2006/relationships" xmlns:m="http://schemas.openxmlformats.org/officeDocument/2006/math" xmlns:w="http://schemas.openxmlformats.org/wordprocessingml/2006/main" xmlns:wp="http://schemas.openxmlformats.org/drawingml/2006/wordprocessingDrawing" xmlns:a14="http://schemas.microsoft.com/office/drawing/2010/main" xmlns:mc="http://schemas.openxmlformats.org/markup-compatibility/2006" xmlns:p14="http://schemas.microsoft.com/office/powerpoint/2010/main" xmlns:p15="http://schemas.microsoft.com/office/powerpoint/2012/main" xmlns:p159="http://schemas.microsoft.com/office/powerpoint/2015/09/main" xmlns:p="http://schemas.openxmlformats.org/presentationml/2006/main">
-  <p:cSld name="">
+<p:sld xmlns:a="http://schemas.openxmlformats.org/drawingml/2006/main" xmlns:r="http://schemas.openxmlformats.org/officeDocument/2006/relationships" xmlns:p="http://schemas.openxmlformats.org/presentationml/2006/main">
+  <p:cSld>
     <p:bg>
       <p:bgPr>
         <a:solidFill>
@@ -11588,6 +8649,8 @@
         <a:xfrm>
           <a:off x="0" y="0"/>
           <a:ext cx="0" cy="0"/>
+          <a:chOff x="0" y="0"/>
+          <a:chExt cx="0" cy="0"/>
         </a:xfrm>
       </p:grpSpPr>
       <p:sp>
@@ -11798,14 +8861,10 @@
           <a:lstStyle/>
           <a:p>
             <a:r>
-              <a:rPr lang="pt-BR" sz="4000" b="0" i="0" strike="noStrike" cap="none" baseline="0">
+              <a:rPr lang="pt-BR" sz="4000">
                 <a:solidFill>
                   <a:srgbClr val="FFFFFF"/>
                 </a:solidFill>
-                <a:effectLst/>
-                <a:latin typeface="Bookman Old Style"/>
-                <a:ea typeface="Bookman Old Style"/>
-                <a:cs typeface="Bookman Old Style"/>
               </a:rPr>
               <a:t>Introdução</a:t>
             </a:r>
@@ -11883,7 +8942,7 @@
         <p:spPr>
           <a:xfrm>
             <a:off x="643467" y="2546224"/>
-            <a:ext cx="3448259" cy="3342747"/>
+            <a:ext cx="3448259" cy="3854576"/>
           </a:xfrm>
         </p:spPr>
         <p:txBody>
@@ -11898,14 +8957,10 @@
               </a:lnSpc>
             </a:pPr>
             <a:r>
-              <a:rPr lang="pt-BR" sz="1500" b="0" i="0" strike="noStrike" cap="none" baseline="0">
+              <a:rPr lang="pt-BR" sz="1500" dirty="0">
                 <a:solidFill>
                   <a:srgbClr val="FFFFFF"/>
                 </a:solidFill>
-                <a:effectLst/>
-                <a:latin typeface="Franklin Gothic Book"/>
-                <a:ea typeface="Franklin Gothic Book"/>
-                <a:cs typeface="Franklin Gothic Book"/>
               </a:rPr>
               <a:t>Descrição do produto, características e benefícios</a:t>
             </a:r>
@@ -11917,14 +8972,10 @@
               </a:lnSpc>
             </a:pPr>
             <a:r>
-              <a:rPr lang="pt-BR" sz="1500" b="0" i="0" strike="noStrike" cap="none" baseline="0">
+              <a:rPr lang="pt-BR" sz="1500" dirty="0">
                 <a:solidFill>
                   <a:srgbClr val="FFFFFF"/>
                 </a:solidFill>
-                <a:effectLst/>
-                <a:latin typeface="Franklin Gothic Book"/>
-                <a:ea typeface="Franklin Gothic Book"/>
-                <a:cs typeface="Franklin Gothic Book"/>
               </a:rPr>
               <a:t>Tendências de mercado e demanda na América Latina</a:t>
             </a:r>
@@ -11936,14 +8987,10 @@
               </a:lnSpc>
             </a:pPr>
             <a:r>
-              <a:rPr lang="pt-BR" sz="1500" b="0" i="0" strike="noStrike" cap="none" baseline="0">
+              <a:rPr lang="pt-BR" sz="1500" dirty="0">
                 <a:solidFill>
                   <a:srgbClr val="FFFFFF"/>
                 </a:solidFill>
-                <a:effectLst/>
-                <a:latin typeface="Franklin Gothic Book"/>
-                <a:ea typeface="Franklin Gothic Book"/>
-                <a:cs typeface="Franklin Gothic Book"/>
               </a:rPr>
               <a:t>Análise competitiva na América Latina</a:t>
             </a:r>
@@ -11955,14 +9002,10 @@
               </a:lnSpc>
             </a:pPr>
             <a:r>
-              <a:rPr lang="pt-BR" sz="1500" b="0" i="0" strike="noStrike" cap="none" baseline="0">
+              <a:rPr lang="pt-BR" sz="1500" dirty="0">
                 <a:solidFill>
                   <a:srgbClr val="FFFFFF"/>
                 </a:solidFill>
-                <a:effectLst/>
-                <a:latin typeface="Franklin Gothic Book"/>
-                <a:ea typeface="Franklin Gothic Book"/>
-                <a:cs typeface="Franklin Gothic Book"/>
               </a:rPr>
               <a:t>Canais de distribuição na América Latina</a:t>
             </a:r>
@@ -11974,14 +9017,10 @@
               </a:lnSpc>
             </a:pPr>
             <a:r>
-              <a:rPr lang="pt-BR" sz="1500" b="0" i="0" strike="noStrike" cap="none" baseline="0">
+              <a:rPr lang="pt-BR" sz="1500" dirty="0">
                 <a:solidFill>
                   <a:srgbClr val="FFFFFF"/>
                 </a:solidFill>
-                <a:effectLst/>
-                <a:latin typeface="Franklin Gothic Book"/>
-                <a:ea typeface="Franklin Gothic Book"/>
-                <a:cs typeface="Franklin Gothic Book"/>
               </a:rPr>
               <a:t>Plano promocional e estratégia na América Latina</a:t>
             </a:r>
@@ -11993,14 +9032,10 @@
               </a:lnSpc>
             </a:pPr>
             <a:r>
-              <a:rPr lang="pt-BR" sz="1500" b="0" i="0" strike="noStrike" cap="none" baseline="0">
+              <a:rPr lang="pt-BR" sz="1500" dirty="0">
                 <a:solidFill>
                   <a:srgbClr val="FFFFFF"/>
                 </a:solidFill>
-                <a:effectLst/>
-                <a:latin typeface="Franklin Gothic Book"/>
-                <a:ea typeface="Franklin Gothic Book"/>
-                <a:cs typeface="Franklin Gothic Book"/>
               </a:rPr>
               <a:t>Resultados esperados e desafios</a:t>
             </a:r>
@@ -12012,14 +9047,10 @@
               </a:lnSpc>
             </a:pPr>
             <a:r>
-              <a:rPr lang="pt-BR" sz="1500" b="0" i="0" strike="noStrike" cap="none" baseline="0">
+              <a:rPr lang="pt-BR" sz="1500" dirty="0">
                 <a:solidFill>
                   <a:srgbClr val="FFFFFF"/>
                 </a:solidFill>
-                <a:effectLst/>
-                <a:latin typeface="Franklin Gothic Book"/>
-                <a:ea typeface="Franklin Gothic Book"/>
-                <a:cs typeface="Franklin Gothic Book"/>
               </a:rPr>
               <a:t>Recomendações e conclusões</a:t>
             </a:r>
@@ -12028,7 +9059,7 @@
       </p:sp>
       <p:pic>
         <p:nvPicPr>
-          <p:cNvPr id="5" name="Content Placeholder 4" descr="Indian masala chai tea. Spiced tea with milk on the rustic wooden table.">
+          <p:cNvPr id="5" name="Content Placeholder 4" descr="Chai Tea Masala indiano. Chá aromático com leite em mesa rústica de madeira.">
             <a:extLst>
               <a:ext uri="{FF2B5EF4-FFF2-40B4-BE49-F238E27FC236}">
                 <a16:creationId xmlns:a16="http://schemas.microsoft.com/office/drawing/2014/main" id="{9A3808EA-8867-40A0-A0EF-17D43ED8A5E3}"/>
@@ -12042,12 +9073,10 @@
             <p:ph sz="half" idx="1"/>
           </p:nvPr>
         </p:nvPicPr>
-        <p:blipFill>
+        <p:blipFill rotWithShape="1">
           <a:blip r:embed="rId3"/>
           <a:srcRect l="18097" r="8537" b="-1"/>
-          <a:stretch>
-            <a:fillRect/>
-          </a:stretch>
+          <a:stretch/>
         </p:blipFill>
         <p:spPr>
           <a:xfrm>
@@ -12059,77 +9088,6 @@
           </a:prstGeom>
         </p:spPr>
       </p:pic>
-      <p:sp>
-        <p:nvSpPr>
-          <p:cNvPr id="30" name="TextBox"/>
-          <p:cNvSpPr txBox="1">
-            <a:spLocks noGrp="1" noSelect="1" noRot="1" noMove="1"/>
-          </p:cNvSpPr>
-          <p:nvPr/>
-        </p:nvSpPr>
-        <p:spPr>
-          <a:xfrm>
-            <a:off x="2890520" y="2644140"/>
-            <a:ext cx="6411372" cy="1569660"/>
-          </a:xfrm>
-          <a:prstGeom prst="rect">
-            <a:avLst/>
-          </a:prstGeom>
-          <a:noFill/>
-        </p:spPr>
-        <p:txBody>
-          <a:bodyPr wrap="none" rtlCol="0" anchor="ctr" anchorCtr="1">
-            <a:spAutoFit/>
-          </a:bodyPr>
-          <a:lstStyle>
-            <a:lvl1pPr algn="l">
-              <a:lnSpc>
-                <a:spcPct val="150000"/>
-              </a:lnSpc>
-              <a:spcBef>
-                <a:spcPct val="0"/>
-              </a:spcBef>
-              <a:spcAft>
-                <a:spcPct val="0"/>
-              </a:spcAft>
-              <a:defRPr lang="en-US" sz="3200" b="1" noProof="1" dirty="0">
-                <a:solidFill>
-                  <a:prstClr val="red">
-                    <a:lumOff val="30000"/>
-                    <a:alpha val="40000"/>
-                  </a:prstClr>
-                </a:solidFill>
-                <a:effectLst>
-                  <a:outerShdw blurRad="50800" dist="38100" algn="tr" rotWithShape="0">
-                    <a:prstClr val="black">
-                      <a:alpha val="80000"/>
-                    </a:prstClr>
-                  </a:outerShdw>
-                </a:effectLst>
-                <a:latin typeface="Calibri" pitchFamily="34" charset="0"/>
-              </a:defRPr>
-            </a:lvl1pPr>
-          </a:lstStyle>
-          <a:p>
-            <a:pPr algn="ctr"/>
-            <a:r>
-              <a:t>Evaluation only.</a:t>
-            </a:r>
-          </a:p>
-          <a:p>
-            <a:pPr algn="ctr"/>
-            <a:r>
-              <a:t>Created with Aspose.Slides for Java 23.6.</a:t>
-            </a:r>
-          </a:p>
-          <a:p>
-            <a:pPr algn="ctr"/>
-            <a:r>
-              <a:t>Copyright 2004-2023 Aspose Pty Ltd.</a:t>
-            </a:r>
-          </a:p>
-        </p:txBody>
-      </p:sp>
     </p:spTree>
     <p:extLst>
       <p:ext uri="{BB962C8B-B14F-4D97-AF65-F5344CB8AC3E}">
@@ -12140,14 +9098,12 @@
   <p:clrMapOvr>
     <a:overrideClrMapping bg1="dk1" tx1="lt1" bg2="dk2" tx2="lt2" accent1="accent1" accent2="accent2" accent3="accent3" accent4="accent4" accent5="accent5" accent6="accent6" hlink="hlink" folHlink="folHlink"/>
   </p:clrMapOvr>
-  <p:transition/>
-  <p:timing/>
 </p:sld>
 </file>
 
 <file path=ppt/slides/slide4.xml><?xml version="1.0" encoding="utf-8"?>
-<p:sld xmlns:a="http://schemas.openxmlformats.org/drawingml/2006/main" xmlns:r="http://schemas.openxmlformats.org/officeDocument/2006/relationships" xmlns:m="http://schemas.openxmlformats.org/officeDocument/2006/math" xmlns:w="http://schemas.openxmlformats.org/wordprocessingml/2006/main" xmlns:wp="http://schemas.openxmlformats.org/drawingml/2006/wordprocessingDrawing" xmlns:a14="http://schemas.microsoft.com/office/drawing/2010/main" xmlns:mc="http://schemas.openxmlformats.org/markup-compatibility/2006" xmlns:p14="http://schemas.microsoft.com/office/powerpoint/2010/main" xmlns:p15="http://schemas.microsoft.com/office/powerpoint/2012/main" xmlns:p159="http://schemas.microsoft.com/office/powerpoint/2015/09/main" xmlns:p="http://schemas.openxmlformats.org/presentationml/2006/main">
-  <p:cSld name="">
+<p:sld xmlns:a="http://schemas.openxmlformats.org/drawingml/2006/main" xmlns:r="http://schemas.openxmlformats.org/officeDocument/2006/relationships" xmlns:p="http://schemas.openxmlformats.org/presentationml/2006/main">
+  <p:cSld>
     <p:bg>
       <p:bgPr>
         <a:solidFill>
@@ -12166,6 +9122,8 @@
         <a:xfrm>
           <a:off x="0" y="0"/>
           <a:ext cx="0" cy="0"/>
+          <a:chOff x="0" y="0"/>
+          <a:chExt cx="0" cy="0"/>
         </a:xfrm>
       </p:grpSpPr>
       <p:sp>
@@ -12437,16 +9395,12 @@
           <a:p>
             <a:pPr algn="r"/>
             <a:r>
-              <a:rPr lang="pt-BR" sz="4000" b="0" i="0" strike="noStrike" cap="none" baseline="0">
+              <a:rPr lang="pt-BR" sz="4000" dirty="0">
                 <a:solidFill>
                   <a:srgbClr val="FFFFFF"/>
                 </a:solidFill>
-                <a:effectLst/>
-                <a:latin typeface="Bookman Old Style"/>
-                <a:ea typeface="Bookman Old Style"/>
-                <a:cs typeface="Bookman Old Style"/>
               </a:rPr>
-              <a:t>Descrição do produto:</a:t>
+              <a:t>Descrição do produto</a:t>
             </a:r>
           </a:p>
         </p:txBody>
@@ -12475,7 +9429,7 @@
           </p:nvPr>
         </p:nvCxnSpPr>
         <p:spPr>
-          <a:xfrm flipH="1">
+          <a:xfrm>
             <a:off x="5820770" y="5247564"/>
             <a:ext cx="0" cy="873457"/>
           </a:xfrm>
@@ -12522,7 +9476,7 @@
         <p:spPr>
           <a:xfrm>
             <a:off x="6064301" y="4905300"/>
-            <a:ext cx="5493699" cy="1554485"/>
+            <a:ext cx="5960059" cy="1554485"/>
           </a:xfrm>
         </p:spPr>
         <p:txBody>
@@ -12537,14 +9491,10 @@
               </a:lnSpc>
             </a:pPr>
             <a:r>
-              <a:rPr lang="pt-BR" sz="1500" b="0" i="0" strike="noStrike" cap="none" baseline="0">
+              <a:rPr lang="pt-BR" sz="1500" dirty="0">
                 <a:solidFill>
                   <a:srgbClr val="FFFFFF"/>
                 </a:solidFill>
-                <a:effectLst/>
-                <a:latin typeface="Franklin Gothic Book"/>
-                <a:ea typeface="Franklin Gothic Book"/>
-                <a:cs typeface="Franklin Gothic Book"/>
               </a:rPr>
               <a:t>Mistura cuidadosamente elaborada</a:t>
             </a:r>
@@ -12556,14 +9506,10 @@
               </a:lnSpc>
             </a:pPr>
             <a:r>
-              <a:rPr lang="pt-BR" sz="1500" b="0" i="0" strike="noStrike" cap="none" baseline="0">
+              <a:rPr lang="pt-BR" sz="1500" dirty="0">
                 <a:solidFill>
                   <a:srgbClr val="FFFFFF"/>
                 </a:solidFill>
-                <a:effectLst/>
-                <a:latin typeface="Franklin Gothic Book"/>
-                <a:ea typeface="Franklin Gothic Book"/>
-                <a:cs typeface="Franklin Gothic Book"/>
               </a:rPr>
               <a:t>Homenageia as tradições clássicas do chai indiano</a:t>
             </a:r>
@@ -12575,14 +9521,10 @@
               </a:lnSpc>
             </a:pPr>
             <a:r>
-              <a:rPr lang="pt-BR" sz="1500" b="0" i="0" strike="noStrike" cap="none" baseline="0">
+              <a:rPr lang="pt-BR" sz="1500" dirty="0">
                 <a:solidFill>
                   <a:srgbClr val="FFFFFF"/>
                 </a:solidFill>
-                <a:effectLst/>
-                <a:latin typeface="Franklin Gothic Book"/>
-                <a:ea typeface="Franklin Gothic Book"/>
-                <a:cs typeface="Franklin Gothic Book"/>
               </a:rPr>
               <a:t>Jornada encantadora pelos vibrantes cenários da Índia</a:t>
             </a:r>
@@ -12594,14 +9536,10 @@
               </a:lnSpc>
             </a:pPr>
             <a:r>
-              <a:rPr lang="pt-BR" sz="1500" b="0" i="0" strike="noStrike" cap="none" baseline="0">
+              <a:rPr lang="pt-BR" sz="1500" dirty="0">
                 <a:solidFill>
                   <a:srgbClr val="FFFFFF"/>
                 </a:solidFill>
-                <a:effectLst/>
-                <a:latin typeface="Franklin Gothic Book"/>
-                <a:ea typeface="Franklin Gothic Book"/>
-                <a:cs typeface="Franklin Gothic Book"/>
               </a:rPr>
               <a:t>Traz uma experiência autêntica de chai diretamente para sua casa</a:t>
             </a:r>
@@ -12624,7 +9562,7 @@
             <p:ph sz="half" idx="1"/>
             <p:extLst>
               <p:ext uri="{D42A27DB-BD31-4B8C-83A1-F6EECF244321}">
-                <p14:modId xmlns:p14="http://schemas.microsoft.com/office/powerpoint/2010/main" val="3445590745"/>
+                <p14:modId xmlns:p14="http://schemas.microsoft.com/office/powerpoint/2010/main" val="416345805"/>
               </p:ext>
             </p:extLst>
           </p:nvPr>
@@ -12665,32 +9603,12 @@
               <a:tr h="1240536">
                 <a:tc>
                   <a:txBody>
-                    <a:bodyPr vert="horz" wrap="square"/>
+                    <a:bodyPr/>
                     <a:lstStyle/>
                     <a:p>
                       <a:r>
-                        <a:rPr lang="pt-BR" sz="3300" b="1" i="0" strike="noStrike" cap="none" baseline="0">
-                          <a:solidFill>
-                            <a:srgbClr val="FFFFFF"/>
-                          </a:solidFill>
-                          <a:effectLst/>
-                          <a:latin typeface="Franklin Gothic Book"/>
-                          <a:ea typeface="Franklin Gothic Book"/>
-                          <a:cs typeface="Franklin Gothic Book"/>
-                        </a:rPr>
+                        <a:rPr lang="pt-BR" sz="2800"/>
                         <a:t>Descrição do produto</a:t>
-                      </a:r>
-                      <a:r>
-                        <a:rPr lang="pt-BR" sz="3300" b="0" i="0" strike="noStrike" cap="none" baseline="0">
-                          <a:solidFill>
-                            <a:srgbClr val="FFFFFF"/>
-                          </a:solidFill>
-                          <a:effectLst/>
-                          <a:latin typeface="Franklin Gothic Book"/>
-                          <a:ea typeface="Franklin Gothic Book"/>
-                          <a:cs typeface="Franklin Gothic Book"/>
-                        </a:rPr>
-                        <a:t>:</a:t>
                       </a:r>
                     </a:p>
                   </a:txBody>
@@ -12698,19 +9616,11 @@
                 </a:tc>
                 <a:tc>
                   <a:txBody>
-                    <a:bodyPr vert="horz" wrap="square"/>
+                    <a:bodyPr/>
                     <a:lstStyle/>
                     <a:p>
                       <a:r>
-                        <a:rPr lang="pt-BR" sz="3300" b="1" i="0" strike="noStrike" cap="none" baseline="0">
-                          <a:solidFill>
-                            <a:srgbClr val="FFFFFF"/>
-                          </a:solidFill>
-                          <a:effectLst/>
-                          <a:latin typeface="Franklin Gothic Book"/>
-                          <a:ea typeface="Franklin Gothic Book"/>
-                          <a:cs typeface="Franklin Gothic Book"/>
-                        </a:rPr>
+                        <a:rPr lang="pt-BR" sz="2800"/>
                         <a:t>Recursos</a:t>
                       </a:r>
                     </a:p>
@@ -12719,19 +9629,11 @@
                 </a:tc>
                 <a:tc>
                   <a:txBody>
-                    <a:bodyPr vert="horz" wrap="square"/>
+                    <a:bodyPr/>
                     <a:lstStyle/>
                     <a:p>
                       <a:r>
-                        <a:rPr lang="pt-BR" sz="3300" b="1" i="0" strike="noStrike" cap="none" baseline="0">
-                          <a:solidFill>
-                            <a:srgbClr val="FFFFFF"/>
-                          </a:solidFill>
-                          <a:effectLst/>
-                          <a:latin typeface="Franklin Gothic Book"/>
-                          <a:ea typeface="Franklin Gothic Book"/>
-                          <a:cs typeface="Franklin Gothic Book"/>
-                        </a:rPr>
+                        <a:rPr lang="pt-BR" sz="2800"/>
                         <a:t>Benefícios</a:t>
                       </a:r>
                     </a:p>
@@ -12747,19 +9649,11 @@
               <a:tr h="1743456">
                 <a:tc>
                   <a:txBody>
-                    <a:bodyPr vert="horz" wrap="square"/>
+                    <a:bodyPr/>
                     <a:lstStyle/>
                     <a:p>
                       <a:r>
-                        <a:rPr lang="pt-BR" sz="3300" b="0" i="0" strike="noStrike" cap="none" baseline="0">
-                          <a:solidFill>
-                            <a:srgbClr val="000000"/>
-                          </a:solidFill>
-                          <a:effectLst/>
-                          <a:latin typeface="Franklin Gothic Book"/>
-                          <a:ea typeface="Franklin Gothic Book"/>
-                          <a:cs typeface="Franklin Gothic Book"/>
-                        </a:rPr>
+                        <a:rPr lang="pt-BR" sz="2800"/>
                         <a:t>Mystic Spice Premium Chai Tea</a:t>
                       </a:r>
                     </a:p>
@@ -12768,19 +9662,11 @@
                 </a:tc>
                 <a:tc>
                   <a:txBody>
-                    <a:bodyPr vert="horz" wrap="square"/>
+                    <a:bodyPr/>
                     <a:lstStyle/>
                     <a:p>
                       <a:r>
-                        <a:rPr lang="pt-BR" sz="3300" b="0" i="0" strike="noStrike" cap="none" baseline="0">
-                          <a:solidFill>
-                            <a:srgbClr val="000000"/>
-                          </a:solidFill>
-                          <a:effectLst/>
-                          <a:latin typeface="Franklin Gothic Book"/>
-                          <a:ea typeface="Franklin Gothic Book"/>
-                          <a:cs typeface="Franklin Gothic Book"/>
-                        </a:rPr>
+                        <a:rPr lang="pt-BR" sz="2800"/>
                         <a:t>Mistura cuidadosamente elaborada</a:t>
                       </a:r>
                     </a:p>
@@ -12789,19 +9675,11 @@
                 </a:tc>
                 <a:tc>
                   <a:txBody>
-                    <a:bodyPr vert="horz" wrap="square"/>
+                    <a:bodyPr/>
                     <a:lstStyle/>
                     <a:p>
                       <a:r>
-                        <a:rPr lang="pt-BR" sz="3300" b="0" i="0" strike="noStrike" cap="none" baseline="0">
-                          <a:solidFill>
-                            <a:srgbClr val="000000"/>
-                          </a:solidFill>
-                          <a:effectLst/>
-                          <a:latin typeface="Franklin Gothic Book"/>
-                          <a:ea typeface="Franklin Gothic Book"/>
-                          <a:cs typeface="Franklin Gothic Book"/>
-                        </a:rPr>
+                        <a:rPr lang="pt-BR" sz="2800" dirty="0"/>
                         <a:t>Experiência autêntica de chai</a:t>
                       </a:r>
                     </a:p>
@@ -12818,77 +9696,6 @@
           </a:graphicData>
         </a:graphic>
       </p:graphicFrame>
-      <p:sp>
-        <p:nvSpPr>
-          <p:cNvPr id="20" name="TextBox"/>
-          <p:cNvSpPr txBox="1">
-            <a:spLocks noGrp="1" noSelect="1" noRot="1" noMove="1"/>
-          </p:cNvSpPr>
-          <p:nvPr/>
-        </p:nvSpPr>
-        <p:spPr>
-          <a:xfrm>
-            <a:off x="2890520" y="2644140"/>
-            <a:ext cx="6411372" cy="1569660"/>
-          </a:xfrm>
-          <a:prstGeom prst="rect">
-            <a:avLst/>
-          </a:prstGeom>
-          <a:noFill/>
-        </p:spPr>
-        <p:txBody>
-          <a:bodyPr wrap="none" rtlCol="0" anchor="ctr" anchorCtr="1">
-            <a:spAutoFit/>
-          </a:bodyPr>
-          <a:lstStyle>
-            <a:lvl1pPr algn="l">
-              <a:lnSpc>
-                <a:spcPct val="150000"/>
-              </a:lnSpc>
-              <a:spcBef>
-                <a:spcPct val="0"/>
-              </a:spcBef>
-              <a:spcAft>
-                <a:spcPct val="0"/>
-              </a:spcAft>
-              <a:defRPr lang="en-US" sz="3200" b="1" noProof="1" dirty="0">
-                <a:solidFill>
-                  <a:prstClr val="red">
-                    <a:lumOff val="30000"/>
-                    <a:alpha val="40000"/>
-                  </a:prstClr>
-                </a:solidFill>
-                <a:effectLst>
-                  <a:outerShdw blurRad="50800" dist="38100" algn="tr" rotWithShape="0">
-                    <a:prstClr val="black">
-                      <a:alpha val="80000"/>
-                    </a:prstClr>
-                  </a:outerShdw>
-                </a:effectLst>
-                <a:latin typeface="Calibri" pitchFamily="34" charset="0"/>
-              </a:defRPr>
-            </a:lvl1pPr>
-          </a:lstStyle>
-          <a:p>
-            <a:pPr algn="ctr"/>
-            <a:r>
-              <a:t>Evaluation only.</a:t>
-            </a:r>
-          </a:p>
-          <a:p>
-            <a:pPr algn="ctr"/>
-            <a:r>
-              <a:t>Created with Aspose.Slides for Java 23.6.</a:t>
-            </a:r>
-          </a:p>
-          <a:p>
-            <a:pPr algn="ctr"/>
-            <a:r>
-              <a:t>Copyright 2004-2023 Aspose Pty Ltd.</a:t>
-            </a:r>
-          </a:p>
-        </p:txBody>
-      </p:sp>
     </p:spTree>
     <p:extLst>
       <p:ext uri="{BB962C8B-B14F-4D97-AF65-F5344CB8AC3E}">
@@ -12899,14 +9706,12 @@
   <p:clrMapOvr>
     <a:masterClrMapping/>
   </p:clrMapOvr>
-  <p:transition/>
-  <p:timing/>
 </p:sld>
 </file>
 
 <file path=ppt/slides/slide5.xml><?xml version="1.0" encoding="utf-8"?>
-<p:sld xmlns:a="http://schemas.openxmlformats.org/drawingml/2006/main" xmlns:r="http://schemas.openxmlformats.org/officeDocument/2006/relationships" xmlns:m="http://schemas.openxmlformats.org/officeDocument/2006/math" xmlns:w="http://schemas.openxmlformats.org/wordprocessingml/2006/main" xmlns:wp="http://schemas.openxmlformats.org/drawingml/2006/wordprocessingDrawing" xmlns:a14="http://schemas.microsoft.com/office/drawing/2010/main" xmlns:mc="http://schemas.openxmlformats.org/markup-compatibility/2006" xmlns:p14="http://schemas.microsoft.com/office/powerpoint/2010/main" xmlns:p15="http://schemas.microsoft.com/office/powerpoint/2012/main" xmlns:p159="http://schemas.microsoft.com/office/powerpoint/2015/09/main" xmlns:p="http://schemas.openxmlformats.org/presentationml/2006/main">
-  <p:cSld name="">
+<p:sld xmlns:a="http://schemas.openxmlformats.org/drawingml/2006/main" xmlns:r="http://schemas.openxmlformats.org/officeDocument/2006/relationships" xmlns:p="http://schemas.openxmlformats.org/presentationml/2006/main">
+  <p:cSld>
     <p:bg>
       <p:bgPr>
         <a:solidFill>
@@ -12925,6 +9730,8 @@
         <a:xfrm>
           <a:off x="0" y="0"/>
           <a:ext cx="0" cy="0"/>
+          <a:chOff x="0" y="0"/>
+          <a:chExt cx="0" cy="0"/>
         </a:xfrm>
       </p:grpSpPr>
       <p:sp useBgFill="1">
@@ -13016,15 +9823,7 @@
           <a:lstStyle/>
           <a:p>
             <a:r>
-              <a:rPr lang="pt-BR" sz="4700" b="0" i="0" strike="noStrike" cap="none" baseline="0">
-                <a:solidFill>
-                  <a:srgbClr val="404040"/>
-                </a:solidFill>
-                <a:effectLst/>
-                <a:latin typeface="Bookman Old Style"/>
-                <a:ea typeface="Bookman Old Style"/>
-                <a:cs typeface="Bookman Old Style"/>
-              </a:rPr>
+              <a:rPr lang="pt-BR"/>
               <a:t>Descrição do produto (1/2)</a:t>
             </a:r>
           </a:p>
@@ -13197,70 +9996,40 @@
               <a:tr h="363233">
                 <a:tc>
                   <a:txBody>
-                    <a:bodyPr vert="horz" wrap="square"/>
+                    <a:bodyPr/>
                     <a:lstStyle/>
                     <a:p>
                       <a:pPr>
                         <a:spcAft>
-                          <a:spcPct val="0"/>
+                          <a:spcPts val="0"/>
                         </a:spcAft>
                       </a:pPr>
                       <a:r>
-                        <a:rPr lang="pt-BR" sz="1400" b="1" i="0" strike="noStrike" cap="none" baseline="0">
-                          <a:solidFill>
-                            <a:srgbClr val="FFFFFF"/>
-                          </a:solidFill>
+                        <a:rPr lang="pt-BR" sz="1400">
                           <a:effectLst/>
-                          <a:latin typeface="Franklin Gothic Book"/>
-                          <a:ea typeface="Franklin Gothic Book"/>
-                          <a:cs typeface="Franklin Gothic Book"/>
                         </a:rPr>
-                        <a:t>Nome do Produto</a:t>
+                        <a:t>Nome do produto</a:t>
                       </a:r>
-                      <a:endParaRPr lang="en-US" sz="2300">
-                        <a:effectLst/>
-                      </a:endParaRPr>
                     </a:p>
                   </a:txBody>
                   <a:tcPr marL="49352" marR="49352" marT="49352" marB="49352"/>
                 </a:tc>
                 <a:tc>
                   <a:txBody>
-                    <a:bodyPr vert="horz" wrap="square"/>
+                    <a:bodyPr/>
                     <a:lstStyle/>
                     <a:p>
                       <a:pPr>
                         <a:spcAft>
-                          <a:spcPct val="0"/>
+                          <a:spcPts val="0"/>
                         </a:spcAft>
                       </a:pPr>
                       <a:r>
-                        <a:rPr lang="pt-BR" sz="1400" b="1" i="0" strike="noStrike" cap="none" baseline="0">
-                          <a:solidFill>
-                            <a:srgbClr val="FFFFFF"/>
-                          </a:solidFill>
+                        <a:rPr lang="pt-BR" sz="1400">
                           <a:effectLst/>
-                          <a:latin typeface="Franklin Gothic Book"/>
-                          <a:ea typeface="Franklin Gothic Book"/>
-                          <a:cs typeface="Franklin Gothic Book"/>
                         </a:rPr>
                         <a:t>Descrição do produto</a:t>
                       </a:r>
-                      <a:r>
-                        <a:rPr lang="pt-BR" sz="1400" b="0" i="0" strike="noStrike" cap="none" baseline="0">
-                          <a:solidFill>
-                            <a:srgbClr val="FFFFFF"/>
-                          </a:solidFill>
-                          <a:effectLst/>
-                          <a:latin typeface="Franklin Gothic Book"/>
-                          <a:ea typeface="Franklin Gothic Book"/>
-                          <a:cs typeface="Franklin Gothic Book"/>
-                        </a:rPr>
-                        <a:t>:</a:t>
-                      </a:r>
-                      <a:endParaRPr lang="en-US" sz="2300">
-                        <a:effectLst/>
-                      </a:endParaRPr>
                     </a:p>
                   </a:txBody>
                   <a:tcPr marL="49352" marR="49352" marT="49352" marB="49352"/>
@@ -13274,82 +10043,40 @@
               <a:tr h="1448982">
                 <a:tc>
                   <a:txBody>
-                    <a:bodyPr vert="horz" wrap="square"/>
+                    <a:bodyPr/>
                     <a:lstStyle/>
                     <a:p>
                       <a:pPr>
                         <a:spcAft>
-                          <a:spcPct val="0"/>
+                          <a:spcPts val="0"/>
                         </a:spcAft>
                       </a:pPr>
                       <a:r>
-                        <a:rPr lang="pt-BR" sz="1400" b="0" i="0" strike="noStrike" cap="none" baseline="0">
-                          <a:solidFill>
-                            <a:srgbClr val="000000"/>
-                          </a:solidFill>
+                        <a:rPr lang="pt-BR" sz="1400">
                           <a:effectLst/>
-                          <a:latin typeface="Franklin Gothic Book"/>
-                          <a:ea typeface="Franklin Gothic Book"/>
-                          <a:cs typeface="Franklin Gothic Book"/>
                         </a:rPr>
                         <a:t>Mystic Spice Premium Chai Tea</a:t>
                       </a:r>
-                      <a:endParaRPr lang="en-US" sz="2300">
-                        <a:effectLst/>
-                      </a:endParaRPr>
                     </a:p>
                   </a:txBody>
                   <a:tcPr marL="49352" marR="49352" marT="49352" marB="49352"/>
                 </a:tc>
                 <a:tc>
                   <a:txBody>
-                    <a:bodyPr vert="horz" wrap="square"/>
+                    <a:bodyPr/>
                     <a:lstStyle/>
                     <a:p>
                       <a:pPr>
                         <a:spcAft>
-                          <a:spcPct val="0"/>
+                          <a:spcPts val="0"/>
                         </a:spcAft>
                       </a:pPr>
                       <a:r>
-                        <a:rPr lang="pt-BR" sz="1400" b="0" i="0" strike="noStrike" cap="none" baseline="0">
-                          <a:solidFill>
-                            <a:srgbClr val="000000"/>
-                          </a:solidFill>
+                        <a:rPr lang="pt-BR" sz="1400">
                           <a:effectLst/>
-                          <a:latin typeface="Franklin Gothic Book"/>
-                          <a:ea typeface="Franklin Gothic Book"/>
-                          <a:cs typeface="Franklin Gothic Book"/>
                         </a:rPr>
-                        <a:t>Desfrute da rica e aromática experiência do Mystic Spice Premium Chai Tea, uma mistura cuidadosamente elaborada que homenageia as tradições clássicas do chai indiano.</a:t>
+                        <a:t>Desfrute da rica e aromática experiência do Mystic Spice Premium Chai Tea, uma mistura cuidadosamente elaborada que homenageia as tradições clássicas do chai indiano. Cada xícara oferece uma jornada encantadora pelos vibrantes cenários da Índia, trazendo uma experiência autêntica de chai diretamente para sua casa.</a:t>
                       </a:r>
-                      <a:r>
-                        <a:rPr lang="pt-BR" sz="1400" b="0" i="0" strike="noStrike" cap="none" baseline="0">
-                          <a:solidFill>
-                            <a:srgbClr val="000000"/>
-                          </a:solidFill>
-                          <a:effectLst/>
-                          <a:latin typeface="Franklin Gothic Book"/>
-                          <a:ea typeface="Franklin Gothic Book"/>
-                          <a:cs typeface="Franklin Gothic Book"/>
-                        </a:rPr>
-                        <a:t> </a:t>
-                      </a:r>
-                      <a:r>
-                        <a:rPr lang="pt-BR" sz="1400" b="0" i="0" strike="noStrike" cap="none" baseline="0">
-                          <a:solidFill>
-                            <a:srgbClr val="000000"/>
-                          </a:solidFill>
-                          <a:effectLst/>
-                          <a:latin typeface="Franklin Gothic Book"/>
-                          <a:ea typeface="Franklin Gothic Book"/>
-                          <a:cs typeface="Franklin Gothic Book"/>
-                        </a:rPr>
-                        <a:t>Cada xícara oferece uma jornada encantadora pelos vibrantes cenários da Índia, trazendo uma experiência autêntica de chai diretamente para sua casa.</a:t>
-                      </a:r>
-                      <a:endParaRPr lang="en-US" sz="2300">
-                        <a:effectLst/>
-                      </a:endParaRPr>
                     </a:p>
                   </a:txBody>
                   <a:tcPr marL="49352" marR="49352" marT="49352" marB="49352"/>
@@ -13363,58 +10090,40 @@
               <a:tr h="363233">
                 <a:tc>
                   <a:txBody>
-                    <a:bodyPr vert="horz" wrap="square"/>
+                    <a:bodyPr/>
                     <a:lstStyle/>
                     <a:p>
                       <a:pPr>
                         <a:spcAft>
-                          <a:spcPct val="0"/>
+                          <a:spcPts val="0"/>
                         </a:spcAft>
                       </a:pPr>
                       <a:r>
-                        <a:rPr lang="pt-BR" sz="1400" b="0" i="0" strike="noStrike" cap="none" baseline="0">
-                          <a:solidFill>
-                            <a:srgbClr val="000000"/>
-                          </a:solidFill>
+                        <a:rPr lang="pt-BR" sz="1400">
                           <a:effectLst/>
-                          <a:latin typeface="Franklin Gothic Book"/>
-                          <a:ea typeface="Franklin Gothic Book"/>
-                          <a:cs typeface="Franklin Gothic Book"/>
                         </a:rPr>
                         <a:t>Principais recursos</a:t>
                       </a:r>
-                      <a:endParaRPr lang="en-US" sz="2300">
-                        <a:effectLst/>
-                      </a:endParaRPr>
                     </a:p>
                   </a:txBody>
                   <a:tcPr marL="49352" marR="49352" marT="49352" marB="49352"/>
                 </a:tc>
                 <a:tc>
                   <a:txBody>
-                    <a:bodyPr vert="horz" wrap="square"/>
+                    <a:bodyPr/>
                     <a:lstStyle/>
                     <a:p>
                       <a:pPr>
                         <a:spcAft>
-                          <a:spcPct val="0"/>
+                          <a:spcPts val="0"/>
                         </a:spcAft>
                       </a:pPr>
                       <a:r>
-                        <a:rPr lang="pt-BR" sz="1400" b="0" i="0" strike="noStrike" cap="none" baseline="0">
-                          <a:solidFill>
-                            <a:srgbClr val="000000"/>
-                          </a:solidFill>
+                        <a:rPr lang="pt-BR" sz="1400">
                           <a:effectLst/>
-                          <a:latin typeface="Franklin Gothic Book"/>
-                          <a:ea typeface="Franklin Gothic Book"/>
-                          <a:cs typeface="Franklin Gothic Book"/>
                         </a:rPr>
                         <a:t>Principais benefícios</a:t>
                       </a:r>
-                      <a:endParaRPr lang="en-US" sz="2300">
-                        <a:effectLst/>
-                      </a:endParaRPr>
                     </a:p>
                   </a:txBody>
                   <a:tcPr marL="49352" marR="49352" marT="49352" marB="49352"/>
@@ -13428,106 +10137,40 @@
               <a:tr h="1231833">
                 <a:tc>
                   <a:txBody>
-                    <a:bodyPr vert="horz" wrap="square"/>
+                    <a:bodyPr/>
                     <a:lstStyle/>
                     <a:p>
                       <a:pPr>
                         <a:spcAft>
-                          <a:spcPct val="0"/>
+                          <a:spcPts val="0"/>
                         </a:spcAft>
                       </a:pPr>
                       <a:r>
-                        <a:rPr lang="pt-BR" sz="1400" b="0" i="0" strike="noStrike" cap="none" baseline="0">
-                          <a:solidFill>
-                            <a:srgbClr val="000000"/>
-                          </a:solidFill>
+                        <a:rPr lang="pt-BR" sz="1400">
                           <a:effectLst/>
-                          <a:latin typeface="Franklin Gothic Book"/>
-                          <a:ea typeface="Franklin Gothic Book"/>
-                          <a:cs typeface="Franklin Gothic Book"/>
                         </a:rPr>
-                        <a:t>Combinação autêntica: nosso chai é um composto harmonioso de folhas de chá preto premium e uma seleção exclusiva de especiarias moídas, incluindo canela, cardamomo, cravo, gengibre e pimenta-do-reino.</a:t>
+                        <a:t>Mistura autêntica: nosso chai é uma mistura equilibrada de folhas de chá preto premium e uma seleção exclusiva de especiarias moídas, incluindo canela, cardamomo, cravo, gengibre e pimenta-do-reino. Esta receita centenária promete um sabor autêntico e robusto em cada gole.</a:t>
                       </a:r>
-                      <a:r>
-                        <a:rPr lang="pt-BR" sz="1400" b="0" i="0" strike="noStrike" cap="none" baseline="0">
-                          <a:solidFill>
-                            <a:srgbClr val="000000"/>
-                          </a:solidFill>
-                          <a:effectLst/>
-                          <a:latin typeface="Franklin Gothic Book"/>
-                          <a:ea typeface="Franklin Gothic Book"/>
-                          <a:cs typeface="Franklin Gothic Book"/>
-                        </a:rPr>
-                        <a:t> </a:t>
-                      </a:r>
-                      <a:r>
-                        <a:rPr lang="pt-BR" sz="1400" b="0" i="0" strike="noStrike" cap="none" baseline="0">
-                          <a:solidFill>
-                            <a:srgbClr val="000000"/>
-                          </a:solidFill>
-                          <a:effectLst/>
-                          <a:latin typeface="Franklin Gothic Book"/>
-                          <a:ea typeface="Franklin Gothic Book"/>
-                          <a:cs typeface="Franklin Gothic Book"/>
-                        </a:rPr>
-                        <a:t>Esta receita centenária promete um sabor autêntico e robusto em cada gole.</a:t>
-                      </a:r>
-                      <a:endParaRPr lang="en-US" sz="2300">
-                        <a:effectLst/>
-                      </a:endParaRPr>
                     </a:p>
                   </a:txBody>
                   <a:tcPr marL="49352" marR="49352" marT="49352" marB="49352"/>
                 </a:tc>
                 <a:tc>
                   <a:txBody>
-                    <a:bodyPr vert="horz" wrap="square"/>
+                    <a:bodyPr/>
                     <a:lstStyle/>
                     <a:p>
                       <a:pPr>
                         <a:spcAft>
-                          <a:spcPct val="0"/>
+                          <a:spcPts val="0"/>
                         </a:spcAft>
                       </a:pPr>
                       <a:r>
-                        <a:rPr lang="pt-BR" sz="1400" b="0" i="0" strike="noStrike" cap="none" baseline="0">
-                          <a:solidFill>
-                            <a:srgbClr val="000000"/>
-                          </a:solidFill>
+                        <a:rPr lang="pt-BR" sz="1400">
                           <a:effectLst/>
-                          <a:latin typeface="Franklin Gothic Book"/>
-                          <a:ea typeface="Franklin Gothic Book"/>
-                          <a:cs typeface="Franklin Gothic Book"/>
                         </a:rPr>
-                        <a:t>Ingredientes que melhoram a saúde: cada ingrediente do Mystic Spice Chai Tea é escolhido por seus benefícios naturais à saúde.</a:t>
+                        <a:t>Ingredientes que melhoram a saúde: cada ingrediente do Mystic Spice Chai Tea é selecionado devido a seus benefícios naturais para a saúde. O gengibre e o cardamomo auxiliam na digestão, a canela ajuda a regular o açúcar no sangue e o cravo oferece antioxidantes adicionais.</a:t>
                       </a:r>
-                      <a:r>
-                        <a:rPr lang="pt-BR" sz="1400" b="0" i="0" strike="noStrike" cap="none" baseline="0">
-                          <a:solidFill>
-                            <a:srgbClr val="000000"/>
-                          </a:solidFill>
-                          <a:effectLst/>
-                          <a:latin typeface="Franklin Gothic Book"/>
-                          <a:ea typeface="Franklin Gothic Book"/>
-                          <a:cs typeface="Franklin Gothic Book"/>
-                        </a:rPr>
-                        <a:t> </a:t>
-                      </a:r>
-                      <a:r>
-                        <a:rPr lang="pt-BR" sz="1400" b="0" i="0" strike="noStrike" cap="none" baseline="0">
-                          <a:solidFill>
-                            <a:srgbClr val="000000"/>
-                          </a:solidFill>
-                          <a:effectLst/>
-                          <a:latin typeface="Franklin Gothic Book"/>
-                          <a:ea typeface="Franklin Gothic Book"/>
-                          <a:cs typeface="Franklin Gothic Book"/>
-                        </a:rPr>
-                        <a:t>O gengibre e o cardamomo auxiliam na digestão, a canela ajuda a regular o açúcar no sangue e o cravo oferece antioxidantes adicionais.</a:t>
-                      </a:r>
-                      <a:endParaRPr lang="en-US" sz="2300">
-                        <a:effectLst/>
-                      </a:endParaRPr>
                     </a:p>
                   </a:txBody>
                   <a:tcPr marL="49352" marR="49352" marT="49352" marB="49352"/>
@@ -13542,77 +10185,6 @@
           </a:graphicData>
         </a:graphic>
       </p:graphicFrame>
-      <p:sp>
-        <p:nvSpPr>
-          <p:cNvPr id="15" name="TextBox"/>
-          <p:cNvSpPr txBox="1">
-            <a:spLocks noGrp="1" noSelect="1" noRot="1" noMove="1"/>
-          </p:cNvSpPr>
-          <p:nvPr/>
-        </p:nvSpPr>
-        <p:spPr>
-          <a:xfrm>
-            <a:off x="2890520" y="2644140"/>
-            <a:ext cx="6411372" cy="1569660"/>
-          </a:xfrm>
-          <a:prstGeom prst="rect">
-            <a:avLst/>
-          </a:prstGeom>
-          <a:noFill/>
-        </p:spPr>
-        <p:txBody>
-          <a:bodyPr wrap="none" rtlCol="0" anchor="ctr" anchorCtr="1">
-            <a:spAutoFit/>
-          </a:bodyPr>
-          <a:lstStyle>
-            <a:lvl1pPr algn="l">
-              <a:lnSpc>
-                <a:spcPct val="150000"/>
-              </a:lnSpc>
-              <a:spcBef>
-                <a:spcPct val="0"/>
-              </a:spcBef>
-              <a:spcAft>
-                <a:spcPct val="0"/>
-              </a:spcAft>
-              <a:defRPr lang="en-US" sz="3200" b="1" noProof="1" dirty="0">
-                <a:solidFill>
-                  <a:prstClr val="red">
-                    <a:lumOff val="30000"/>
-                    <a:alpha val="40000"/>
-                  </a:prstClr>
-                </a:solidFill>
-                <a:effectLst>
-                  <a:outerShdw blurRad="50800" dist="38100" algn="tr" rotWithShape="0">
-                    <a:prstClr val="black">
-                      <a:alpha val="80000"/>
-                    </a:prstClr>
-                  </a:outerShdw>
-                </a:effectLst>
-                <a:latin typeface="Calibri" pitchFamily="34" charset="0"/>
-              </a:defRPr>
-            </a:lvl1pPr>
-          </a:lstStyle>
-          <a:p>
-            <a:pPr algn="ctr"/>
-            <a:r>
-              <a:t>Evaluation only.</a:t>
-            </a:r>
-          </a:p>
-          <a:p>
-            <a:pPr algn="ctr"/>
-            <a:r>
-              <a:t>Created with Aspose.Slides for Java 23.6.</a:t>
-            </a:r>
-          </a:p>
-          <a:p>
-            <a:pPr algn="ctr"/>
-            <a:r>
-              <a:t>Copyright 2004-2023 Aspose Pty Ltd.</a:t>
-            </a:r>
-          </a:p>
-        </p:txBody>
-      </p:sp>
     </p:spTree>
     <p:extLst>
       <p:ext uri="{BB962C8B-B14F-4D97-AF65-F5344CB8AC3E}">
@@ -13623,14 +10195,12 @@
   <p:clrMapOvr>
     <a:masterClrMapping/>
   </p:clrMapOvr>
-  <p:transition/>
-  <p:timing/>
 </p:sld>
 </file>
 
 <file path=ppt/slides/slide6.xml><?xml version="1.0" encoding="utf-8"?>
-<p:sld xmlns:a="http://schemas.openxmlformats.org/drawingml/2006/main" xmlns:r="http://schemas.openxmlformats.org/officeDocument/2006/relationships" xmlns:m="http://schemas.openxmlformats.org/officeDocument/2006/math" xmlns:w="http://schemas.openxmlformats.org/wordprocessingml/2006/main" xmlns:wp="http://schemas.openxmlformats.org/drawingml/2006/wordprocessingDrawing" xmlns:a14="http://schemas.microsoft.com/office/drawing/2010/main" xmlns:mc="http://schemas.openxmlformats.org/markup-compatibility/2006" xmlns:p14="http://schemas.microsoft.com/office/powerpoint/2010/main" xmlns:p15="http://schemas.microsoft.com/office/powerpoint/2012/main" xmlns:p159="http://schemas.microsoft.com/office/powerpoint/2015/09/main" xmlns:p="http://schemas.openxmlformats.org/presentationml/2006/main">
-  <p:cSld name="">
+<p:sld xmlns:a="http://schemas.openxmlformats.org/drawingml/2006/main" xmlns:r="http://schemas.openxmlformats.org/officeDocument/2006/relationships" xmlns:p="http://schemas.openxmlformats.org/presentationml/2006/main">
+  <p:cSld>
     <p:bg>
       <p:bgPr>
         <a:solidFill>
@@ -13649,6 +10219,8 @@
         <a:xfrm>
           <a:off x="0" y="0"/>
           <a:ext cx="0" cy="0"/>
+          <a:chOff x="0" y="0"/>
+          <a:chExt cx="0" cy="0"/>
         </a:xfrm>
       </p:grpSpPr>
       <p:sp>
@@ -13809,7 +10381,7 @@
               <a:shade val="50000"/>
             </a:schemeClr>
           </a:lnRef>
-          <a:fillRef idx="4294967295">
+          <a:fillRef idx="1001">
             <a:schemeClr val="lt1"/>
           </a:fillRef>
           <a:effectRef idx="0">
@@ -13909,7 +10481,7 @@
         <p:spPr>
           <a:xfrm>
             <a:off x="435869" y="640080"/>
-            <a:ext cx="3659246" cy="2862699"/>
+            <a:ext cx="3457951" cy="2862699"/>
           </a:xfrm>
         </p:spPr>
         <p:txBody>
@@ -13919,14 +10491,10 @@
           <a:lstStyle/>
           <a:p>
             <a:r>
-              <a:rPr lang="pt-BR" sz="4400" b="0" i="0" strike="noStrike" cap="none" baseline="0">
+              <a:rPr lang="pt-BR" sz="4400" dirty="0">
                 <a:solidFill>
                   <a:srgbClr val="FFFFFF"/>
                 </a:solidFill>
-                <a:effectLst/>
-                <a:latin typeface="Bookman Old Style"/>
-                <a:ea typeface="Bookman Old Style"/>
-                <a:cs typeface="Bookman Old Style"/>
               </a:rPr>
               <a:t>Descrição do produto (2/2)</a:t>
             </a:r>
@@ -14035,70 +10603,40 @@
               <a:tr h="271208">
                 <a:tc>
                   <a:txBody>
-                    <a:bodyPr vert="horz" wrap="square"/>
+                    <a:bodyPr/>
                     <a:lstStyle/>
                     <a:p>
                       <a:pPr>
                         <a:spcAft>
-                          <a:spcPct val="0"/>
+                          <a:spcPts val="0"/>
                         </a:spcAft>
                       </a:pPr>
                       <a:r>
-                        <a:rPr lang="pt-BR" sz="1100" b="1" i="0" strike="noStrike" cap="none" baseline="0">
-                          <a:solidFill>
-                            <a:srgbClr val="FFFFFF"/>
-                          </a:solidFill>
+                        <a:rPr lang="pt-BR" sz="1100">
                           <a:effectLst/>
-                          <a:latin typeface="Franklin Gothic Book"/>
-                          <a:ea typeface="Franklin Gothic Book"/>
-                          <a:cs typeface="Franklin Gothic Book"/>
                         </a:rPr>
-                        <a:t>Nome do Produto</a:t>
+                        <a:t>Nome do produto</a:t>
                       </a:r>
-                      <a:endParaRPr lang="en-US" sz="1700">
-                        <a:effectLst/>
-                      </a:endParaRPr>
                     </a:p>
                   </a:txBody>
                   <a:tcPr marL="36849" marR="36849" marT="36849" marB="36849"/>
                 </a:tc>
                 <a:tc>
                   <a:txBody>
-                    <a:bodyPr vert="horz" wrap="square"/>
+                    <a:bodyPr/>
                     <a:lstStyle/>
                     <a:p>
                       <a:pPr>
                         <a:spcAft>
-                          <a:spcPct val="0"/>
+                          <a:spcPts val="0"/>
                         </a:spcAft>
                       </a:pPr>
                       <a:r>
-                        <a:rPr lang="pt-BR" sz="1100" b="1" i="0" strike="noStrike" cap="none" baseline="0">
-                          <a:solidFill>
-                            <a:srgbClr val="FFFFFF"/>
-                          </a:solidFill>
+                        <a:rPr lang="pt-BR" sz="1100">
                           <a:effectLst/>
-                          <a:latin typeface="Franklin Gothic Book"/>
-                          <a:ea typeface="Franklin Gothic Book"/>
-                          <a:cs typeface="Franklin Gothic Book"/>
                         </a:rPr>
                         <a:t>Descrição do produto</a:t>
                       </a:r>
-                      <a:r>
-                        <a:rPr lang="pt-BR" sz="1100" b="0" i="0" strike="noStrike" cap="none" baseline="0">
-                          <a:solidFill>
-                            <a:srgbClr val="FFFFFF"/>
-                          </a:solidFill>
-                          <a:effectLst/>
-                          <a:latin typeface="Franklin Gothic Book"/>
-                          <a:ea typeface="Franklin Gothic Book"/>
-                          <a:cs typeface="Franklin Gothic Book"/>
-                        </a:rPr>
-                        <a:t>:</a:t>
-                      </a:r>
-                      <a:endParaRPr lang="en-US" sz="1700">
-                        <a:effectLst/>
-                      </a:endParaRPr>
                     </a:p>
                   </a:txBody>
                   <a:tcPr marL="36849" marR="36849" marT="36849" marB="36849"/>
@@ -14112,106 +10650,40 @@
               <a:tr h="1081883">
                 <a:tc>
                   <a:txBody>
-                    <a:bodyPr vert="horz" wrap="square"/>
+                    <a:bodyPr/>
                     <a:lstStyle/>
                     <a:p>
                       <a:pPr>
                         <a:spcAft>
-                          <a:spcPct val="0"/>
+                          <a:spcPts val="0"/>
                         </a:spcAft>
                       </a:pPr>
                       <a:r>
-                        <a:rPr lang="pt-BR" sz="1100" b="0" i="0" strike="noStrike" cap="none" baseline="0">
-                          <a:solidFill>
-                            <a:srgbClr val="000000"/>
-                          </a:solidFill>
+                        <a:rPr lang="pt-BR" sz="1100">
                           <a:effectLst/>
-                          <a:latin typeface="Franklin Gothic Book"/>
-                          <a:ea typeface="Franklin Gothic Book"/>
-                          <a:cs typeface="Franklin Gothic Book"/>
                         </a:rPr>
-                        <a:t>Aroma e sabor ricos: o aroma quente e picante e o sabor profundo e revigorante do nosso chai o tornam a bebida perfeita para começar o dia ou relaxar à noite.</a:t>
+                        <a:t>Aroma e sabor intenso: o aroma quente e pungente e o sabor profundo e revigorante do nosso chai o tornam a bebida perfeita para começar o dia ou relaxar à noite. Os sabores são intensos, mas equilibrados, proporcionando uma experiência reconfortante e relaxante.</a:t>
                       </a:r>
-                      <a:r>
-                        <a:rPr lang="pt-BR" sz="1100" b="0" i="0" strike="noStrike" cap="none" baseline="0">
-                          <a:solidFill>
-                            <a:srgbClr val="000000"/>
-                          </a:solidFill>
-                          <a:effectLst/>
-                          <a:latin typeface="Franklin Gothic Book"/>
-                          <a:ea typeface="Franklin Gothic Book"/>
-                          <a:cs typeface="Franklin Gothic Book"/>
-                        </a:rPr>
-                        <a:t> </a:t>
-                      </a:r>
-                      <a:r>
-                        <a:rPr lang="pt-BR" sz="1100" b="0" i="0" strike="noStrike" cap="none" baseline="0">
-                          <a:solidFill>
-                            <a:srgbClr val="000000"/>
-                          </a:solidFill>
-                          <a:effectLst/>
-                          <a:latin typeface="Franklin Gothic Book"/>
-                          <a:ea typeface="Franklin Gothic Book"/>
-                          <a:cs typeface="Franklin Gothic Book"/>
-                        </a:rPr>
-                        <a:t>Os sabores são intensos, mas equilibrados, proporcionando uma experiência reconfortante e relaxante.</a:t>
-                      </a:r>
-                      <a:endParaRPr lang="en-US" sz="1700">
-                        <a:effectLst/>
-                      </a:endParaRPr>
                     </a:p>
                   </a:txBody>
                   <a:tcPr marL="36849" marR="36849" marT="36849" marB="36849"/>
                 </a:tc>
                 <a:tc>
                   <a:txBody>
-                    <a:bodyPr vert="horz" wrap="square"/>
+                    <a:bodyPr/>
                     <a:lstStyle/>
                     <a:p>
                       <a:pPr>
                         <a:spcAft>
-                          <a:spcPct val="0"/>
+                          <a:spcPts val="0"/>
                         </a:spcAft>
                       </a:pPr>
                       <a:r>
-                        <a:rPr lang="pt-BR" sz="1100" b="0" i="0" strike="noStrike" cap="none" baseline="0">
-                          <a:solidFill>
-                            <a:srgbClr val="000000"/>
-                          </a:solidFill>
+                        <a:rPr lang="pt-BR" sz="1100">
                           <a:effectLst/>
-                          <a:latin typeface="Franklin Gothic Book"/>
-                          <a:ea typeface="Franklin Gothic Book"/>
-                          <a:cs typeface="Franklin Gothic Book"/>
                         </a:rPr>
-                        <a:t>Opções versáteis de preparo: não importa se você gosta do seu chai fervendo, como um chá gelado refrescante ou como um café com leite cremoso, nossa mistura é versátil o suficiente para atender a todas as preferências.</a:t>
+                        <a:t>Opções versáteis de preparo: se você gosta do seu chai bem quente, refrescante como um chá gelado ou cremoso como um latte, nossa mistura é versátil o suficiente para agradar a todos os gostos. Instruções simples de preparo estão incluídas para ajudá-lo a saborear seu chai exatamente do jeito que você gosta.</a:t>
                       </a:r>
-                      <a:r>
-                        <a:rPr lang="pt-BR" sz="1100" b="0" i="0" strike="noStrike" cap="none" baseline="0">
-                          <a:solidFill>
-                            <a:srgbClr val="000000"/>
-                          </a:solidFill>
-                          <a:effectLst/>
-                          <a:latin typeface="Franklin Gothic Book"/>
-                          <a:ea typeface="Franklin Gothic Book"/>
-                          <a:cs typeface="Franklin Gothic Book"/>
-                        </a:rPr>
-                        <a:t> </a:t>
-                      </a:r>
-                      <a:r>
-                        <a:rPr lang="pt-BR" sz="1100" b="0" i="0" strike="noStrike" cap="none" baseline="0">
-                          <a:solidFill>
-                            <a:srgbClr val="000000"/>
-                          </a:solidFill>
-                          <a:effectLst/>
-                          <a:latin typeface="Franklin Gothic Book"/>
-                          <a:ea typeface="Franklin Gothic Book"/>
-                          <a:cs typeface="Franklin Gothic Book"/>
-                        </a:rPr>
-                        <a:t>Instruções simples de preparo estão incluídas para ajudá-lo a saborear seu chai exatamente do jeito que você gosta.</a:t>
-                      </a:r>
-                      <a:endParaRPr lang="en-US" sz="1700">
-                        <a:effectLst/>
-                      </a:endParaRPr>
                     </a:p>
                   </a:txBody>
                   <a:tcPr marL="36849" marR="36849" marT="36849" marB="36849"/>
@@ -14225,58 +10697,40 @@
               <a:tr h="757613">
                 <a:tc>
                   <a:txBody>
-                    <a:bodyPr vert="horz" wrap="square"/>
+                    <a:bodyPr/>
                     <a:lstStyle/>
                     <a:p>
                       <a:pPr>
                         <a:spcAft>
-                          <a:spcPct val="0"/>
+                          <a:spcPts val="0"/>
                         </a:spcAft>
                       </a:pPr>
                       <a:r>
-                        <a:rPr lang="pt-BR" sz="1100" b="0" i="0" strike="noStrike" cap="none" baseline="0">
-                          <a:solidFill>
-                            <a:srgbClr val="000000"/>
-                          </a:solidFill>
+                        <a:rPr lang="pt-BR" sz="1100">
                           <a:effectLst/>
-                          <a:latin typeface="Franklin Gothic Book"/>
-                          <a:ea typeface="Franklin Gothic Book"/>
-                          <a:cs typeface="Franklin Gothic Book"/>
                         </a:rPr>
-                        <a:t>De origem sustentável: comprometidos com a sustentabilidade, adquirimos nossos ingredientes de fazendas pequenas que praticam a agricultura orgânica, garantindo não apenas a melhor qualidade, mas também o bem-estar do nosso planeta.</a:t>
+                        <a:t>Origem sustentável: nosso compromisso com a sustentabilidade reflete-se na origem dos nossos ingredientes, provenientes de pequenas fazendas que praticam agricultura orgânica, garantindo não apenas a mais alta qualidade, mas também o bem-estar do nosso planeta.</a:t>
                       </a:r>
-                      <a:endParaRPr lang="en-US" sz="1700">
-                        <a:effectLst/>
-                      </a:endParaRPr>
                     </a:p>
                   </a:txBody>
                   <a:tcPr marL="36849" marR="36849" marT="36849" marB="36849"/>
                 </a:tc>
                 <a:tc>
                   <a:txBody>
-                    <a:bodyPr vert="horz" wrap="square"/>
+                    <a:bodyPr/>
                     <a:lstStyle/>
                     <a:p>
                       <a:pPr>
                         <a:spcAft>
-                          <a:spcPct val="0"/>
+                          <a:spcPts val="0"/>
                         </a:spcAft>
                       </a:pPr>
                       <a:r>
-                        <a:rPr lang="pt-BR" sz="1100" b="0" i="0" strike="noStrike" cap="none" baseline="0">
-                          <a:solidFill>
-                            <a:srgbClr val="000000"/>
-                          </a:solidFill>
+                        <a:rPr lang="pt-BR" sz="1100">
                           <a:effectLst/>
-                          <a:latin typeface="Franklin Gothic Book"/>
-                          <a:ea typeface="Franklin Gothic Book"/>
-                          <a:cs typeface="Franklin Gothic Book"/>
                         </a:rPr>
-                        <a:t>Embalagem elegante: O chá Mystic Spice Chai vem em uma embalagem ecológica criada com muita beleza, tornando-a o presente ideal para quem ama chá ou um mimo luxuoso para você.</a:t>
+                        <a:t>Embalagem elegante: o Mystic Spice Chai Tea vem em uma embalagem elegante e ecológica, tornando-o uma ótima opção de presente para amantes do chá ou um mimo luxuoso para você mesmo.</a:t>
                       </a:r>
-                      <a:endParaRPr lang="en-US" sz="1700">
-                        <a:effectLst/>
-                      </a:endParaRPr>
                     </a:p>
                   </a:txBody>
                   <a:tcPr marL="36849" marR="36849" marT="36849" marB="36849"/>
@@ -14290,82 +10744,40 @@
               <a:tr h="757613">
                 <a:tc>
                   <a:txBody>
-                    <a:bodyPr vert="horz" wrap="square"/>
+                    <a:bodyPr/>
                     <a:lstStyle/>
                     <a:p>
                       <a:pPr>
                         <a:spcAft>
-                          <a:spcPct val="0"/>
+                          <a:spcPts val="0"/>
                         </a:spcAft>
                       </a:pPr>
                       <a:r>
-                        <a:rPr lang="pt-BR" sz="1100" b="0" i="0" strike="noStrike" cap="none" baseline="0">
-                          <a:solidFill>
-                            <a:srgbClr val="000000"/>
-                          </a:solidFill>
+                        <a:rPr lang="pt-BR" sz="1100">
                           <a:effectLst/>
-                          <a:latin typeface="Franklin Gothic Book"/>
-                          <a:ea typeface="Franklin Gothic Book"/>
-                          <a:cs typeface="Franklin Gothic Book"/>
                         </a:rPr>
-                        <a:t>Garantia de satisfação do cliente: defendemos nosso produto e oferecemos uma garantia de satisfação.</a:t>
+                        <a:t>Garantia de satisfação do cliente: garantimos a qualidade do nosso produto e oferecemos uma garantia de satisfação. Se o Mystic Spice Chai Tea não atender suas expectativas, estamos comprometidos em resolver da melhor maneira possível.</a:t>
                       </a:r>
-                      <a:r>
-                        <a:rPr lang="pt-BR" sz="1100" b="0" i="0" strike="noStrike" cap="none" baseline="0">
-                          <a:solidFill>
-                            <a:srgbClr val="000000"/>
-                          </a:solidFill>
-                          <a:effectLst/>
-                          <a:latin typeface="Franklin Gothic Book"/>
-                          <a:ea typeface="Franklin Gothic Book"/>
-                          <a:cs typeface="Franklin Gothic Book"/>
-                        </a:rPr>
-                        <a:t> </a:t>
-                      </a:r>
-                      <a:r>
-                        <a:rPr lang="pt-BR" sz="1100" b="0" i="0" strike="noStrike" cap="none" baseline="0">
-                          <a:solidFill>
-                            <a:srgbClr val="000000"/>
-                          </a:solidFill>
-                          <a:effectLst/>
-                          <a:latin typeface="Franklin Gothic Book"/>
-                          <a:ea typeface="Franklin Gothic Book"/>
-                          <a:cs typeface="Franklin Gothic Book"/>
-                        </a:rPr>
-                        <a:t>Se o Mystic Spice Chai Tea não atender suas expectativas, estamos comprometidos em resolver da melhor maneira possível.</a:t>
-                      </a:r>
-                      <a:endParaRPr lang="en-US" sz="1700">
-                        <a:effectLst/>
-                      </a:endParaRPr>
                     </a:p>
                   </a:txBody>
                   <a:tcPr marL="36849" marR="36849" marT="36849" marB="36849"/>
                 </a:tc>
                 <a:tc>
                   <a:txBody>
-                    <a:bodyPr vert="horz" wrap="square"/>
+                    <a:bodyPr/>
                     <a:lstStyle/>
                     <a:p>
                       <a:pPr>
                         <a:spcAft>
-                          <a:spcPct val="0"/>
+                          <a:spcPts val="0"/>
                         </a:spcAft>
                       </a:pPr>
                       <a:r>
-                        <a:rPr lang="pt-BR" sz="1100" b="0" i="0" strike="noStrike" cap="none" baseline="0">
-                          <a:solidFill>
-                            <a:srgbClr val="000000"/>
-                          </a:solidFill>
+                        <a:rPr lang="pt-BR" sz="1100">
                           <a:effectLst/>
-                          <a:latin typeface="Franklin Gothic Book"/>
-                          <a:ea typeface="Franklin Gothic Book"/>
-                          <a:cs typeface="Franklin Gothic Book"/>
                         </a:rPr>
-                        <a:t>Ideal para: entusiastas do chá, indivíduos preocupados com a saúde, amantes de bebidas quentes e picantes e qualquer pessoa que queira explorar os ricos sabores do chai indiano tradicional.</a:t>
+                        <a:t>Ideal para: entusiastas do chá, pessoas preocupadas com a saúde, apreciadores de bebidas quentes e pungentes e para aqueles que desejam explorar os ricos sabores do chai indiano tradicional.</a:t>
                       </a:r>
-                      <a:endParaRPr lang="en-US" sz="1700">
-                        <a:effectLst/>
-                      </a:endParaRPr>
                     </a:p>
                   </a:txBody>
                   <a:tcPr marL="36849" marR="36849" marT="36849" marB="36849"/>
@@ -14380,77 +10792,6 @@
           </a:graphicData>
         </a:graphic>
       </p:graphicFrame>
-      <p:sp>
-        <p:nvSpPr>
-          <p:cNvPr id="19" name="TextBox"/>
-          <p:cNvSpPr txBox="1">
-            <a:spLocks noGrp="1" noSelect="1" noRot="1" noMove="1"/>
-          </p:cNvSpPr>
-          <p:nvPr/>
-        </p:nvSpPr>
-        <p:spPr>
-          <a:xfrm>
-            <a:off x="2890520" y="2644140"/>
-            <a:ext cx="6411372" cy="1569660"/>
-          </a:xfrm>
-          <a:prstGeom prst="rect">
-            <a:avLst/>
-          </a:prstGeom>
-          <a:noFill/>
-        </p:spPr>
-        <p:txBody>
-          <a:bodyPr wrap="none" rtlCol="0" anchor="ctr" anchorCtr="1">
-            <a:spAutoFit/>
-          </a:bodyPr>
-          <a:lstStyle>
-            <a:lvl1pPr algn="l">
-              <a:lnSpc>
-                <a:spcPct val="150000"/>
-              </a:lnSpc>
-              <a:spcBef>
-                <a:spcPct val="0"/>
-              </a:spcBef>
-              <a:spcAft>
-                <a:spcPct val="0"/>
-              </a:spcAft>
-              <a:defRPr lang="en-US" sz="3200" b="1" noProof="1" dirty="0">
-                <a:solidFill>
-                  <a:prstClr val="red">
-                    <a:lumOff val="30000"/>
-                    <a:alpha val="40000"/>
-                  </a:prstClr>
-                </a:solidFill>
-                <a:effectLst>
-                  <a:outerShdw blurRad="50800" dist="38100" algn="tr" rotWithShape="0">
-                    <a:prstClr val="black">
-                      <a:alpha val="80000"/>
-                    </a:prstClr>
-                  </a:outerShdw>
-                </a:effectLst>
-                <a:latin typeface="Calibri" pitchFamily="34" charset="0"/>
-              </a:defRPr>
-            </a:lvl1pPr>
-          </a:lstStyle>
-          <a:p>
-            <a:pPr algn="ctr"/>
-            <a:r>
-              <a:t>Evaluation only.</a:t>
-            </a:r>
-          </a:p>
-          <a:p>
-            <a:pPr algn="ctr"/>
-            <a:r>
-              <a:t>Created with Aspose.Slides for Java 23.6.</a:t>
-            </a:r>
-          </a:p>
-          <a:p>
-            <a:pPr algn="ctr"/>
-            <a:r>
-              <a:t>Copyright 2004-2023 Aspose Pty Ltd.</a:t>
-            </a:r>
-          </a:p>
-        </p:txBody>
-      </p:sp>
     </p:spTree>
     <p:extLst>
       <p:ext uri="{BB962C8B-B14F-4D97-AF65-F5344CB8AC3E}">
@@ -14461,14 +10802,12 @@
   <p:clrMapOvr>
     <a:masterClrMapping/>
   </p:clrMapOvr>
-  <p:transition/>
-  <p:timing/>
 </p:sld>
 </file>
 
 <file path=ppt/slides/slide7.xml><?xml version="1.0" encoding="utf-8"?>
-<p:sld xmlns:a="http://schemas.openxmlformats.org/drawingml/2006/main" xmlns:r="http://schemas.openxmlformats.org/officeDocument/2006/relationships" xmlns:m="http://schemas.openxmlformats.org/officeDocument/2006/math" xmlns:w="http://schemas.openxmlformats.org/wordprocessingml/2006/main" xmlns:wp="http://schemas.openxmlformats.org/drawingml/2006/wordprocessingDrawing" xmlns:a14="http://schemas.microsoft.com/office/drawing/2010/main" xmlns:mc="http://schemas.openxmlformats.org/markup-compatibility/2006" xmlns:p14="http://schemas.microsoft.com/office/powerpoint/2010/main" xmlns:p15="http://schemas.microsoft.com/office/powerpoint/2012/main" xmlns:p159="http://schemas.microsoft.com/office/powerpoint/2015/09/main" xmlns:p="http://schemas.openxmlformats.org/presentationml/2006/main">
-  <p:cSld name="">
+<p:sld xmlns:a="http://schemas.openxmlformats.org/drawingml/2006/main" xmlns:r="http://schemas.openxmlformats.org/officeDocument/2006/relationships" xmlns:p="http://schemas.openxmlformats.org/presentationml/2006/main">
+  <p:cSld>
     <p:bg>
       <p:bgPr>
         <a:solidFill>
@@ -14487,6 +10826,8 @@
         <a:xfrm>
           <a:off x="0" y="0"/>
           <a:ext cx="0" cy="0"/>
+          <a:chOff x="0" y="0"/>
+          <a:chExt cx="0" cy="0"/>
         </a:xfrm>
       </p:grpSpPr>
       <p:sp>
@@ -14684,8 +11025,8 @@
         </p:nvSpPr>
         <p:spPr>
           <a:xfrm>
-            <a:off x="6411685" y="634946"/>
-            <a:ext cx="5127171" cy="1450757"/>
+            <a:off x="6411685" y="91442"/>
+            <a:ext cx="4187735" cy="1994262"/>
           </a:xfrm>
         </p:spPr>
         <p:txBody>
@@ -14695,15 +11036,7 @@
           <a:lstStyle/>
           <a:p>
             <a:r>
-              <a:rPr lang="pt-BR" sz="4700" b="0" i="0" strike="noStrike" cap="none" baseline="0">
-                <a:solidFill>
-                  <a:srgbClr val="404040"/>
-                </a:solidFill>
-                <a:effectLst/>
-                <a:latin typeface="Bookman Old Style"/>
-                <a:ea typeface="Bookman Old Style"/>
-                <a:cs typeface="Bookman Old Style"/>
-              </a:rPr>
+              <a:rPr lang="pt-BR" dirty="0"/>
               <a:t>Tendências de mercado e demanda</a:t>
             </a:r>
           </a:p>
@@ -14782,13 +11115,13 @@
         </p:nvSpPr>
         <p:spPr>
           <a:xfrm>
-            <a:off x="6411684" y="2407436"/>
-            <a:ext cx="5127172" cy="3461658"/>
+            <a:off x="6411684" y="2407435"/>
+            <a:ext cx="5345976" cy="3886683"/>
           </a:xfrm>
         </p:spPr>
         <p:txBody>
           <a:bodyPr vert="horz" lIns="0" tIns="45720" rIns="0" bIns="45720" rtlCol="0">
-            <a:normAutofit fontScale="95000" lnSpcReduction="10000"/>
+            <a:normAutofit/>
           </a:bodyPr>
           <a:lstStyle/>
           <a:p>
@@ -14798,15 +11131,7 @@
               </a:lnSpc>
             </a:pPr>
             <a:r>
-              <a:rPr lang="pt-BR" sz="1400" b="0" i="0" strike="noStrike" cap="none" baseline="0">
-                <a:solidFill>
-                  <a:srgbClr val="404040"/>
-                </a:solidFill>
-                <a:effectLst/>
-                <a:latin typeface="Franklin Gothic Book"/>
-                <a:ea typeface="Franklin Gothic Book"/>
-                <a:cs typeface="Franklin Gothic Book"/>
-              </a:rPr>
+              <a:rPr lang="pt-BR" sz="1400" dirty="0"/>
               <a:t>A América Latina oferece uma excelente oportunidade para o chai</a:t>
             </a:r>
           </a:p>
@@ -14817,15 +11142,7 @@
               </a:lnSpc>
             </a:pPr>
             <a:r>
-              <a:rPr lang="pt-BR" sz="1400" b="0" i="0" strike="noStrike" cap="none" baseline="0">
-                <a:solidFill>
-                  <a:srgbClr val="404040"/>
-                </a:solidFill>
-                <a:effectLst/>
-                <a:latin typeface="Franklin Gothic Book"/>
-                <a:ea typeface="Franklin Gothic Book"/>
-                <a:cs typeface="Franklin Gothic Book"/>
-              </a:rPr>
+              <a:rPr lang="pt-BR" sz="1400" dirty="0"/>
               <a:t>Demanda crescente por produtos saudáveis, naturais e exóticos</a:t>
             </a:r>
           </a:p>
@@ -14836,15 +11153,7 @@
               </a:lnSpc>
             </a:pPr>
             <a:r>
-              <a:rPr lang="pt-BR" sz="1400" b="0" i="0" strike="noStrike" cap="none" baseline="0">
-                <a:solidFill>
-                  <a:srgbClr val="404040"/>
-                </a:solidFill>
-                <a:effectLst/>
-                <a:latin typeface="Franklin Gothic Book"/>
-                <a:ea typeface="Franklin Gothic Book"/>
-                <a:cs typeface="Franklin Gothic Book"/>
-              </a:rPr>
+              <a:rPr lang="pt-BR" sz="1400" dirty="0"/>
               <a:t>Forte cultura do chá em países como Argentina, Chile e Uruguai</a:t>
             </a:r>
           </a:p>
@@ -14855,15 +11164,7 @@
               </a:lnSpc>
             </a:pPr>
             <a:r>
-              <a:rPr lang="pt-BR" sz="1400" b="0" i="0" strike="noStrike" cap="none" baseline="0">
-                <a:solidFill>
-                  <a:srgbClr val="404040"/>
-                </a:solidFill>
-                <a:effectLst/>
-                <a:latin typeface="Franklin Gothic Book"/>
-                <a:ea typeface="Franklin Gothic Book"/>
-                <a:cs typeface="Franklin Gothic Book"/>
-              </a:rPr>
+              <a:rPr lang="pt-BR" sz="1400" dirty="0"/>
               <a:t>O chai pode atrair tanto os amantes do chá quanto os apreciadores do café</a:t>
             </a:r>
           </a:p>
@@ -14874,15 +11175,7 @@
               </a:lnSpc>
             </a:pPr>
             <a:r>
-              <a:rPr lang="pt-BR" sz="1400" b="0" i="0" strike="noStrike" cap="none" baseline="0">
-                <a:solidFill>
-                  <a:srgbClr val="404040"/>
-                </a:solidFill>
-                <a:effectLst/>
-                <a:latin typeface="Franklin Gothic Book"/>
-                <a:ea typeface="Franklin Gothic Book"/>
-                <a:cs typeface="Franklin Gothic Book"/>
-              </a:rPr>
+              <a:rPr lang="pt-BR" sz="1400" dirty="0"/>
               <a:t>O chai pode se adequar ao estilo de vida e preferências dos consumidores latino-americanos</a:t>
             </a:r>
           </a:p>
@@ -14893,15 +11186,7 @@
               </a:lnSpc>
             </a:pPr>
             <a:r>
-              <a:rPr lang="pt-BR" sz="1400" b="0" i="0" strike="noStrike" cap="none" baseline="0">
-                <a:solidFill>
-                  <a:srgbClr val="404040"/>
-                </a:solidFill>
-                <a:effectLst/>
-                <a:latin typeface="Franklin Gothic Book"/>
-                <a:ea typeface="Franklin Gothic Book"/>
-                <a:cs typeface="Franklin Gothic Book"/>
-              </a:rPr>
+              <a:rPr lang="pt-BR" sz="1400" dirty="0"/>
               <a:t>O tamanho do mercado global de chai foi avaliado em 1,9 bilhão de dólares em 2019</a:t>
             </a:r>
           </a:p>
@@ -14912,15 +11197,7 @@
               </a:lnSpc>
             </a:pPr>
             <a:r>
-              <a:rPr lang="pt-BR" sz="1400" b="0" i="0" strike="noStrike" cap="none" baseline="0">
-                <a:solidFill>
-                  <a:srgbClr val="404040"/>
-                </a:solidFill>
-                <a:effectLst/>
-                <a:latin typeface="Franklin Gothic Book"/>
-                <a:ea typeface="Franklin Gothic Book"/>
-                <a:cs typeface="Franklin Gothic Book"/>
-              </a:rPr>
+              <a:rPr lang="pt-BR" sz="1400" dirty="0"/>
               <a:t>Espera-se que aumente a uma CAGR de 5,5% entre 2020 e 2027</a:t>
             </a:r>
           </a:p>
@@ -14931,15 +11208,7 @@
               </a:lnSpc>
             </a:pPr>
             <a:r>
-              <a:rPr lang="pt-BR" sz="1400" b="0" i="0" strike="noStrike" cap="none" baseline="0">
-                <a:solidFill>
-                  <a:srgbClr val="404040"/>
-                </a:solidFill>
-                <a:effectLst/>
-                <a:latin typeface="Franklin Gothic Book"/>
-                <a:ea typeface="Franklin Gothic Book"/>
-                <a:cs typeface="Franklin Gothic Book"/>
-              </a:rPr>
+              <a:rPr lang="pt-BR" sz="1400" dirty="0"/>
               <a:t>A América Latina é uma das regiões com crescimento mais rápido para o chai</a:t>
             </a:r>
           </a:p>
@@ -14950,15 +11219,7 @@
               </a:lnSpc>
             </a:pPr>
             <a:r>
-              <a:rPr lang="pt-BR" sz="1400" b="0" i="0" strike="noStrike" cap="none" baseline="0">
-                <a:solidFill>
-                  <a:srgbClr val="404040"/>
-                </a:solidFill>
-                <a:effectLst/>
-                <a:latin typeface="Franklin Gothic Book"/>
-                <a:ea typeface="Franklin Gothic Book"/>
-                <a:cs typeface="Franklin Gothic Book"/>
-              </a:rPr>
+              <a:rPr lang="pt-BR" sz="1400" dirty="0"/>
               <a:t>Principais impulsionadores do crescimento incluem o aumento da conscientização, o aumento da renda disponível e a expansão da distribuição</a:t>
             </a:r>
           </a:p>
@@ -15086,18 +11347,14 @@
               <a:tr h="1697807">
                 <a:tc>
                   <a:txBody>
-                    <a:bodyPr vert="horz" wrap="square"/>
+                    <a:bodyPr/>
                     <a:lstStyle/>
                     <a:p>
                       <a:r>
-                        <a:rPr lang="pt-BR" sz="2000" b="1" i="0" strike="noStrike" cap="all" baseline="0">
+                        <a:rPr lang="pt-BR" sz="2000" b="1" cap="all">
                           <a:solidFill>
-                            <a:srgbClr val="000000"/>
+                            <a:schemeClr val="tx1"/>
                           </a:solidFill>
-                          <a:effectLst/>
-                          <a:latin typeface="Franklin Gothic Book"/>
-                          <a:ea typeface="Franklin Gothic Book"/>
-                          <a:cs typeface="Franklin Gothic Book"/>
                         </a:rPr>
                         <a:t>Região</a:t>
                       </a:r>
@@ -15121,20 +11378,16 @@
                 </a:tc>
                 <a:tc>
                   <a:txBody>
-                    <a:bodyPr vert="horz" wrap="square"/>
+                    <a:bodyPr/>
                     <a:lstStyle/>
                     <a:p>
                       <a:r>
-                        <a:rPr lang="pt-BR" sz="2000" b="1" i="0" strike="noStrike" cap="all" baseline="0">
+                        <a:rPr lang="pt-BR" sz="2000" b="1" cap="all">
                           <a:solidFill>
-                            <a:srgbClr val="000000"/>
+                            <a:schemeClr val="tx1"/>
                           </a:solidFill>
-                          <a:effectLst/>
-                          <a:latin typeface="Franklin Gothic Book"/>
-                          <a:ea typeface="Franklin Gothic Book"/>
-                          <a:cs typeface="Franklin Gothic Book"/>
                         </a:rPr>
-                        <a:t>Tamanho de mercado do chá Chai (USD bilhões)</a:t>
+                        <a:t>Tamanho de mercado do chai (em bilhões de dólares)</a:t>
                       </a:r>
                     </a:p>
                   </a:txBody>
@@ -15156,18 +11409,14 @@
                 </a:tc>
                 <a:tc>
                   <a:txBody>
-                    <a:bodyPr vert="horz" wrap="square"/>
+                    <a:bodyPr/>
                     <a:lstStyle/>
                     <a:p>
                       <a:r>
-                        <a:rPr lang="pt-BR" sz="2000" b="1" i="0" strike="noStrike" cap="all" baseline="0">
+                        <a:rPr lang="pt-BR" sz="2000" b="1" cap="all">
                           <a:solidFill>
-                            <a:srgbClr val="000000"/>
+                            <a:schemeClr val="tx1"/>
                           </a:solidFill>
-                          <a:effectLst/>
-                          <a:latin typeface="Franklin Gothic Book"/>
-                          <a:ea typeface="Franklin Gothic Book"/>
-                          <a:cs typeface="Franklin Gothic Book"/>
                         </a:rPr>
                         <a:t>CAGR (2020-2027)</a:t>
                       </a:r>
@@ -15198,18 +11447,14 @@
               <a:tr h="680116">
                 <a:tc>
                   <a:txBody>
-                    <a:bodyPr vert="horz" wrap="square"/>
+                    <a:bodyPr/>
                     <a:lstStyle/>
                     <a:p>
                       <a:r>
-                        <a:rPr lang="pt-BR" sz="2600" b="0" i="0" strike="noStrike" cap="none" baseline="0">
+                        <a:rPr lang="pt-BR" sz="2600" cap="none">
                           <a:solidFill>
-                            <a:srgbClr val="000000"/>
+                            <a:schemeClr val="tx1"/>
                           </a:solidFill>
-                          <a:effectLst/>
-                          <a:latin typeface="Franklin Gothic Book"/>
-                          <a:ea typeface="Franklin Gothic Book"/>
-                          <a:cs typeface="Franklin Gothic Book"/>
                         </a:rPr>
                         <a:t>Global</a:t>
                       </a:r>
@@ -15238,18 +11483,14 @@
                 </a:tc>
                 <a:tc>
                   <a:txBody>
-                    <a:bodyPr vert="horz" wrap="square"/>
+                    <a:bodyPr/>
                     <a:lstStyle/>
                     <a:p>
                       <a:r>
-                        <a:rPr lang="pt-BR" sz="2600" b="0" i="0" strike="noStrike" cap="none" baseline="0">
+                        <a:rPr lang="pt-BR" sz="2600" cap="none">
                           <a:solidFill>
-                            <a:srgbClr val="000000"/>
+                            <a:schemeClr val="tx1"/>
                           </a:solidFill>
-                          <a:effectLst/>
-                          <a:latin typeface="Franklin Gothic Book"/>
-                          <a:ea typeface="Franklin Gothic Book"/>
-                          <a:cs typeface="Franklin Gothic Book"/>
                         </a:rPr>
                         <a:t>1,9</a:t>
                       </a:r>
@@ -15278,18 +11519,14 @@
                 </a:tc>
                 <a:tc>
                   <a:txBody>
-                    <a:bodyPr vert="horz" wrap="square"/>
+                    <a:bodyPr/>
                     <a:lstStyle/>
                     <a:p>
                       <a:r>
-                        <a:rPr lang="pt-BR" sz="2600" b="0" i="0" strike="noStrike" cap="none" baseline="0">
+                        <a:rPr lang="pt-BR" sz="2600" cap="none">
                           <a:solidFill>
-                            <a:srgbClr val="000000"/>
+                            <a:schemeClr val="tx1"/>
                           </a:solidFill>
-                          <a:effectLst/>
-                          <a:latin typeface="Franklin Gothic Book"/>
-                          <a:ea typeface="Franklin Gothic Book"/>
-                          <a:cs typeface="Franklin Gothic Book"/>
                         </a:rPr>
                         <a:t>5,5%</a:t>
                       </a:r>
@@ -15325,18 +11562,14 @@
               <a:tr h="1077264">
                 <a:tc>
                   <a:txBody>
-                    <a:bodyPr vert="horz" wrap="square"/>
+                    <a:bodyPr/>
                     <a:lstStyle/>
                     <a:p>
                       <a:r>
-                        <a:rPr lang="pt-BR" sz="2600" b="0" i="0" strike="noStrike" cap="none" baseline="0">
+                        <a:rPr lang="pt-BR" sz="2600" cap="none">
                           <a:solidFill>
-                            <a:srgbClr val="000000"/>
+                            <a:schemeClr val="tx1"/>
                           </a:solidFill>
-                          <a:effectLst/>
-                          <a:latin typeface="Franklin Gothic Book"/>
-                          <a:ea typeface="Franklin Gothic Book"/>
-                          <a:cs typeface="Franklin Gothic Book"/>
                         </a:rPr>
                         <a:t>América Latina</a:t>
                       </a:r>
@@ -15368,20 +11601,16 @@
                 </a:tc>
                 <a:tc>
                   <a:txBody>
-                    <a:bodyPr vert="horz" wrap="square"/>
+                    <a:bodyPr/>
                     <a:lstStyle/>
                     <a:p>
                       <a:r>
-                        <a:rPr lang="pt-BR" sz="2600" b="0" i="0" strike="noStrike" cap="none" baseline="0">
+                        <a:rPr lang="pt-BR" sz="2600" cap="none">
                           <a:solidFill>
-                            <a:srgbClr val="000000"/>
+                            <a:schemeClr val="tx1"/>
                           </a:solidFill>
-                          <a:effectLst/>
-                          <a:latin typeface="Franklin Gothic Book"/>
-                          <a:ea typeface="Franklin Gothic Book"/>
-                          <a:cs typeface="Franklin Gothic Book"/>
                         </a:rPr>
-                        <a:t>N/A</a:t>
+                        <a:t>N/D</a:t>
                       </a:r>
                     </a:p>
                   </a:txBody>
@@ -15411,20 +11640,16 @@
                 </a:tc>
                 <a:tc>
                   <a:txBody>
-                    <a:bodyPr vert="horz" wrap="square"/>
+                    <a:bodyPr/>
                     <a:lstStyle/>
                     <a:p>
                       <a:r>
-                        <a:rPr lang="pt-BR" sz="2600" b="0" i="0" strike="noStrike" cap="none" baseline="0">
+                        <a:rPr lang="pt-BR" sz="2600" cap="none">
                           <a:solidFill>
-                            <a:srgbClr val="000000"/>
+                            <a:schemeClr val="tx1"/>
                           </a:solidFill>
-                          <a:effectLst/>
-                          <a:latin typeface="Franklin Gothic Book"/>
-                          <a:ea typeface="Franklin Gothic Book"/>
-                          <a:cs typeface="Franklin Gothic Book"/>
                         </a:rPr>
-                        <a:t>6.2%</a:t>
+                        <a:t>6,2%</a:t>
                       </a:r>
                     </a:p>
                   </a:txBody>
@@ -15462,77 +11687,6 @@
           </a:graphicData>
         </a:graphic>
       </p:graphicFrame>
-      <p:sp>
-        <p:nvSpPr>
-          <p:cNvPr id="20" name="TextBox"/>
-          <p:cNvSpPr txBox="1">
-            <a:spLocks noGrp="1" noSelect="1" noRot="1" noMove="1"/>
-          </p:cNvSpPr>
-          <p:nvPr/>
-        </p:nvSpPr>
-        <p:spPr>
-          <a:xfrm>
-            <a:off x="2890520" y="2644140"/>
-            <a:ext cx="6411372" cy="1569660"/>
-          </a:xfrm>
-          <a:prstGeom prst="rect">
-            <a:avLst/>
-          </a:prstGeom>
-          <a:noFill/>
-        </p:spPr>
-        <p:txBody>
-          <a:bodyPr wrap="none" rtlCol="0" anchor="ctr" anchorCtr="1">
-            <a:spAutoFit/>
-          </a:bodyPr>
-          <a:lstStyle>
-            <a:lvl1pPr algn="l">
-              <a:lnSpc>
-                <a:spcPct val="150000"/>
-              </a:lnSpc>
-              <a:spcBef>
-                <a:spcPct val="0"/>
-              </a:spcBef>
-              <a:spcAft>
-                <a:spcPct val="0"/>
-              </a:spcAft>
-              <a:defRPr lang="en-US" sz="3200" b="1" noProof="1" dirty="0">
-                <a:solidFill>
-                  <a:prstClr val="red">
-                    <a:lumOff val="30000"/>
-                    <a:alpha val="40000"/>
-                  </a:prstClr>
-                </a:solidFill>
-                <a:effectLst>
-                  <a:outerShdw blurRad="50800" dist="38100" algn="tr" rotWithShape="0">
-                    <a:prstClr val="black">
-                      <a:alpha val="80000"/>
-                    </a:prstClr>
-                  </a:outerShdw>
-                </a:effectLst>
-                <a:latin typeface="Calibri" pitchFamily="34" charset="0"/>
-              </a:defRPr>
-            </a:lvl1pPr>
-          </a:lstStyle>
-          <a:p>
-            <a:pPr algn="ctr"/>
-            <a:r>
-              <a:t>Evaluation only.</a:t>
-            </a:r>
-          </a:p>
-          <a:p>
-            <a:pPr algn="ctr"/>
-            <a:r>
-              <a:t>Created with Aspose.Slides for Java 23.6.</a:t>
-            </a:r>
-          </a:p>
-          <a:p>
-            <a:pPr algn="ctr"/>
-            <a:r>
-              <a:t>Copyright 2004-2023 Aspose Pty Ltd.</a:t>
-            </a:r>
-          </a:p>
-        </p:txBody>
-      </p:sp>
     </p:spTree>
     <p:extLst>
       <p:ext uri="{BB962C8B-B14F-4D97-AF65-F5344CB8AC3E}">
@@ -15543,14 +11697,12 @@
   <p:clrMapOvr>
     <a:masterClrMapping/>
   </p:clrMapOvr>
-  <p:transition/>
-  <p:timing/>
 </p:sld>
 </file>
 
 <file path=ppt/slides/slide8.xml><?xml version="1.0" encoding="utf-8"?>
-<p:sld xmlns:a="http://schemas.openxmlformats.org/drawingml/2006/main" xmlns:r="http://schemas.openxmlformats.org/officeDocument/2006/relationships" xmlns:m="http://schemas.openxmlformats.org/officeDocument/2006/math" xmlns:w="http://schemas.openxmlformats.org/wordprocessingml/2006/main" xmlns:wp="http://schemas.openxmlformats.org/drawingml/2006/wordprocessingDrawing" xmlns:a14="http://schemas.microsoft.com/office/drawing/2010/main" xmlns:mc="http://schemas.openxmlformats.org/markup-compatibility/2006" xmlns:p14="http://schemas.microsoft.com/office/powerpoint/2010/main" xmlns:p15="http://schemas.microsoft.com/office/powerpoint/2012/main" xmlns:p159="http://schemas.microsoft.com/office/powerpoint/2015/09/main" xmlns:p="http://schemas.openxmlformats.org/presentationml/2006/main">
-  <p:cSld name="">
+<p:sld xmlns:a="http://schemas.openxmlformats.org/drawingml/2006/main" xmlns:r="http://schemas.openxmlformats.org/officeDocument/2006/relationships" xmlns:p="http://schemas.openxmlformats.org/presentationml/2006/main">
+  <p:cSld>
     <p:bg>
       <p:bgPr>
         <a:solidFill>
@@ -15569,6 +11721,8 @@
         <a:xfrm>
           <a:off x="0" y="0"/>
           <a:ext cx="0" cy="0"/>
+          <a:chOff x="0" y="0"/>
+          <a:chExt cx="0" cy="0"/>
         </a:xfrm>
       </p:grpSpPr>
       <p:sp useBgFill="1">
@@ -15612,7 +11766,7 @@
               <a:shade val="50000"/>
             </a:schemeClr>
           </a:lnRef>
-          <a:fillRef idx="4294967295">
+          <a:fillRef idx="1001">
             <a:schemeClr val="lt1"/>
           </a:fillRef>
           <a:effectRef idx="0">
@@ -15722,14 +11876,10 @@
           <a:lstStyle/>
           <a:p>
             <a:r>
-              <a:rPr lang="pt-BR" sz="4400" b="0" i="0" strike="noStrike" cap="none" baseline="0">
+              <a:rPr lang="pt-BR" sz="4400">
                 <a:solidFill>
                   <a:srgbClr val="FFFFFF"/>
                 </a:solidFill>
-                <a:effectLst/>
-                <a:latin typeface="Bookman Old Style"/>
-                <a:ea typeface="Bookman Old Style"/>
-                <a:cs typeface="Bookman Old Style"/>
               </a:rPr>
               <a:t>Canais de distribuição: varejistas</a:t>
             </a:r>
@@ -15754,8 +11904,8 @@
         </p:nvSpPr>
         <p:spPr>
           <a:xfrm>
-            <a:off x="5231958" y="605896"/>
-            <a:ext cx="5923721" cy="5646208"/>
+            <a:off x="5231958" y="461116"/>
+            <a:ext cx="6243762" cy="5863484"/>
           </a:xfrm>
         </p:spPr>
         <p:txBody>
@@ -15765,175 +11915,48 @@
           <a:lstStyle/>
           <a:p>
             <a:r>
-              <a:rPr lang="pt-BR" sz="2200" b="0" i="0" strike="noStrike" cap="none" baseline="0">
-                <a:solidFill>
-                  <a:srgbClr val="404040"/>
-                </a:solidFill>
-                <a:effectLst/>
-                <a:latin typeface="Franklin Gothic Book"/>
-                <a:ea typeface="Franklin Gothic Book"/>
-                <a:cs typeface="Franklin Gothic Book"/>
-              </a:rPr>
-              <a:t>Varejistas: venda de produtos de chá Chai diretamente a consumidores</a:t>
+              <a:rPr lang="pt-BR" sz="2200" dirty="0"/>
+              <a:t>Varejistas: vendem produtos de chai diretamente para os clientes</a:t>
             </a:r>
           </a:p>
           <a:p>
             <a:pPr lvl="1"/>
             <a:r>
-              <a:rPr lang="pt-BR" sz="2200" b="0" i="0" strike="noStrike" cap="none" baseline="0">
-                <a:solidFill>
-                  <a:srgbClr val="404040"/>
-                </a:solidFill>
-                <a:effectLst/>
-                <a:latin typeface="Franklin Gothic Book"/>
-                <a:ea typeface="Franklin Gothic Book"/>
-                <a:cs typeface="Franklin Gothic Book"/>
-              </a:rPr>
+              <a:rPr lang="pt-BR" sz="2200" dirty="0"/>
               <a:t>Supermercados, lojas de conveniência, lojas especializadas, cafeterias e plataformas online</a:t>
             </a:r>
           </a:p>
           <a:p>
             <a:pPr lvl="1"/>
             <a:r>
-              <a:rPr lang="pt-BR" sz="2200" b="0" i="0" strike="noStrike" cap="none" baseline="0">
-                <a:solidFill>
-                  <a:srgbClr val="404040"/>
-                </a:solidFill>
-                <a:effectLst/>
-                <a:latin typeface="Franklin Gothic Book"/>
-                <a:ea typeface="Franklin Gothic Book"/>
-                <a:cs typeface="Franklin Gothic Book"/>
-              </a:rPr>
+              <a:rPr lang="pt-BR" sz="2200" dirty="0"/>
               <a:t>Influenciam a percepção, a preferência e a compra do consumidor</a:t>
             </a:r>
           </a:p>
           <a:p>
             <a:pPr lvl="1"/>
             <a:r>
-              <a:rPr lang="pt-BR" sz="2200" b="0" i="0" strike="noStrike" cap="none" baseline="0">
-                <a:solidFill>
-                  <a:srgbClr val="404040"/>
-                </a:solidFill>
-                <a:effectLst/>
-                <a:latin typeface="Franklin Gothic Book"/>
-                <a:ea typeface="Franklin Gothic Book"/>
-                <a:cs typeface="Franklin Gothic Book"/>
-              </a:rPr>
+              <a:rPr lang="pt-BR" sz="2200" dirty="0"/>
               <a:t>Oferecem suporte promocional e de merchandising</a:t>
             </a:r>
           </a:p>
           <a:p>
             <a:pPr lvl="1"/>
             <a:r>
-              <a:rPr lang="pt-BR" sz="2200" b="0" i="0" strike="noStrike" cap="none" baseline="0">
-                <a:solidFill>
-                  <a:srgbClr val="404040"/>
-                </a:solidFill>
-                <a:effectLst/>
-                <a:latin typeface="Franklin Gothic Book"/>
-                <a:ea typeface="Franklin Gothic Book"/>
-                <a:cs typeface="Franklin Gothic Book"/>
-              </a:rPr>
+              <a:rPr lang="pt-BR" sz="2200" dirty="0"/>
               <a:t>Principais varejistas</a:t>
             </a:r>
           </a:p>
           <a:p>
             <a:r>
-              <a:rPr lang="pt-BR" sz="2200" b="0" i="0" strike="noStrike" cap="none" baseline="0">
-                <a:solidFill>
-                  <a:srgbClr val="404040"/>
-                </a:solidFill>
-                <a:effectLst/>
-                <a:latin typeface="Franklin Gothic Book"/>
-                <a:ea typeface="Franklin Gothic Book"/>
-                <a:cs typeface="Franklin Gothic Book"/>
-              </a:rPr>
-              <a:t>Atacadistas: venda de produtos de chá Chai a granel para varejistas</a:t>
-            </a:r>
-          </a:p>
-          <a:p>
-            <a:r>
-              <a:rPr lang="pt-BR" sz="2200" b="0" i="0" strike="noStrike" cap="none" baseline="0">
-                <a:solidFill>
-                  <a:srgbClr val="404040"/>
-                </a:solidFill>
-                <a:effectLst/>
-                <a:latin typeface="Franklin Gothic Book"/>
-                <a:ea typeface="Franklin Gothic Book"/>
-                <a:cs typeface="Franklin Gothic Book"/>
-              </a:rPr>
-              <a:t>Distribuidores: transporte de produtos de chá Chai de fabricantes para varejistas</a:t>
-            </a:r>
-          </a:p>
-        </p:txBody>
-      </p:sp>
-      <p:sp>
-        <p:nvSpPr>
-          <p:cNvPr id="11" name="TextBox"/>
-          <p:cNvSpPr txBox="1">
-            <a:spLocks noGrp="1" noSelect="1" noRot="1" noMove="1"/>
-          </p:cNvSpPr>
-          <p:nvPr/>
-        </p:nvSpPr>
-        <p:spPr>
-          <a:xfrm>
-            <a:off x="2890520" y="2644140"/>
-            <a:ext cx="6411372" cy="1569660"/>
-          </a:xfrm>
-          <a:prstGeom prst="rect">
-            <a:avLst/>
-          </a:prstGeom>
-          <a:noFill/>
-        </p:spPr>
-        <p:txBody>
-          <a:bodyPr wrap="none" rtlCol="0" anchor="ctr" anchorCtr="1">
-            <a:spAutoFit/>
-          </a:bodyPr>
-          <a:lstStyle>
-            <a:lvl1pPr algn="l">
-              <a:lnSpc>
-                <a:spcPct val="150000"/>
-              </a:lnSpc>
-              <a:spcBef>
-                <a:spcPct val="0"/>
-              </a:spcBef>
-              <a:spcAft>
-                <a:spcPct val="0"/>
-              </a:spcAft>
-              <a:defRPr lang="en-US" sz="3200" b="1" noProof="1" dirty="0">
-                <a:solidFill>
-                  <a:prstClr val="red">
-                    <a:lumOff val="30000"/>
-                    <a:alpha val="40000"/>
-                  </a:prstClr>
-                </a:solidFill>
-                <a:effectLst>
-                  <a:outerShdw blurRad="50800" dist="38100" algn="tr" rotWithShape="0">
-                    <a:prstClr val="black">
-                      <a:alpha val="80000"/>
-                    </a:prstClr>
-                  </a:outerShdw>
-                </a:effectLst>
-                <a:latin typeface="Calibri" pitchFamily="34" charset="0"/>
-              </a:defRPr>
-            </a:lvl1pPr>
-          </a:lstStyle>
-          <a:p>
-            <a:pPr algn="ctr"/>
-            <a:r>
-              <a:t>Evaluation only.</a:t>
-            </a:r>
-          </a:p>
-          <a:p>
-            <a:pPr algn="ctr"/>
-            <a:r>
-              <a:t>Created with Aspose.Slides for Java 23.6.</a:t>
-            </a:r>
-          </a:p>
-          <a:p>
-            <a:pPr algn="ctr"/>
-            <a:r>
-              <a:t>Copyright 2004-2023 Aspose Pty Ltd.</a:t>
+              <a:rPr lang="pt-BR" sz="2200" dirty="0"/>
+              <a:t>Atacadistas: vendem produtos de chai em grandes quantidades para os varejistas</a:t>
+            </a:r>
+          </a:p>
+          <a:p>
+            <a:r>
+              <a:rPr lang="pt-BR" sz="2200" dirty="0"/>
+              <a:t>Distribuidores: transportam produtos de chai dos fabricantes aos varejistas</a:t>
             </a:r>
           </a:p>
         </p:txBody>
@@ -15948,14 +11971,12 @@
   <p:clrMapOvr>
     <a:masterClrMapping/>
   </p:clrMapOvr>
-  <p:transition/>
-  <p:timing/>
 </p:sld>
 </file>
 
 <file path=ppt/slides/slide9.xml><?xml version="1.0" encoding="utf-8"?>
-<p:sld xmlns:a="http://schemas.openxmlformats.org/drawingml/2006/main" xmlns:r="http://schemas.openxmlformats.org/officeDocument/2006/relationships" xmlns:m="http://schemas.openxmlformats.org/officeDocument/2006/math" xmlns:w="http://schemas.openxmlformats.org/wordprocessingml/2006/main" xmlns:wp="http://schemas.openxmlformats.org/drawingml/2006/wordprocessingDrawing" xmlns:a14="http://schemas.microsoft.com/office/drawing/2010/main" xmlns:mc="http://schemas.openxmlformats.org/markup-compatibility/2006" xmlns:p14="http://schemas.microsoft.com/office/powerpoint/2010/main" xmlns:p15="http://schemas.microsoft.com/office/powerpoint/2012/main" xmlns:p159="http://schemas.microsoft.com/office/powerpoint/2015/09/main" xmlns:p="http://schemas.openxmlformats.org/presentationml/2006/main">
-  <p:cSld name="">
+<p:sld xmlns:a="http://schemas.openxmlformats.org/drawingml/2006/main" xmlns:r="http://schemas.openxmlformats.org/officeDocument/2006/relationships" xmlns:p="http://schemas.openxmlformats.org/presentationml/2006/main">
+  <p:cSld>
     <p:bg>
       <p:bgPr>
         <a:solidFill>
@@ -15974,6 +11995,8 @@
         <a:xfrm>
           <a:off x="0" y="0"/>
           <a:ext cx="0" cy="0"/>
+          <a:chOff x="0" y="0"/>
+          <a:chExt cx="0" cy="0"/>
         </a:xfrm>
       </p:grpSpPr>
       <p:sp useBgFill="1">
@@ -16017,7 +12040,7 @@
               <a:shade val="50000"/>
             </a:schemeClr>
           </a:lnRef>
-          <a:fillRef idx="4294967295">
+          <a:fillRef idx="1001">
             <a:schemeClr val="lt1"/>
           </a:fillRef>
           <a:effectRef idx="0">
@@ -16127,14 +12150,10 @@
           <a:lstStyle/>
           <a:p>
             <a:r>
-              <a:rPr lang="pt-BR" sz="4400" b="0" i="0" strike="noStrike" cap="none" baseline="0">
+              <a:rPr lang="pt-BR" sz="4400">
                 <a:solidFill>
                   <a:srgbClr val="FFFFFF"/>
                 </a:solidFill>
-                <a:effectLst/>
-                <a:latin typeface="Bookman Old Style"/>
-                <a:ea typeface="Bookman Old Style"/>
-                <a:cs typeface="Bookman Old Style"/>
               </a:rPr>
               <a:t>Canais de distribuição: atacadistas</a:t>
             </a:r>
@@ -16170,145 +12189,34 @@
           <a:lstStyle/>
           <a:p>
             <a:r>
-              <a:rPr lang="pt-BR" sz="2400" b="0" i="0" strike="noStrike" cap="none" baseline="0">
-                <a:solidFill>
-                  <a:srgbClr val="404040"/>
-                </a:solidFill>
-                <a:effectLst/>
-                <a:latin typeface="Franklin Gothic Book"/>
-                <a:ea typeface="Franklin Gothic Book"/>
-                <a:cs typeface="Franklin Gothic Book"/>
-              </a:rPr>
+              <a:rPr lang="pt-BR" sz="2400" dirty="0"/>
               <a:t>Os atacadistas compram produtos de chai em grandes quantidades de fabricantes ou distribuidores</a:t>
             </a:r>
           </a:p>
           <a:p>
             <a:pPr lvl="1"/>
             <a:r>
-              <a:rPr lang="pt-BR" sz="2400" b="0" i="0" strike="noStrike" cap="none" baseline="0">
-                <a:solidFill>
-                  <a:srgbClr val="404040"/>
-                </a:solidFill>
-                <a:effectLst/>
-                <a:latin typeface="Franklin Gothic Book"/>
-                <a:ea typeface="Franklin Gothic Book"/>
-                <a:cs typeface="Franklin Gothic Book"/>
-              </a:rPr>
+              <a:rPr lang="pt-BR" sz="2400" dirty="0"/>
               <a:t>Vendem para varejistas ou outros intermediários</a:t>
             </a:r>
           </a:p>
           <a:p>
             <a:r>
-              <a:rPr lang="pt-BR" sz="2400" b="0" i="0" strike="noStrike" cap="none" baseline="0">
-                <a:solidFill>
-                  <a:srgbClr val="404040"/>
-                </a:solidFill>
-                <a:effectLst/>
-                <a:latin typeface="Franklin Gothic Book"/>
-                <a:ea typeface="Franklin Gothic Book"/>
-                <a:cs typeface="Franklin Gothic Book"/>
-              </a:rPr>
+              <a:rPr lang="pt-BR" sz="2400" dirty="0"/>
               <a:t>Ajudam a garantir um suprimento consistente e eficiente dos produtos</a:t>
             </a:r>
           </a:p>
           <a:p>
             <a:pPr lvl="1"/>
             <a:r>
-              <a:rPr lang="pt-BR" sz="2400" b="0" i="0" strike="noStrike" cap="none" baseline="0">
-                <a:solidFill>
-                  <a:srgbClr val="404040"/>
-                </a:solidFill>
-                <a:effectLst/>
-                <a:latin typeface="Franklin Gothic Book"/>
-                <a:ea typeface="Franklin Gothic Book"/>
-                <a:cs typeface="Franklin Gothic Book"/>
-              </a:rPr>
+              <a:rPr lang="pt-BR" sz="2400" dirty="0"/>
               <a:t>Facilitam a logística e a distribuição dos produtos de chai</a:t>
             </a:r>
           </a:p>
           <a:p>
             <a:r>
-              <a:rPr lang="pt-BR" sz="2400" b="0" i="0" strike="noStrike" cap="none" baseline="0">
-                <a:solidFill>
-                  <a:srgbClr val="404040"/>
-                </a:solidFill>
-                <a:effectLst/>
-                <a:latin typeface="Franklin Gothic Book"/>
-                <a:ea typeface="Franklin Gothic Book"/>
-                <a:cs typeface="Franklin Gothic Book"/>
-              </a:rPr>
+              <a:rPr lang="pt-BR" sz="2400" dirty="0"/>
               <a:t>Fornecem informações de mercado, feedback e facilidades de crédito</a:t>
-            </a:r>
-          </a:p>
-        </p:txBody>
-      </p:sp>
-      <p:sp>
-        <p:nvSpPr>
-          <p:cNvPr id="11" name="TextBox"/>
-          <p:cNvSpPr txBox="1">
-            <a:spLocks noGrp="1" noSelect="1" noRot="1" noMove="1"/>
-          </p:cNvSpPr>
-          <p:nvPr/>
-        </p:nvSpPr>
-        <p:spPr>
-          <a:xfrm>
-            <a:off x="2890520" y="2644140"/>
-            <a:ext cx="6411372" cy="1569660"/>
-          </a:xfrm>
-          <a:prstGeom prst="rect">
-            <a:avLst/>
-          </a:prstGeom>
-          <a:noFill/>
-        </p:spPr>
-        <p:txBody>
-          <a:bodyPr wrap="none" rtlCol="0" anchor="ctr" anchorCtr="1">
-            <a:spAutoFit/>
-          </a:bodyPr>
-          <a:lstStyle>
-            <a:lvl1pPr algn="l">
-              <a:lnSpc>
-                <a:spcPct val="150000"/>
-              </a:lnSpc>
-              <a:spcBef>
-                <a:spcPct val="0"/>
-              </a:spcBef>
-              <a:spcAft>
-                <a:spcPct val="0"/>
-              </a:spcAft>
-              <a:defRPr lang="en-US" sz="3200" b="1" noProof="1" dirty="0">
-                <a:solidFill>
-                  <a:prstClr val="red">
-                    <a:lumOff val="30000"/>
-                    <a:alpha val="40000"/>
-                  </a:prstClr>
-                </a:solidFill>
-                <a:effectLst>
-                  <a:outerShdw blurRad="50800" dist="38100" algn="tr" rotWithShape="0">
-                    <a:prstClr val="black">
-                      <a:alpha val="80000"/>
-                    </a:prstClr>
-                  </a:outerShdw>
-                </a:effectLst>
-                <a:latin typeface="Calibri" pitchFamily="34" charset="0"/>
-              </a:defRPr>
-            </a:lvl1pPr>
-          </a:lstStyle>
-          <a:p>
-            <a:pPr algn="ctr"/>
-            <a:r>
-              <a:t>Evaluation only.</a:t>
-            </a:r>
-          </a:p>
-          <a:p>
-            <a:pPr algn="ctr"/>
-            <a:r>
-              <a:t>Created with Aspose.Slides for Java 23.6.</a:t>
-            </a:r>
-          </a:p>
-          <a:p>
-            <a:pPr algn="ctr"/>
-            <a:r>
-              <a:t>Copyright 2004-2023 Aspose Pty Ltd.</a:t>
             </a:r>
           </a:p>
         </p:txBody>
@@ -16323,22 +12231,11 @@
   <p:clrMapOvr>
     <a:masterClrMapping/>
   </p:clrMapOvr>
-  <p:transition/>
-  <p:timing/>
 </p:sld>
 </file>
 
-<file path=ppt/tags/tag1.xml><?xml version="1.0" encoding="utf-8"?>
-<p:tagLst xmlns:p="http://schemas.openxmlformats.org/presentationml/2006/main">
-  <p:tag name="AS_OS" val="Microsoft Windows NT 10.0"/>
-  <p:tag name="AS_RELEASE_DATE" val="2023.06.30"/>
-  <p:tag name="AS_TITLE" val="Aspose.Slides for Java"/>
-  <p:tag name="AS_VERSION" val="23.6"/>
-</p:tagLst>
-</file>
-
 <file path=ppt/theme/theme1.xml><?xml version="1.0" encoding="utf-8"?>
-<a:theme xmlns:r="http://schemas.openxmlformats.org/officeDocument/2006/relationships" xmlns:a="http://schemas.openxmlformats.org/drawingml/2006/main" name="RetrospectVTI">
+<a:theme xmlns:a="http://schemas.openxmlformats.org/drawingml/2006/main" name="RetrospectVTI">
   <a:themeElements>
     <a:clrScheme name="Office">
       <a:dk1>
@@ -16380,9 +12277,9 @@
     </a:clrScheme>
     <a:fontScheme name="Retrospect">
       <a:majorFont>
-        <a:latin typeface="Bookman Old Style" panose="020f0302020204030204"/>
-        <a:ea typeface="Bookman Old Style" panose="020f0302020204030204"/>
-        <a:cs typeface="Arial"/>
+        <a:latin typeface="Bookman Old Style" panose="020F0302020204030204"/>
+        <a:ea typeface=""/>
+        <a:cs typeface=""/>
         <a:font script="Jpan" typeface="ＭＳ Ｐゴシック"/>
         <a:font script="Hang" typeface="맑은 고딕"/>
         <a:font script="Hans" typeface="宋体"/>
@@ -16415,9 +12312,9 @@
         <a:font script="Geor" typeface="Sylfaen"/>
       </a:majorFont>
       <a:minorFont>
-        <a:latin typeface="Franklin Gothic Book" panose="020f0502020204030204"/>
-        <a:ea typeface="Franklin Gothic Book" panose="020f0502020204030204"/>
-        <a:cs typeface="Arial"/>
+        <a:latin typeface="Franklin Gothic Book" panose="020F0502020204030204"/>
+        <a:ea typeface=""/>
+        <a:cs typeface=""/>
         <a:font script="Jpan" typeface="ＭＳ Ｐゴシック"/>
         <a:font script="Hang" typeface="맑은 고딕"/>
         <a:font script="Hans" typeface="宋体"/>
@@ -16611,6 +12508,7 @@
     </a:fmtScheme>
   </a:themeElements>
   <a:objectDefaults/>
+  <a:extraClrSchemeLst/>
   <a:extLst>
     <a:ext uri="{05A4C25C-085E-4340-85A3-A5531E510DB2}">
       <thm15:themeFamily xmlns:thm15="http://schemas.microsoft.com/office/thememl/2012/main" name="RetrospectVTI" id="{ABE3C30C-0FC0-4450-828E-52DE70F1BCCB}" vid="{A6E2497D-935A-4CFD-B9FD-6DCB15FA68BF}"/>
@@ -16620,7 +12518,7 @@
 </file>
 
 <file path=ppt/theme/theme2.xml><?xml version="1.0" encoding="utf-8"?>
-<a:theme xmlns:r="http://schemas.openxmlformats.org/officeDocument/2006/relationships" xmlns:a="http://schemas.openxmlformats.org/drawingml/2006/main" name="Office Theme">
+<a:theme xmlns:a="http://schemas.openxmlformats.org/drawingml/2006/main" name="Office Theme">
   <a:themeElements>
     <a:clrScheme name="Office">
       <a:dk1>
@@ -16663,8 +12561,8 @@
     <a:fontScheme name="Office">
       <a:majorFont>
         <a:latin typeface="Aptos Display" panose="02110004020202020204"/>
-        <a:ea typeface="Aptos Display" panose="02110004020202020204"/>
-        <a:cs typeface="Arial"/>
+        <a:ea typeface=""/>
+        <a:cs typeface=""/>
         <a:font script="Jpan" typeface="游ゴシック Light"/>
         <a:font script="Hang" typeface="맑은 고딕"/>
         <a:font script="Hans" typeface="等线 Light"/>
@@ -16715,8 +12613,8 @@
       </a:majorFont>
       <a:minorFont>
         <a:latin typeface="Aptos" panose="02110004020202020204"/>
-        <a:ea typeface="Aptos" panose="02110004020202020204"/>
-        <a:cs typeface="Arial"/>
+        <a:ea typeface=""/>
+        <a:cs typeface=""/>
         <a:font script="Jpan" typeface="游ゴシック"/>
         <a:font script="Hang" typeface="맑은 고딕"/>
         <a:font script="Hans" typeface="等线"/>
@@ -16925,6 +12823,7 @@
       </a:style>
     </a:lnDef>
   </a:objectDefaults>
+  <a:extraClrSchemeLst/>
   <a:extLst>
     <a:ext uri="{05A4C25C-085E-4340-85A3-A5531E510DB2}">
       <thm15:themeFamily xmlns:thm15="http://schemas.microsoft.com/office/thememl/2012/main" name="Office Theme" id="{2E142A2C-CD16-42D6-873A-C26D2A0506FA}" vid="{1BDDFF52-6CD6-40A5-AB3C-68EB2F1E4D0A}"/>
